--- a/WAD/lectures/110--Javascript.Forms.pptx
+++ b/WAD/lectures/110--Javascript.Forms.pptx
@@ -10,12 +10,12 @@
   <p:sldIdLst>
     <p:sldId id="256" r:id="rId2"/>
     <p:sldId id="257" r:id="rId3"/>
-    <p:sldId id="258" r:id="rId4"/>
-    <p:sldId id="259" r:id="rId5"/>
-    <p:sldId id="260" r:id="rId6"/>
-    <p:sldId id="261" r:id="rId7"/>
-    <p:sldId id="262" r:id="rId8"/>
-    <p:sldId id="263" r:id="rId9"/>
+    <p:sldId id="259" r:id="rId4"/>
+    <p:sldId id="260" r:id="rId5"/>
+    <p:sldId id="261" r:id="rId6"/>
+    <p:sldId id="262" r:id="rId7"/>
+    <p:sldId id="276" r:id="rId8"/>
+    <p:sldId id="277" r:id="rId9"/>
     <p:sldId id="264" r:id="rId10"/>
     <p:sldId id="265" r:id="rId11"/>
     <p:sldId id="266" r:id="rId12"/>
@@ -292,7 +292,7 @@
         <p:nvSpPr>
           <p:cNvPr id="28676" name="Rectangle 4"/>
           <p:cNvSpPr>
-            <a:spLocks noRot="1" noChangeArrowheads="1" noTextEdit="1"/>
+            <a:spLocks noGrp="1" noRot="1" noChangeAspect="1" noChangeArrowheads="1" noTextEdit="1"/>
           </p:cNvSpPr>
           <p:nvPr>
             <p:ph type="sldImg" idx="2"/>
@@ -789,7 +789,7 @@
         <p:nvSpPr>
           <p:cNvPr id="29699" name="Rectangle 1"/>
           <p:cNvSpPr>
-            <a:spLocks noChangeArrowheads="1" noTextEdit="1"/>
+            <a:spLocks noGrp="1" noRot="1" noChangeAspect="1" noChangeArrowheads="1" noTextEdit="1"/>
           </p:cNvSpPr>
           <p:nvPr>
             <p:ph type="sldImg"/>
@@ -806,7 +806,7 @@
         <p:nvSpPr>
           <p:cNvPr id="29700" name="Rectangle 2"/>
           <p:cNvSpPr>
-            <a:spLocks noChangeArrowheads="1"/>
+            <a:spLocks noGrp="1" noChangeArrowheads="1"/>
           </p:cNvSpPr>
           <p:nvPr>
             <p:ph type="body" idx="1"/>
@@ -882,496 +882,6 @@
       </p:grpSpPr>
       <p:sp>
         <p:nvSpPr>
-          <p:cNvPr id="38914" name="Rectangle 8"/>
-          <p:cNvSpPr>
-            <a:spLocks noGrp="1" noChangeArrowheads="1"/>
-          </p:cNvSpPr>
-          <p:nvPr>
-            <p:ph type="sldNum" sz="quarter" idx="5"/>
-          </p:nvPr>
-        </p:nvSpPr>
-        <p:spPr>
-          <a:noFill/>
-          <a:extLst>
-            <a:ext uri="{909E8E84-426E-40DD-AFC4-6F175D3DCCD1}">
-              <a14:hiddenFill xmlns:a14="http://schemas.microsoft.com/office/drawing/2010/main">
-                <a:solidFill>
-                  <a:srgbClr val="FFFFFF"/>
-                </a:solidFill>
-              </a14:hiddenFill>
-            </a:ext>
-            <a:ext uri="{91240B29-F687-4F45-9708-019B960494DF}">
-              <a14:hiddenLine xmlns:a14="http://schemas.microsoft.com/office/drawing/2010/main" w="9525">
-                <a:solidFill>
-                  <a:srgbClr val="000000"/>
-                </a:solidFill>
-                <a:miter lim="800000"/>
-                <a:headEnd/>
-                <a:tailEnd/>
-              </a14:hiddenLine>
-            </a:ext>
-          </a:extLst>
-        </p:spPr>
-        <p:txBody>
-          <a:bodyPr/>
-          <a:lstStyle>
-            <a:lvl1pPr>
-              <a:defRPr sz="2400">
-                <a:solidFill>
-                  <a:schemeClr val="tx1"/>
-                </a:solidFill>
-                <a:latin typeface="Times New Roman" panose="02020603050405020304" pitchFamily="18" charset="0"/>
-              </a:defRPr>
-            </a:lvl1pPr>
-            <a:lvl2pPr marL="742950" indent="-285750">
-              <a:defRPr sz="2400">
-                <a:solidFill>
-                  <a:schemeClr val="tx1"/>
-                </a:solidFill>
-                <a:latin typeface="Times New Roman" panose="02020603050405020304" pitchFamily="18" charset="0"/>
-              </a:defRPr>
-            </a:lvl2pPr>
-            <a:lvl3pPr marL="1143000" indent="-228600">
-              <a:defRPr sz="2400">
-                <a:solidFill>
-                  <a:schemeClr val="tx1"/>
-                </a:solidFill>
-                <a:latin typeface="Times New Roman" panose="02020603050405020304" pitchFamily="18" charset="0"/>
-              </a:defRPr>
-            </a:lvl3pPr>
-            <a:lvl4pPr marL="1600200" indent="-228600">
-              <a:defRPr sz="2400">
-                <a:solidFill>
-                  <a:schemeClr val="tx1"/>
-                </a:solidFill>
-                <a:latin typeface="Times New Roman" panose="02020603050405020304" pitchFamily="18" charset="0"/>
-              </a:defRPr>
-            </a:lvl4pPr>
-            <a:lvl5pPr marL="2057400" indent="-228600">
-              <a:defRPr sz="2400">
-                <a:solidFill>
-                  <a:schemeClr val="tx1"/>
-                </a:solidFill>
-                <a:latin typeface="Times New Roman" panose="02020603050405020304" pitchFamily="18" charset="0"/>
-              </a:defRPr>
-            </a:lvl5pPr>
-            <a:lvl6pPr marL="2514600" indent="-228600" eaLnBrk="0" fontAlgn="base" hangingPunct="0">
-              <a:spcBef>
-                <a:spcPct val="0"/>
-              </a:spcBef>
-              <a:spcAft>
-                <a:spcPct val="0"/>
-              </a:spcAft>
-              <a:defRPr sz="2400">
-                <a:solidFill>
-                  <a:schemeClr val="tx1"/>
-                </a:solidFill>
-                <a:latin typeface="Times New Roman" panose="02020603050405020304" pitchFamily="18" charset="0"/>
-              </a:defRPr>
-            </a:lvl6pPr>
-            <a:lvl7pPr marL="2971800" indent="-228600" eaLnBrk="0" fontAlgn="base" hangingPunct="0">
-              <a:spcBef>
-                <a:spcPct val="0"/>
-              </a:spcBef>
-              <a:spcAft>
-                <a:spcPct val="0"/>
-              </a:spcAft>
-              <a:defRPr sz="2400">
-                <a:solidFill>
-                  <a:schemeClr val="tx1"/>
-                </a:solidFill>
-                <a:latin typeface="Times New Roman" panose="02020603050405020304" pitchFamily="18" charset="0"/>
-              </a:defRPr>
-            </a:lvl7pPr>
-            <a:lvl8pPr marL="3429000" indent="-228600" eaLnBrk="0" fontAlgn="base" hangingPunct="0">
-              <a:spcBef>
-                <a:spcPct val="0"/>
-              </a:spcBef>
-              <a:spcAft>
-                <a:spcPct val="0"/>
-              </a:spcAft>
-              <a:defRPr sz="2400">
-                <a:solidFill>
-                  <a:schemeClr val="tx1"/>
-                </a:solidFill>
-                <a:latin typeface="Times New Roman" panose="02020603050405020304" pitchFamily="18" charset="0"/>
-              </a:defRPr>
-            </a:lvl8pPr>
-            <a:lvl9pPr marL="3886200" indent="-228600" eaLnBrk="0" fontAlgn="base" hangingPunct="0">
-              <a:spcBef>
-                <a:spcPct val="0"/>
-              </a:spcBef>
-              <a:spcAft>
-                <a:spcPct val="0"/>
-              </a:spcAft>
-              <a:defRPr sz="2400">
-                <a:solidFill>
-                  <a:schemeClr val="tx1"/>
-                </a:solidFill>
-                <a:latin typeface="Times New Roman" panose="02020603050405020304" pitchFamily="18" charset="0"/>
-              </a:defRPr>
-            </a:lvl9pPr>
-          </a:lstStyle>
-          <a:p>
-            <a:fld id="{8B51B57F-C5B0-4CFF-A6A8-DB6004DE076F}" type="slidenum">
-              <a:rPr lang="en-US" altLang="en-US" sz="1200"/>
-              <a:pPr/>
-              <a:t>10</a:t>
-            </a:fld>
-            <a:endParaRPr lang="en-US" altLang="en-US" sz="1200"/>
-          </a:p>
-        </p:txBody>
-      </p:sp>
-      <p:sp>
-        <p:nvSpPr>
-          <p:cNvPr id="38915" name="Rectangle 1"/>
-          <p:cNvSpPr>
-            <a:spLocks noChangeArrowheads="1" noTextEdit="1"/>
-          </p:cNvSpPr>
-          <p:nvPr>
-            <p:ph type="sldImg"/>
-          </p:nvPr>
-        </p:nvSpPr>
-        <p:spPr>
-          <a:xfrm>
-            <a:off x="1143000" y="685800"/>
-            <a:ext cx="4570413" cy="3427413"/>
-          </a:xfrm>
-          <a:solidFill>
-            <a:srgbClr val="FFFFFF"/>
-          </a:solidFill>
-          <a:ln/>
-        </p:spPr>
-      </p:sp>
-      <p:sp>
-        <p:nvSpPr>
-          <p:cNvPr id="38916" name="Rectangle 2"/>
-          <p:cNvSpPr>
-            <a:spLocks noChangeArrowheads="1"/>
-          </p:cNvSpPr>
-          <p:nvPr>
-            <p:ph type="body" idx="1"/>
-          </p:nvPr>
-        </p:nvSpPr>
-        <p:spPr>
-          <a:xfrm>
-            <a:off x="685800" y="4343400"/>
-            <a:ext cx="5484813" cy="4113213"/>
-          </a:xfrm>
-          <a:noFill/>
-          <a:extLst>
-            <a:ext uri="{909E8E84-426E-40DD-AFC4-6F175D3DCCD1}">
-              <a14:hiddenFill xmlns:a14="http://schemas.microsoft.com/office/drawing/2010/main">
-                <a:solidFill>
-                  <a:srgbClr val="FFFFFF"/>
-                </a:solidFill>
-              </a14:hiddenFill>
-            </a:ext>
-            <a:ext uri="{91240B29-F687-4F45-9708-019B960494DF}">
-              <a14:hiddenLine xmlns:a14="http://schemas.microsoft.com/office/drawing/2010/main" w="9525">
-                <a:solidFill>
-                  <a:srgbClr val="000000"/>
-                </a:solidFill>
-                <a:miter lim="800000"/>
-                <a:headEnd/>
-                <a:tailEnd/>
-              </a14:hiddenLine>
-            </a:ext>
-          </a:extLst>
-        </p:spPr>
-        <p:txBody>
-          <a:bodyPr wrap="none" anchor="ctr"/>
-          <a:lstStyle/>
-          <a:p>
-            <a:endParaRPr lang="en-US" altLang="en-US" smtClean="0"/>
-          </a:p>
-        </p:txBody>
-      </p:sp>
-    </p:spTree>
-    <p:extLst>
-      <p:ext uri="{BB962C8B-B14F-4D97-AF65-F5344CB8AC3E}">
-        <p14:creationId xmlns:p14="http://schemas.microsoft.com/office/powerpoint/2010/main" val="825657889"/>
-      </p:ext>
-    </p:extLst>
-  </p:cSld>
-  <p:clrMapOvr>
-    <a:masterClrMapping/>
-  </p:clrMapOvr>
-</p:notes>
-</file>
-
-<file path=ppt/notesSlides/notesSlide11.xml><?xml version="1.0" encoding="utf-8"?>
-<p:notes xmlns:a="http://schemas.openxmlformats.org/drawingml/2006/main" xmlns:r="http://schemas.openxmlformats.org/officeDocument/2006/relationships" xmlns:p="http://schemas.openxmlformats.org/presentationml/2006/main">
-  <p:cSld>
-    <p:bg>
-      <p:bgPr>
-        <a:solidFill>
-          <a:srgbClr val="FFFFFF"/>
-        </a:solidFill>
-        <a:effectLst/>
-      </p:bgPr>
-    </p:bg>
-    <p:spTree>
-      <p:nvGrpSpPr>
-        <p:cNvPr id="1" name=""/>
-        <p:cNvGrpSpPr/>
-        <p:nvPr/>
-      </p:nvGrpSpPr>
-      <p:grpSpPr>
-        <a:xfrm>
-          <a:off x="0" y="0"/>
-          <a:ext cx="0" cy="0"/>
-          <a:chOff x="0" y="0"/>
-          <a:chExt cx="0" cy="0"/>
-        </a:xfrm>
-      </p:grpSpPr>
-      <p:sp>
-        <p:nvSpPr>
-          <p:cNvPr id="39938" name="Rectangle 8"/>
-          <p:cNvSpPr>
-            <a:spLocks noGrp="1" noChangeArrowheads="1"/>
-          </p:cNvSpPr>
-          <p:nvPr>
-            <p:ph type="sldNum" sz="quarter" idx="5"/>
-          </p:nvPr>
-        </p:nvSpPr>
-        <p:spPr>
-          <a:noFill/>
-          <a:extLst>
-            <a:ext uri="{909E8E84-426E-40DD-AFC4-6F175D3DCCD1}">
-              <a14:hiddenFill xmlns:a14="http://schemas.microsoft.com/office/drawing/2010/main">
-                <a:solidFill>
-                  <a:srgbClr val="FFFFFF"/>
-                </a:solidFill>
-              </a14:hiddenFill>
-            </a:ext>
-            <a:ext uri="{91240B29-F687-4F45-9708-019B960494DF}">
-              <a14:hiddenLine xmlns:a14="http://schemas.microsoft.com/office/drawing/2010/main" w="9525">
-                <a:solidFill>
-                  <a:srgbClr val="000000"/>
-                </a:solidFill>
-                <a:miter lim="800000"/>
-                <a:headEnd/>
-                <a:tailEnd/>
-              </a14:hiddenLine>
-            </a:ext>
-          </a:extLst>
-        </p:spPr>
-        <p:txBody>
-          <a:bodyPr/>
-          <a:lstStyle>
-            <a:lvl1pPr>
-              <a:defRPr sz="2400">
-                <a:solidFill>
-                  <a:schemeClr val="tx1"/>
-                </a:solidFill>
-                <a:latin typeface="Times New Roman" panose="02020603050405020304" pitchFamily="18" charset="0"/>
-              </a:defRPr>
-            </a:lvl1pPr>
-            <a:lvl2pPr marL="742950" indent="-285750">
-              <a:defRPr sz="2400">
-                <a:solidFill>
-                  <a:schemeClr val="tx1"/>
-                </a:solidFill>
-                <a:latin typeface="Times New Roman" panose="02020603050405020304" pitchFamily="18" charset="0"/>
-              </a:defRPr>
-            </a:lvl2pPr>
-            <a:lvl3pPr marL="1143000" indent="-228600">
-              <a:defRPr sz="2400">
-                <a:solidFill>
-                  <a:schemeClr val="tx1"/>
-                </a:solidFill>
-                <a:latin typeface="Times New Roman" panose="02020603050405020304" pitchFamily="18" charset="0"/>
-              </a:defRPr>
-            </a:lvl3pPr>
-            <a:lvl4pPr marL="1600200" indent="-228600">
-              <a:defRPr sz="2400">
-                <a:solidFill>
-                  <a:schemeClr val="tx1"/>
-                </a:solidFill>
-                <a:latin typeface="Times New Roman" panose="02020603050405020304" pitchFamily="18" charset="0"/>
-              </a:defRPr>
-            </a:lvl4pPr>
-            <a:lvl5pPr marL="2057400" indent="-228600">
-              <a:defRPr sz="2400">
-                <a:solidFill>
-                  <a:schemeClr val="tx1"/>
-                </a:solidFill>
-                <a:latin typeface="Times New Roman" panose="02020603050405020304" pitchFamily="18" charset="0"/>
-              </a:defRPr>
-            </a:lvl5pPr>
-            <a:lvl6pPr marL="2514600" indent="-228600" eaLnBrk="0" fontAlgn="base" hangingPunct="0">
-              <a:spcBef>
-                <a:spcPct val="0"/>
-              </a:spcBef>
-              <a:spcAft>
-                <a:spcPct val="0"/>
-              </a:spcAft>
-              <a:defRPr sz="2400">
-                <a:solidFill>
-                  <a:schemeClr val="tx1"/>
-                </a:solidFill>
-                <a:latin typeface="Times New Roman" panose="02020603050405020304" pitchFamily="18" charset="0"/>
-              </a:defRPr>
-            </a:lvl6pPr>
-            <a:lvl7pPr marL="2971800" indent="-228600" eaLnBrk="0" fontAlgn="base" hangingPunct="0">
-              <a:spcBef>
-                <a:spcPct val="0"/>
-              </a:spcBef>
-              <a:spcAft>
-                <a:spcPct val="0"/>
-              </a:spcAft>
-              <a:defRPr sz="2400">
-                <a:solidFill>
-                  <a:schemeClr val="tx1"/>
-                </a:solidFill>
-                <a:latin typeface="Times New Roman" panose="02020603050405020304" pitchFamily="18" charset="0"/>
-              </a:defRPr>
-            </a:lvl7pPr>
-            <a:lvl8pPr marL="3429000" indent="-228600" eaLnBrk="0" fontAlgn="base" hangingPunct="0">
-              <a:spcBef>
-                <a:spcPct val="0"/>
-              </a:spcBef>
-              <a:spcAft>
-                <a:spcPct val="0"/>
-              </a:spcAft>
-              <a:defRPr sz="2400">
-                <a:solidFill>
-                  <a:schemeClr val="tx1"/>
-                </a:solidFill>
-                <a:latin typeface="Times New Roman" panose="02020603050405020304" pitchFamily="18" charset="0"/>
-              </a:defRPr>
-            </a:lvl8pPr>
-            <a:lvl9pPr marL="3886200" indent="-228600" eaLnBrk="0" fontAlgn="base" hangingPunct="0">
-              <a:spcBef>
-                <a:spcPct val="0"/>
-              </a:spcBef>
-              <a:spcAft>
-                <a:spcPct val="0"/>
-              </a:spcAft>
-              <a:defRPr sz="2400">
-                <a:solidFill>
-                  <a:schemeClr val="tx1"/>
-                </a:solidFill>
-                <a:latin typeface="Times New Roman" panose="02020603050405020304" pitchFamily="18" charset="0"/>
-              </a:defRPr>
-            </a:lvl9pPr>
-          </a:lstStyle>
-          <a:p>
-            <a:fld id="{B8344FC7-3616-4347-954A-E236A772931D}" type="slidenum">
-              <a:rPr lang="en-US" altLang="en-US" sz="1200"/>
-              <a:pPr/>
-              <a:t>11</a:t>
-            </a:fld>
-            <a:endParaRPr lang="en-US" altLang="en-US" sz="1200"/>
-          </a:p>
-        </p:txBody>
-      </p:sp>
-      <p:sp>
-        <p:nvSpPr>
-          <p:cNvPr id="39939" name="Rectangle 1"/>
-          <p:cNvSpPr>
-            <a:spLocks noChangeArrowheads="1" noTextEdit="1"/>
-          </p:cNvSpPr>
-          <p:nvPr>
-            <p:ph type="sldImg"/>
-          </p:nvPr>
-        </p:nvSpPr>
-        <p:spPr>
-          <a:xfrm>
-            <a:off x="1143000" y="685800"/>
-            <a:ext cx="4570413" cy="3427413"/>
-          </a:xfrm>
-          <a:solidFill>
-            <a:srgbClr val="FFFFFF"/>
-          </a:solidFill>
-          <a:ln/>
-        </p:spPr>
-      </p:sp>
-      <p:sp>
-        <p:nvSpPr>
-          <p:cNvPr id="39940" name="Rectangle 2"/>
-          <p:cNvSpPr>
-            <a:spLocks noChangeArrowheads="1"/>
-          </p:cNvSpPr>
-          <p:nvPr>
-            <p:ph type="body" idx="1"/>
-          </p:nvPr>
-        </p:nvSpPr>
-        <p:spPr>
-          <a:xfrm>
-            <a:off x="685800" y="4343400"/>
-            <a:ext cx="5484813" cy="4113213"/>
-          </a:xfrm>
-          <a:noFill/>
-          <a:extLst>
-            <a:ext uri="{909E8E84-426E-40DD-AFC4-6F175D3DCCD1}">
-              <a14:hiddenFill xmlns:a14="http://schemas.microsoft.com/office/drawing/2010/main">
-                <a:solidFill>
-                  <a:srgbClr val="FFFFFF"/>
-                </a:solidFill>
-              </a14:hiddenFill>
-            </a:ext>
-            <a:ext uri="{91240B29-F687-4F45-9708-019B960494DF}">
-              <a14:hiddenLine xmlns:a14="http://schemas.microsoft.com/office/drawing/2010/main" w="9525">
-                <a:solidFill>
-                  <a:srgbClr val="000000"/>
-                </a:solidFill>
-                <a:miter lim="800000"/>
-                <a:headEnd/>
-                <a:tailEnd/>
-              </a14:hiddenLine>
-            </a:ext>
-          </a:extLst>
-        </p:spPr>
-        <p:txBody>
-          <a:bodyPr wrap="none" anchor="ctr"/>
-          <a:lstStyle/>
-          <a:p>
-            <a:endParaRPr lang="en-US" altLang="en-US" smtClean="0"/>
-          </a:p>
-        </p:txBody>
-      </p:sp>
-    </p:spTree>
-    <p:extLst>
-      <p:ext uri="{BB962C8B-B14F-4D97-AF65-F5344CB8AC3E}">
-        <p14:creationId xmlns:p14="http://schemas.microsoft.com/office/powerpoint/2010/main" val="2751012442"/>
-      </p:ext>
-    </p:extLst>
-  </p:cSld>
-  <p:clrMapOvr>
-    <a:masterClrMapping/>
-  </p:clrMapOvr>
-</p:notes>
-</file>
-
-<file path=ppt/notesSlides/notesSlide12.xml><?xml version="1.0" encoding="utf-8"?>
-<p:notes xmlns:a="http://schemas.openxmlformats.org/drawingml/2006/main" xmlns:r="http://schemas.openxmlformats.org/officeDocument/2006/relationships" xmlns:p="http://schemas.openxmlformats.org/presentationml/2006/main">
-  <p:cSld>
-    <p:bg>
-      <p:bgPr>
-        <a:solidFill>
-          <a:srgbClr val="FFFFFF"/>
-        </a:solidFill>
-        <a:effectLst/>
-      </p:bgPr>
-    </p:bg>
-    <p:spTree>
-      <p:nvGrpSpPr>
-        <p:cNvPr id="1" name=""/>
-        <p:cNvGrpSpPr/>
-        <p:nvPr/>
-      </p:nvGrpSpPr>
-      <p:grpSpPr>
-        <a:xfrm>
-          <a:off x="0" y="0"/>
-          <a:ext cx="0" cy="0"/>
-          <a:chOff x="0" y="0"/>
-          <a:chExt cx="0" cy="0"/>
-        </a:xfrm>
-      </p:grpSpPr>
-      <p:sp>
-        <p:nvSpPr>
           <p:cNvPr id="40962" name="Rectangle 8"/>
           <p:cNvSpPr>
             <a:spLocks noGrp="1" noChangeArrowheads="1"/>
@@ -1516,7 +1026,7 @@
         <p:nvSpPr>
           <p:cNvPr id="40963" name="Rectangle 1"/>
           <p:cNvSpPr>
-            <a:spLocks noChangeArrowheads="1" noTextEdit="1"/>
+            <a:spLocks noGrp="1" noRot="1" noChangeAspect="1" noChangeArrowheads="1" noTextEdit="1"/>
           </p:cNvSpPr>
           <p:nvPr>
             <p:ph type="sldImg"/>
@@ -1537,7 +1047,7 @@
         <p:nvSpPr>
           <p:cNvPr id="40964" name="Rectangle 2"/>
           <p:cNvSpPr>
-            <a:spLocks noChangeArrowheads="1"/>
+            <a:spLocks noGrp="1" noChangeArrowheads="1"/>
           </p:cNvSpPr>
           <p:nvPr>
             <p:ph type="body" idx="1"/>
@@ -1590,7 +1100,7 @@
 </p:notes>
 </file>
 
-<file path=ppt/notesSlides/notesSlide13.xml><?xml version="1.0" encoding="utf-8"?>
+<file path=ppt/notesSlides/notesSlide11.xml><?xml version="1.0" encoding="utf-8"?>
 <p:notes xmlns:a="http://schemas.openxmlformats.org/drawingml/2006/main" xmlns:r="http://schemas.openxmlformats.org/officeDocument/2006/relationships" xmlns:p="http://schemas.openxmlformats.org/presentationml/2006/main">
   <p:cSld>
     <p:bg>
@@ -1761,7 +1271,7 @@
         <p:nvSpPr>
           <p:cNvPr id="41987" name="Rectangle 1"/>
           <p:cNvSpPr>
-            <a:spLocks noChangeArrowheads="1" noTextEdit="1"/>
+            <a:spLocks noGrp="1" noRot="1" noChangeAspect="1" noChangeArrowheads="1" noTextEdit="1"/>
           </p:cNvSpPr>
           <p:nvPr>
             <p:ph type="sldImg"/>
@@ -1782,7 +1292,7 @@
         <p:nvSpPr>
           <p:cNvPr id="41988" name="Rectangle 2"/>
           <p:cNvSpPr>
-            <a:spLocks noChangeArrowheads="1"/>
+            <a:spLocks noGrp="1" noChangeArrowheads="1"/>
           </p:cNvSpPr>
           <p:nvPr>
             <p:ph type="body" idx="1"/>
@@ -1835,7 +1345,7 @@
 </p:notes>
 </file>
 
-<file path=ppt/notesSlides/notesSlide14.xml><?xml version="1.0" encoding="utf-8"?>
+<file path=ppt/notesSlides/notesSlide12.xml><?xml version="1.0" encoding="utf-8"?>
 <p:notes xmlns:a="http://schemas.openxmlformats.org/drawingml/2006/main" xmlns:r="http://schemas.openxmlformats.org/officeDocument/2006/relationships" xmlns:p="http://schemas.openxmlformats.org/presentationml/2006/main">
   <p:cSld>
     <p:bg>
@@ -2006,7 +1516,7 @@
         <p:nvSpPr>
           <p:cNvPr id="43011" name="Rectangle 1"/>
           <p:cNvSpPr>
-            <a:spLocks noChangeArrowheads="1" noTextEdit="1"/>
+            <a:spLocks noGrp="1" noRot="1" noChangeAspect="1" noChangeArrowheads="1" noTextEdit="1"/>
           </p:cNvSpPr>
           <p:nvPr>
             <p:ph type="sldImg"/>
@@ -2027,7 +1537,7 @@
         <p:nvSpPr>
           <p:cNvPr id="43012" name="Rectangle 2"/>
           <p:cNvSpPr>
-            <a:spLocks noChangeArrowheads="1"/>
+            <a:spLocks noGrp="1" noChangeArrowheads="1"/>
           </p:cNvSpPr>
           <p:nvPr>
             <p:ph type="body" idx="1"/>
@@ -2080,7 +1590,7 @@
 </p:notes>
 </file>
 
-<file path=ppt/notesSlides/notesSlide15.xml><?xml version="1.0" encoding="utf-8"?>
+<file path=ppt/notesSlides/notesSlide13.xml><?xml version="1.0" encoding="utf-8"?>
 <p:notes xmlns:a="http://schemas.openxmlformats.org/drawingml/2006/main" xmlns:r="http://schemas.openxmlformats.org/officeDocument/2006/relationships" xmlns:p="http://schemas.openxmlformats.org/presentationml/2006/main">
   <p:cSld>
     <p:bg>
@@ -2251,7 +1761,7 @@
         <p:nvSpPr>
           <p:cNvPr id="44035" name="Rectangle 1"/>
           <p:cNvSpPr>
-            <a:spLocks noChangeArrowheads="1" noTextEdit="1"/>
+            <a:spLocks noGrp="1" noRot="1" noChangeAspect="1" noChangeArrowheads="1" noTextEdit="1"/>
           </p:cNvSpPr>
           <p:nvPr>
             <p:ph type="sldImg"/>
@@ -2272,7 +1782,7 @@
         <p:nvSpPr>
           <p:cNvPr id="44036" name="Rectangle 2"/>
           <p:cNvSpPr>
-            <a:spLocks noChangeArrowheads="1"/>
+            <a:spLocks noGrp="1" noChangeArrowheads="1"/>
           </p:cNvSpPr>
           <p:nvPr>
             <p:ph type="body" idx="1"/>
@@ -2325,7 +1835,7 @@
 </p:notes>
 </file>
 
-<file path=ppt/notesSlides/notesSlide16.xml><?xml version="1.0" encoding="utf-8"?>
+<file path=ppt/notesSlides/notesSlide14.xml><?xml version="1.0" encoding="utf-8"?>
 <p:notes xmlns:a="http://schemas.openxmlformats.org/drawingml/2006/main" xmlns:r="http://schemas.openxmlformats.org/officeDocument/2006/relationships" xmlns:p="http://schemas.openxmlformats.org/presentationml/2006/main">
   <p:cSld>
     <p:bg>
@@ -2496,7 +2006,7 @@
         <p:nvSpPr>
           <p:cNvPr id="45059" name="Rectangle 1"/>
           <p:cNvSpPr>
-            <a:spLocks noChangeArrowheads="1" noTextEdit="1"/>
+            <a:spLocks noGrp="1" noRot="1" noChangeAspect="1" noChangeArrowheads="1" noTextEdit="1"/>
           </p:cNvSpPr>
           <p:nvPr>
             <p:ph type="sldImg"/>
@@ -2517,7 +2027,7 @@
         <p:nvSpPr>
           <p:cNvPr id="45060" name="Rectangle 2"/>
           <p:cNvSpPr>
-            <a:spLocks noChangeArrowheads="1"/>
+            <a:spLocks noGrp="1" noChangeArrowheads="1"/>
           </p:cNvSpPr>
           <p:nvPr>
             <p:ph type="body" idx="1"/>
@@ -2570,7 +2080,7 @@
 </p:notes>
 </file>
 
-<file path=ppt/notesSlides/notesSlide17.xml><?xml version="1.0" encoding="utf-8"?>
+<file path=ppt/notesSlides/notesSlide15.xml><?xml version="1.0" encoding="utf-8"?>
 <p:notes xmlns:a="http://schemas.openxmlformats.org/drawingml/2006/main" xmlns:r="http://schemas.openxmlformats.org/officeDocument/2006/relationships" xmlns:p="http://schemas.openxmlformats.org/presentationml/2006/main">
   <p:cSld>
     <p:bg>
@@ -2741,7 +2251,7 @@
         <p:nvSpPr>
           <p:cNvPr id="46083" name="Rectangle 1"/>
           <p:cNvSpPr>
-            <a:spLocks noChangeArrowheads="1" noTextEdit="1"/>
+            <a:spLocks noGrp="1" noRot="1" noChangeAspect="1" noChangeArrowheads="1" noTextEdit="1"/>
           </p:cNvSpPr>
           <p:nvPr>
             <p:ph type="sldImg"/>
@@ -2762,7 +2272,7 @@
         <p:nvSpPr>
           <p:cNvPr id="46084" name="Rectangle 2"/>
           <p:cNvSpPr>
-            <a:spLocks noChangeArrowheads="1"/>
+            <a:spLocks noGrp="1" noChangeArrowheads="1"/>
           </p:cNvSpPr>
           <p:nvPr>
             <p:ph type="body" idx="1"/>
@@ -2815,7 +2325,7 @@
 </p:notes>
 </file>
 
-<file path=ppt/notesSlides/notesSlide18.xml><?xml version="1.0" encoding="utf-8"?>
+<file path=ppt/notesSlides/notesSlide16.xml><?xml version="1.0" encoding="utf-8"?>
 <p:notes xmlns:a="http://schemas.openxmlformats.org/drawingml/2006/main" xmlns:r="http://schemas.openxmlformats.org/officeDocument/2006/relationships" xmlns:p="http://schemas.openxmlformats.org/presentationml/2006/main">
   <p:cSld>
     <p:bg>
@@ -2986,7 +2496,7 @@
         <p:nvSpPr>
           <p:cNvPr id="47107" name="Rectangle 1"/>
           <p:cNvSpPr>
-            <a:spLocks noChangeArrowheads="1" noTextEdit="1"/>
+            <a:spLocks noGrp="1" noRot="1" noChangeAspect="1" noChangeArrowheads="1" noTextEdit="1"/>
           </p:cNvSpPr>
           <p:nvPr>
             <p:ph type="sldImg"/>
@@ -3003,7 +2513,7 @@
         <p:nvSpPr>
           <p:cNvPr id="47108" name="Rectangle 2"/>
           <p:cNvSpPr>
-            <a:spLocks noChangeArrowheads="1"/>
+            <a:spLocks noGrp="1" noChangeArrowheads="1"/>
           </p:cNvSpPr>
           <p:nvPr>
             <p:ph type="body" idx="1"/>
@@ -3052,7 +2562,7 @@
 </p:notes>
 </file>
 
-<file path=ppt/notesSlides/notesSlide19.xml><?xml version="1.0" encoding="utf-8"?>
+<file path=ppt/notesSlides/notesSlide17.xml><?xml version="1.0" encoding="utf-8"?>
 <p:notes xmlns:a="http://schemas.openxmlformats.org/drawingml/2006/main" xmlns:r="http://schemas.openxmlformats.org/officeDocument/2006/relationships" xmlns:p="http://schemas.openxmlformats.org/presentationml/2006/main">
   <p:cSld>
     <p:bg>
@@ -3223,7 +2733,7 @@
         <p:nvSpPr>
           <p:cNvPr id="48131" name="Rectangle 1"/>
           <p:cNvSpPr>
-            <a:spLocks noChangeArrowheads="1" noTextEdit="1"/>
+            <a:spLocks noGrp="1" noRot="1" noChangeAspect="1" noChangeArrowheads="1" noTextEdit="1"/>
           </p:cNvSpPr>
           <p:nvPr>
             <p:ph type="sldImg"/>
@@ -3240,7 +2750,7 @@
         <p:nvSpPr>
           <p:cNvPr id="48132" name="Rectangle 2"/>
           <p:cNvSpPr>
-            <a:spLocks noChangeArrowheads="1"/>
+            <a:spLocks noGrp="1" noChangeArrowheads="1"/>
           </p:cNvSpPr>
           <p:nvPr>
             <p:ph type="body" idx="1"/>
@@ -3280,6 +2790,243 @@
     <p:extLst>
       <p:ext uri="{BB962C8B-B14F-4D97-AF65-F5344CB8AC3E}">
         <p14:creationId xmlns:p14="http://schemas.microsoft.com/office/powerpoint/2010/main" val="2440899552"/>
+      </p:ext>
+    </p:extLst>
+  </p:cSld>
+  <p:clrMapOvr>
+    <a:masterClrMapping/>
+  </p:clrMapOvr>
+</p:notes>
+</file>
+
+<file path=ppt/notesSlides/notesSlide18.xml><?xml version="1.0" encoding="utf-8"?>
+<p:notes xmlns:a="http://schemas.openxmlformats.org/drawingml/2006/main" xmlns:r="http://schemas.openxmlformats.org/officeDocument/2006/relationships" xmlns:p="http://schemas.openxmlformats.org/presentationml/2006/main">
+  <p:cSld>
+    <p:bg>
+      <p:bgPr>
+        <a:solidFill>
+          <a:srgbClr val="FFFFFF"/>
+        </a:solidFill>
+        <a:effectLst/>
+      </p:bgPr>
+    </p:bg>
+    <p:spTree>
+      <p:nvGrpSpPr>
+        <p:cNvPr id="1" name=""/>
+        <p:cNvGrpSpPr/>
+        <p:nvPr/>
+      </p:nvGrpSpPr>
+      <p:grpSpPr>
+        <a:xfrm>
+          <a:off x="0" y="0"/>
+          <a:ext cx="0" cy="0"/>
+          <a:chOff x="0" y="0"/>
+          <a:chExt cx="0" cy="0"/>
+        </a:xfrm>
+      </p:grpSpPr>
+      <p:sp>
+        <p:nvSpPr>
+          <p:cNvPr id="49154" name="Rectangle 8"/>
+          <p:cNvSpPr>
+            <a:spLocks noGrp="1" noChangeArrowheads="1"/>
+          </p:cNvSpPr>
+          <p:nvPr>
+            <p:ph type="sldNum" sz="quarter" idx="5"/>
+          </p:nvPr>
+        </p:nvSpPr>
+        <p:spPr>
+          <a:noFill/>
+          <a:extLst>
+            <a:ext uri="{909E8E84-426E-40DD-AFC4-6F175D3DCCD1}">
+              <a14:hiddenFill xmlns:a14="http://schemas.microsoft.com/office/drawing/2010/main">
+                <a:solidFill>
+                  <a:srgbClr val="FFFFFF"/>
+                </a:solidFill>
+              </a14:hiddenFill>
+            </a:ext>
+            <a:ext uri="{91240B29-F687-4F45-9708-019B960494DF}">
+              <a14:hiddenLine xmlns:a14="http://schemas.microsoft.com/office/drawing/2010/main" w="9525">
+                <a:solidFill>
+                  <a:srgbClr val="000000"/>
+                </a:solidFill>
+                <a:miter lim="800000"/>
+                <a:headEnd/>
+                <a:tailEnd/>
+              </a14:hiddenLine>
+            </a:ext>
+          </a:extLst>
+        </p:spPr>
+        <p:txBody>
+          <a:bodyPr/>
+          <a:lstStyle>
+            <a:lvl1pPr>
+              <a:defRPr sz="2400">
+                <a:solidFill>
+                  <a:schemeClr val="tx1"/>
+                </a:solidFill>
+                <a:latin typeface="Times New Roman" panose="02020603050405020304" pitchFamily="18" charset="0"/>
+              </a:defRPr>
+            </a:lvl1pPr>
+            <a:lvl2pPr marL="742950" indent="-285750">
+              <a:defRPr sz="2400">
+                <a:solidFill>
+                  <a:schemeClr val="tx1"/>
+                </a:solidFill>
+                <a:latin typeface="Times New Roman" panose="02020603050405020304" pitchFamily="18" charset="0"/>
+              </a:defRPr>
+            </a:lvl2pPr>
+            <a:lvl3pPr marL="1143000" indent="-228600">
+              <a:defRPr sz="2400">
+                <a:solidFill>
+                  <a:schemeClr val="tx1"/>
+                </a:solidFill>
+                <a:latin typeface="Times New Roman" panose="02020603050405020304" pitchFamily="18" charset="0"/>
+              </a:defRPr>
+            </a:lvl3pPr>
+            <a:lvl4pPr marL="1600200" indent="-228600">
+              <a:defRPr sz="2400">
+                <a:solidFill>
+                  <a:schemeClr val="tx1"/>
+                </a:solidFill>
+                <a:latin typeface="Times New Roman" panose="02020603050405020304" pitchFamily="18" charset="0"/>
+              </a:defRPr>
+            </a:lvl4pPr>
+            <a:lvl5pPr marL="2057400" indent="-228600">
+              <a:defRPr sz="2400">
+                <a:solidFill>
+                  <a:schemeClr val="tx1"/>
+                </a:solidFill>
+                <a:latin typeface="Times New Roman" panose="02020603050405020304" pitchFamily="18" charset="0"/>
+              </a:defRPr>
+            </a:lvl5pPr>
+            <a:lvl6pPr marL="2514600" indent="-228600" eaLnBrk="0" fontAlgn="base" hangingPunct="0">
+              <a:spcBef>
+                <a:spcPct val="0"/>
+              </a:spcBef>
+              <a:spcAft>
+                <a:spcPct val="0"/>
+              </a:spcAft>
+              <a:defRPr sz="2400">
+                <a:solidFill>
+                  <a:schemeClr val="tx1"/>
+                </a:solidFill>
+                <a:latin typeface="Times New Roman" panose="02020603050405020304" pitchFamily="18" charset="0"/>
+              </a:defRPr>
+            </a:lvl6pPr>
+            <a:lvl7pPr marL="2971800" indent="-228600" eaLnBrk="0" fontAlgn="base" hangingPunct="0">
+              <a:spcBef>
+                <a:spcPct val="0"/>
+              </a:spcBef>
+              <a:spcAft>
+                <a:spcPct val="0"/>
+              </a:spcAft>
+              <a:defRPr sz="2400">
+                <a:solidFill>
+                  <a:schemeClr val="tx1"/>
+                </a:solidFill>
+                <a:latin typeface="Times New Roman" panose="02020603050405020304" pitchFamily="18" charset="0"/>
+              </a:defRPr>
+            </a:lvl7pPr>
+            <a:lvl8pPr marL="3429000" indent="-228600" eaLnBrk="0" fontAlgn="base" hangingPunct="0">
+              <a:spcBef>
+                <a:spcPct val="0"/>
+              </a:spcBef>
+              <a:spcAft>
+                <a:spcPct val="0"/>
+              </a:spcAft>
+              <a:defRPr sz="2400">
+                <a:solidFill>
+                  <a:schemeClr val="tx1"/>
+                </a:solidFill>
+                <a:latin typeface="Times New Roman" panose="02020603050405020304" pitchFamily="18" charset="0"/>
+              </a:defRPr>
+            </a:lvl8pPr>
+            <a:lvl9pPr marL="3886200" indent="-228600" eaLnBrk="0" fontAlgn="base" hangingPunct="0">
+              <a:spcBef>
+                <a:spcPct val="0"/>
+              </a:spcBef>
+              <a:spcAft>
+                <a:spcPct val="0"/>
+              </a:spcAft>
+              <a:defRPr sz="2400">
+                <a:solidFill>
+                  <a:schemeClr val="tx1"/>
+                </a:solidFill>
+                <a:latin typeface="Times New Roman" panose="02020603050405020304" pitchFamily="18" charset="0"/>
+              </a:defRPr>
+            </a:lvl9pPr>
+          </a:lstStyle>
+          <a:p>
+            <a:fld id="{B59C545E-A3D6-4635-AE4F-5E12080A8E34}" type="slidenum">
+              <a:rPr lang="en-US" altLang="en-US" sz="1200"/>
+              <a:pPr/>
+              <a:t>20</a:t>
+            </a:fld>
+            <a:endParaRPr lang="en-US" altLang="en-US" sz="1200"/>
+          </a:p>
+        </p:txBody>
+      </p:sp>
+      <p:sp>
+        <p:nvSpPr>
+          <p:cNvPr id="49155" name="Rectangle 1"/>
+          <p:cNvSpPr>
+            <a:spLocks noGrp="1" noRot="1" noChangeAspect="1" noChangeArrowheads="1" noTextEdit="1"/>
+          </p:cNvSpPr>
+          <p:nvPr>
+            <p:ph type="sldImg"/>
+          </p:nvPr>
+        </p:nvSpPr>
+        <p:spPr>
+          <a:solidFill>
+            <a:srgbClr val="FFFFFF"/>
+          </a:solidFill>
+          <a:ln/>
+        </p:spPr>
+      </p:sp>
+      <p:sp>
+        <p:nvSpPr>
+          <p:cNvPr id="49156" name="Rectangle 2"/>
+          <p:cNvSpPr>
+            <a:spLocks noGrp="1" noChangeArrowheads="1"/>
+          </p:cNvSpPr>
+          <p:nvPr>
+            <p:ph type="body" idx="1"/>
+          </p:nvPr>
+        </p:nvSpPr>
+        <p:spPr>
+          <a:noFill/>
+          <a:extLst>
+            <a:ext uri="{909E8E84-426E-40DD-AFC4-6F175D3DCCD1}">
+              <a14:hiddenFill xmlns:a14="http://schemas.microsoft.com/office/drawing/2010/main">
+                <a:solidFill>
+                  <a:srgbClr val="FFFFFF"/>
+                </a:solidFill>
+              </a14:hiddenFill>
+            </a:ext>
+            <a:ext uri="{91240B29-F687-4F45-9708-019B960494DF}">
+              <a14:hiddenLine xmlns:a14="http://schemas.microsoft.com/office/drawing/2010/main" w="9525">
+                <a:solidFill>
+                  <a:srgbClr val="000000"/>
+                </a:solidFill>
+                <a:miter lim="800000"/>
+                <a:headEnd/>
+                <a:tailEnd/>
+              </a14:hiddenLine>
+            </a:ext>
+          </a:extLst>
+        </p:spPr>
+        <p:txBody>
+          <a:bodyPr wrap="none" anchor="ctr"/>
+          <a:lstStyle/>
+          <a:p>
+            <a:endParaRPr lang="en-US" altLang="en-US" smtClean="0"/>
+          </a:p>
+        </p:txBody>
+      </p:sp>
+    </p:spTree>
+    <p:extLst>
+      <p:ext uri="{BB962C8B-B14F-4D97-AF65-F5344CB8AC3E}">
+        <p14:creationId xmlns:p14="http://schemas.microsoft.com/office/powerpoint/2010/main" val="2780303516"/>
       </p:ext>
     </p:extLst>
   </p:cSld>
@@ -3460,7 +3207,7 @@
         <p:nvSpPr>
           <p:cNvPr id="30723" name="Rectangle 1"/>
           <p:cNvSpPr>
-            <a:spLocks noChangeArrowheads="1" noTextEdit="1"/>
+            <a:spLocks noGrp="1" noRot="1" noChangeAspect="1" noChangeArrowheads="1" noTextEdit="1"/>
           </p:cNvSpPr>
           <p:nvPr>
             <p:ph type="sldImg"/>
@@ -3477,7 +3224,7 @@
         <p:nvSpPr>
           <p:cNvPr id="30724" name="Rectangle 2"/>
           <p:cNvSpPr>
-            <a:spLocks noChangeArrowheads="1"/>
+            <a:spLocks noGrp="1" noChangeArrowheads="1"/>
           </p:cNvSpPr>
           <p:nvPr>
             <p:ph type="body" idx="1"/>
@@ -3526,481 +3273,7 @@
 </p:notes>
 </file>
 
-<file path=ppt/notesSlides/notesSlide20.xml><?xml version="1.0" encoding="utf-8"?>
-<p:notes xmlns:a="http://schemas.openxmlformats.org/drawingml/2006/main" xmlns:r="http://schemas.openxmlformats.org/officeDocument/2006/relationships" xmlns:p="http://schemas.openxmlformats.org/presentationml/2006/main">
-  <p:cSld>
-    <p:bg>
-      <p:bgPr>
-        <a:solidFill>
-          <a:srgbClr val="FFFFFF"/>
-        </a:solidFill>
-        <a:effectLst/>
-      </p:bgPr>
-    </p:bg>
-    <p:spTree>
-      <p:nvGrpSpPr>
-        <p:cNvPr id="1" name=""/>
-        <p:cNvGrpSpPr/>
-        <p:nvPr/>
-      </p:nvGrpSpPr>
-      <p:grpSpPr>
-        <a:xfrm>
-          <a:off x="0" y="0"/>
-          <a:ext cx="0" cy="0"/>
-          <a:chOff x="0" y="0"/>
-          <a:chExt cx="0" cy="0"/>
-        </a:xfrm>
-      </p:grpSpPr>
-      <p:sp>
-        <p:nvSpPr>
-          <p:cNvPr id="49154" name="Rectangle 8"/>
-          <p:cNvSpPr>
-            <a:spLocks noGrp="1" noChangeArrowheads="1"/>
-          </p:cNvSpPr>
-          <p:nvPr>
-            <p:ph type="sldNum" sz="quarter" idx="5"/>
-          </p:nvPr>
-        </p:nvSpPr>
-        <p:spPr>
-          <a:noFill/>
-          <a:extLst>
-            <a:ext uri="{909E8E84-426E-40DD-AFC4-6F175D3DCCD1}">
-              <a14:hiddenFill xmlns:a14="http://schemas.microsoft.com/office/drawing/2010/main">
-                <a:solidFill>
-                  <a:srgbClr val="FFFFFF"/>
-                </a:solidFill>
-              </a14:hiddenFill>
-            </a:ext>
-            <a:ext uri="{91240B29-F687-4F45-9708-019B960494DF}">
-              <a14:hiddenLine xmlns:a14="http://schemas.microsoft.com/office/drawing/2010/main" w="9525">
-                <a:solidFill>
-                  <a:srgbClr val="000000"/>
-                </a:solidFill>
-                <a:miter lim="800000"/>
-                <a:headEnd/>
-                <a:tailEnd/>
-              </a14:hiddenLine>
-            </a:ext>
-          </a:extLst>
-        </p:spPr>
-        <p:txBody>
-          <a:bodyPr/>
-          <a:lstStyle>
-            <a:lvl1pPr>
-              <a:defRPr sz="2400">
-                <a:solidFill>
-                  <a:schemeClr val="tx1"/>
-                </a:solidFill>
-                <a:latin typeface="Times New Roman" panose="02020603050405020304" pitchFamily="18" charset="0"/>
-              </a:defRPr>
-            </a:lvl1pPr>
-            <a:lvl2pPr marL="742950" indent="-285750">
-              <a:defRPr sz="2400">
-                <a:solidFill>
-                  <a:schemeClr val="tx1"/>
-                </a:solidFill>
-                <a:latin typeface="Times New Roman" panose="02020603050405020304" pitchFamily="18" charset="0"/>
-              </a:defRPr>
-            </a:lvl2pPr>
-            <a:lvl3pPr marL="1143000" indent="-228600">
-              <a:defRPr sz="2400">
-                <a:solidFill>
-                  <a:schemeClr val="tx1"/>
-                </a:solidFill>
-                <a:latin typeface="Times New Roman" panose="02020603050405020304" pitchFamily="18" charset="0"/>
-              </a:defRPr>
-            </a:lvl3pPr>
-            <a:lvl4pPr marL="1600200" indent="-228600">
-              <a:defRPr sz="2400">
-                <a:solidFill>
-                  <a:schemeClr val="tx1"/>
-                </a:solidFill>
-                <a:latin typeface="Times New Roman" panose="02020603050405020304" pitchFamily="18" charset="0"/>
-              </a:defRPr>
-            </a:lvl4pPr>
-            <a:lvl5pPr marL="2057400" indent="-228600">
-              <a:defRPr sz="2400">
-                <a:solidFill>
-                  <a:schemeClr val="tx1"/>
-                </a:solidFill>
-                <a:latin typeface="Times New Roman" panose="02020603050405020304" pitchFamily="18" charset="0"/>
-              </a:defRPr>
-            </a:lvl5pPr>
-            <a:lvl6pPr marL="2514600" indent="-228600" eaLnBrk="0" fontAlgn="base" hangingPunct="0">
-              <a:spcBef>
-                <a:spcPct val="0"/>
-              </a:spcBef>
-              <a:spcAft>
-                <a:spcPct val="0"/>
-              </a:spcAft>
-              <a:defRPr sz="2400">
-                <a:solidFill>
-                  <a:schemeClr val="tx1"/>
-                </a:solidFill>
-                <a:latin typeface="Times New Roman" panose="02020603050405020304" pitchFamily="18" charset="0"/>
-              </a:defRPr>
-            </a:lvl6pPr>
-            <a:lvl7pPr marL="2971800" indent="-228600" eaLnBrk="0" fontAlgn="base" hangingPunct="0">
-              <a:spcBef>
-                <a:spcPct val="0"/>
-              </a:spcBef>
-              <a:spcAft>
-                <a:spcPct val="0"/>
-              </a:spcAft>
-              <a:defRPr sz="2400">
-                <a:solidFill>
-                  <a:schemeClr val="tx1"/>
-                </a:solidFill>
-                <a:latin typeface="Times New Roman" panose="02020603050405020304" pitchFamily="18" charset="0"/>
-              </a:defRPr>
-            </a:lvl7pPr>
-            <a:lvl8pPr marL="3429000" indent="-228600" eaLnBrk="0" fontAlgn="base" hangingPunct="0">
-              <a:spcBef>
-                <a:spcPct val="0"/>
-              </a:spcBef>
-              <a:spcAft>
-                <a:spcPct val="0"/>
-              </a:spcAft>
-              <a:defRPr sz="2400">
-                <a:solidFill>
-                  <a:schemeClr val="tx1"/>
-                </a:solidFill>
-                <a:latin typeface="Times New Roman" panose="02020603050405020304" pitchFamily="18" charset="0"/>
-              </a:defRPr>
-            </a:lvl8pPr>
-            <a:lvl9pPr marL="3886200" indent="-228600" eaLnBrk="0" fontAlgn="base" hangingPunct="0">
-              <a:spcBef>
-                <a:spcPct val="0"/>
-              </a:spcBef>
-              <a:spcAft>
-                <a:spcPct val="0"/>
-              </a:spcAft>
-              <a:defRPr sz="2400">
-                <a:solidFill>
-                  <a:schemeClr val="tx1"/>
-                </a:solidFill>
-                <a:latin typeface="Times New Roman" panose="02020603050405020304" pitchFamily="18" charset="0"/>
-              </a:defRPr>
-            </a:lvl9pPr>
-          </a:lstStyle>
-          <a:p>
-            <a:fld id="{B59C545E-A3D6-4635-AE4F-5E12080A8E34}" type="slidenum">
-              <a:rPr lang="en-US" altLang="en-US" sz="1200"/>
-              <a:pPr/>
-              <a:t>20</a:t>
-            </a:fld>
-            <a:endParaRPr lang="en-US" altLang="en-US" sz="1200"/>
-          </a:p>
-        </p:txBody>
-      </p:sp>
-      <p:sp>
-        <p:nvSpPr>
-          <p:cNvPr id="49155" name="Rectangle 1"/>
-          <p:cNvSpPr>
-            <a:spLocks noChangeArrowheads="1" noTextEdit="1"/>
-          </p:cNvSpPr>
-          <p:nvPr>
-            <p:ph type="sldImg"/>
-          </p:nvPr>
-        </p:nvSpPr>
-        <p:spPr>
-          <a:solidFill>
-            <a:srgbClr val="FFFFFF"/>
-          </a:solidFill>
-          <a:ln/>
-        </p:spPr>
-      </p:sp>
-      <p:sp>
-        <p:nvSpPr>
-          <p:cNvPr id="49156" name="Rectangle 2"/>
-          <p:cNvSpPr>
-            <a:spLocks noChangeArrowheads="1"/>
-          </p:cNvSpPr>
-          <p:nvPr>
-            <p:ph type="body" idx="1"/>
-          </p:nvPr>
-        </p:nvSpPr>
-        <p:spPr>
-          <a:noFill/>
-          <a:extLst>
-            <a:ext uri="{909E8E84-426E-40DD-AFC4-6F175D3DCCD1}">
-              <a14:hiddenFill xmlns:a14="http://schemas.microsoft.com/office/drawing/2010/main">
-                <a:solidFill>
-                  <a:srgbClr val="FFFFFF"/>
-                </a:solidFill>
-              </a14:hiddenFill>
-            </a:ext>
-            <a:ext uri="{91240B29-F687-4F45-9708-019B960494DF}">
-              <a14:hiddenLine xmlns:a14="http://schemas.microsoft.com/office/drawing/2010/main" w="9525">
-                <a:solidFill>
-                  <a:srgbClr val="000000"/>
-                </a:solidFill>
-                <a:miter lim="800000"/>
-                <a:headEnd/>
-                <a:tailEnd/>
-              </a14:hiddenLine>
-            </a:ext>
-          </a:extLst>
-        </p:spPr>
-        <p:txBody>
-          <a:bodyPr wrap="none" anchor="ctr"/>
-          <a:lstStyle/>
-          <a:p>
-            <a:endParaRPr lang="en-US" altLang="en-US" smtClean="0"/>
-          </a:p>
-        </p:txBody>
-      </p:sp>
-    </p:spTree>
-    <p:extLst>
-      <p:ext uri="{BB962C8B-B14F-4D97-AF65-F5344CB8AC3E}">
-        <p14:creationId xmlns:p14="http://schemas.microsoft.com/office/powerpoint/2010/main" val="2780303516"/>
-      </p:ext>
-    </p:extLst>
-  </p:cSld>
-  <p:clrMapOvr>
-    <a:masterClrMapping/>
-  </p:clrMapOvr>
-</p:notes>
-</file>
-
 <file path=ppt/notesSlides/notesSlide3.xml><?xml version="1.0" encoding="utf-8"?>
-<p:notes xmlns:a="http://schemas.openxmlformats.org/drawingml/2006/main" xmlns:r="http://schemas.openxmlformats.org/officeDocument/2006/relationships" xmlns:p="http://schemas.openxmlformats.org/presentationml/2006/main">
-  <p:cSld>
-    <p:bg>
-      <p:bgPr>
-        <a:solidFill>
-          <a:srgbClr val="FFFFFF"/>
-        </a:solidFill>
-        <a:effectLst/>
-      </p:bgPr>
-    </p:bg>
-    <p:spTree>
-      <p:nvGrpSpPr>
-        <p:cNvPr id="1" name=""/>
-        <p:cNvGrpSpPr/>
-        <p:nvPr/>
-      </p:nvGrpSpPr>
-      <p:grpSpPr>
-        <a:xfrm>
-          <a:off x="0" y="0"/>
-          <a:ext cx="0" cy="0"/>
-          <a:chOff x="0" y="0"/>
-          <a:chExt cx="0" cy="0"/>
-        </a:xfrm>
-      </p:grpSpPr>
-      <p:sp>
-        <p:nvSpPr>
-          <p:cNvPr id="31746" name="Rectangle 8"/>
-          <p:cNvSpPr>
-            <a:spLocks noGrp="1" noChangeArrowheads="1"/>
-          </p:cNvSpPr>
-          <p:nvPr>
-            <p:ph type="sldNum" sz="quarter" idx="5"/>
-          </p:nvPr>
-        </p:nvSpPr>
-        <p:spPr>
-          <a:noFill/>
-          <a:extLst>
-            <a:ext uri="{909E8E84-426E-40DD-AFC4-6F175D3DCCD1}">
-              <a14:hiddenFill xmlns:a14="http://schemas.microsoft.com/office/drawing/2010/main">
-                <a:solidFill>
-                  <a:srgbClr val="FFFFFF"/>
-                </a:solidFill>
-              </a14:hiddenFill>
-            </a:ext>
-            <a:ext uri="{91240B29-F687-4F45-9708-019B960494DF}">
-              <a14:hiddenLine xmlns:a14="http://schemas.microsoft.com/office/drawing/2010/main" w="9525">
-                <a:solidFill>
-                  <a:srgbClr val="000000"/>
-                </a:solidFill>
-                <a:miter lim="800000"/>
-                <a:headEnd/>
-                <a:tailEnd/>
-              </a14:hiddenLine>
-            </a:ext>
-          </a:extLst>
-        </p:spPr>
-        <p:txBody>
-          <a:bodyPr/>
-          <a:lstStyle>
-            <a:lvl1pPr>
-              <a:defRPr sz="2400">
-                <a:solidFill>
-                  <a:schemeClr val="tx1"/>
-                </a:solidFill>
-                <a:latin typeface="Times New Roman" panose="02020603050405020304" pitchFamily="18" charset="0"/>
-              </a:defRPr>
-            </a:lvl1pPr>
-            <a:lvl2pPr marL="742950" indent="-285750">
-              <a:defRPr sz="2400">
-                <a:solidFill>
-                  <a:schemeClr val="tx1"/>
-                </a:solidFill>
-                <a:latin typeface="Times New Roman" panose="02020603050405020304" pitchFamily="18" charset="0"/>
-              </a:defRPr>
-            </a:lvl2pPr>
-            <a:lvl3pPr marL="1143000" indent="-228600">
-              <a:defRPr sz="2400">
-                <a:solidFill>
-                  <a:schemeClr val="tx1"/>
-                </a:solidFill>
-                <a:latin typeface="Times New Roman" panose="02020603050405020304" pitchFamily="18" charset="0"/>
-              </a:defRPr>
-            </a:lvl3pPr>
-            <a:lvl4pPr marL="1600200" indent="-228600">
-              <a:defRPr sz="2400">
-                <a:solidFill>
-                  <a:schemeClr val="tx1"/>
-                </a:solidFill>
-                <a:latin typeface="Times New Roman" panose="02020603050405020304" pitchFamily="18" charset="0"/>
-              </a:defRPr>
-            </a:lvl4pPr>
-            <a:lvl5pPr marL="2057400" indent="-228600">
-              <a:defRPr sz="2400">
-                <a:solidFill>
-                  <a:schemeClr val="tx1"/>
-                </a:solidFill>
-                <a:latin typeface="Times New Roman" panose="02020603050405020304" pitchFamily="18" charset="0"/>
-              </a:defRPr>
-            </a:lvl5pPr>
-            <a:lvl6pPr marL="2514600" indent="-228600" eaLnBrk="0" fontAlgn="base" hangingPunct="0">
-              <a:spcBef>
-                <a:spcPct val="0"/>
-              </a:spcBef>
-              <a:spcAft>
-                <a:spcPct val="0"/>
-              </a:spcAft>
-              <a:defRPr sz="2400">
-                <a:solidFill>
-                  <a:schemeClr val="tx1"/>
-                </a:solidFill>
-                <a:latin typeface="Times New Roman" panose="02020603050405020304" pitchFamily="18" charset="0"/>
-              </a:defRPr>
-            </a:lvl6pPr>
-            <a:lvl7pPr marL="2971800" indent="-228600" eaLnBrk="0" fontAlgn="base" hangingPunct="0">
-              <a:spcBef>
-                <a:spcPct val="0"/>
-              </a:spcBef>
-              <a:spcAft>
-                <a:spcPct val="0"/>
-              </a:spcAft>
-              <a:defRPr sz="2400">
-                <a:solidFill>
-                  <a:schemeClr val="tx1"/>
-                </a:solidFill>
-                <a:latin typeface="Times New Roman" panose="02020603050405020304" pitchFamily="18" charset="0"/>
-              </a:defRPr>
-            </a:lvl7pPr>
-            <a:lvl8pPr marL="3429000" indent="-228600" eaLnBrk="0" fontAlgn="base" hangingPunct="0">
-              <a:spcBef>
-                <a:spcPct val="0"/>
-              </a:spcBef>
-              <a:spcAft>
-                <a:spcPct val="0"/>
-              </a:spcAft>
-              <a:defRPr sz="2400">
-                <a:solidFill>
-                  <a:schemeClr val="tx1"/>
-                </a:solidFill>
-                <a:latin typeface="Times New Roman" panose="02020603050405020304" pitchFamily="18" charset="0"/>
-              </a:defRPr>
-            </a:lvl8pPr>
-            <a:lvl9pPr marL="3886200" indent="-228600" eaLnBrk="0" fontAlgn="base" hangingPunct="0">
-              <a:spcBef>
-                <a:spcPct val="0"/>
-              </a:spcBef>
-              <a:spcAft>
-                <a:spcPct val="0"/>
-              </a:spcAft>
-              <a:defRPr sz="2400">
-                <a:solidFill>
-                  <a:schemeClr val="tx1"/>
-                </a:solidFill>
-                <a:latin typeface="Times New Roman" panose="02020603050405020304" pitchFamily="18" charset="0"/>
-              </a:defRPr>
-            </a:lvl9pPr>
-          </a:lstStyle>
-          <a:p>
-            <a:fld id="{B52ACB07-E818-4F0C-AE33-BBBCF56327CA}" type="slidenum">
-              <a:rPr lang="en-US" altLang="en-US" sz="1200"/>
-              <a:pPr/>
-              <a:t>3</a:t>
-            </a:fld>
-            <a:endParaRPr lang="en-US" altLang="en-US" sz="1200"/>
-          </a:p>
-        </p:txBody>
-      </p:sp>
-      <p:sp>
-        <p:nvSpPr>
-          <p:cNvPr id="31747" name="Rectangle 1"/>
-          <p:cNvSpPr>
-            <a:spLocks noChangeArrowheads="1" noTextEdit="1"/>
-          </p:cNvSpPr>
-          <p:nvPr>
-            <p:ph type="sldImg"/>
-          </p:nvPr>
-        </p:nvSpPr>
-        <p:spPr>
-          <a:solidFill>
-            <a:srgbClr val="FFFFFF"/>
-          </a:solidFill>
-          <a:ln/>
-        </p:spPr>
-      </p:sp>
-      <p:sp>
-        <p:nvSpPr>
-          <p:cNvPr id="31748" name="Rectangle 2"/>
-          <p:cNvSpPr>
-            <a:spLocks noChangeArrowheads="1"/>
-          </p:cNvSpPr>
-          <p:nvPr>
-            <p:ph type="body" idx="1"/>
-          </p:nvPr>
-        </p:nvSpPr>
-        <p:spPr>
-          <a:noFill/>
-          <a:extLst>
-            <a:ext uri="{909E8E84-426E-40DD-AFC4-6F175D3DCCD1}">
-              <a14:hiddenFill xmlns:a14="http://schemas.microsoft.com/office/drawing/2010/main">
-                <a:solidFill>
-                  <a:srgbClr val="FFFFFF"/>
-                </a:solidFill>
-              </a14:hiddenFill>
-            </a:ext>
-            <a:ext uri="{91240B29-F687-4F45-9708-019B960494DF}">
-              <a14:hiddenLine xmlns:a14="http://schemas.microsoft.com/office/drawing/2010/main" w="9525">
-                <a:solidFill>
-                  <a:srgbClr val="000000"/>
-                </a:solidFill>
-                <a:miter lim="800000"/>
-                <a:headEnd/>
-                <a:tailEnd/>
-              </a14:hiddenLine>
-            </a:ext>
-          </a:extLst>
-        </p:spPr>
-        <p:txBody>
-          <a:bodyPr wrap="none" anchor="ctr"/>
-          <a:lstStyle/>
-          <a:p>
-            <a:endParaRPr lang="en-US" altLang="en-US" smtClean="0"/>
-          </a:p>
-        </p:txBody>
-      </p:sp>
-    </p:spTree>
-    <p:extLst>
-      <p:ext uri="{BB962C8B-B14F-4D97-AF65-F5344CB8AC3E}">
-        <p14:creationId xmlns:p14="http://schemas.microsoft.com/office/powerpoint/2010/main" val="3500323561"/>
-      </p:ext>
-    </p:extLst>
-  </p:cSld>
-  <p:clrMapOvr>
-    <a:masterClrMapping/>
-  </p:clrMapOvr>
-</p:notes>
-</file>
-
-<file path=ppt/notesSlides/notesSlide4.xml><?xml version="1.0" encoding="utf-8"?>
 <p:notes xmlns:a="http://schemas.openxmlformats.org/drawingml/2006/main" xmlns:r="http://schemas.openxmlformats.org/officeDocument/2006/relationships" xmlns:p="http://schemas.openxmlformats.org/presentationml/2006/main">
   <p:cSld>
     <p:bg>
@@ -4161,7 +3434,7 @@
             <a:fld id="{1AE40E44-7981-4E68-B452-DDE00CB2C8F6}" type="slidenum">
               <a:rPr lang="en-US" altLang="en-US" sz="1200"/>
               <a:pPr/>
-              <a:t>4</a:t>
+              <a:t>3</a:t>
             </a:fld>
             <a:endParaRPr lang="en-US" altLang="en-US" sz="1200"/>
           </a:p>
@@ -4171,7 +3444,7 @@
         <p:nvSpPr>
           <p:cNvPr id="32771" name="Rectangle 1"/>
           <p:cNvSpPr>
-            <a:spLocks noChangeArrowheads="1" noTextEdit="1"/>
+            <a:spLocks noGrp="1" noRot="1" noChangeAspect="1" noChangeArrowheads="1" noTextEdit="1"/>
           </p:cNvSpPr>
           <p:nvPr>
             <p:ph type="sldImg"/>
@@ -4192,7 +3465,7 @@
         <p:nvSpPr>
           <p:cNvPr id="32772" name="Rectangle 2"/>
           <p:cNvSpPr>
-            <a:spLocks noChangeArrowheads="1"/>
+            <a:spLocks noGrp="1" noChangeArrowheads="1"/>
           </p:cNvSpPr>
           <p:nvPr>
             <p:ph type="body" idx="1"/>
@@ -4245,7 +3518,7 @@
 </p:notes>
 </file>
 
-<file path=ppt/notesSlides/notesSlide5.xml><?xml version="1.0" encoding="utf-8"?>
+<file path=ppt/notesSlides/notesSlide4.xml><?xml version="1.0" encoding="utf-8"?>
 <p:notes xmlns:a="http://schemas.openxmlformats.org/drawingml/2006/main" xmlns:r="http://schemas.openxmlformats.org/officeDocument/2006/relationships" xmlns:p="http://schemas.openxmlformats.org/presentationml/2006/main">
   <p:cSld>
     <p:bg>
@@ -4406,7 +3679,7 @@
             <a:fld id="{1E3A80B5-F51D-45A7-80AE-8FD0F4B9F6D3}" type="slidenum">
               <a:rPr lang="en-US" altLang="en-US" sz="1200"/>
               <a:pPr/>
-              <a:t>5</a:t>
+              <a:t>4</a:t>
             </a:fld>
             <a:endParaRPr lang="en-US" altLang="en-US" sz="1200"/>
           </a:p>
@@ -4416,7 +3689,7 @@
         <p:nvSpPr>
           <p:cNvPr id="33795" name="Rectangle 1"/>
           <p:cNvSpPr>
-            <a:spLocks noChangeArrowheads="1" noTextEdit="1"/>
+            <a:spLocks noGrp="1" noRot="1" noChangeAspect="1" noChangeArrowheads="1" noTextEdit="1"/>
           </p:cNvSpPr>
           <p:nvPr>
             <p:ph type="sldImg"/>
@@ -4437,7 +3710,7 @@
         <p:nvSpPr>
           <p:cNvPr id="33796" name="Rectangle 2"/>
           <p:cNvSpPr>
-            <a:spLocks noChangeArrowheads="1"/>
+            <a:spLocks noGrp="1" noChangeArrowheads="1"/>
           </p:cNvSpPr>
           <p:nvPr>
             <p:ph type="body" idx="1"/>
@@ -4490,7 +3763,7 @@
 </p:notes>
 </file>
 
-<file path=ppt/notesSlides/notesSlide6.xml><?xml version="1.0" encoding="utf-8"?>
+<file path=ppt/notesSlides/notesSlide5.xml><?xml version="1.0" encoding="utf-8"?>
 <p:notes xmlns:a="http://schemas.openxmlformats.org/drawingml/2006/main" xmlns:r="http://schemas.openxmlformats.org/officeDocument/2006/relationships" xmlns:p="http://schemas.openxmlformats.org/presentationml/2006/main">
   <p:cSld>
     <p:bg>
@@ -4651,7 +3924,7 @@
             <a:fld id="{5CF838D2-C47F-4E7B-A978-26B48876121B}" type="slidenum">
               <a:rPr lang="en-US" altLang="en-US" sz="1200"/>
               <a:pPr/>
-              <a:t>6</a:t>
+              <a:t>5</a:t>
             </a:fld>
             <a:endParaRPr lang="en-US" altLang="en-US" sz="1200"/>
           </a:p>
@@ -4661,7 +3934,7 @@
         <p:nvSpPr>
           <p:cNvPr id="34819" name="Rectangle 1"/>
           <p:cNvSpPr>
-            <a:spLocks noChangeArrowheads="1" noTextEdit="1"/>
+            <a:spLocks noGrp="1" noRot="1" noChangeAspect="1" noChangeArrowheads="1" noTextEdit="1"/>
           </p:cNvSpPr>
           <p:nvPr>
             <p:ph type="sldImg"/>
@@ -4682,7 +3955,7 @@
         <p:nvSpPr>
           <p:cNvPr id="34820" name="Rectangle 2"/>
           <p:cNvSpPr>
-            <a:spLocks noChangeArrowheads="1"/>
+            <a:spLocks noGrp="1" noChangeArrowheads="1"/>
           </p:cNvSpPr>
           <p:nvPr>
             <p:ph type="body" idx="1"/>
@@ -4735,7 +4008,7 @@
 </p:notes>
 </file>
 
-<file path=ppt/notesSlides/notesSlide7.xml><?xml version="1.0" encoding="utf-8"?>
+<file path=ppt/notesSlides/notesSlide6.xml><?xml version="1.0" encoding="utf-8"?>
 <p:notes xmlns:a="http://schemas.openxmlformats.org/drawingml/2006/main" xmlns:r="http://schemas.openxmlformats.org/officeDocument/2006/relationships" xmlns:p="http://schemas.openxmlformats.org/presentationml/2006/main">
   <p:cSld>
     <p:bg>
@@ -4896,7 +4169,7 @@
             <a:fld id="{AC9916F2-A569-4C4B-A861-82660DA46FE1}" type="slidenum">
               <a:rPr lang="en-US" altLang="en-US" sz="1200"/>
               <a:pPr/>
-              <a:t>7</a:t>
+              <a:t>6</a:t>
             </a:fld>
             <a:endParaRPr lang="en-US" altLang="en-US" sz="1200"/>
           </a:p>
@@ -4906,7 +4179,7 @@
         <p:nvSpPr>
           <p:cNvPr id="35843" name="Rectangle 1"/>
           <p:cNvSpPr>
-            <a:spLocks noChangeArrowheads="1" noTextEdit="1"/>
+            <a:spLocks noGrp="1" noRot="1" noChangeAspect="1" noChangeArrowheads="1" noTextEdit="1"/>
           </p:cNvSpPr>
           <p:nvPr>
             <p:ph type="sldImg"/>
@@ -4927,7 +4200,7 @@
         <p:nvSpPr>
           <p:cNvPr id="35844" name="Rectangle 2"/>
           <p:cNvSpPr>
-            <a:spLocks noChangeArrowheads="1"/>
+            <a:spLocks noGrp="1" noChangeArrowheads="1"/>
           </p:cNvSpPr>
           <p:nvPr>
             <p:ph type="body" idx="1"/>
@@ -4980,244 +4253,7 @@
 </p:notes>
 </file>
 
-<file path=ppt/notesSlides/notesSlide8.xml><?xml version="1.0" encoding="utf-8"?>
-<p:notes xmlns:a="http://schemas.openxmlformats.org/drawingml/2006/main" xmlns:r="http://schemas.openxmlformats.org/officeDocument/2006/relationships" xmlns:p="http://schemas.openxmlformats.org/presentationml/2006/main">
-  <p:cSld>
-    <p:bg>
-      <p:bgPr>
-        <a:solidFill>
-          <a:srgbClr val="FFFFFF"/>
-        </a:solidFill>
-        <a:effectLst/>
-      </p:bgPr>
-    </p:bg>
-    <p:spTree>
-      <p:nvGrpSpPr>
-        <p:cNvPr id="1" name=""/>
-        <p:cNvGrpSpPr/>
-        <p:nvPr/>
-      </p:nvGrpSpPr>
-      <p:grpSpPr>
-        <a:xfrm>
-          <a:off x="0" y="0"/>
-          <a:ext cx="0" cy="0"/>
-          <a:chOff x="0" y="0"/>
-          <a:chExt cx="0" cy="0"/>
-        </a:xfrm>
-      </p:grpSpPr>
-      <p:sp>
-        <p:nvSpPr>
-          <p:cNvPr id="36866" name="Rectangle 8"/>
-          <p:cNvSpPr>
-            <a:spLocks noGrp="1" noChangeArrowheads="1"/>
-          </p:cNvSpPr>
-          <p:nvPr>
-            <p:ph type="sldNum" sz="quarter" idx="5"/>
-          </p:nvPr>
-        </p:nvSpPr>
-        <p:spPr>
-          <a:noFill/>
-          <a:extLst>
-            <a:ext uri="{909E8E84-426E-40DD-AFC4-6F175D3DCCD1}">
-              <a14:hiddenFill xmlns:a14="http://schemas.microsoft.com/office/drawing/2010/main">
-                <a:solidFill>
-                  <a:srgbClr val="FFFFFF"/>
-                </a:solidFill>
-              </a14:hiddenFill>
-            </a:ext>
-            <a:ext uri="{91240B29-F687-4F45-9708-019B960494DF}">
-              <a14:hiddenLine xmlns:a14="http://schemas.microsoft.com/office/drawing/2010/main" w="9525">
-                <a:solidFill>
-                  <a:srgbClr val="000000"/>
-                </a:solidFill>
-                <a:miter lim="800000"/>
-                <a:headEnd/>
-                <a:tailEnd/>
-              </a14:hiddenLine>
-            </a:ext>
-          </a:extLst>
-        </p:spPr>
-        <p:txBody>
-          <a:bodyPr/>
-          <a:lstStyle>
-            <a:lvl1pPr>
-              <a:defRPr sz="2400">
-                <a:solidFill>
-                  <a:schemeClr val="tx1"/>
-                </a:solidFill>
-                <a:latin typeface="Times New Roman" panose="02020603050405020304" pitchFamily="18" charset="0"/>
-              </a:defRPr>
-            </a:lvl1pPr>
-            <a:lvl2pPr marL="742950" indent="-285750">
-              <a:defRPr sz="2400">
-                <a:solidFill>
-                  <a:schemeClr val="tx1"/>
-                </a:solidFill>
-                <a:latin typeface="Times New Roman" panose="02020603050405020304" pitchFamily="18" charset="0"/>
-              </a:defRPr>
-            </a:lvl2pPr>
-            <a:lvl3pPr marL="1143000" indent="-228600">
-              <a:defRPr sz="2400">
-                <a:solidFill>
-                  <a:schemeClr val="tx1"/>
-                </a:solidFill>
-                <a:latin typeface="Times New Roman" panose="02020603050405020304" pitchFamily="18" charset="0"/>
-              </a:defRPr>
-            </a:lvl3pPr>
-            <a:lvl4pPr marL="1600200" indent="-228600">
-              <a:defRPr sz="2400">
-                <a:solidFill>
-                  <a:schemeClr val="tx1"/>
-                </a:solidFill>
-                <a:latin typeface="Times New Roman" panose="02020603050405020304" pitchFamily="18" charset="0"/>
-              </a:defRPr>
-            </a:lvl4pPr>
-            <a:lvl5pPr marL="2057400" indent="-228600">
-              <a:defRPr sz="2400">
-                <a:solidFill>
-                  <a:schemeClr val="tx1"/>
-                </a:solidFill>
-                <a:latin typeface="Times New Roman" panose="02020603050405020304" pitchFamily="18" charset="0"/>
-              </a:defRPr>
-            </a:lvl5pPr>
-            <a:lvl6pPr marL="2514600" indent="-228600" eaLnBrk="0" fontAlgn="base" hangingPunct="0">
-              <a:spcBef>
-                <a:spcPct val="0"/>
-              </a:spcBef>
-              <a:spcAft>
-                <a:spcPct val="0"/>
-              </a:spcAft>
-              <a:defRPr sz="2400">
-                <a:solidFill>
-                  <a:schemeClr val="tx1"/>
-                </a:solidFill>
-                <a:latin typeface="Times New Roman" panose="02020603050405020304" pitchFamily="18" charset="0"/>
-              </a:defRPr>
-            </a:lvl6pPr>
-            <a:lvl7pPr marL="2971800" indent="-228600" eaLnBrk="0" fontAlgn="base" hangingPunct="0">
-              <a:spcBef>
-                <a:spcPct val="0"/>
-              </a:spcBef>
-              <a:spcAft>
-                <a:spcPct val="0"/>
-              </a:spcAft>
-              <a:defRPr sz="2400">
-                <a:solidFill>
-                  <a:schemeClr val="tx1"/>
-                </a:solidFill>
-                <a:latin typeface="Times New Roman" panose="02020603050405020304" pitchFamily="18" charset="0"/>
-              </a:defRPr>
-            </a:lvl7pPr>
-            <a:lvl8pPr marL="3429000" indent="-228600" eaLnBrk="0" fontAlgn="base" hangingPunct="0">
-              <a:spcBef>
-                <a:spcPct val="0"/>
-              </a:spcBef>
-              <a:spcAft>
-                <a:spcPct val="0"/>
-              </a:spcAft>
-              <a:defRPr sz="2400">
-                <a:solidFill>
-                  <a:schemeClr val="tx1"/>
-                </a:solidFill>
-                <a:latin typeface="Times New Roman" panose="02020603050405020304" pitchFamily="18" charset="0"/>
-              </a:defRPr>
-            </a:lvl8pPr>
-            <a:lvl9pPr marL="3886200" indent="-228600" eaLnBrk="0" fontAlgn="base" hangingPunct="0">
-              <a:spcBef>
-                <a:spcPct val="0"/>
-              </a:spcBef>
-              <a:spcAft>
-                <a:spcPct val="0"/>
-              </a:spcAft>
-              <a:defRPr sz="2400">
-                <a:solidFill>
-                  <a:schemeClr val="tx1"/>
-                </a:solidFill>
-                <a:latin typeface="Times New Roman" panose="02020603050405020304" pitchFamily="18" charset="0"/>
-              </a:defRPr>
-            </a:lvl9pPr>
-          </a:lstStyle>
-          <a:p>
-            <a:fld id="{BE3B38F1-F0FD-443D-A0C5-9655D6ED25DC}" type="slidenum">
-              <a:rPr lang="en-US" altLang="en-US" sz="1200"/>
-              <a:pPr/>
-              <a:t>8</a:t>
-            </a:fld>
-            <a:endParaRPr lang="en-US" altLang="en-US" sz="1200"/>
-          </a:p>
-        </p:txBody>
-      </p:sp>
-      <p:sp>
-        <p:nvSpPr>
-          <p:cNvPr id="36867" name="Rectangle 1"/>
-          <p:cNvSpPr>
-            <a:spLocks noChangeArrowheads="1" noTextEdit="1"/>
-          </p:cNvSpPr>
-          <p:nvPr>
-            <p:ph type="sldImg"/>
-          </p:nvPr>
-        </p:nvSpPr>
-        <p:spPr>
-          <a:solidFill>
-            <a:srgbClr val="FFFFFF"/>
-          </a:solidFill>
-          <a:ln/>
-        </p:spPr>
-      </p:sp>
-      <p:sp>
-        <p:nvSpPr>
-          <p:cNvPr id="36868" name="Rectangle 2"/>
-          <p:cNvSpPr>
-            <a:spLocks noChangeArrowheads="1"/>
-          </p:cNvSpPr>
-          <p:nvPr>
-            <p:ph type="body" idx="1"/>
-          </p:nvPr>
-        </p:nvSpPr>
-        <p:spPr>
-          <a:noFill/>
-          <a:extLst>
-            <a:ext uri="{909E8E84-426E-40DD-AFC4-6F175D3DCCD1}">
-              <a14:hiddenFill xmlns:a14="http://schemas.microsoft.com/office/drawing/2010/main">
-                <a:solidFill>
-                  <a:srgbClr val="FFFFFF"/>
-                </a:solidFill>
-              </a14:hiddenFill>
-            </a:ext>
-            <a:ext uri="{91240B29-F687-4F45-9708-019B960494DF}">
-              <a14:hiddenLine xmlns:a14="http://schemas.microsoft.com/office/drawing/2010/main" w="9525">
-                <a:solidFill>
-                  <a:srgbClr val="000000"/>
-                </a:solidFill>
-                <a:miter lim="800000"/>
-                <a:headEnd/>
-                <a:tailEnd/>
-              </a14:hiddenLine>
-            </a:ext>
-          </a:extLst>
-        </p:spPr>
-        <p:txBody>
-          <a:bodyPr wrap="none" anchor="ctr"/>
-          <a:lstStyle/>
-          <a:p>
-            <a:endParaRPr lang="en-US" altLang="en-US" smtClean="0"/>
-          </a:p>
-        </p:txBody>
-      </p:sp>
-    </p:spTree>
-    <p:extLst>
-      <p:ext uri="{BB962C8B-B14F-4D97-AF65-F5344CB8AC3E}">
-        <p14:creationId xmlns:p14="http://schemas.microsoft.com/office/powerpoint/2010/main" val="4094330773"/>
-      </p:ext>
-    </p:extLst>
-  </p:cSld>
-  <p:clrMapOvr>
-    <a:masterClrMapping/>
-  </p:clrMapOvr>
-</p:notes>
-</file>
-
-<file path=ppt/notesSlides/notesSlide9.xml><?xml version="1.0" encoding="utf-8"?>
+<file path=ppt/notesSlides/notesSlide7.xml><?xml version="1.0" encoding="utf-8"?>
 <p:notes xmlns:a="http://schemas.openxmlformats.org/drawingml/2006/main" xmlns:r="http://schemas.openxmlformats.org/officeDocument/2006/relationships" xmlns:p="http://schemas.openxmlformats.org/presentationml/2006/main">
   <p:cSld>
     <p:bg>
@@ -5388,7 +4424,7 @@
         <p:nvSpPr>
           <p:cNvPr id="37891" name="Rectangle 1"/>
           <p:cNvSpPr>
-            <a:spLocks noChangeArrowheads="1" noTextEdit="1"/>
+            <a:spLocks noGrp="1" noRot="1" noChangeAspect="1" noChangeArrowheads="1" noTextEdit="1"/>
           </p:cNvSpPr>
           <p:nvPr>
             <p:ph type="sldImg"/>
@@ -5409,7 +4445,7 @@
         <p:nvSpPr>
           <p:cNvPr id="37892" name="Rectangle 2"/>
           <p:cNvSpPr>
-            <a:spLocks noChangeArrowheads="1"/>
+            <a:spLocks noGrp="1" noChangeArrowheads="1"/>
           </p:cNvSpPr>
           <p:nvPr>
             <p:ph type="body" idx="1"/>
@@ -5453,6 +4489,496 @@
     <p:extLst>
       <p:ext uri="{BB962C8B-B14F-4D97-AF65-F5344CB8AC3E}">
         <p14:creationId xmlns:p14="http://schemas.microsoft.com/office/powerpoint/2010/main" val="26176470"/>
+      </p:ext>
+    </p:extLst>
+  </p:cSld>
+  <p:clrMapOvr>
+    <a:masterClrMapping/>
+  </p:clrMapOvr>
+</p:notes>
+</file>
+
+<file path=ppt/notesSlides/notesSlide8.xml><?xml version="1.0" encoding="utf-8"?>
+<p:notes xmlns:a="http://schemas.openxmlformats.org/drawingml/2006/main" xmlns:r="http://schemas.openxmlformats.org/officeDocument/2006/relationships" xmlns:p="http://schemas.openxmlformats.org/presentationml/2006/main">
+  <p:cSld>
+    <p:bg>
+      <p:bgPr>
+        <a:solidFill>
+          <a:srgbClr val="FFFFFF"/>
+        </a:solidFill>
+        <a:effectLst/>
+      </p:bgPr>
+    </p:bg>
+    <p:spTree>
+      <p:nvGrpSpPr>
+        <p:cNvPr id="1" name=""/>
+        <p:cNvGrpSpPr/>
+        <p:nvPr/>
+      </p:nvGrpSpPr>
+      <p:grpSpPr>
+        <a:xfrm>
+          <a:off x="0" y="0"/>
+          <a:ext cx="0" cy="0"/>
+          <a:chOff x="0" y="0"/>
+          <a:chExt cx="0" cy="0"/>
+        </a:xfrm>
+      </p:grpSpPr>
+      <p:sp>
+        <p:nvSpPr>
+          <p:cNvPr id="38914" name="Rectangle 8"/>
+          <p:cNvSpPr>
+            <a:spLocks noGrp="1" noChangeArrowheads="1"/>
+          </p:cNvSpPr>
+          <p:nvPr>
+            <p:ph type="sldNum" sz="quarter" idx="5"/>
+          </p:nvPr>
+        </p:nvSpPr>
+        <p:spPr>
+          <a:noFill/>
+          <a:extLst>
+            <a:ext uri="{909E8E84-426E-40DD-AFC4-6F175D3DCCD1}">
+              <a14:hiddenFill xmlns:a14="http://schemas.microsoft.com/office/drawing/2010/main">
+                <a:solidFill>
+                  <a:srgbClr val="FFFFFF"/>
+                </a:solidFill>
+              </a14:hiddenFill>
+            </a:ext>
+            <a:ext uri="{91240B29-F687-4F45-9708-019B960494DF}">
+              <a14:hiddenLine xmlns:a14="http://schemas.microsoft.com/office/drawing/2010/main" w="9525">
+                <a:solidFill>
+                  <a:srgbClr val="000000"/>
+                </a:solidFill>
+                <a:miter lim="800000"/>
+                <a:headEnd/>
+                <a:tailEnd/>
+              </a14:hiddenLine>
+            </a:ext>
+          </a:extLst>
+        </p:spPr>
+        <p:txBody>
+          <a:bodyPr/>
+          <a:lstStyle>
+            <a:lvl1pPr>
+              <a:defRPr sz="2400">
+                <a:solidFill>
+                  <a:schemeClr val="tx1"/>
+                </a:solidFill>
+                <a:latin typeface="Times New Roman" panose="02020603050405020304" pitchFamily="18" charset="0"/>
+              </a:defRPr>
+            </a:lvl1pPr>
+            <a:lvl2pPr marL="742950" indent="-285750">
+              <a:defRPr sz="2400">
+                <a:solidFill>
+                  <a:schemeClr val="tx1"/>
+                </a:solidFill>
+                <a:latin typeface="Times New Roman" panose="02020603050405020304" pitchFamily="18" charset="0"/>
+              </a:defRPr>
+            </a:lvl2pPr>
+            <a:lvl3pPr marL="1143000" indent="-228600">
+              <a:defRPr sz="2400">
+                <a:solidFill>
+                  <a:schemeClr val="tx1"/>
+                </a:solidFill>
+                <a:latin typeface="Times New Roman" panose="02020603050405020304" pitchFamily="18" charset="0"/>
+              </a:defRPr>
+            </a:lvl3pPr>
+            <a:lvl4pPr marL="1600200" indent="-228600">
+              <a:defRPr sz="2400">
+                <a:solidFill>
+                  <a:schemeClr val="tx1"/>
+                </a:solidFill>
+                <a:latin typeface="Times New Roman" panose="02020603050405020304" pitchFamily="18" charset="0"/>
+              </a:defRPr>
+            </a:lvl4pPr>
+            <a:lvl5pPr marL="2057400" indent="-228600">
+              <a:defRPr sz="2400">
+                <a:solidFill>
+                  <a:schemeClr val="tx1"/>
+                </a:solidFill>
+                <a:latin typeface="Times New Roman" panose="02020603050405020304" pitchFamily="18" charset="0"/>
+              </a:defRPr>
+            </a:lvl5pPr>
+            <a:lvl6pPr marL="2514600" indent="-228600" eaLnBrk="0" fontAlgn="base" hangingPunct="0">
+              <a:spcBef>
+                <a:spcPct val="0"/>
+              </a:spcBef>
+              <a:spcAft>
+                <a:spcPct val="0"/>
+              </a:spcAft>
+              <a:defRPr sz="2400">
+                <a:solidFill>
+                  <a:schemeClr val="tx1"/>
+                </a:solidFill>
+                <a:latin typeface="Times New Roman" panose="02020603050405020304" pitchFamily="18" charset="0"/>
+              </a:defRPr>
+            </a:lvl6pPr>
+            <a:lvl7pPr marL="2971800" indent="-228600" eaLnBrk="0" fontAlgn="base" hangingPunct="0">
+              <a:spcBef>
+                <a:spcPct val="0"/>
+              </a:spcBef>
+              <a:spcAft>
+                <a:spcPct val="0"/>
+              </a:spcAft>
+              <a:defRPr sz="2400">
+                <a:solidFill>
+                  <a:schemeClr val="tx1"/>
+                </a:solidFill>
+                <a:latin typeface="Times New Roman" panose="02020603050405020304" pitchFamily="18" charset="0"/>
+              </a:defRPr>
+            </a:lvl7pPr>
+            <a:lvl8pPr marL="3429000" indent="-228600" eaLnBrk="0" fontAlgn="base" hangingPunct="0">
+              <a:spcBef>
+                <a:spcPct val="0"/>
+              </a:spcBef>
+              <a:spcAft>
+                <a:spcPct val="0"/>
+              </a:spcAft>
+              <a:defRPr sz="2400">
+                <a:solidFill>
+                  <a:schemeClr val="tx1"/>
+                </a:solidFill>
+                <a:latin typeface="Times New Roman" panose="02020603050405020304" pitchFamily="18" charset="0"/>
+              </a:defRPr>
+            </a:lvl8pPr>
+            <a:lvl9pPr marL="3886200" indent="-228600" eaLnBrk="0" fontAlgn="base" hangingPunct="0">
+              <a:spcBef>
+                <a:spcPct val="0"/>
+              </a:spcBef>
+              <a:spcAft>
+                <a:spcPct val="0"/>
+              </a:spcAft>
+              <a:defRPr sz="2400">
+                <a:solidFill>
+                  <a:schemeClr val="tx1"/>
+                </a:solidFill>
+                <a:latin typeface="Times New Roman" panose="02020603050405020304" pitchFamily="18" charset="0"/>
+              </a:defRPr>
+            </a:lvl9pPr>
+          </a:lstStyle>
+          <a:p>
+            <a:fld id="{8B51B57F-C5B0-4CFF-A6A8-DB6004DE076F}" type="slidenum">
+              <a:rPr lang="en-US" altLang="en-US" sz="1200"/>
+              <a:pPr/>
+              <a:t>10</a:t>
+            </a:fld>
+            <a:endParaRPr lang="en-US" altLang="en-US" sz="1200"/>
+          </a:p>
+        </p:txBody>
+      </p:sp>
+      <p:sp>
+        <p:nvSpPr>
+          <p:cNvPr id="38915" name="Rectangle 1"/>
+          <p:cNvSpPr>
+            <a:spLocks noGrp="1" noRot="1" noChangeAspect="1" noChangeArrowheads="1" noTextEdit="1"/>
+          </p:cNvSpPr>
+          <p:nvPr>
+            <p:ph type="sldImg"/>
+          </p:nvPr>
+        </p:nvSpPr>
+        <p:spPr>
+          <a:xfrm>
+            <a:off x="1143000" y="685800"/>
+            <a:ext cx="4570413" cy="3427413"/>
+          </a:xfrm>
+          <a:solidFill>
+            <a:srgbClr val="FFFFFF"/>
+          </a:solidFill>
+          <a:ln/>
+        </p:spPr>
+      </p:sp>
+      <p:sp>
+        <p:nvSpPr>
+          <p:cNvPr id="38916" name="Rectangle 2"/>
+          <p:cNvSpPr>
+            <a:spLocks noGrp="1" noChangeArrowheads="1"/>
+          </p:cNvSpPr>
+          <p:nvPr>
+            <p:ph type="body" idx="1"/>
+          </p:nvPr>
+        </p:nvSpPr>
+        <p:spPr>
+          <a:xfrm>
+            <a:off x="685800" y="4343400"/>
+            <a:ext cx="5484813" cy="4113213"/>
+          </a:xfrm>
+          <a:noFill/>
+          <a:extLst>
+            <a:ext uri="{909E8E84-426E-40DD-AFC4-6F175D3DCCD1}">
+              <a14:hiddenFill xmlns:a14="http://schemas.microsoft.com/office/drawing/2010/main">
+                <a:solidFill>
+                  <a:srgbClr val="FFFFFF"/>
+                </a:solidFill>
+              </a14:hiddenFill>
+            </a:ext>
+            <a:ext uri="{91240B29-F687-4F45-9708-019B960494DF}">
+              <a14:hiddenLine xmlns:a14="http://schemas.microsoft.com/office/drawing/2010/main" w="9525">
+                <a:solidFill>
+                  <a:srgbClr val="000000"/>
+                </a:solidFill>
+                <a:miter lim="800000"/>
+                <a:headEnd/>
+                <a:tailEnd/>
+              </a14:hiddenLine>
+            </a:ext>
+          </a:extLst>
+        </p:spPr>
+        <p:txBody>
+          <a:bodyPr wrap="none" anchor="ctr"/>
+          <a:lstStyle/>
+          <a:p>
+            <a:endParaRPr lang="en-US" altLang="en-US" smtClean="0"/>
+          </a:p>
+        </p:txBody>
+      </p:sp>
+    </p:spTree>
+    <p:extLst>
+      <p:ext uri="{BB962C8B-B14F-4D97-AF65-F5344CB8AC3E}">
+        <p14:creationId xmlns:p14="http://schemas.microsoft.com/office/powerpoint/2010/main" val="825657889"/>
+      </p:ext>
+    </p:extLst>
+  </p:cSld>
+  <p:clrMapOvr>
+    <a:masterClrMapping/>
+  </p:clrMapOvr>
+</p:notes>
+</file>
+
+<file path=ppt/notesSlides/notesSlide9.xml><?xml version="1.0" encoding="utf-8"?>
+<p:notes xmlns:a="http://schemas.openxmlformats.org/drawingml/2006/main" xmlns:r="http://schemas.openxmlformats.org/officeDocument/2006/relationships" xmlns:p="http://schemas.openxmlformats.org/presentationml/2006/main">
+  <p:cSld>
+    <p:bg>
+      <p:bgPr>
+        <a:solidFill>
+          <a:srgbClr val="FFFFFF"/>
+        </a:solidFill>
+        <a:effectLst/>
+      </p:bgPr>
+    </p:bg>
+    <p:spTree>
+      <p:nvGrpSpPr>
+        <p:cNvPr id="1" name=""/>
+        <p:cNvGrpSpPr/>
+        <p:nvPr/>
+      </p:nvGrpSpPr>
+      <p:grpSpPr>
+        <a:xfrm>
+          <a:off x="0" y="0"/>
+          <a:ext cx="0" cy="0"/>
+          <a:chOff x="0" y="0"/>
+          <a:chExt cx="0" cy="0"/>
+        </a:xfrm>
+      </p:grpSpPr>
+      <p:sp>
+        <p:nvSpPr>
+          <p:cNvPr id="39938" name="Rectangle 8"/>
+          <p:cNvSpPr>
+            <a:spLocks noGrp="1" noChangeArrowheads="1"/>
+          </p:cNvSpPr>
+          <p:nvPr>
+            <p:ph type="sldNum" sz="quarter" idx="5"/>
+          </p:nvPr>
+        </p:nvSpPr>
+        <p:spPr>
+          <a:noFill/>
+          <a:extLst>
+            <a:ext uri="{909E8E84-426E-40DD-AFC4-6F175D3DCCD1}">
+              <a14:hiddenFill xmlns:a14="http://schemas.microsoft.com/office/drawing/2010/main">
+                <a:solidFill>
+                  <a:srgbClr val="FFFFFF"/>
+                </a:solidFill>
+              </a14:hiddenFill>
+            </a:ext>
+            <a:ext uri="{91240B29-F687-4F45-9708-019B960494DF}">
+              <a14:hiddenLine xmlns:a14="http://schemas.microsoft.com/office/drawing/2010/main" w="9525">
+                <a:solidFill>
+                  <a:srgbClr val="000000"/>
+                </a:solidFill>
+                <a:miter lim="800000"/>
+                <a:headEnd/>
+                <a:tailEnd/>
+              </a14:hiddenLine>
+            </a:ext>
+          </a:extLst>
+        </p:spPr>
+        <p:txBody>
+          <a:bodyPr/>
+          <a:lstStyle>
+            <a:lvl1pPr>
+              <a:defRPr sz="2400">
+                <a:solidFill>
+                  <a:schemeClr val="tx1"/>
+                </a:solidFill>
+                <a:latin typeface="Times New Roman" panose="02020603050405020304" pitchFamily="18" charset="0"/>
+              </a:defRPr>
+            </a:lvl1pPr>
+            <a:lvl2pPr marL="742950" indent="-285750">
+              <a:defRPr sz="2400">
+                <a:solidFill>
+                  <a:schemeClr val="tx1"/>
+                </a:solidFill>
+                <a:latin typeface="Times New Roman" panose="02020603050405020304" pitchFamily="18" charset="0"/>
+              </a:defRPr>
+            </a:lvl2pPr>
+            <a:lvl3pPr marL="1143000" indent="-228600">
+              <a:defRPr sz="2400">
+                <a:solidFill>
+                  <a:schemeClr val="tx1"/>
+                </a:solidFill>
+                <a:latin typeface="Times New Roman" panose="02020603050405020304" pitchFamily="18" charset="0"/>
+              </a:defRPr>
+            </a:lvl3pPr>
+            <a:lvl4pPr marL="1600200" indent="-228600">
+              <a:defRPr sz="2400">
+                <a:solidFill>
+                  <a:schemeClr val="tx1"/>
+                </a:solidFill>
+                <a:latin typeface="Times New Roman" panose="02020603050405020304" pitchFamily="18" charset="0"/>
+              </a:defRPr>
+            </a:lvl4pPr>
+            <a:lvl5pPr marL="2057400" indent="-228600">
+              <a:defRPr sz="2400">
+                <a:solidFill>
+                  <a:schemeClr val="tx1"/>
+                </a:solidFill>
+                <a:latin typeface="Times New Roman" panose="02020603050405020304" pitchFamily="18" charset="0"/>
+              </a:defRPr>
+            </a:lvl5pPr>
+            <a:lvl6pPr marL="2514600" indent="-228600" eaLnBrk="0" fontAlgn="base" hangingPunct="0">
+              <a:spcBef>
+                <a:spcPct val="0"/>
+              </a:spcBef>
+              <a:spcAft>
+                <a:spcPct val="0"/>
+              </a:spcAft>
+              <a:defRPr sz="2400">
+                <a:solidFill>
+                  <a:schemeClr val="tx1"/>
+                </a:solidFill>
+                <a:latin typeface="Times New Roman" panose="02020603050405020304" pitchFamily="18" charset="0"/>
+              </a:defRPr>
+            </a:lvl6pPr>
+            <a:lvl7pPr marL="2971800" indent="-228600" eaLnBrk="0" fontAlgn="base" hangingPunct="0">
+              <a:spcBef>
+                <a:spcPct val="0"/>
+              </a:spcBef>
+              <a:spcAft>
+                <a:spcPct val="0"/>
+              </a:spcAft>
+              <a:defRPr sz="2400">
+                <a:solidFill>
+                  <a:schemeClr val="tx1"/>
+                </a:solidFill>
+                <a:latin typeface="Times New Roman" panose="02020603050405020304" pitchFamily="18" charset="0"/>
+              </a:defRPr>
+            </a:lvl7pPr>
+            <a:lvl8pPr marL="3429000" indent="-228600" eaLnBrk="0" fontAlgn="base" hangingPunct="0">
+              <a:spcBef>
+                <a:spcPct val="0"/>
+              </a:spcBef>
+              <a:spcAft>
+                <a:spcPct val="0"/>
+              </a:spcAft>
+              <a:defRPr sz="2400">
+                <a:solidFill>
+                  <a:schemeClr val="tx1"/>
+                </a:solidFill>
+                <a:latin typeface="Times New Roman" panose="02020603050405020304" pitchFamily="18" charset="0"/>
+              </a:defRPr>
+            </a:lvl8pPr>
+            <a:lvl9pPr marL="3886200" indent="-228600" eaLnBrk="0" fontAlgn="base" hangingPunct="0">
+              <a:spcBef>
+                <a:spcPct val="0"/>
+              </a:spcBef>
+              <a:spcAft>
+                <a:spcPct val="0"/>
+              </a:spcAft>
+              <a:defRPr sz="2400">
+                <a:solidFill>
+                  <a:schemeClr val="tx1"/>
+                </a:solidFill>
+                <a:latin typeface="Times New Roman" panose="02020603050405020304" pitchFamily="18" charset="0"/>
+              </a:defRPr>
+            </a:lvl9pPr>
+          </a:lstStyle>
+          <a:p>
+            <a:fld id="{B8344FC7-3616-4347-954A-E236A772931D}" type="slidenum">
+              <a:rPr lang="en-US" altLang="en-US" sz="1200"/>
+              <a:pPr/>
+              <a:t>11</a:t>
+            </a:fld>
+            <a:endParaRPr lang="en-US" altLang="en-US" sz="1200"/>
+          </a:p>
+        </p:txBody>
+      </p:sp>
+      <p:sp>
+        <p:nvSpPr>
+          <p:cNvPr id="39939" name="Rectangle 1"/>
+          <p:cNvSpPr>
+            <a:spLocks noGrp="1" noRot="1" noChangeAspect="1" noChangeArrowheads="1" noTextEdit="1"/>
+          </p:cNvSpPr>
+          <p:nvPr>
+            <p:ph type="sldImg"/>
+          </p:nvPr>
+        </p:nvSpPr>
+        <p:spPr>
+          <a:xfrm>
+            <a:off x="1143000" y="685800"/>
+            <a:ext cx="4570413" cy="3427413"/>
+          </a:xfrm>
+          <a:solidFill>
+            <a:srgbClr val="FFFFFF"/>
+          </a:solidFill>
+          <a:ln/>
+        </p:spPr>
+      </p:sp>
+      <p:sp>
+        <p:nvSpPr>
+          <p:cNvPr id="39940" name="Rectangle 2"/>
+          <p:cNvSpPr>
+            <a:spLocks noGrp="1" noChangeArrowheads="1"/>
+          </p:cNvSpPr>
+          <p:nvPr>
+            <p:ph type="body" idx="1"/>
+          </p:nvPr>
+        </p:nvSpPr>
+        <p:spPr>
+          <a:xfrm>
+            <a:off x="685800" y="4343400"/>
+            <a:ext cx="5484813" cy="4113213"/>
+          </a:xfrm>
+          <a:noFill/>
+          <a:extLst>
+            <a:ext uri="{909E8E84-426E-40DD-AFC4-6F175D3DCCD1}">
+              <a14:hiddenFill xmlns:a14="http://schemas.microsoft.com/office/drawing/2010/main">
+                <a:solidFill>
+                  <a:srgbClr val="FFFFFF"/>
+                </a:solidFill>
+              </a14:hiddenFill>
+            </a:ext>
+            <a:ext uri="{91240B29-F687-4F45-9708-019B960494DF}">
+              <a14:hiddenLine xmlns:a14="http://schemas.microsoft.com/office/drawing/2010/main" w="9525">
+                <a:solidFill>
+                  <a:srgbClr val="000000"/>
+                </a:solidFill>
+                <a:miter lim="800000"/>
+                <a:headEnd/>
+                <a:tailEnd/>
+              </a14:hiddenLine>
+            </a:ext>
+          </a:extLst>
+        </p:spPr>
+        <p:txBody>
+          <a:bodyPr wrap="none" anchor="ctr"/>
+          <a:lstStyle/>
+          <a:p>
+            <a:endParaRPr lang="en-US" altLang="en-US" smtClean="0"/>
+          </a:p>
+        </p:txBody>
+      </p:sp>
+    </p:spTree>
+    <p:extLst>
+      <p:ext uri="{BB962C8B-B14F-4D97-AF65-F5344CB8AC3E}">
+        <p14:creationId xmlns:p14="http://schemas.microsoft.com/office/powerpoint/2010/main" val="2751012442"/>
       </p:ext>
     </p:extLst>
   </p:cSld>
@@ -5716,7 +5242,7 @@
               <a:pPr>
                 <a:defRPr/>
               </a:pPr>
-              <a:t>10/28/2017</a:t>
+              <a:t>12/11/2017</a:t>
             </a:fld>
             <a:endParaRPr lang="en-US" altLang="en-US"/>
           </a:p>
@@ -5949,7 +5475,7 @@
               <a:pPr>
                 <a:defRPr/>
               </a:pPr>
-              <a:t>10/28/2017</a:t>
+              <a:t>12/11/2017</a:t>
             </a:fld>
             <a:endParaRPr lang="en-US" altLang="en-US"/>
           </a:p>
@@ -6821,7 +6347,7 @@
               <a:pPr>
                 <a:defRPr/>
               </a:pPr>
-              <a:t>10/28/2017</a:t>
+              <a:t>12/11/2017</a:t>
             </a:fld>
             <a:endParaRPr lang="en-US" altLang="en-US"/>
           </a:p>
@@ -6969,7 +6495,7 @@
               <a:pPr>
                 <a:defRPr/>
               </a:pPr>
-              <a:t>10/28/2017</a:t>
+              <a:t>12/11/2017</a:t>
             </a:fld>
             <a:endParaRPr lang="en-US" altLang="en-US"/>
           </a:p>
@@ -7299,7 +6825,7 @@
               <a:pPr>
                 <a:defRPr/>
               </a:pPr>
-              <a:t>10/28/2017</a:t>
+              <a:t>12/11/2017</a:t>
             </a:fld>
             <a:endParaRPr lang="en-US" altLang="en-US"/>
           </a:p>
@@ -7606,7 +7132,7 @@
               <a:pPr>
                 <a:defRPr/>
               </a:pPr>
-              <a:t>10/28/2017</a:t>
+              <a:t>12/11/2017</a:t>
             </a:fld>
             <a:endParaRPr lang="en-US" altLang="en-US"/>
           </a:p>
@@ -9540,8 +9066,8 @@
         </p:blipFill>
         <p:spPr bwMode="auto">
           <a:xfrm>
-            <a:off x="3382963" y="4572000"/>
-            <a:ext cx="4630737" cy="1182688"/>
+            <a:off x="3382963" y="4867164"/>
+            <a:ext cx="3475037" cy="887523"/>
           </a:xfrm>
           <a:prstGeom prst="rect">
             <a:avLst/>
@@ -9634,7 +9160,7 @@
   <p:timing>
     <p:tnLst>
       <p:par>
-        <p:cTn id="1" dur="indefinite" nodeType="tmRoot">
+        <p:cTn id="1" dur="indefinite" restart="never" nodeType="tmRoot">
           <p:childTnLst>
             <p:seq concurrent="1" nextAc="seek">
               <p:cTn id="2" dur="0" nodeType="mainSeq"/>
@@ -9821,7 +9347,7 @@
   <p:timing>
     <p:tnLst>
       <p:par>
-        <p:cTn id="1" dur="indefinite" nodeType="tmRoot">
+        <p:cTn id="1" dur="indefinite" restart="never" nodeType="tmRoot">
           <p:childTnLst>
             <p:seq concurrent="1" nextAc="seek">
               <p:cTn id="2" dur="0" nodeType="mainSeq"/>
@@ -10008,7 +9534,7 @@
   <p:timing>
     <p:tnLst>
       <p:par>
-        <p:cTn id="1" dur="indefinite" nodeType="tmRoot">
+        <p:cTn id="1" dur="indefinite" restart="never" nodeType="tmRoot">
           <p:childTnLst>
             <p:seq concurrent="1" nextAc="seek">
               <p:cTn id="2" dur="0" nodeType="mainSeq"/>
@@ -10195,7 +9721,7 @@
   <p:timing>
     <p:tnLst>
       <p:par>
-        <p:cTn id="1" dur="indefinite" nodeType="tmRoot">
+        <p:cTn id="1" dur="indefinite" restart="never" nodeType="tmRoot">
           <p:childTnLst>
             <p:seq concurrent="1" nextAc="seek">
               <p:cTn id="2" dur="0" nodeType="mainSeq"/>
@@ -10382,7 +9908,7 @@
   <p:timing>
     <p:tnLst>
       <p:par>
-        <p:cTn id="1" dur="indefinite" nodeType="tmRoot">
+        <p:cTn id="1" dur="indefinite" restart="never" nodeType="tmRoot">
           <p:childTnLst>
             <p:seq concurrent="1" nextAc="seek">
               <p:cTn id="2" dur="0" nodeType="mainSeq"/>
@@ -10595,7 +10121,7 @@
   <p:timing>
     <p:tnLst>
       <p:par>
-        <p:cTn id="1" dur="indefinite" nodeType="tmRoot">
+        <p:cTn id="1" dur="indefinite" restart="never" nodeType="tmRoot">
           <p:childTnLst>
             <p:seq concurrent="1" nextAc="seek">
               <p:cTn id="2" dur="0" nodeType="mainSeq"/>
@@ -10782,7 +10308,7 @@
   <p:timing>
     <p:tnLst>
       <p:par>
-        <p:cTn id="1" dur="indefinite" nodeType="tmRoot">
+        <p:cTn id="1" dur="indefinite" restart="never" nodeType="tmRoot">
           <p:childTnLst>
             <p:seq concurrent="1" nextAc="seek">
               <p:cTn id="2" dur="0" nodeType="mainSeq"/>
@@ -10976,7 +10502,7 @@
   <p:timing>
     <p:tnLst>
       <p:par>
-        <p:cTn id="1" dur="indefinite" nodeType="tmRoot">
+        <p:cTn id="1" dur="indefinite" restart="never" nodeType="tmRoot">
           <p:childTnLst>
             <p:seq concurrent="1" nextAc="seek">
               <p:cTn id="2" dur="0" nodeType="mainSeq"/>
@@ -11743,7 +11269,7 @@
               </a:buBlip>
             </a:pPr>
             <a:r>
-              <a:rPr lang="en-GB" altLang="en-US" sz="3000">
+              <a:rPr lang="en-GB" altLang="en-US" sz="3000" dirty="0">
                 <a:solidFill>
                   <a:srgbClr val="000000"/>
                 </a:solidFill>
@@ -11767,7 +11293,7 @@
               </a:buBlip>
             </a:pPr>
             <a:r>
-              <a:rPr lang="en-GB" altLang="en-US" sz="3000">
+              <a:rPr lang="en-GB" altLang="en-US" sz="3000" dirty="0">
                 <a:solidFill>
                   <a:srgbClr val="000000"/>
                 </a:solidFill>
@@ -11791,13 +11317,31 @@
               </a:buBlip>
             </a:pPr>
             <a:r>
-              <a:rPr lang="en-GB" altLang="en-US" sz="3000">
+              <a:rPr lang="en-GB" altLang="en-US" sz="3000" dirty="0">
                 <a:solidFill>
                   <a:srgbClr val="000000"/>
                 </a:solidFill>
                 <a:latin typeface="Arial" panose="020B0604020202020204" pitchFamily="34" charset="0"/>
               </a:rPr>
-              <a:t>Work through Javascript Examples</a:t>
+              <a:t>Work through </a:t>
+            </a:r>
+            <a:r>
+              <a:rPr lang="en-GB" altLang="en-US" sz="3000" dirty="0" err="1">
+                <a:solidFill>
+                  <a:srgbClr val="000000"/>
+                </a:solidFill>
+                <a:latin typeface="Arial" panose="020B0604020202020204" pitchFamily="34" charset="0"/>
+              </a:rPr>
+              <a:t>Javascript</a:t>
+            </a:r>
+            <a:r>
+              <a:rPr lang="en-GB" altLang="en-US" sz="3000" dirty="0">
+                <a:solidFill>
+                  <a:srgbClr val="000000"/>
+                </a:solidFill>
+                <a:latin typeface="Arial" panose="020B0604020202020204" pitchFamily="34" charset="0"/>
+              </a:rPr>
+              <a:t> Examples</a:t>
             </a:r>
           </a:p>
           <a:p>
@@ -11812,7 +11356,7 @@
               <a:buChar char=""/>
             </a:pPr>
             <a:r>
-              <a:rPr lang="en-GB" altLang="en-US" sz="2600">
+              <a:rPr lang="en-GB" altLang="en-US" sz="2600" dirty="0">
                 <a:solidFill>
                   <a:srgbClr val="000000"/>
                 </a:solidFill>
@@ -11836,14 +11380,103 @@
               </a:buBlip>
             </a:pPr>
             <a:r>
-              <a:rPr lang="en-GB" altLang="en-US" sz="3000" b="1" u="sng">
+              <a:rPr lang="en-GB" altLang="en-US" sz="3000" b="1" u="sng" dirty="0" smtClean="0">
                 <a:solidFill>
                   <a:srgbClr val="000000"/>
                 </a:solidFill>
                 <a:latin typeface="Arial" panose="020B0604020202020204" pitchFamily="34" charset="0"/>
               </a:rPr>
-              <a:t>Start Early</a:t>
+              <a:t>Group Project (Christmas Theme)</a:t>
             </a:r>
+          </a:p>
+          <a:p>
+            <a:pPr lvl="1">
+              <a:lnSpc>
+                <a:spcPct val="80000"/>
+              </a:lnSpc>
+              <a:spcBef>
+                <a:spcPts val="750"/>
+              </a:spcBef>
+              <a:buSzPct val="107000"/>
+              <a:buFont typeface="Arial" panose="020B0604020202020204" pitchFamily="34" charset="0"/>
+              <a:buBlip>
+                <a:blip r:embed="rId3"/>
+              </a:buBlip>
+            </a:pPr>
+            <a:r>
+              <a:rPr lang="en-GB" altLang="en-US" sz="3000" b="1" u="sng" dirty="0" smtClean="0">
+                <a:solidFill>
+                  <a:srgbClr val="000000"/>
+                </a:solidFill>
+                <a:latin typeface="Arial" panose="020B0604020202020204" pitchFamily="34" charset="0"/>
+              </a:rPr>
+              <a:t>Website &amp; </a:t>
+            </a:r>
+            <a:r>
+              <a:rPr lang="en-GB" altLang="en-US" sz="3000" b="1" u="sng" dirty="0" err="1" smtClean="0">
+                <a:solidFill>
+                  <a:srgbClr val="000000"/>
+                </a:solidFill>
+                <a:latin typeface="Arial" panose="020B0604020202020204" pitchFamily="34" charset="0"/>
+              </a:rPr>
+              <a:t>Javascript</a:t>
+            </a:r>
+            <a:r>
+              <a:rPr lang="en-GB" altLang="en-US" sz="3000" b="1" u="sng" dirty="0" smtClean="0">
+                <a:solidFill>
+                  <a:srgbClr val="000000"/>
+                </a:solidFill>
+                <a:latin typeface="Arial" panose="020B0604020202020204" pitchFamily="34" charset="0"/>
+              </a:rPr>
+              <a:t> Game</a:t>
+            </a:r>
+          </a:p>
+          <a:p>
+            <a:pPr marL="457200" lvl="1" indent="0">
+              <a:lnSpc>
+                <a:spcPct val="80000"/>
+              </a:lnSpc>
+              <a:spcBef>
+                <a:spcPts val="750"/>
+              </a:spcBef>
+              <a:buSzPct val="107000"/>
+            </a:pPr>
+            <a:endParaRPr lang="en-GB" altLang="en-US" sz="3000" b="1" u="sng" dirty="0" smtClean="0">
+              <a:solidFill>
+                <a:srgbClr val="000000"/>
+              </a:solidFill>
+              <a:latin typeface="Arial" panose="020B0604020202020204" pitchFamily="34" charset="0"/>
+            </a:endParaRPr>
+          </a:p>
+          <a:p>
+            <a:pPr>
+              <a:lnSpc>
+                <a:spcPct val="80000"/>
+              </a:lnSpc>
+              <a:spcBef>
+                <a:spcPts val="750"/>
+              </a:spcBef>
+              <a:buSzPct val="107000"/>
+              <a:buFont typeface="Arial" panose="020B0604020202020204" pitchFamily="34" charset="0"/>
+              <a:buBlip>
+                <a:blip r:embed="rId3"/>
+              </a:buBlip>
+            </a:pPr>
+            <a:r>
+              <a:rPr lang="en-GB" altLang="en-US" sz="3000" b="1" u="sng" dirty="0" smtClean="0">
+                <a:solidFill>
+                  <a:srgbClr val="000000"/>
+                </a:solidFill>
+                <a:latin typeface="Arial" panose="020B0604020202020204" pitchFamily="34" charset="0"/>
+              </a:rPr>
+              <a:t>Demonstrate Individual Projects</a:t>
+            </a:r>
+            <a:endParaRPr lang="en-GB" altLang="en-US" sz="3000" b="1" u="sng" dirty="0">
+              <a:solidFill>
+                <a:srgbClr val="000000"/>
+              </a:solidFill>
+              <a:latin typeface="Arial" panose="020B0604020202020204" pitchFamily="34" charset="0"/>
+            </a:endParaRPr>
           </a:p>
         </p:txBody>
       </p:sp>
@@ -11856,7 +11489,7 @@
   <p:timing>
     <p:tnLst>
       <p:par>
-        <p:cTn id="1" dur="indefinite" nodeType="tmRoot">
+        <p:cTn id="1" dur="indefinite" restart="never" nodeType="tmRoot">
           <p:childTnLst>
             <p:seq concurrent="1" nextAc="seek">
               <p:cTn id="2" dur="indefinite" nodeType="mainSeq"/>
@@ -12619,14 +12252,38 @@
               </a:buBlip>
             </a:pPr>
             <a:r>
-              <a:rPr lang="en-GB" altLang="en-US" sz="3200">
+              <a:rPr lang="en-GB" altLang="en-US" sz="3200" dirty="0">
                 <a:solidFill>
                   <a:srgbClr val="000000"/>
                 </a:solidFill>
                 <a:latin typeface="Arial" panose="020B0604020202020204" pitchFamily="34" charset="0"/>
               </a:rPr>
-              <a:t>Overview of Javascript Forms</a:t>
+              <a:t>Overview of </a:t>
             </a:r>
+            <a:r>
+              <a:rPr lang="en-GB" altLang="en-US" sz="3200" dirty="0" smtClean="0">
+                <a:solidFill>
+                  <a:srgbClr val="000000"/>
+                </a:solidFill>
+                <a:latin typeface="Arial" panose="020B0604020202020204" pitchFamily="34" charset="0"/>
+              </a:rPr>
+              <a:t>Objects in </a:t>
+            </a:r>
+            <a:r>
+              <a:rPr lang="en-GB" altLang="en-US" sz="3200" dirty="0" err="1" smtClean="0">
+                <a:solidFill>
+                  <a:srgbClr val="000000"/>
+                </a:solidFill>
+                <a:latin typeface="Arial" panose="020B0604020202020204" pitchFamily="34" charset="0"/>
+              </a:rPr>
+              <a:t>Javascript</a:t>
+            </a:r>
+            <a:endParaRPr lang="en-GB" altLang="en-US" sz="3200" dirty="0" smtClean="0">
+              <a:solidFill>
+                <a:srgbClr val="000000"/>
+              </a:solidFill>
+              <a:latin typeface="Arial" panose="020B0604020202020204" pitchFamily="34" charset="0"/>
+            </a:endParaRPr>
           </a:p>
           <a:p>
             <a:pPr>
@@ -12639,7 +12296,42 @@
               </a:buBlip>
             </a:pPr>
             <a:r>
-              <a:rPr lang="en-GB" altLang="en-US" sz="3200">
+              <a:rPr lang="en-GB" altLang="en-US" sz="3200" dirty="0" err="1" smtClean="0">
+                <a:solidFill>
+                  <a:srgbClr val="000000"/>
+                </a:solidFill>
+                <a:latin typeface="Arial" panose="020B0604020202020204" pitchFamily="34" charset="0"/>
+              </a:rPr>
+              <a:t>Javascript</a:t>
+            </a:r>
+            <a:r>
+              <a:rPr lang="en-GB" altLang="en-US" sz="3200" dirty="0" smtClean="0">
+                <a:solidFill>
+                  <a:srgbClr val="000000"/>
+                </a:solidFill>
+                <a:latin typeface="Arial" panose="020B0604020202020204" pitchFamily="34" charset="0"/>
+              </a:rPr>
+              <a:t> Forms</a:t>
+            </a:r>
+            <a:endParaRPr lang="en-GB" altLang="en-US" sz="3200" dirty="0">
+              <a:solidFill>
+                <a:srgbClr val="000000"/>
+              </a:solidFill>
+              <a:latin typeface="Arial" panose="020B0604020202020204" pitchFamily="34" charset="0"/>
+            </a:endParaRPr>
+          </a:p>
+          <a:p>
+            <a:pPr>
+              <a:spcBef>
+                <a:spcPts val="800"/>
+              </a:spcBef>
+              <a:buFont typeface="Times New Roman" panose="02020603050405020304" pitchFamily="18" charset="0"/>
+              <a:buBlip>
+                <a:blip r:embed="rId3"/>
+              </a:buBlip>
+            </a:pPr>
+            <a:r>
+              <a:rPr lang="en-GB" altLang="en-US" sz="3200" dirty="0">
                 <a:solidFill>
                   <a:srgbClr val="000000"/>
                 </a:solidFill>
@@ -13422,13 +13114,13 @@
               </a:buBlip>
             </a:pPr>
             <a:r>
-              <a:rPr lang="en-US" altLang="en-US" sz="3200">
+              <a:rPr lang="en-US" altLang="en-US" sz="3200" dirty="0" smtClean="0">
                 <a:solidFill>
                   <a:srgbClr val="000000"/>
                 </a:solidFill>
                 <a:latin typeface="Arial" panose="020B0604020202020204" pitchFamily="34" charset="0"/>
               </a:rPr>
-              <a:t>What do we mean Javascript Forms?</a:t>
+              <a:t>Review</a:t>
             </a:r>
           </a:p>
           <a:p>
@@ -13442,13 +13134,49 @@
               </a:buBlip>
             </a:pPr>
             <a:r>
-              <a:rPr lang="en-US" altLang="en-US" sz="3200">
+              <a:rPr lang="en-US" altLang="en-US" sz="3200" dirty="0" smtClean="0">
                 <a:solidFill>
                   <a:srgbClr val="000000"/>
                 </a:solidFill>
                 <a:latin typeface="Arial" panose="020B0604020202020204" pitchFamily="34" charset="0"/>
               </a:rPr>
-              <a:t>Summary</a:t>
+              <a:t>What </a:t>
+            </a:r>
+            <a:r>
+              <a:rPr lang="en-US" altLang="en-US" sz="3200" dirty="0">
+                <a:solidFill>
+                  <a:srgbClr val="000000"/>
+                </a:solidFill>
+                <a:latin typeface="Arial" panose="020B0604020202020204" pitchFamily="34" charset="0"/>
+              </a:rPr>
+              <a:t>do we mean </a:t>
+            </a:r>
+            <a:r>
+              <a:rPr lang="en-US" altLang="en-US" sz="3200" dirty="0" err="1">
+                <a:solidFill>
+                  <a:srgbClr val="000000"/>
+                </a:solidFill>
+                <a:latin typeface="Arial" panose="020B0604020202020204" pitchFamily="34" charset="0"/>
+              </a:rPr>
+              <a:t>Javascript</a:t>
+            </a:r>
+            <a:r>
+              <a:rPr lang="en-US" altLang="en-US" sz="3200" dirty="0">
+                <a:solidFill>
+                  <a:srgbClr val="000000"/>
+                </a:solidFill>
+                <a:latin typeface="Arial" panose="020B0604020202020204" pitchFamily="34" charset="0"/>
+              </a:rPr>
+              <a:t> Forms</a:t>
+            </a:r>
+            <a:r>
+              <a:rPr lang="en-US" altLang="en-US" sz="3200" dirty="0" smtClean="0">
+                <a:solidFill>
+                  <a:srgbClr val="000000"/>
+                </a:solidFill>
+                <a:latin typeface="Arial" panose="020B0604020202020204" pitchFamily="34" charset="0"/>
+              </a:rPr>
+              <a:t>?</a:t>
             </a:r>
           </a:p>
           <a:p>
@@ -13462,7 +13190,53 @@
               </a:buBlip>
             </a:pPr>
             <a:r>
-              <a:rPr lang="en-US" altLang="en-US" sz="3200">
+              <a:rPr lang="en-US" altLang="en-US" sz="3200" dirty="0" smtClean="0">
+                <a:solidFill>
+                  <a:srgbClr val="000000"/>
+                </a:solidFill>
+                <a:latin typeface="Arial" panose="020B0604020202020204" pitchFamily="34" charset="0"/>
+              </a:rPr>
+              <a:t>Object Orientated Concepts</a:t>
+            </a:r>
+            <a:endParaRPr lang="en-US" altLang="en-US" sz="3200" dirty="0">
+              <a:solidFill>
+                <a:srgbClr val="000000"/>
+              </a:solidFill>
+              <a:latin typeface="Arial" panose="020B0604020202020204" pitchFamily="34" charset="0"/>
+            </a:endParaRPr>
+          </a:p>
+          <a:p>
+            <a:pPr eaLnBrk="1" hangingPunct="1">
+              <a:spcBef>
+                <a:spcPts val="800"/>
+              </a:spcBef>
+              <a:buFont typeface="Times New Roman" panose="02020603050405020304" pitchFamily="18" charset="0"/>
+              <a:buBlip>
+                <a:blip r:embed="rId3"/>
+              </a:buBlip>
+            </a:pPr>
+            <a:r>
+              <a:rPr lang="en-US" altLang="en-US" sz="3200" dirty="0">
+                <a:solidFill>
+                  <a:srgbClr val="000000"/>
+                </a:solidFill>
+                <a:latin typeface="Arial" panose="020B0604020202020204" pitchFamily="34" charset="0"/>
+              </a:rPr>
+              <a:t>Summary</a:t>
+            </a:r>
+          </a:p>
+          <a:p>
+            <a:pPr eaLnBrk="1" hangingPunct="1">
+              <a:spcBef>
+                <a:spcPts val="800"/>
+              </a:spcBef>
+              <a:buFont typeface="Times New Roman" panose="02020603050405020304" pitchFamily="18" charset="0"/>
+              <a:buBlip>
+                <a:blip r:embed="rId3"/>
+              </a:buBlip>
+            </a:pPr>
+            <a:r>
+              <a:rPr lang="en-US" altLang="en-US" sz="3200" dirty="0">
                 <a:solidFill>
                   <a:srgbClr val="000000"/>
                 </a:solidFill>
@@ -14087,48 +13861,25 @@
       </p:grpSpPr>
       <p:sp>
         <p:nvSpPr>
-          <p:cNvPr id="10242" name="Text Box 1"/>
-          <p:cNvSpPr txBox="1">
-            <a:spLocks noChangeArrowheads="1"/>
+          <p:cNvPr id="11266" name="Rectangle 1"/>
+          <p:cNvSpPr>
+            <a:spLocks noGrp="1" noChangeArrowheads="1"/>
           </p:cNvSpPr>
-          <p:nvPr/>
+          <p:nvPr>
+            <p:ph type="title"/>
+          </p:nvPr>
         </p:nvSpPr>
-        <p:spPr bwMode="auto">
+        <p:spPr>
           <a:xfrm>
             <a:off x="685800" y="609600"/>
-            <a:ext cx="7772400" cy="1143000"/>
+            <a:ext cx="7770813" cy="1141413"/>
           </a:xfrm>
-          <a:prstGeom prst="rect">
-            <a:avLst/>
-          </a:prstGeom>
-          <a:noFill/>
-          <a:ln>
-            <a:noFill/>
-          </a:ln>
-          <a:extLst>
-            <a:ext uri="{909E8E84-426E-40DD-AFC4-6F175D3DCCD1}">
-              <a14:hiddenFill xmlns:a14="http://schemas.microsoft.com/office/drawing/2010/main">
-                <a:solidFill>
-                  <a:srgbClr val="FFFFFF"/>
-                </a:solidFill>
-              </a14:hiddenFill>
-            </a:ext>
-            <a:ext uri="{91240B29-F687-4F45-9708-019B960494DF}">
-              <a14:hiddenLine xmlns:a14="http://schemas.microsoft.com/office/drawing/2010/main" w="9525">
-                <a:solidFill>
-                  <a:srgbClr val="000000"/>
-                </a:solidFill>
-                <a:round/>
-                <a:headEnd/>
-                <a:tailEnd/>
-              </a14:hiddenLine>
-            </a:ext>
-          </a:extLst>
         </p:spPr>
         <p:txBody>
-          <a:bodyPr anchor="ctr"/>
-          <a:lstStyle>
-            <a:lvl1pPr>
+          <a:bodyPr/>
+          <a:lstStyle/>
+          <a:p>
+            <a:pPr>
               <a:tabLst>
                 <a:tab pos="0" algn="l"/>
                 <a:tab pos="457200" algn="l"/>
@@ -14152,312 +13903,93 @@
                 <a:tab pos="8686800" algn="l"/>
                 <a:tab pos="9144000" algn="l"/>
               </a:tabLst>
-              <a:defRPr sz="2400">
-                <a:solidFill>
-                  <a:schemeClr val="tx1"/>
-                </a:solidFill>
-                <a:latin typeface="Times New Roman" panose="02020603050405020304" pitchFamily="18" charset="0"/>
-              </a:defRPr>
-            </a:lvl1pPr>
-            <a:lvl2pPr marL="742950" indent="-285750">
-              <a:tabLst>
-                <a:tab pos="0" algn="l"/>
-                <a:tab pos="457200" algn="l"/>
-                <a:tab pos="914400" algn="l"/>
-                <a:tab pos="1371600" algn="l"/>
-                <a:tab pos="1828800" algn="l"/>
-                <a:tab pos="2286000" algn="l"/>
-                <a:tab pos="2743200" algn="l"/>
-                <a:tab pos="3200400" algn="l"/>
-                <a:tab pos="3657600" algn="l"/>
-                <a:tab pos="4114800" algn="l"/>
-                <a:tab pos="4572000" algn="l"/>
-                <a:tab pos="5029200" algn="l"/>
-                <a:tab pos="5486400" algn="l"/>
-                <a:tab pos="5943600" algn="l"/>
-                <a:tab pos="6400800" algn="l"/>
-                <a:tab pos="6858000" algn="l"/>
-                <a:tab pos="7315200" algn="l"/>
-                <a:tab pos="7772400" algn="l"/>
-                <a:tab pos="8229600" algn="l"/>
-                <a:tab pos="8686800" algn="l"/>
-                <a:tab pos="9144000" algn="l"/>
-              </a:tabLst>
-              <a:defRPr sz="2400">
-                <a:solidFill>
-                  <a:schemeClr val="tx1"/>
-                </a:solidFill>
-                <a:latin typeface="Times New Roman" panose="02020603050405020304" pitchFamily="18" charset="0"/>
-              </a:defRPr>
-            </a:lvl2pPr>
-            <a:lvl3pPr marL="1143000" indent="-228600">
-              <a:tabLst>
-                <a:tab pos="0" algn="l"/>
-                <a:tab pos="457200" algn="l"/>
-                <a:tab pos="914400" algn="l"/>
-                <a:tab pos="1371600" algn="l"/>
-                <a:tab pos="1828800" algn="l"/>
-                <a:tab pos="2286000" algn="l"/>
-                <a:tab pos="2743200" algn="l"/>
-                <a:tab pos="3200400" algn="l"/>
-                <a:tab pos="3657600" algn="l"/>
-                <a:tab pos="4114800" algn="l"/>
-                <a:tab pos="4572000" algn="l"/>
-                <a:tab pos="5029200" algn="l"/>
-                <a:tab pos="5486400" algn="l"/>
-                <a:tab pos="5943600" algn="l"/>
-                <a:tab pos="6400800" algn="l"/>
-                <a:tab pos="6858000" algn="l"/>
-                <a:tab pos="7315200" algn="l"/>
-                <a:tab pos="7772400" algn="l"/>
-                <a:tab pos="8229600" algn="l"/>
-                <a:tab pos="8686800" algn="l"/>
-                <a:tab pos="9144000" algn="l"/>
-              </a:tabLst>
-              <a:defRPr sz="2400">
-                <a:solidFill>
-                  <a:schemeClr val="tx1"/>
-                </a:solidFill>
-                <a:latin typeface="Times New Roman" panose="02020603050405020304" pitchFamily="18" charset="0"/>
-              </a:defRPr>
-            </a:lvl3pPr>
-            <a:lvl4pPr marL="1600200" indent="-228600">
-              <a:tabLst>
-                <a:tab pos="0" algn="l"/>
-                <a:tab pos="457200" algn="l"/>
-                <a:tab pos="914400" algn="l"/>
-                <a:tab pos="1371600" algn="l"/>
-                <a:tab pos="1828800" algn="l"/>
-                <a:tab pos="2286000" algn="l"/>
-                <a:tab pos="2743200" algn="l"/>
-                <a:tab pos="3200400" algn="l"/>
-                <a:tab pos="3657600" algn="l"/>
-                <a:tab pos="4114800" algn="l"/>
-                <a:tab pos="4572000" algn="l"/>
-                <a:tab pos="5029200" algn="l"/>
-                <a:tab pos="5486400" algn="l"/>
-                <a:tab pos="5943600" algn="l"/>
-                <a:tab pos="6400800" algn="l"/>
-                <a:tab pos="6858000" algn="l"/>
-                <a:tab pos="7315200" algn="l"/>
-                <a:tab pos="7772400" algn="l"/>
-                <a:tab pos="8229600" algn="l"/>
-                <a:tab pos="8686800" algn="l"/>
-                <a:tab pos="9144000" algn="l"/>
-              </a:tabLst>
-              <a:defRPr sz="2400">
-                <a:solidFill>
-                  <a:schemeClr val="tx1"/>
-                </a:solidFill>
-                <a:latin typeface="Times New Roman" panose="02020603050405020304" pitchFamily="18" charset="0"/>
-              </a:defRPr>
-            </a:lvl4pPr>
-            <a:lvl5pPr marL="2057400" indent="-228600">
-              <a:tabLst>
-                <a:tab pos="0" algn="l"/>
-                <a:tab pos="457200" algn="l"/>
-                <a:tab pos="914400" algn="l"/>
-                <a:tab pos="1371600" algn="l"/>
-                <a:tab pos="1828800" algn="l"/>
-                <a:tab pos="2286000" algn="l"/>
-                <a:tab pos="2743200" algn="l"/>
-                <a:tab pos="3200400" algn="l"/>
-                <a:tab pos="3657600" algn="l"/>
-                <a:tab pos="4114800" algn="l"/>
-                <a:tab pos="4572000" algn="l"/>
-                <a:tab pos="5029200" algn="l"/>
-                <a:tab pos="5486400" algn="l"/>
-                <a:tab pos="5943600" algn="l"/>
-                <a:tab pos="6400800" algn="l"/>
-                <a:tab pos="6858000" algn="l"/>
-                <a:tab pos="7315200" algn="l"/>
-                <a:tab pos="7772400" algn="l"/>
-                <a:tab pos="8229600" algn="l"/>
-                <a:tab pos="8686800" algn="l"/>
-                <a:tab pos="9144000" algn="l"/>
-              </a:tabLst>
-              <a:defRPr sz="2400">
-                <a:solidFill>
-                  <a:schemeClr val="tx1"/>
-                </a:solidFill>
-                <a:latin typeface="Times New Roman" panose="02020603050405020304" pitchFamily="18" charset="0"/>
-              </a:defRPr>
-            </a:lvl5pPr>
-            <a:lvl6pPr marL="2514600" indent="-228600" eaLnBrk="0" fontAlgn="base" hangingPunct="0">
-              <a:spcBef>
-                <a:spcPct val="0"/>
-              </a:spcBef>
-              <a:spcAft>
-                <a:spcPct val="0"/>
-              </a:spcAft>
-              <a:tabLst>
-                <a:tab pos="0" algn="l"/>
-                <a:tab pos="457200" algn="l"/>
-                <a:tab pos="914400" algn="l"/>
-                <a:tab pos="1371600" algn="l"/>
-                <a:tab pos="1828800" algn="l"/>
-                <a:tab pos="2286000" algn="l"/>
-                <a:tab pos="2743200" algn="l"/>
-                <a:tab pos="3200400" algn="l"/>
-                <a:tab pos="3657600" algn="l"/>
-                <a:tab pos="4114800" algn="l"/>
-                <a:tab pos="4572000" algn="l"/>
-                <a:tab pos="5029200" algn="l"/>
-                <a:tab pos="5486400" algn="l"/>
-                <a:tab pos="5943600" algn="l"/>
-                <a:tab pos="6400800" algn="l"/>
-                <a:tab pos="6858000" algn="l"/>
-                <a:tab pos="7315200" algn="l"/>
-                <a:tab pos="7772400" algn="l"/>
-                <a:tab pos="8229600" algn="l"/>
-                <a:tab pos="8686800" algn="l"/>
-                <a:tab pos="9144000" algn="l"/>
-              </a:tabLst>
-              <a:defRPr sz="2400">
-                <a:solidFill>
-                  <a:schemeClr val="tx1"/>
-                </a:solidFill>
-                <a:latin typeface="Times New Roman" panose="02020603050405020304" pitchFamily="18" charset="0"/>
-              </a:defRPr>
-            </a:lvl6pPr>
-            <a:lvl7pPr marL="2971800" indent="-228600" eaLnBrk="0" fontAlgn="base" hangingPunct="0">
-              <a:spcBef>
-                <a:spcPct val="0"/>
-              </a:spcBef>
-              <a:spcAft>
-                <a:spcPct val="0"/>
-              </a:spcAft>
-              <a:tabLst>
-                <a:tab pos="0" algn="l"/>
-                <a:tab pos="457200" algn="l"/>
-                <a:tab pos="914400" algn="l"/>
-                <a:tab pos="1371600" algn="l"/>
-                <a:tab pos="1828800" algn="l"/>
-                <a:tab pos="2286000" algn="l"/>
-                <a:tab pos="2743200" algn="l"/>
-                <a:tab pos="3200400" algn="l"/>
-                <a:tab pos="3657600" algn="l"/>
-                <a:tab pos="4114800" algn="l"/>
-                <a:tab pos="4572000" algn="l"/>
-                <a:tab pos="5029200" algn="l"/>
-                <a:tab pos="5486400" algn="l"/>
-                <a:tab pos="5943600" algn="l"/>
-                <a:tab pos="6400800" algn="l"/>
-                <a:tab pos="6858000" algn="l"/>
-                <a:tab pos="7315200" algn="l"/>
-                <a:tab pos="7772400" algn="l"/>
-                <a:tab pos="8229600" algn="l"/>
-                <a:tab pos="8686800" algn="l"/>
-                <a:tab pos="9144000" algn="l"/>
-              </a:tabLst>
-              <a:defRPr sz="2400">
-                <a:solidFill>
-                  <a:schemeClr val="tx1"/>
-                </a:solidFill>
-                <a:latin typeface="Times New Roman" panose="02020603050405020304" pitchFamily="18" charset="0"/>
-              </a:defRPr>
-            </a:lvl7pPr>
-            <a:lvl8pPr marL="3429000" indent="-228600" eaLnBrk="0" fontAlgn="base" hangingPunct="0">
-              <a:spcBef>
-                <a:spcPct val="0"/>
-              </a:spcBef>
-              <a:spcAft>
-                <a:spcPct val="0"/>
-              </a:spcAft>
-              <a:tabLst>
-                <a:tab pos="0" algn="l"/>
-                <a:tab pos="457200" algn="l"/>
-                <a:tab pos="914400" algn="l"/>
-                <a:tab pos="1371600" algn="l"/>
-                <a:tab pos="1828800" algn="l"/>
-                <a:tab pos="2286000" algn="l"/>
-                <a:tab pos="2743200" algn="l"/>
-                <a:tab pos="3200400" algn="l"/>
-                <a:tab pos="3657600" algn="l"/>
-                <a:tab pos="4114800" algn="l"/>
-                <a:tab pos="4572000" algn="l"/>
-                <a:tab pos="5029200" algn="l"/>
-                <a:tab pos="5486400" algn="l"/>
-                <a:tab pos="5943600" algn="l"/>
-                <a:tab pos="6400800" algn="l"/>
-                <a:tab pos="6858000" algn="l"/>
-                <a:tab pos="7315200" algn="l"/>
-                <a:tab pos="7772400" algn="l"/>
-                <a:tab pos="8229600" algn="l"/>
-                <a:tab pos="8686800" algn="l"/>
-                <a:tab pos="9144000" algn="l"/>
-              </a:tabLst>
-              <a:defRPr sz="2400">
-                <a:solidFill>
-                  <a:schemeClr val="tx1"/>
-                </a:solidFill>
-                <a:latin typeface="Times New Roman" panose="02020603050405020304" pitchFamily="18" charset="0"/>
-              </a:defRPr>
-            </a:lvl8pPr>
-            <a:lvl9pPr marL="3886200" indent="-228600" eaLnBrk="0" fontAlgn="base" hangingPunct="0">
-              <a:spcBef>
-                <a:spcPct val="0"/>
-              </a:spcBef>
-              <a:spcAft>
-                <a:spcPct val="0"/>
-              </a:spcAft>
-              <a:tabLst>
-                <a:tab pos="0" algn="l"/>
-                <a:tab pos="457200" algn="l"/>
-                <a:tab pos="914400" algn="l"/>
-                <a:tab pos="1371600" algn="l"/>
-                <a:tab pos="1828800" algn="l"/>
-                <a:tab pos="2286000" algn="l"/>
-                <a:tab pos="2743200" algn="l"/>
-                <a:tab pos="3200400" algn="l"/>
-                <a:tab pos="3657600" algn="l"/>
-                <a:tab pos="4114800" algn="l"/>
-                <a:tab pos="4572000" algn="l"/>
-                <a:tab pos="5029200" algn="l"/>
-                <a:tab pos="5486400" algn="l"/>
-                <a:tab pos="5943600" algn="l"/>
-                <a:tab pos="6400800" algn="l"/>
-                <a:tab pos="6858000" algn="l"/>
-                <a:tab pos="7315200" algn="l"/>
-                <a:tab pos="7772400" algn="l"/>
-                <a:tab pos="8229600" algn="l"/>
-                <a:tab pos="8686800" algn="l"/>
-                <a:tab pos="9144000" algn="l"/>
-              </a:tabLst>
-              <a:defRPr sz="2400">
-                <a:solidFill>
-                  <a:schemeClr val="tx1"/>
-                </a:solidFill>
-                <a:latin typeface="Times New Roman" panose="02020603050405020304" pitchFamily="18" charset="0"/>
-              </a:defRPr>
-            </a:lvl9pPr>
-          </a:lstStyle>
-          <a:p>
-            <a:pPr algn="ctr" eaLnBrk="1" hangingPunct="1"/>
+            </a:pPr>
             <a:r>
-              <a:rPr lang="en-US" altLang="en-US" sz="4400">
-                <a:solidFill>
-                  <a:srgbClr val="000000"/>
-                </a:solidFill>
-                <a:latin typeface="Arial" panose="020B0604020202020204" pitchFamily="34" charset="0"/>
-              </a:rPr>
-              <a:t>Outline</a:t>
+              <a:rPr lang="en-US" altLang="en-US" smtClean="0"/>
+              <a:t>Defining functions</a:t>
             </a:r>
           </a:p>
         </p:txBody>
       </p:sp>
       <p:sp>
         <p:nvSpPr>
-          <p:cNvPr id="10243" name="Text Box 2"/>
-          <p:cNvSpPr txBox="1">
-            <a:spLocks noChangeArrowheads="1"/>
+          <p:cNvPr id="11267" name="Rectangle 2"/>
+          <p:cNvSpPr>
+            <a:spLocks noGrp="1" noChangeArrowheads="1"/>
           </p:cNvSpPr>
+          <p:nvPr>
+            <p:ph idx="1"/>
+          </p:nvPr>
+        </p:nvSpPr>
+        <p:spPr>
+          <a:xfrm>
+            <a:off x="685800" y="1981200"/>
+            <a:ext cx="7770813" cy="4113213"/>
+          </a:xfrm>
+        </p:spPr>
+        <p:txBody>
+          <a:bodyPr/>
+          <a:lstStyle/>
+          <a:p>
+            <a:pPr indent="-341313">
+              <a:buFontTx/>
+              <a:buNone/>
+              <a:tabLst>
+                <a:tab pos="342900" algn="l"/>
+                <a:tab pos="455613" algn="l"/>
+                <a:tab pos="912813" algn="l"/>
+                <a:tab pos="1370013" algn="l"/>
+                <a:tab pos="1827213" algn="l"/>
+                <a:tab pos="2284413" algn="l"/>
+                <a:tab pos="2741613" algn="l"/>
+                <a:tab pos="3198813" algn="l"/>
+                <a:tab pos="3656013" algn="l"/>
+                <a:tab pos="4113213" algn="l"/>
+                <a:tab pos="4570413" algn="l"/>
+                <a:tab pos="5027613" algn="l"/>
+                <a:tab pos="5484813" algn="l"/>
+                <a:tab pos="5942013" algn="l"/>
+                <a:tab pos="6399213" algn="l"/>
+                <a:tab pos="6856413" algn="l"/>
+                <a:tab pos="7313613" algn="l"/>
+                <a:tab pos="7770813" algn="l"/>
+                <a:tab pos="8228013" algn="l"/>
+                <a:tab pos="8685213" algn="l"/>
+                <a:tab pos="9142413" algn="l"/>
+              </a:tabLst>
+            </a:pPr>
+            <a:r>
+              <a:rPr lang="en-US" altLang="en-US" smtClean="0"/>
+              <a:t>Function Declarations:</a:t>
+            </a:r>
+          </a:p>
+        </p:txBody>
+      </p:sp>
+      <p:pic>
+        <p:nvPicPr>
+          <p:cNvPr id="11268" name="Picture 3"/>
+          <p:cNvPicPr>
+            <a:picLocks noChangeAspect="1" noChangeArrowheads="1"/>
+          </p:cNvPicPr>
           <p:nvPr/>
-        </p:nvSpPr>
+        </p:nvPicPr>
+        <p:blipFill>
+          <a:blip r:embed="rId3">
+            <a:extLst>
+              <a:ext uri="{28A0092B-C50C-407E-A947-70E740481C1C}">
+                <a14:useLocalDpi xmlns:a14="http://schemas.microsoft.com/office/drawing/2010/main" val="0"/>
+              </a:ext>
+            </a:extLst>
+          </a:blip>
+          <a:srcRect/>
+          <a:stretch>
+            <a:fillRect/>
+          </a:stretch>
+        </p:blipFill>
         <p:spPr bwMode="auto">
           <a:xfrm>
-            <a:off x="685800" y="1981200"/>
-            <a:ext cx="7772400" cy="4572000"/>
+            <a:off x="1065213" y="3382963"/>
+            <a:ext cx="6981825" cy="1463675"/>
           </a:xfrm>
           <a:prstGeom prst="rect">
             <a:avLst/>
@@ -14486,375 +14018,7 @@
             </a:ext>
           </a:extLst>
         </p:spPr>
-        <p:txBody>
-          <a:bodyPr/>
-          <a:lstStyle>
-            <a:lvl1pPr marL="339725" indent="-339725">
-              <a:tabLst>
-                <a:tab pos="339725" algn="l"/>
-                <a:tab pos="796925" algn="l"/>
-                <a:tab pos="1254125" algn="l"/>
-                <a:tab pos="1711325" algn="l"/>
-                <a:tab pos="2168525" algn="l"/>
-                <a:tab pos="2625725" algn="l"/>
-                <a:tab pos="3082925" algn="l"/>
-                <a:tab pos="3540125" algn="l"/>
-                <a:tab pos="3997325" algn="l"/>
-                <a:tab pos="4454525" algn="l"/>
-                <a:tab pos="4911725" algn="l"/>
-                <a:tab pos="5368925" algn="l"/>
-                <a:tab pos="5826125" algn="l"/>
-                <a:tab pos="6283325" algn="l"/>
-                <a:tab pos="6740525" algn="l"/>
-                <a:tab pos="7197725" algn="l"/>
-                <a:tab pos="7654925" algn="l"/>
-                <a:tab pos="8112125" algn="l"/>
-                <a:tab pos="8569325" algn="l"/>
-                <a:tab pos="9026525" algn="l"/>
-                <a:tab pos="9483725" algn="l"/>
-              </a:tabLst>
-              <a:defRPr sz="2400">
-                <a:solidFill>
-                  <a:schemeClr val="tx1"/>
-                </a:solidFill>
-                <a:latin typeface="Times New Roman" panose="02020603050405020304" pitchFamily="18" charset="0"/>
-              </a:defRPr>
-            </a:lvl1pPr>
-            <a:lvl2pPr marL="742950" indent="-285750">
-              <a:tabLst>
-                <a:tab pos="339725" algn="l"/>
-                <a:tab pos="796925" algn="l"/>
-                <a:tab pos="1254125" algn="l"/>
-                <a:tab pos="1711325" algn="l"/>
-                <a:tab pos="2168525" algn="l"/>
-                <a:tab pos="2625725" algn="l"/>
-                <a:tab pos="3082925" algn="l"/>
-                <a:tab pos="3540125" algn="l"/>
-                <a:tab pos="3997325" algn="l"/>
-                <a:tab pos="4454525" algn="l"/>
-                <a:tab pos="4911725" algn="l"/>
-                <a:tab pos="5368925" algn="l"/>
-                <a:tab pos="5826125" algn="l"/>
-                <a:tab pos="6283325" algn="l"/>
-                <a:tab pos="6740525" algn="l"/>
-                <a:tab pos="7197725" algn="l"/>
-                <a:tab pos="7654925" algn="l"/>
-                <a:tab pos="8112125" algn="l"/>
-                <a:tab pos="8569325" algn="l"/>
-                <a:tab pos="9026525" algn="l"/>
-                <a:tab pos="9483725" algn="l"/>
-              </a:tabLst>
-              <a:defRPr sz="2400">
-                <a:solidFill>
-                  <a:schemeClr val="tx1"/>
-                </a:solidFill>
-                <a:latin typeface="Times New Roman" panose="02020603050405020304" pitchFamily="18" charset="0"/>
-              </a:defRPr>
-            </a:lvl2pPr>
-            <a:lvl3pPr marL="1143000" indent="-228600">
-              <a:tabLst>
-                <a:tab pos="339725" algn="l"/>
-                <a:tab pos="796925" algn="l"/>
-                <a:tab pos="1254125" algn="l"/>
-                <a:tab pos="1711325" algn="l"/>
-                <a:tab pos="2168525" algn="l"/>
-                <a:tab pos="2625725" algn="l"/>
-                <a:tab pos="3082925" algn="l"/>
-                <a:tab pos="3540125" algn="l"/>
-                <a:tab pos="3997325" algn="l"/>
-                <a:tab pos="4454525" algn="l"/>
-                <a:tab pos="4911725" algn="l"/>
-                <a:tab pos="5368925" algn="l"/>
-                <a:tab pos="5826125" algn="l"/>
-                <a:tab pos="6283325" algn="l"/>
-                <a:tab pos="6740525" algn="l"/>
-                <a:tab pos="7197725" algn="l"/>
-                <a:tab pos="7654925" algn="l"/>
-                <a:tab pos="8112125" algn="l"/>
-                <a:tab pos="8569325" algn="l"/>
-                <a:tab pos="9026525" algn="l"/>
-                <a:tab pos="9483725" algn="l"/>
-              </a:tabLst>
-              <a:defRPr sz="2400">
-                <a:solidFill>
-                  <a:schemeClr val="tx1"/>
-                </a:solidFill>
-                <a:latin typeface="Times New Roman" panose="02020603050405020304" pitchFamily="18" charset="0"/>
-              </a:defRPr>
-            </a:lvl3pPr>
-            <a:lvl4pPr marL="1600200" indent="-228600">
-              <a:tabLst>
-                <a:tab pos="339725" algn="l"/>
-                <a:tab pos="796925" algn="l"/>
-                <a:tab pos="1254125" algn="l"/>
-                <a:tab pos="1711325" algn="l"/>
-                <a:tab pos="2168525" algn="l"/>
-                <a:tab pos="2625725" algn="l"/>
-                <a:tab pos="3082925" algn="l"/>
-                <a:tab pos="3540125" algn="l"/>
-                <a:tab pos="3997325" algn="l"/>
-                <a:tab pos="4454525" algn="l"/>
-                <a:tab pos="4911725" algn="l"/>
-                <a:tab pos="5368925" algn="l"/>
-                <a:tab pos="5826125" algn="l"/>
-                <a:tab pos="6283325" algn="l"/>
-                <a:tab pos="6740525" algn="l"/>
-                <a:tab pos="7197725" algn="l"/>
-                <a:tab pos="7654925" algn="l"/>
-                <a:tab pos="8112125" algn="l"/>
-                <a:tab pos="8569325" algn="l"/>
-                <a:tab pos="9026525" algn="l"/>
-                <a:tab pos="9483725" algn="l"/>
-              </a:tabLst>
-              <a:defRPr sz="2400">
-                <a:solidFill>
-                  <a:schemeClr val="tx1"/>
-                </a:solidFill>
-                <a:latin typeface="Times New Roman" panose="02020603050405020304" pitchFamily="18" charset="0"/>
-              </a:defRPr>
-            </a:lvl4pPr>
-            <a:lvl5pPr marL="2057400" indent="-228600">
-              <a:tabLst>
-                <a:tab pos="339725" algn="l"/>
-                <a:tab pos="796925" algn="l"/>
-                <a:tab pos="1254125" algn="l"/>
-                <a:tab pos="1711325" algn="l"/>
-                <a:tab pos="2168525" algn="l"/>
-                <a:tab pos="2625725" algn="l"/>
-                <a:tab pos="3082925" algn="l"/>
-                <a:tab pos="3540125" algn="l"/>
-                <a:tab pos="3997325" algn="l"/>
-                <a:tab pos="4454525" algn="l"/>
-                <a:tab pos="4911725" algn="l"/>
-                <a:tab pos="5368925" algn="l"/>
-                <a:tab pos="5826125" algn="l"/>
-                <a:tab pos="6283325" algn="l"/>
-                <a:tab pos="6740525" algn="l"/>
-                <a:tab pos="7197725" algn="l"/>
-                <a:tab pos="7654925" algn="l"/>
-                <a:tab pos="8112125" algn="l"/>
-                <a:tab pos="8569325" algn="l"/>
-                <a:tab pos="9026525" algn="l"/>
-                <a:tab pos="9483725" algn="l"/>
-              </a:tabLst>
-              <a:defRPr sz="2400">
-                <a:solidFill>
-                  <a:schemeClr val="tx1"/>
-                </a:solidFill>
-                <a:latin typeface="Times New Roman" panose="02020603050405020304" pitchFamily="18" charset="0"/>
-              </a:defRPr>
-            </a:lvl5pPr>
-            <a:lvl6pPr marL="2514600" indent="-228600" eaLnBrk="0" fontAlgn="base" hangingPunct="0">
-              <a:spcBef>
-                <a:spcPct val="0"/>
-              </a:spcBef>
-              <a:spcAft>
-                <a:spcPct val="0"/>
-              </a:spcAft>
-              <a:tabLst>
-                <a:tab pos="339725" algn="l"/>
-                <a:tab pos="796925" algn="l"/>
-                <a:tab pos="1254125" algn="l"/>
-                <a:tab pos="1711325" algn="l"/>
-                <a:tab pos="2168525" algn="l"/>
-                <a:tab pos="2625725" algn="l"/>
-                <a:tab pos="3082925" algn="l"/>
-                <a:tab pos="3540125" algn="l"/>
-                <a:tab pos="3997325" algn="l"/>
-                <a:tab pos="4454525" algn="l"/>
-                <a:tab pos="4911725" algn="l"/>
-                <a:tab pos="5368925" algn="l"/>
-                <a:tab pos="5826125" algn="l"/>
-                <a:tab pos="6283325" algn="l"/>
-                <a:tab pos="6740525" algn="l"/>
-                <a:tab pos="7197725" algn="l"/>
-                <a:tab pos="7654925" algn="l"/>
-                <a:tab pos="8112125" algn="l"/>
-                <a:tab pos="8569325" algn="l"/>
-                <a:tab pos="9026525" algn="l"/>
-                <a:tab pos="9483725" algn="l"/>
-              </a:tabLst>
-              <a:defRPr sz="2400">
-                <a:solidFill>
-                  <a:schemeClr val="tx1"/>
-                </a:solidFill>
-                <a:latin typeface="Times New Roman" panose="02020603050405020304" pitchFamily="18" charset="0"/>
-              </a:defRPr>
-            </a:lvl6pPr>
-            <a:lvl7pPr marL="2971800" indent="-228600" eaLnBrk="0" fontAlgn="base" hangingPunct="0">
-              <a:spcBef>
-                <a:spcPct val="0"/>
-              </a:spcBef>
-              <a:spcAft>
-                <a:spcPct val="0"/>
-              </a:spcAft>
-              <a:tabLst>
-                <a:tab pos="339725" algn="l"/>
-                <a:tab pos="796925" algn="l"/>
-                <a:tab pos="1254125" algn="l"/>
-                <a:tab pos="1711325" algn="l"/>
-                <a:tab pos="2168525" algn="l"/>
-                <a:tab pos="2625725" algn="l"/>
-                <a:tab pos="3082925" algn="l"/>
-                <a:tab pos="3540125" algn="l"/>
-                <a:tab pos="3997325" algn="l"/>
-                <a:tab pos="4454525" algn="l"/>
-                <a:tab pos="4911725" algn="l"/>
-                <a:tab pos="5368925" algn="l"/>
-                <a:tab pos="5826125" algn="l"/>
-                <a:tab pos="6283325" algn="l"/>
-                <a:tab pos="6740525" algn="l"/>
-                <a:tab pos="7197725" algn="l"/>
-                <a:tab pos="7654925" algn="l"/>
-                <a:tab pos="8112125" algn="l"/>
-                <a:tab pos="8569325" algn="l"/>
-                <a:tab pos="9026525" algn="l"/>
-                <a:tab pos="9483725" algn="l"/>
-              </a:tabLst>
-              <a:defRPr sz="2400">
-                <a:solidFill>
-                  <a:schemeClr val="tx1"/>
-                </a:solidFill>
-                <a:latin typeface="Times New Roman" panose="02020603050405020304" pitchFamily="18" charset="0"/>
-              </a:defRPr>
-            </a:lvl7pPr>
-            <a:lvl8pPr marL="3429000" indent="-228600" eaLnBrk="0" fontAlgn="base" hangingPunct="0">
-              <a:spcBef>
-                <a:spcPct val="0"/>
-              </a:spcBef>
-              <a:spcAft>
-                <a:spcPct val="0"/>
-              </a:spcAft>
-              <a:tabLst>
-                <a:tab pos="339725" algn="l"/>
-                <a:tab pos="796925" algn="l"/>
-                <a:tab pos="1254125" algn="l"/>
-                <a:tab pos="1711325" algn="l"/>
-                <a:tab pos="2168525" algn="l"/>
-                <a:tab pos="2625725" algn="l"/>
-                <a:tab pos="3082925" algn="l"/>
-                <a:tab pos="3540125" algn="l"/>
-                <a:tab pos="3997325" algn="l"/>
-                <a:tab pos="4454525" algn="l"/>
-                <a:tab pos="4911725" algn="l"/>
-                <a:tab pos="5368925" algn="l"/>
-                <a:tab pos="5826125" algn="l"/>
-                <a:tab pos="6283325" algn="l"/>
-                <a:tab pos="6740525" algn="l"/>
-                <a:tab pos="7197725" algn="l"/>
-                <a:tab pos="7654925" algn="l"/>
-                <a:tab pos="8112125" algn="l"/>
-                <a:tab pos="8569325" algn="l"/>
-                <a:tab pos="9026525" algn="l"/>
-                <a:tab pos="9483725" algn="l"/>
-              </a:tabLst>
-              <a:defRPr sz="2400">
-                <a:solidFill>
-                  <a:schemeClr val="tx1"/>
-                </a:solidFill>
-                <a:latin typeface="Times New Roman" panose="02020603050405020304" pitchFamily="18" charset="0"/>
-              </a:defRPr>
-            </a:lvl8pPr>
-            <a:lvl9pPr marL="3886200" indent="-228600" eaLnBrk="0" fontAlgn="base" hangingPunct="0">
-              <a:spcBef>
-                <a:spcPct val="0"/>
-              </a:spcBef>
-              <a:spcAft>
-                <a:spcPct val="0"/>
-              </a:spcAft>
-              <a:tabLst>
-                <a:tab pos="339725" algn="l"/>
-                <a:tab pos="796925" algn="l"/>
-                <a:tab pos="1254125" algn="l"/>
-                <a:tab pos="1711325" algn="l"/>
-                <a:tab pos="2168525" algn="l"/>
-                <a:tab pos="2625725" algn="l"/>
-                <a:tab pos="3082925" algn="l"/>
-                <a:tab pos="3540125" algn="l"/>
-                <a:tab pos="3997325" algn="l"/>
-                <a:tab pos="4454525" algn="l"/>
-                <a:tab pos="4911725" algn="l"/>
-                <a:tab pos="5368925" algn="l"/>
-                <a:tab pos="5826125" algn="l"/>
-                <a:tab pos="6283325" algn="l"/>
-                <a:tab pos="6740525" algn="l"/>
-                <a:tab pos="7197725" algn="l"/>
-                <a:tab pos="7654925" algn="l"/>
-                <a:tab pos="8112125" algn="l"/>
-                <a:tab pos="8569325" algn="l"/>
-                <a:tab pos="9026525" algn="l"/>
-                <a:tab pos="9483725" algn="l"/>
-              </a:tabLst>
-              <a:defRPr sz="2400">
-                <a:solidFill>
-                  <a:schemeClr val="tx1"/>
-                </a:solidFill>
-                <a:latin typeface="Times New Roman" panose="02020603050405020304" pitchFamily="18" charset="0"/>
-              </a:defRPr>
-            </a:lvl9pPr>
-          </a:lstStyle>
-          <a:p>
-            <a:pPr eaLnBrk="1" hangingPunct="1">
-              <a:spcBef>
-                <a:spcPts val="800"/>
-              </a:spcBef>
-              <a:buFont typeface="Times New Roman" panose="02020603050405020304" pitchFamily="18" charset="0"/>
-              <a:buBlip>
-                <a:blip r:embed="rId3"/>
-              </a:buBlip>
-            </a:pPr>
-            <a:r>
-              <a:rPr lang="en-US" altLang="en-US" sz="3200">
-                <a:solidFill>
-                  <a:srgbClr val="000000"/>
-                </a:solidFill>
-                <a:latin typeface="Arial" panose="020B0604020202020204" pitchFamily="34" charset="0"/>
-              </a:rPr>
-              <a:t>What do we mean Javascript Forms?</a:t>
-            </a:r>
-          </a:p>
-          <a:p>
-            <a:pPr eaLnBrk="1" hangingPunct="1">
-              <a:spcBef>
-                <a:spcPts val="800"/>
-              </a:spcBef>
-              <a:buFont typeface="Times New Roman" panose="02020603050405020304" pitchFamily="18" charset="0"/>
-              <a:buBlip>
-                <a:blip r:embed="rId3"/>
-              </a:buBlip>
-            </a:pPr>
-            <a:r>
-              <a:rPr lang="en-US" altLang="en-US" sz="3200">
-                <a:solidFill>
-                  <a:srgbClr val="000000"/>
-                </a:solidFill>
-                <a:latin typeface="Arial" panose="020B0604020202020204" pitchFamily="34" charset="0"/>
-              </a:rPr>
-              <a:t>Summary</a:t>
-            </a:r>
-          </a:p>
-          <a:p>
-            <a:pPr eaLnBrk="1" hangingPunct="1">
-              <a:spcBef>
-                <a:spcPts val="800"/>
-              </a:spcBef>
-              <a:buFont typeface="Times New Roman" panose="02020603050405020304" pitchFamily="18" charset="0"/>
-              <a:buBlip>
-                <a:blip r:embed="rId3"/>
-              </a:buBlip>
-            </a:pPr>
-            <a:r>
-              <a:rPr lang="en-US" altLang="en-US" sz="3200">
-                <a:solidFill>
-                  <a:srgbClr val="000000"/>
-                </a:solidFill>
-                <a:latin typeface="Arial" panose="020B0604020202020204" pitchFamily="34" charset="0"/>
-              </a:rPr>
-              <a:t>Review/Discussion</a:t>
-            </a:r>
-          </a:p>
-        </p:txBody>
-      </p:sp>
+      </p:pic>
     </p:spTree>
   </p:cSld>
   <p:clrMapOvr>
@@ -14867,7 +14031,7 @@
         <p:cTn id="1" dur="indefinite" restart="never" nodeType="tmRoot">
           <p:childTnLst>
             <p:seq concurrent="1" nextAc="seek">
-              <p:cTn id="2" dur="indefinite" nodeType="mainSeq"/>
+              <p:cTn id="2" dur="0" nodeType="mainSeq"/>
               <p:prevCondLst>
                 <p:cond evt="onPrev" delay="0">
                   <p:tgtEl>
@@ -14910,7 +14074,7 @@
       </p:grpSpPr>
       <p:sp>
         <p:nvSpPr>
-          <p:cNvPr id="11266" name="Rectangle 1"/>
+          <p:cNvPr id="12290" name="Rectangle 1"/>
           <p:cNvSpPr>
             <a:spLocks noGrp="1" noChangeArrowheads="1"/>
           </p:cNvSpPr>
@@ -14955,14 +14119,14 @@
             </a:pPr>
             <a:r>
               <a:rPr lang="en-US" altLang="en-US" smtClean="0"/>
-              <a:t>Defining functions</a:t>
+              <a:t>Arguments</a:t>
             </a:r>
           </a:p>
         </p:txBody>
       </p:sp>
       <p:sp>
         <p:nvSpPr>
-          <p:cNvPr id="11267" name="Rectangle 2"/>
+          <p:cNvPr id="12291" name="Rectangle 2"/>
           <p:cNvSpPr>
             <a:spLocks noGrp="1" noChangeArrowheads="1"/>
           </p:cNvSpPr>
@@ -14980,43 +14144,17 @@
           <a:bodyPr/>
           <a:lstStyle/>
           <a:p>
-            <a:pPr indent="-341313">
-              <a:buFontTx/>
+            <a:pPr>
+              <a:buFont typeface="Times New Roman" panose="02020603050405020304" pitchFamily="18" charset="0"/>
               <a:buNone/>
-              <a:tabLst>
-                <a:tab pos="342900" algn="l"/>
-                <a:tab pos="455613" algn="l"/>
-                <a:tab pos="912813" algn="l"/>
-                <a:tab pos="1370013" algn="l"/>
-                <a:tab pos="1827213" algn="l"/>
-                <a:tab pos="2284413" algn="l"/>
-                <a:tab pos="2741613" algn="l"/>
-                <a:tab pos="3198813" algn="l"/>
-                <a:tab pos="3656013" algn="l"/>
-                <a:tab pos="4113213" algn="l"/>
-                <a:tab pos="4570413" algn="l"/>
-                <a:tab pos="5027613" algn="l"/>
-                <a:tab pos="5484813" algn="l"/>
-                <a:tab pos="5942013" algn="l"/>
-                <a:tab pos="6399213" algn="l"/>
-                <a:tab pos="6856413" algn="l"/>
-                <a:tab pos="7313613" algn="l"/>
-                <a:tab pos="7770813" algn="l"/>
-                <a:tab pos="8228013" algn="l"/>
-                <a:tab pos="8685213" algn="l"/>
-                <a:tab pos="9142413" algn="l"/>
-              </a:tabLst>
             </a:pPr>
-            <a:r>
-              <a:rPr lang="en-US" altLang="en-US" smtClean="0"/>
-              <a:t>Function Declarations:</a:t>
-            </a:r>
+            <a:endParaRPr lang="en-US" altLang="en-US" smtClean="0"/>
           </a:p>
         </p:txBody>
       </p:sp>
       <p:pic>
         <p:nvPicPr>
-          <p:cNvPr id="11268" name="Picture 3"/>
+          <p:cNvPr id="12292" name="Picture 3"/>
           <p:cNvPicPr>
             <a:picLocks noChangeAspect="1" noChangeArrowheads="1"/>
           </p:cNvPicPr>
@@ -15037,8 +14175,8 @@
         </p:blipFill>
         <p:spPr bwMode="auto">
           <a:xfrm>
-            <a:off x="1065213" y="3382963"/>
-            <a:ext cx="6981825" cy="1463675"/>
+            <a:off x="414338" y="2286000"/>
+            <a:ext cx="8362950" cy="3343275"/>
           </a:xfrm>
           <a:prstGeom prst="rect">
             <a:avLst/>
@@ -15077,7 +14215,7 @@
   <p:timing>
     <p:tnLst>
       <p:par>
-        <p:cTn id="1" dur="indefinite" nodeType="tmRoot">
+        <p:cTn id="1" dur="indefinite" restart="never" nodeType="tmRoot">
           <p:childTnLst>
             <p:seq concurrent="1" nextAc="seek">
               <p:cTn id="2" dur="0" nodeType="mainSeq"/>
@@ -15123,7 +14261,7 @@
       </p:grpSpPr>
       <p:sp>
         <p:nvSpPr>
-          <p:cNvPr id="12290" name="Rectangle 1"/>
+          <p:cNvPr id="13314" name="Rectangle 1"/>
           <p:cNvSpPr>
             <a:spLocks noGrp="1" noChangeArrowheads="1"/>
           </p:cNvSpPr>
@@ -15168,14 +14306,14 @@
             </a:pPr>
             <a:r>
               <a:rPr lang="en-US" altLang="en-US" smtClean="0"/>
-              <a:t>Arguments</a:t>
+              <a:t>Calling a Function</a:t>
             </a:r>
           </a:p>
         </p:txBody>
       </p:sp>
       <p:sp>
         <p:nvSpPr>
-          <p:cNvPr id="12291" name="Rectangle 2"/>
+          <p:cNvPr id="13315" name="Rectangle 2"/>
           <p:cNvSpPr>
             <a:spLocks noGrp="1" noChangeArrowheads="1"/>
           </p:cNvSpPr>
@@ -15193,17 +14331,43 @@
           <a:bodyPr/>
           <a:lstStyle/>
           <a:p>
-            <a:pPr>
-              <a:buFont typeface="Times New Roman" panose="02020603050405020304" pitchFamily="18" charset="0"/>
+            <a:pPr indent="-341313">
+              <a:buFontTx/>
               <a:buNone/>
+              <a:tabLst>
+                <a:tab pos="342900" algn="l"/>
+                <a:tab pos="455613" algn="l"/>
+                <a:tab pos="912813" algn="l"/>
+                <a:tab pos="1370013" algn="l"/>
+                <a:tab pos="1827213" algn="l"/>
+                <a:tab pos="2284413" algn="l"/>
+                <a:tab pos="2741613" algn="l"/>
+                <a:tab pos="3198813" algn="l"/>
+                <a:tab pos="3656013" algn="l"/>
+                <a:tab pos="4113213" algn="l"/>
+                <a:tab pos="4570413" algn="l"/>
+                <a:tab pos="5027613" algn="l"/>
+                <a:tab pos="5484813" algn="l"/>
+                <a:tab pos="5942013" algn="l"/>
+                <a:tab pos="6399213" algn="l"/>
+                <a:tab pos="6856413" algn="l"/>
+                <a:tab pos="7313613" algn="l"/>
+                <a:tab pos="7770813" algn="l"/>
+                <a:tab pos="8228013" algn="l"/>
+                <a:tab pos="8685213" algn="l"/>
+                <a:tab pos="9142413" algn="l"/>
+              </a:tabLst>
             </a:pPr>
-            <a:endParaRPr lang="en-US" altLang="en-US" smtClean="0"/>
+            <a:r>
+              <a:rPr lang="en-US" altLang="en-US" smtClean="0"/>
+              <a:t>You can call Javascript functions by simply call the function name</a:t>
+            </a:r>
           </a:p>
         </p:txBody>
       </p:sp>
       <p:pic>
         <p:nvPicPr>
-          <p:cNvPr id="12292" name="Picture 3"/>
+          <p:cNvPr id="13316" name="Picture 3"/>
           <p:cNvPicPr>
             <a:picLocks noChangeAspect="1" noChangeArrowheads="1"/>
           </p:cNvPicPr>
@@ -15224,8 +14388,8 @@
         </p:blipFill>
         <p:spPr bwMode="auto">
           <a:xfrm>
-            <a:off x="414338" y="2286000"/>
-            <a:ext cx="8362950" cy="3343275"/>
+            <a:off x="457200" y="3565525"/>
+            <a:ext cx="7681913" cy="1920875"/>
           </a:xfrm>
           <a:prstGeom prst="rect">
             <a:avLst/>
@@ -15264,7 +14428,7 @@
   <p:timing>
     <p:tnLst>
       <p:par>
-        <p:cTn id="1" dur="indefinite" nodeType="tmRoot">
+        <p:cTn id="1" dur="indefinite" restart="never" nodeType="tmRoot">
           <p:childTnLst>
             <p:seq concurrent="1" nextAc="seek">
               <p:cTn id="2" dur="0" nodeType="mainSeq"/>
@@ -15310,7 +14474,7 @@
       </p:grpSpPr>
       <p:sp>
         <p:nvSpPr>
-          <p:cNvPr id="13314" name="Rectangle 1"/>
+          <p:cNvPr id="14338" name="Rectangle 1"/>
           <p:cNvSpPr>
             <a:spLocks noGrp="1" noChangeArrowheads="1"/>
           </p:cNvSpPr>
@@ -15355,14 +14519,14 @@
             </a:pPr>
             <a:r>
               <a:rPr lang="en-US" altLang="en-US" smtClean="0"/>
-              <a:t>Calling a Function</a:t>
+              <a:t>Return Values</a:t>
             </a:r>
           </a:p>
         </p:txBody>
       </p:sp>
       <p:sp>
         <p:nvSpPr>
-          <p:cNvPr id="13315" name="Rectangle 2"/>
+          <p:cNvPr id="14339" name="Rectangle 2"/>
           <p:cNvSpPr>
             <a:spLocks noGrp="1" noChangeArrowheads="1"/>
           </p:cNvSpPr>
@@ -15380,43 +14544,17 @@
           <a:bodyPr/>
           <a:lstStyle/>
           <a:p>
-            <a:pPr indent="-341313">
-              <a:buFontTx/>
+            <a:pPr>
+              <a:buFont typeface="Times New Roman" panose="02020603050405020304" pitchFamily="18" charset="0"/>
               <a:buNone/>
-              <a:tabLst>
-                <a:tab pos="342900" algn="l"/>
-                <a:tab pos="455613" algn="l"/>
-                <a:tab pos="912813" algn="l"/>
-                <a:tab pos="1370013" algn="l"/>
-                <a:tab pos="1827213" algn="l"/>
-                <a:tab pos="2284413" algn="l"/>
-                <a:tab pos="2741613" algn="l"/>
-                <a:tab pos="3198813" algn="l"/>
-                <a:tab pos="3656013" algn="l"/>
-                <a:tab pos="4113213" algn="l"/>
-                <a:tab pos="4570413" algn="l"/>
-                <a:tab pos="5027613" algn="l"/>
-                <a:tab pos="5484813" algn="l"/>
-                <a:tab pos="5942013" algn="l"/>
-                <a:tab pos="6399213" algn="l"/>
-                <a:tab pos="6856413" algn="l"/>
-                <a:tab pos="7313613" algn="l"/>
-                <a:tab pos="7770813" algn="l"/>
-                <a:tab pos="8228013" algn="l"/>
-                <a:tab pos="8685213" algn="l"/>
-                <a:tab pos="9142413" algn="l"/>
-              </a:tabLst>
             </a:pPr>
-            <a:r>
-              <a:rPr lang="en-US" altLang="en-US" smtClean="0"/>
-              <a:t>You can call Javascript functions by simply call the function name</a:t>
-            </a:r>
+            <a:endParaRPr lang="en-US" altLang="en-US" smtClean="0"/>
           </a:p>
         </p:txBody>
       </p:sp>
       <p:pic>
         <p:nvPicPr>
-          <p:cNvPr id="13316" name="Picture 3"/>
+          <p:cNvPr id="14340" name="Picture 3"/>
           <p:cNvPicPr>
             <a:picLocks noChangeAspect="1" noChangeArrowheads="1"/>
           </p:cNvPicPr>
@@ -15437,8 +14575,8 @@
         </p:blipFill>
         <p:spPr bwMode="auto">
           <a:xfrm>
-            <a:off x="457200" y="3565525"/>
-            <a:ext cx="7681913" cy="1920875"/>
+            <a:off x="2103438" y="2743200"/>
+            <a:ext cx="4271962" cy="2671763"/>
           </a:xfrm>
           <a:prstGeom prst="rect">
             <a:avLst/>
@@ -15477,7 +14615,7 @@
   <p:timing>
     <p:tnLst>
       <p:par>
-        <p:cTn id="1" dur="indefinite" nodeType="tmRoot">
+        <p:cTn id="1" dur="indefinite" restart="never" nodeType="tmRoot">
           <p:childTnLst>
             <p:seq concurrent="1" nextAc="seek">
               <p:cTn id="2" dur="0" nodeType="mainSeq"/>
@@ -15523,171 +14661,89 @@
       </p:grpSpPr>
       <p:sp>
         <p:nvSpPr>
-          <p:cNvPr id="14338" name="Rectangle 1"/>
+          <p:cNvPr id="2" name="Title 1"/>
           <p:cNvSpPr>
-            <a:spLocks noGrp="1" noChangeArrowheads="1"/>
+            <a:spLocks noGrp="1"/>
           </p:cNvSpPr>
           <p:nvPr>
             <p:ph type="title"/>
           </p:nvPr>
         </p:nvSpPr>
-        <p:spPr>
-          <a:xfrm>
-            <a:off x="685800" y="609600"/>
-            <a:ext cx="7770813" cy="1141413"/>
-          </a:xfrm>
-        </p:spPr>
+        <p:spPr/>
         <p:txBody>
           <a:bodyPr/>
           <a:lstStyle/>
           <a:p>
-            <a:pPr>
-              <a:tabLst>
-                <a:tab pos="0" algn="l"/>
-                <a:tab pos="457200" algn="l"/>
-                <a:tab pos="914400" algn="l"/>
-                <a:tab pos="1371600" algn="l"/>
-                <a:tab pos="1828800" algn="l"/>
-                <a:tab pos="2286000" algn="l"/>
-                <a:tab pos="2743200" algn="l"/>
-                <a:tab pos="3200400" algn="l"/>
-                <a:tab pos="3657600" algn="l"/>
-                <a:tab pos="4114800" algn="l"/>
-                <a:tab pos="4572000" algn="l"/>
-                <a:tab pos="5029200" algn="l"/>
-                <a:tab pos="5486400" algn="l"/>
-                <a:tab pos="5943600" algn="l"/>
-                <a:tab pos="6400800" algn="l"/>
-                <a:tab pos="6858000" algn="l"/>
-                <a:tab pos="7315200" algn="l"/>
-                <a:tab pos="7772400" algn="l"/>
-                <a:tab pos="8229600" algn="l"/>
-                <a:tab pos="8686800" algn="l"/>
-                <a:tab pos="9144000" algn="l"/>
-              </a:tabLst>
-            </a:pPr>
             <a:r>
-              <a:rPr lang="en-US" altLang="en-US" smtClean="0"/>
-              <a:t>Return Values</a:t>
+              <a:rPr lang="en-GB" dirty="0" smtClean="0"/>
+              <a:t>Question</a:t>
             </a:r>
+            <a:endParaRPr lang="en-GB" dirty="0"/>
           </a:p>
         </p:txBody>
       </p:sp>
       <p:sp>
         <p:nvSpPr>
-          <p:cNvPr id="14339" name="Rectangle 2"/>
+          <p:cNvPr id="3" name="Content Placeholder 2"/>
           <p:cNvSpPr>
-            <a:spLocks noGrp="1" noChangeArrowheads="1"/>
+            <a:spLocks noGrp="1"/>
           </p:cNvSpPr>
           <p:nvPr>
             <p:ph idx="1"/>
           </p:nvPr>
         </p:nvSpPr>
-        <p:spPr>
-          <a:xfrm>
-            <a:off x="685800" y="1981200"/>
-            <a:ext cx="7770813" cy="4113213"/>
-          </a:xfrm>
-        </p:spPr>
+        <p:spPr/>
         <p:txBody>
           <a:bodyPr/>
           <a:lstStyle/>
           <a:p>
-            <a:pPr>
-              <a:buFont typeface="Times New Roman" panose="02020603050405020304" pitchFamily="18" charset="0"/>
+            <a:r>
+              <a:rPr lang="en-GB" dirty="0" smtClean="0"/>
+              <a:t>Is </a:t>
+            </a:r>
+            <a:r>
+              <a:rPr lang="en-GB" dirty="0" err="1" smtClean="0"/>
+              <a:t>Javascript</a:t>
+            </a:r>
+            <a:r>
+              <a:rPr lang="en-GB" dirty="0" smtClean="0"/>
+              <a:t> an Object Orientated Language?</a:t>
+            </a:r>
+          </a:p>
+          <a:p>
+            <a:endParaRPr lang="en-GB" dirty="0"/>
+          </a:p>
+          <a:p>
+            <a:pPr marL="0" indent="0">
               <a:buNone/>
             </a:pPr>
-            <a:endParaRPr lang="en-US" altLang="en-US" smtClean="0"/>
+            <a:r>
+              <a:rPr lang="en-GB" dirty="0" smtClean="0"/>
+              <a:t>a) Yes</a:t>
+            </a:r>
+          </a:p>
+          <a:p>
+            <a:pPr marL="0" indent="0">
+              <a:buNone/>
+            </a:pPr>
+            <a:r>
+              <a:rPr lang="en-GB" dirty="0" smtClean="0"/>
+              <a:t>b) No</a:t>
+            </a:r>
+            <a:endParaRPr lang="en-GB" dirty="0"/>
           </a:p>
         </p:txBody>
       </p:sp>
-      <p:pic>
-        <p:nvPicPr>
-          <p:cNvPr id="14340" name="Picture 3"/>
-          <p:cNvPicPr>
-            <a:picLocks noChangeAspect="1" noChangeArrowheads="1"/>
-          </p:cNvPicPr>
-          <p:nvPr/>
-        </p:nvPicPr>
-        <p:blipFill>
-          <a:blip r:embed="rId3">
-            <a:extLst>
-              <a:ext uri="{28A0092B-C50C-407E-A947-70E740481C1C}">
-                <a14:useLocalDpi xmlns:a14="http://schemas.microsoft.com/office/drawing/2010/main" val="0"/>
-              </a:ext>
-            </a:extLst>
-          </a:blip>
-          <a:srcRect/>
-          <a:stretch>
-            <a:fillRect/>
-          </a:stretch>
-        </p:blipFill>
-        <p:spPr bwMode="auto">
-          <a:xfrm>
-            <a:off x="2103438" y="2743200"/>
-            <a:ext cx="4271962" cy="2671763"/>
-          </a:xfrm>
-          <a:prstGeom prst="rect">
-            <a:avLst/>
-          </a:prstGeom>
-          <a:noFill/>
-          <a:ln>
-            <a:noFill/>
-          </a:ln>
-          <a:extLst>
-            <a:ext uri="{909E8E84-426E-40DD-AFC4-6F175D3DCCD1}">
-              <a14:hiddenFill xmlns:a14="http://schemas.microsoft.com/office/drawing/2010/main">
-                <a:solidFill>
-                  <a:srgbClr val="FFFFFF"/>
-                </a:solidFill>
-              </a14:hiddenFill>
-            </a:ext>
-            <a:ext uri="{91240B29-F687-4F45-9708-019B960494DF}">
-              <a14:hiddenLine xmlns:a14="http://schemas.microsoft.com/office/drawing/2010/main" w="9525">
-                <a:solidFill>
-                  <a:srgbClr val="000000"/>
-                </a:solidFill>
-                <a:round/>
-                <a:headEnd/>
-                <a:tailEnd/>
-              </a14:hiddenLine>
-            </a:ext>
-          </a:extLst>
-        </p:spPr>
-      </p:pic>
     </p:spTree>
+    <p:extLst>
+      <p:ext uri="{BB962C8B-B14F-4D97-AF65-F5344CB8AC3E}">
+        <p14:creationId xmlns:p14="http://schemas.microsoft.com/office/powerpoint/2010/main" val="1643209788"/>
+      </p:ext>
+    </p:extLst>
   </p:cSld>
   <p:clrMapOvr>
     <a:masterClrMapping/>
   </p:clrMapOvr>
-  <p:transition spd="med"/>
-  <p:timing>
-    <p:tnLst>
-      <p:par>
-        <p:cTn id="1" dur="indefinite" nodeType="tmRoot">
-          <p:childTnLst>
-            <p:seq concurrent="1" nextAc="seek">
-              <p:cTn id="2" dur="0" nodeType="mainSeq"/>
-              <p:prevCondLst>
-                <p:cond evt="onPrev" delay="0">
-                  <p:tgtEl>
-                    <p:sldTgt/>
-                  </p:tgtEl>
-                </p:cond>
-              </p:prevCondLst>
-              <p:nextCondLst>
-                <p:cond evt="onNext" delay="0">
-                  <p:tgtEl>
-                    <p:sldTgt/>
-                  </p:tgtEl>
-                </p:cond>
-              </p:nextCondLst>
-            </p:seq>
-          </p:childTnLst>
-        </p:cTn>
-      </p:par>
-    </p:tnLst>
-  </p:timing>
 </p:sld>
 </file>
 
@@ -15710,433 +14766,77 @@
       </p:grpSpPr>
       <p:sp>
         <p:nvSpPr>
-          <p:cNvPr id="15362" name="Text Box 1"/>
-          <p:cNvSpPr txBox="1">
-            <a:spLocks noChangeArrowheads="1"/>
-          </p:cNvSpPr>
-          <p:nvPr/>
-        </p:nvSpPr>
-        <p:spPr bwMode="auto">
-          <a:xfrm>
-            <a:off x="685800" y="609600"/>
-            <a:ext cx="7772400" cy="1143000"/>
-          </a:xfrm>
-          <a:prstGeom prst="rect">
-            <a:avLst/>
-          </a:prstGeom>
-          <a:noFill/>
-          <a:ln>
-            <a:noFill/>
-          </a:ln>
-          <a:extLst>
-            <a:ext uri="{909E8E84-426E-40DD-AFC4-6F175D3DCCD1}">
-              <a14:hiddenFill xmlns:a14="http://schemas.microsoft.com/office/drawing/2010/main">
-                <a:solidFill>
-                  <a:srgbClr val="FFFFFF"/>
-                </a:solidFill>
-              </a14:hiddenFill>
-            </a:ext>
-            <a:ext uri="{91240B29-F687-4F45-9708-019B960494DF}">
-              <a14:hiddenLine xmlns:a14="http://schemas.microsoft.com/office/drawing/2010/main" w="9525">
-                <a:solidFill>
-                  <a:srgbClr val="000000"/>
-                </a:solidFill>
-                <a:round/>
-                <a:headEnd/>
-                <a:tailEnd/>
-              </a14:hiddenLine>
-            </a:ext>
-          </a:extLst>
-        </p:spPr>
-        <p:txBody>
-          <a:bodyPr wrap="none" anchor="ctr"/>
-          <a:lstStyle>
-            <a:lvl1pPr>
-              <a:defRPr sz="2400">
-                <a:solidFill>
-                  <a:schemeClr val="tx1"/>
-                </a:solidFill>
-                <a:latin typeface="Times New Roman" panose="02020603050405020304" pitchFamily="18" charset="0"/>
-              </a:defRPr>
-            </a:lvl1pPr>
-            <a:lvl2pPr marL="742950" indent="-285750">
-              <a:defRPr sz="2400">
-                <a:solidFill>
-                  <a:schemeClr val="tx1"/>
-                </a:solidFill>
-                <a:latin typeface="Times New Roman" panose="02020603050405020304" pitchFamily="18" charset="0"/>
-              </a:defRPr>
-            </a:lvl2pPr>
-            <a:lvl3pPr marL="1143000" indent="-228600">
-              <a:defRPr sz="2400">
-                <a:solidFill>
-                  <a:schemeClr val="tx1"/>
-                </a:solidFill>
-                <a:latin typeface="Times New Roman" panose="02020603050405020304" pitchFamily="18" charset="0"/>
-              </a:defRPr>
-            </a:lvl3pPr>
-            <a:lvl4pPr marL="1600200" indent="-228600">
-              <a:defRPr sz="2400">
-                <a:solidFill>
-                  <a:schemeClr val="tx1"/>
-                </a:solidFill>
-                <a:latin typeface="Times New Roman" panose="02020603050405020304" pitchFamily="18" charset="0"/>
-              </a:defRPr>
-            </a:lvl4pPr>
-            <a:lvl5pPr marL="2057400" indent="-228600">
-              <a:defRPr sz="2400">
-                <a:solidFill>
-                  <a:schemeClr val="tx1"/>
-                </a:solidFill>
-                <a:latin typeface="Times New Roman" panose="02020603050405020304" pitchFamily="18" charset="0"/>
-              </a:defRPr>
-            </a:lvl5pPr>
-            <a:lvl6pPr marL="2514600" indent="-228600" eaLnBrk="0" fontAlgn="base" hangingPunct="0">
-              <a:spcBef>
-                <a:spcPct val="0"/>
-              </a:spcBef>
-              <a:spcAft>
-                <a:spcPct val="0"/>
-              </a:spcAft>
-              <a:defRPr sz="2400">
-                <a:solidFill>
-                  <a:schemeClr val="tx1"/>
-                </a:solidFill>
-                <a:latin typeface="Times New Roman" panose="02020603050405020304" pitchFamily="18" charset="0"/>
-              </a:defRPr>
-            </a:lvl6pPr>
-            <a:lvl7pPr marL="2971800" indent="-228600" eaLnBrk="0" fontAlgn="base" hangingPunct="0">
-              <a:spcBef>
-                <a:spcPct val="0"/>
-              </a:spcBef>
-              <a:spcAft>
-                <a:spcPct val="0"/>
-              </a:spcAft>
-              <a:defRPr sz="2400">
-                <a:solidFill>
-                  <a:schemeClr val="tx1"/>
-                </a:solidFill>
-                <a:latin typeface="Times New Roman" panose="02020603050405020304" pitchFamily="18" charset="0"/>
-              </a:defRPr>
-            </a:lvl7pPr>
-            <a:lvl8pPr marL="3429000" indent="-228600" eaLnBrk="0" fontAlgn="base" hangingPunct="0">
-              <a:spcBef>
-                <a:spcPct val="0"/>
-              </a:spcBef>
-              <a:spcAft>
-                <a:spcPct val="0"/>
-              </a:spcAft>
-              <a:defRPr sz="2400">
-                <a:solidFill>
-                  <a:schemeClr val="tx1"/>
-                </a:solidFill>
-                <a:latin typeface="Times New Roman" panose="02020603050405020304" pitchFamily="18" charset="0"/>
-              </a:defRPr>
-            </a:lvl8pPr>
-            <a:lvl9pPr marL="3886200" indent="-228600" eaLnBrk="0" fontAlgn="base" hangingPunct="0">
-              <a:spcBef>
-                <a:spcPct val="0"/>
-              </a:spcBef>
-              <a:spcAft>
-                <a:spcPct val="0"/>
-              </a:spcAft>
-              <a:defRPr sz="2400">
-                <a:solidFill>
-                  <a:schemeClr val="tx1"/>
-                </a:solidFill>
-                <a:latin typeface="Times New Roman" panose="02020603050405020304" pitchFamily="18" charset="0"/>
-              </a:defRPr>
-            </a:lvl9pPr>
-          </a:lstStyle>
-          <a:p>
-            <a:endParaRPr lang="en-US" altLang="en-US"/>
-          </a:p>
-        </p:txBody>
-      </p:sp>
-      <p:sp>
-        <p:nvSpPr>
-          <p:cNvPr id="15363" name="Rectangle 2"/>
+          <p:cNvPr id="2" name="Title 1"/>
           <p:cNvSpPr>
-            <a:spLocks noChangeArrowheads="1"/>
-          </p:cNvSpPr>
-          <p:nvPr/>
-        </p:nvSpPr>
-        <p:spPr bwMode="auto">
-          <a:xfrm>
-            <a:off x="685800" y="1981200"/>
-            <a:ext cx="7772400" cy="4114800"/>
-          </a:xfrm>
-          <a:prstGeom prst="rect">
-            <a:avLst/>
-          </a:prstGeom>
-          <a:noFill/>
-          <a:ln>
-            <a:noFill/>
-          </a:ln>
-          <a:extLst>
-            <a:ext uri="{909E8E84-426E-40DD-AFC4-6F175D3DCCD1}">
-              <a14:hiddenFill xmlns:a14="http://schemas.microsoft.com/office/drawing/2010/main">
-                <a:solidFill>
-                  <a:srgbClr val="FFFFFF"/>
-                </a:solidFill>
-              </a14:hiddenFill>
-            </a:ext>
-            <a:ext uri="{91240B29-F687-4F45-9708-019B960494DF}">
-              <a14:hiddenLine xmlns:a14="http://schemas.microsoft.com/office/drawing/2010/main" w="9525">
-                <a:solidFill>
-                  <a:srgbClr val="000000"/>
-                </a:solidFill>
-                <a:round/>
-                <a:headEnd/>
-                <a:tailEnd/>
-              </a14:hiddenLine>
-            </a:ext>
-          </a:extLst>
-        </p:spPr>
-        <p:txBody>
-          <a:bodyPr wrap="none" anchor="ctr"/>
-          <a:lstStyle>
-            <a:lvl1pPr>
-              <a:defRPr sz="2400">
-                <a:solidFill>
-                  <a:schemeClr val="tx1"/>
-                </a:solidFill>
-                <a:latin typeface="Times New Roman" panose="02020603050405020304" pitchFamily="18" charset="0"/>
-              </a:defRPr>
-            </a:lvl1pPr>
-            <a:lvl2pPr marL="742950" indent="-285750">
-              <a:defRPr sz="2400">
-                <a:solidFill>
-                  <a:schemeClr val="tx1"/>
-                </a:solidFill>
-                <a:latin typeface="Times New Roman" panose="02020603050405020304" pitchFamily="18" charset="0"/>
-              </a:defRPr>
-            </a:lvl2pPr>
-            <a:lvl3pPr marL="1143000" indent="-228600">
-              <a:defRPr sz="2400">
-                <a:solidFill>
-                  <a:schemeClr val="tx1"/>
-                </a:solidFill>
-                <a:latin typeface="Times New Roman" panose="02020603050405020304" pitchFamily="18" charset="0"/>
-              </a:defRPr>
-            </a:lvl3pPr>
-            <a:lvl4pPr marL="1600200" indent="-228600">
-              <a:defRPr sz="2400">
-                <a:solidFill>
-                  <a:schemeClr val="tx1"/>
-                </a:solidFill>
-                <a:latin typeface="Times New Roman" panose="02020603050405020304" pitchFamily="18" charset="0"/>
-              </a:defRPr>
-            </a:lvl4pPr>
-            <a:lvl5pPr marL="2057400" indent="-228600">
-              <a:defRPr sz="2400">
-                <a:solidFill>
-                  <a:schemeClr val="tx1"/>
-                </a:solidFill>
-                <a:latin typeface="Times New Roman" panose="02020603050405020304" pitchFamily="18" charset="0"/>
-              </a:defRPr>
-            </a:lvl5pPr>
-            <a:lvl6pPr marL="2514600" indent="-228600" eaLnBrk="0" fontAlgn="base" hangingPunct="0">
-              <a:spcBef>
-                <a:spcPct val="0"/>
-              </a:spcBef>
-              <a:spcAft>
-                <a:spcPct val="0"/>
-              </a:spcAft>
-              <a:defRPr sz="2400">
-                <a:solidFill>
-                  <a:schemeClr val="tx1"/>
-                </a:solidFill>
-                <a:latin typeface="Times New Roman" panose="02020603050405020304" pitchFamily="18" charset="0"/>
-              </a:defRPr>
-            </a:lvl6pPr>
-            <a:lvl7pPr marL="2971800" indent="-228600" eaLnBrk="0" fontAlgn="base" hangingPunct="0">
-              <a:spcBef>
-                <a:spcPct val="0"/>
-              </a:spcBef>
-              <a:spcAft>
-                <a:spcPct val="0"/>
-              </a:spcAft>
-              <a:defRPr sz="2400">
-                <a:solidFill>
-                  <a:schemeClr val="tx1"/>
-                </a:solidFill>
-                <a:latin typeface="Times New Roman" panose="02020603050405020304" pitchFamily="18" charset="0"/>
-              </a:defRPr>
-            </a:lvl7pPr>
-            <a:lvl8pPr marL="3429000" indent="-228600" eaLnBrk="0" fontAlgn="base" hangingPunct="0">
-              <a:spcBef>
-                <a:spcPct val="0"/>
-              </a:spcBef>
-              <a:spcAft>
-                <a:spcPct val="0"/>
-              </a:spcAft>
-              <a:defRPr sz="2400">
-                <a:solidFill>
-                  <a:schemeClr val="tx1"/>
-                </a:solidFill>
-                <a:latin typeface="Times New Roman" panose="02020603050405020304" pitchFamily="18" charset="0"/>
-              </a:defRPr>
-            </a:lvl8pPr>
-            <a:lvl9pPr marL="3886200" indent="-228600" eaLnBrk="0" fontAlgn="base" hangingPunct="0">
-              <a:spcBef>
-                <a:spcPct val="0"/>
-              </a:spcBef>
-              <a:spcAft>
-                <a:spcPct val="0"/>
-              </a:spcAft>
-              <a:defRPr sz="2400">
-                <a:solidFill>
-                  <a:schemeClr val="tx1"/>
-                </a:solidFill>
-                <a:latin typeface="Times New Roman" panose="02020603050405020304" pitchFamily="18" charset="0"/>
-              </a:defRPr>
-            </a:lvl9pPr>
-          </a:lstStyle>
-          <a:p>
-            <a:endParaRPr lang="en-US" altLang="en-US"/>
-          </a:p>
-        </p:txBody>
-      </p:sp>
-      <p:sp>
-        <p:nvSpPr>
-          <p:cNvPr id="15364" name="Rectangle 3"/>
-          <p:cNvSpPr>
-            <a:spLocks noGrp="1" noChangeArrowheads="1"/>
+            <a:spLocks noGrp="1"/>
           </p:cNvSpPr>
           <p:nvPr>
             <p:ph type="title"/>
           </p:nvPr>
         </p:nvSpPr>
-        <p:spPr>
-          <a:xfrm>
-            <a:off x="685800" y="609600"/>
-            <a:ext cx="7770813" cy="1141413"/>
-          </a:xfrm>
-        </p:spPr>
+        <p:spPr/>
         <p:txBody>
           <a:bodyPr/>
           <a:lstStyle/>
           <a:p>
-            <a:pPr>
-              <a:tabLst>
-                <a:tab pos="0" algn="l"/>
-                <a:tab pos="457200" algn="l"/>
-                <a:tab pos="914400" algn="l"/>
-                <a:tab pos="1371600" algn="l"/>
-                <a:tab pos="1828800" algn="l"/>
-                <a:tab pos="2286000" algn="l"/>
-                <a:tab pos="2743200" algn="l"/>
-                <a:tab pos="3200400" algn="l"/>
-                <a:tab pos="3657600" algn="l"/>
-                <a:tab pos="4114800" algn="l"/>
-                <a:tab pos="4572000" algn="l"/>
-                <a:tab pos="5029200" algn="l"/>
-                <a:tab pos="5486400" algn="l"/>
-                <a:tab pos="5943600" algn="l"/>
-                <a:tab pos="6400800" algn="l"/>
-                <a:tab pos="6858000" algn="l"/>
-                <a:tab pos="7315200" algn="l"/>
-                <a:tab pos="7772400" algn="l"/>
-                <a:tab pos="8229600" algn="l"/>
-                <a:tab pos="8686800" algn="l"/>
-                <a:tab pos="9144000" algn="l"/>
-              </a:tabLst>
-            </a:pPr>
             <a:r>
-              <a:rPr lang="en-US" altLang="en-US" smtClean="0"/>
-              <a:t>Object Orientated</a:t>
+              <a:rPr lang="en-GB" dirty="0" smtClean="0"/>
+              <a:t>Answer</a:t>
             </a:r>
+            <a:endParaRPr lang="en-GB" dirty="0"/>
           </a:p>
         </p:txBody>
       </p:sp>
       <p:sp>
         <p:nvSpPr>
-          <p:cNvPr id="15365" name="Rectangle 4"/>
+          <p:cNvPr id="3" name="Content Placeholder 2"/>
           <p:cNvSpPr>
-            <a:spLocks noGrp="1" noChangeArrowheads="1"/>
+            <a:spLocks noGrp="1"/>
           </p:cNvSpPr>
           <p:nvPr>
             <p:ph idx="1"/>
           </p:nvPr>
         </p:nvSpPr>
-        <p:spPr>
-          <a:xfrm>
-            <a:off x="685800" y="1981200"/>
-            <a:ext cx="7770813" cy="4113213"/>
-          </a:xfrm>
-        </p:spPr>
+        <p:spPr/>
         <p:txBody>
           <a:bodyPr/>
           <a:lstStyle/>
           <a:p>
-            <a:pPr indent="-341313">
-              <a:buFontTx/>
+            <a:r>
+              <a:rPr lang="en-GB" dirty="0" smtClean="0"/>
+              <a:t>a) Yes</a:t>
+            </a:r>
+          </a:p>
+          <a:p>
+            <a:endParaRPr lang="en-GB" dirty="0"/>
+          </a:p>
+          <a:p>
+            <a:pPr marL="0" indent="0">
               <a:buNone/>
-              <a:tabLst>
-                <a:tab pos="342900" algn="l"/>
-                <a:tab pos="455613" algn="l"/>
-                <a:tab pos="912813" algn="l"/>
-                <a:tab pos="1370013" algn="l"/>
-                <a:tab pos="1827213" algn="l"/>
-                <a:tab pos="2284413" algn="l"/>
-                <a:tab pos="2741613" algn="l"/>
-                <a:tab pos="3198813" algn="l"/>
-                <a:tab pos="3656013" algn="l"/>
-                <a:tab pos="4113213" algn="l"/>
-                <a:tab pos="4570413" algn="l"/>
-                <a:tab pos="5027613" algn="l"/>
-                <a:tab pos="5484813" algn="l"/>
-                <a:tab pos="5942013" algn="l"/>
-                <a:tab pos="6399213" algn="l"/>
-                <a:tab pos="6856413" algn="l"/>
-                <a:tab pos="7313613" algn="l"/>
-                <a:tab pos="7770813" algn="l"/>
-                <a:tab pos="8228013" algn="l"/>
-                <a:tab pos="8685213" algn="l"/>
-                <a:tab pos="9142413" algn="l"/>
-              </a:tabLst>
             </a:pPr>
             <a:r>
-              <a:rPr lang="en-US" altLang="en-US" smtClean="0"/>
+              <a:rPr lang="en-US" altLang="en-US" dirty="0"/>
               <a:t>JavaScript is an object oriented programming language</a:t>
             </a:r>
+          </a:p>
+          <a:p>
+            <a:pPr marL="0" indent="0">
+              <a:buNone/>
+            </a:pPr>
+            <a:endParaRPr lang="en-GB" dirty="0"/>
           </a:p>
         </p:txBody>
       </p:sp>
     </p:spTree>
+    <p:extLst>
+      <p:ext uri="{BB962C8B-B14F-4D97-AF65-F5344CB8AC3E}">
+        <p14:creationId xmlns:p14="http://schemas.microsoft.com/office/powerpoint/2010/main" val="3603555593"/>
+      </p:ext>
+    </p:extLst>
   </p:cSld>
   <p:clrMapOvr>
     <a:masterClrMapping/>
   </p:clrMapOvr>
-  <p:transition spd="med"/>
-  <p:timing>
-    <p:tnLst>
-      <p:par>
-        <p:cTn id="1" dur="indefinite" nodeType="tmRoot">
-          <p:childTnLst>
-            <p:seq concurrent="1" nextAc="seek">
-              <p:cTn id="2" dur="indefinite" nodeType="mainSeq"/>
-              <p:prevCondLst>
-                <p:cond evt="onPrev" delay="0">
-                  <p:tgtEl>
-                    <p:sldTgt/>
-                  </p:tgtEl>
-                </p:cond>
-              </p:prevCondLst>
-              <p:nextCondLst>
-                <p:cond evt="onNext" delay="0">
-                  <p:tgtEl>
-                    <p:sldTgt/>
-                  </p:tgtEl>
-                </p:cond>
-              </p:nextCondLst>
-            </p:seq>
-          </p:childTnLst>
-        </p:cTn>
-      </p:par>
-    </p:tnLst>
-  </p:timing>
 </p:sld>
 </file>
 
@@ -16300,7 +15000,7 @@
   <p:timing>
     <p:tnLst>
       <p:par>
-        <p:cTn id="1" dur="indefinite" nodeType="tmRoot">
+        <p:cTn id="1" dur="indefinite" restart="never" nodeType="tmRoot">
           <p:childTnLst>
             <p:seq concurrent="1" nextAc="seek">
               <p:cTn id="2" dur="0" nodeType="mainSeq"/>

--- a/WAD/lectures/110--Javascript.Forms.pptx
+++ b/WAD/lectures/110--Javascript.Forms.pptx
@@ -5,29 +5,33 @@
     <p:sldMasterId id="2147483648" r:id="rId1"/>
   </p:sldMasterIdLst>
   <p:notesMasterIdLst>
-    <p:notesMasterId r:id="rId22"/>
+    <p:notesMasterId r:id="rId26"/>
   </p:notesMasterIdLst>
   <p:sldIdLst>
     <p:sldId id="256" r:id="rId2"/>
-    <p:sldId id="257" r:id="rId3"/>
-    <p:sldId id="259" r:id="rId4"/>
-    <p:sldId id="260" r:id="rId5"/>
-    <p:sldId id="261" r:id="rId6"/>
-    <p:sldId id="262" r:id="rId7"/>
-    <p:sldId id="276" r:id="rId8"/>
-    <p:sldId id="277" r:id="rId9"/>
-    <p:sldId id="264" r:id="rId10"/>
-    <p:sldId id="265" r:id="rId11"/>
-    <p:sldId id="266" r:id="rId12"/>
-    <p:sldId id="267" r:id="rId13"/>
-    <p:sldId id="268" r:id="rId14"/>
-    <p:sldId id="269" r:id="rId15"/>
-    <p:sldId id="270" r:id="rId16"/>
-    <p:sldId id="271" r:id="rId17"/>
-    <p:sldId id="272" r:id="rId18"/>
-    <p:sldId id="273" r:id="rId19"/>
-    <p:sldId id="274" r:id="rId20"/>
-    <p:sldId id="275" r:id="rId21"/>
+    <p:sldId id="281" r:id="rId3"/>
+    <p:sldId id="280" r:id="rId4"/>
+    <p:sldId id="282" r:id="rId5"/>
+    <p:sldId id="278" r:id="rId6"/>
+    <p:sldId id="279" r:id="rId7"/>
+    <p:sldId id="259" r:id="rId8"/>
+    <p:sldId id="260" r:id="rId9"/>
+    <p:sldId id="261" r:id="rId10"/>
+    <p:sldId id="262" r:id="rId11"/>
+    <p:sldId id="276" r:id="rId12"/>
+    <p:sldId id="277" r:id="rId13"/>
+    <p:sldId id="264" r:id="rId14"/>
+    <p:sldId id="265" r:id="rId15"/>
+    <p:sldId id="266" r:id="rId16"/>
+    <p:sldId id="267" r:id="rId17"/>
+    <p:sldId id="268" r:id="rId18"/>
+    <p:sldId id="269" r:id="rId19"/>
+    <p:sldId id="270" r:id="rId20"/>
+    <p:sldId id="271" r:id="rId21"/>
+    <p:sldId id="272" r:id="rId22"/>
+    <p:sldId id="273" r:id="rId23"/>
+    <p:sldId id="274" r:id="rId24"/>
+    <p:sldId id="275" r:id="rId25"/>
   </p:sldIdLst>
   <p:sldSz cx="9144000" cy="6858000" type="screen4x3"/>
   <p:notesSz cx="6858000" cy="9144000"/>
@@ -1016,7 +1020,7 @@
             <a:fld id="{5D0562E2-9FC7-40FC-820D-8BD5C605833B}" type="slidenum">
               <a:rPr lang="en-US" altLang="en-US" sz="1200"/>
               <a:pPr/>
-              <a:t>12</a:t>
+              <a:t>16</a:t>
             </a:fld>
             <a:endParaRPr lang="en-US" altLang="en-US" sz="1200"/>
           </a:p>
@@ -1261,7 +1265,7 @@
             <a:fld id="{CDC55557-F247-42C3-AB8D-65DD55A47FF0}" type="slidenum">
               <a:rPr lang="en-US" altLang="en-US" sz="1200"/>
               <a:pPr/>
-              <a:t>13</a:t>
+              <a:t>17</a:t>
             </a:fld>
             <a:endParaRPr lang="en-US" altLang="en-US" sz="1200"/>
           </a:p>
@@ -1506,7 +1510,7 @@
             <a:fld id="{9E011DDE-AAD0-4CC0-86CA-D1B1B114D286}" type="slidenum">
               <a:rPr lang="en-US" altLang="en-US" sz="1200"/>
               <a:pPr/>
-              <a:t>14</a:t>
+              <a:t>18</a:t>
             </a:fld>
             <a:endParaRPr lang="en-US" altLang="en-US" sz="1200"/>
           </a:p>
@@ -1751,7 +1755,7 @@
             <a:fld id="{DB9218A6-023B-498E-9CFE-F886A2AE3EF2}" type="slidenum">
               <a:rPr lang="en-US" altLang="en-US" sz="1200"/>
               <a:pPr/>
-              <a:t>15</a:t>
+              <a:t>19</a:t>
             </a:fld>
             <a:endParaRPr lang="en-US" altLang="en-US" sz="1200"/>
           </a:p>
@@ -1996,7 +2000,7 @@
             <a:fld id="{A24BC7C6-2D96-4F1E-B8F2-CF58DD36082C}" type="slidenum">
               <a:rPr lang="en-US" altLang="en-US" sz="1200"/>
               <a:pPr/>
-              <a:t>16</a:t>
+              <a:t>20</a:t>
             </a:fld>
             <a:endParaRPr lang="en-US" altLang="en-US" sz="1200"/>
           </a:p>
@@ -2241,7 +2245,7 @@
             <a:fld id="{0ABB3174-B7E6-4809-A2CB-D026314E7EF4}" type="slidenum">
               <a:rPr lang="en-US" altLang="en-US" sz="1200"/>
               <a:pPr/>
-              <a:t>17</a:t>
+              <a:t>21</a:t>
             </a:fld>
             <a:endParaRPr lang="en-US" altLang="en-US" sz="1200"/>
           </a:p>
@@ -2486,7 +2490,7 @@
             <a:fld id="{94AD194F-FBD3-4794-A5AD-99B165C3E0C3}" type="slidenum">
               <a:rPr lang="en-US" altLang="en-US" sz="1200"/>
               <a:pPr/>
-              <a:t>18</a:t>
+              <a:t>22</a:t>
             </a:fld>
             <a:endParaRPr lang="en-US" altLang="en-US" sz="1200"/>
           </a:p>
@@ -2723,7 +2727,7 @@
             <a:fld id="{53234844-D3D5-42A1-B653-CF7B72A590E3}" type="slidenum">
               <a:rPr lang="en-US" altLang="en-US" sz="1200"/>
               <a:pPr/>
-              <a:t>19</a:t>
+              <a:t>23</a:t>
             </a:fld>
             <a:endParaRPr lang="en-US" altLang="en-US" sz="1200"/>
           </a:p>
@@ -2960,7 +2964,7 @@
             <a:fld id="{B59C545E-A3D6-4635-AE4F-5E12080A8E34}" type="slidenum">
               <a:rPr lang="en-US" altLang="en-US" sz="1200"/>
               <a:pPr/>
-              <a:t>20</a:t>
+              <a:t>24</a:t>
             </a:fld>
             <a:endParaRPr lang="en-US" altLang="en-US" sz="1200"/>
           </a:p>
@@ -3263,7 +3267,7 @@
     </p:spTree>
     <p:extLst>
       <p:ext uri="{BB962C8B-B14F-4D97-AF65-F5344CB8AC3E}">
-        <p14:creationId xmlns:p14="http://schemas.microsoft.com/office/powerpoint/2010/main" val="1465504871"/>
+        <p14:creationId xmlns:p14="http://schemas.microsoft.com/office/powerpoint/2010/main" val="2323001856"/>
       </p:ext>
     </p:extLst>
   </p:cSld>
@@ -3434,7 +3438,7 @@
             <a:fld id="{1AE40E44-7981-4E68-B452-DDE00CB2C8F6}" type="slidenum">
               <a:rPr lang="en-US" altLang="en-US" sz="1200"/>
               <a:pPr/>
-              <a:t>3</a:t>
+              <a:t>7</a:t>
             </a:fld>
             <a:endParaRPr lang="en-US" altLang="en-US" sz="1200"/>
           </a:p>
@@ -3679,7 +3683,7 @@
             <a:fld id="{1E3A80B5-F51D-45A7-80AE-8FD0F4B9F6D3}" type="slidenum">
               <a:rPr lang="en-US" altLang="en-US" sz="1200"/>
               <a:pPr/>
-              <a:t>4</a:t>
+              <a:t>8</a:t>
             </a:fld>
             <a:endParaRPr lang="en-US" altLang="en-US" sz="1200"/>
           </a:p>
@@ -3924,7 +3928,7 @@
             <a:fld id="{5CF838D2-C47F-4E7B-A978-26B48876121B}" type="slidenum">
               <a:rPr lang="en-US" altLang="en-US" sz="1200"/>
               <a:pPr/>
-              <a:t>5</a:t>
+              <a:t>9</a:t>
             </a:fld>
             <a:endParaRPr lang="en-US" altLang="en-US" sz="1200"/>
           </a:p>
@@ -4169,7 +4173,7 @@
             <a:fld id="{AC9916F2-A569-4C4B-A861-82660DA46FE1}" type="slidenum">
               <a:rPr lang="en-US" altLang="en-US" sz="1200"/>
               <a:pPr/>
-              <a:t>6</a:t>
+              <a:t>10</a:t>
             </a:fld>
             <a:endParaRPr lang="en-US" altLang="en-US" sz="1200"/>
           </a:p>
@@ -4414,7 +4418,7 @@
             <a:fld id="{211B5806-F746-45F5-8BFE-B93A8251D05E}" type="slidenum">
               <a:rPr lang="en-US" altLang="en-US" sz="1200"/>
               <a:pPr/>
-              <a:t>9</a:t>
+              <a:t>13</a:t>
             </a:fld>
             <a:endParaRPr lang="en-US" altLang="en-US" sz="1200"/>
           </a:p>
@@ -4659,7 +4663,7 @@
             <a:fld id="{8B51B57F-C5B0-4CFF-A6A8-DB6004DE076F}" type="slidenum">
               <a:rPr lang="en-US" altLang="en-US" sz="1200"/>
               <a:pPr/>
-              <a:t>10</a:t>
+              <a:t>14</a:t>
             </a:fld>
             <a:endParaRPr lang="en-US" altLang="en-US" sz="1200"/>
           </a:p>
@@ -4904,7 +4908,7 @@
             <a:fld id="{B8344FC7-3616-4347-954A-E236A772931D}" type="slidenum">
               <a:rPr lang="en-US" altLang="en-US" sz="1200"/>
               <a:pPr/>
-              <a:t>11</a:t>
+              <a:t>15</a:t>
             </a:fld>
             <a:endParaRPr lang="en-US" altLang="en-US" sz="1200"/>
           </a:p>
@@ -5242,7 +5246,7 @@
               <a:pPr>
                 <a:defRPr/>
               </a:pPr>
-              <a:t>12/11/2017</a:t>
+              <a:t>12/13/2017</a:t>
             </a:fld>
             <a:endParaRPr lang="en-US" altLang="en-US"/>
           </a:p>
@@ -5475,7 +5479,7 @@
               <a:pPr>
                 <a:defRPr/>
               </a:pPr>
-              <a:t>12/11/2017</a:t>
+              <a:t>12/13/2017</a:t>
             </a:fld>
             <a:endParaRPr lang="en-US" altLang="en-US"/>
           </a:p>
@@ -6347,7 +6351,7 @@
               <a:pPr>
                 <a:defRPr/>
               </a:pPr>
-              <a:t>12/11/2017</a:t>
+              <a:t>12/13/2017</a:t>
             </a:fld>
             <a:endParaRPr lang="en-US" altLang="en-US"/>
           </a:p>
@@ -6495,7 +6499,7 @@
               <a:pPr>
                 <a:defRPr/>
               </a:pPr>
-              <a:t>12/11/2017</a:t>
+              <a:t>12/13/2017</a:t>
             </a:fld>
             <a:endParaRPr lang="en-US" altLang="en-US"/>
           </a:p>
@@ -6825,7 +6829,7 @@
               <a:pPr>
                 <a:defRPr/>
               </a:pPr>
-              <a:t>12/11/2017</a:t>
+              <a:t>12/13/2017</a:t>
             </a:fld>
             <a:endParaRPr lang="en-US" altLang="en-US"/>
           </a:p>
@@ -7132,7 +7136,7 @@
               <a:pPr>
                 <a:defRPr/>
               </a:pPr>
-              <a:t>12/11/2017</a:t>
+              <a:t>12/13/2017</a:t>
             </a:fld>
             <a:endParaRPr lang="en-US" altLang="en-US"/>
           </a:p>
@@ -8965,7 +8969,7 @@
       </p:grpSpPr>
       <p:sp>
         <p:nvSpPr>
-          <p:cNvPr id="17410" name="Rectangle 1"/>
+          <p:cNvPr id="14338" name="Rectangle 1"/>
           <p:cNvSpPr>
             <a:spLocks noGrp="1" noChangeArrowheads="1"/>
           </p:cNvSpPr>
@@ -9010,14 +9014,14 @@
             </a:pPr>
             <a:r>
               <a:rPr lang="en-US" altLang="en-US" smtClean="0"/>
-              <a:t>Call Object function</a:t>
+              <a:t>Return Values</a:t>
             </a:r>
           </a:p>
         </p:txBody>
       </p:sp>
       <p:sp>
         <p:nvSpPr>
-          <p:cNvPr id="17411" name="Rectangle 2"/>
+          <p:cNvPr id="14339" name="Rectangle 2"/>
           <p:cNvSpPr>
             <a:spLocks noGrp="1" noChangeArrowheads="1"/>
           </p:cNvSpPr>
@@ -9045,7 +9049,7 @@
       </p:sp>
       <p:pic>
         <p:nvPicPr>
-          <p:cNvPr id="17412" name="Picture 3"/>
+          <p:cNvPr id="14340" name="Picture 3"/>
           <p:cNvPicPr>
             <a:picLocks noChangeAspect="1" noChangeArrowheads="1"/>
           </p:cNvPicPr>
@@ -9066,62 +9070,8 @@
         </p:blipFill>
         <p:spPr bwMode="auto">
           <a:xfrm>
-            <a:off x="3382963" y="4867164"/>
-            <a:ext cx="3475037" cy="887523"/>
-          </a:xfrm>
-          <a:prstGeom prst="rect">
-            <a:avLst/>
-          </a:prstGeom>
-          <a:noFill/>
-          <a:ln>
-            <a:noFill/>
-          </a:ln>
-          <a:extLst>
-            <a:ext uri="{909E8E84-426E-40DD-AFC4-6F175D3DCCD1}">
-              <a14:hiddenFill xmlns:a14="http://schemas.microsoft.com/office/drawing/2010/main">
-                <a:solidFill>
-                  <a:srgbClr val="FFFFFF"/>
-                </a:solidFill>
-              </a14:hiddenFill>
-            </a:ext>
-            <a:ext uri="{91240B29-F687-4F45-9708-019B960494DF}">
-              <a14:hiddenLine xmlns:a14="http://schemas.microsoft.com/office/drawing/2010/main" w="9525">
-                <a:solidFill>
-                  <a:srgbClr val="000000"/>
-                </a:solidFill>
-                <a:round/>
-                <a:headEnd/>
-                <a:tailEnd/>
-              </a14:hiddenLine>
-            </a:ext>
-          </a:extLst>
-        </p:spPr>
-      </p:pic>
-      <p:pic>
-        <p:nvPicPr>
-          <p:cNvPr id="17413" name="Picture 4"/>
-          <p:cNvPicPr>
-            <a:picLocks noChangeAspect="1" noChangeArrowheads="1"/>
-          </p:cNvPicPr>
-          <p:nvPr/>
-        </p:nvPicPr>
-        <p:blipFill>
-          <a:blip r:embed="rId4">
-            <a:extLst>
-              <a:ext uri="{28A0092B-C50C-407E-A947-70E740481C1C}">
-                <a14:useLocalDpi xmlns:a14="http://schemas.microsoft.com/office/drawing/2010/main" val="0"/>
-              </a:ext>
-            </a:extLst>
-          </a:blip>
-          <a:srcRect/>
-          <a:stretch>
-            <a:fillRect/>
-          </a:stretch>
-        </p:blipFill>
-        <p:spPr bwMode="auto">
-          <a:xfrm>
-            <a:off x="685800" y="2103438"/>
-            <a:ext cx="4278313" cy="2016125"/>
+            <a:off x="2103438" y="2743200"/>
+            <a:ext cx="4271962" cy="2671763"/>
           </a:xfrm>
           <a:prstGeom prst="rect">
             <a:avLst/>
@@ -9206,7 +9156,205 @@
       </p:grpSpPr>
       <p:sp>
         <p:nvSpPr>
-          <p:cNvPr id="18434" name="Rectangle 1"/>
+          <p:cNvPr id="2" name="Title 1"/>
+          <p:cNvSpPr>
+            <a:spLocks noGrp="1"/>
+          </p:cNvSpPr>
+          <p:nvPr>
+            <p:ph type="title"/>
+          </p:nvPr>
+        </p:nvSpPr>
+        <p:spPr/>
+        <p:txBody>
+          <a:bodyPr/>
+          <a:lstStyle/>
+          <a:p>
+            <a:r>
+              <a:rPr lang="en-GB" dirty="0" smtClean="0"/>
+              <a:t>Question</a:t>
+            </a:r>
+            <a:endParaRPr lang="en-GB" dirty="0"/>
+          </a:p>
+        </p:txBody>
+      </p:sp>
+      <p:sp>
+        <p:nvSpPr>
+          <p:cNvPr id="3" name="Content Placeholder 2"/>
+          <p:cNvSpPr>
+            <a:spLocks noGrp="1"/>
+          </p:cNvSpPr>
+          <p:nvPr>
+            <p:ph idx="1"/>
+          </p:nvPr>
+        </p:nvSpPr>
+        <p:spPr/>
+        <p:txBody>
+          <a:bodyPr/>
+          <a:lstStyle/>
+          <a:p>
+            <a:r>
+              <a:rPr lang="en-GB" dirty="0" smtClean="0"/>
+              <a:t>Is </a:t>
+            </a:r>
+            <a:r>
+              <a:rPr lang="en-GB" dirty="0" err="1" smtClean="0"/>
+              <a:t>Javascript</a:t>
+            </a:r>
+            <a:r>
+              <a:rPr lang="en-GB" dirty="0" smtClean="0"/>
+              <a:t> an Object Orientated Language?</a:t>
+            </a:r>
+          </a:p>
+          <a:p>
+            <a:endParaRPr lang="en-GB" dirty="0"/>
+          </a:p>
+          <a:p>
+            <a:pPr marL="0" indent="0">
+              <a:buNone/>
+            </a:pPr>
+            <a:r>
+              <a:rPr lang="en-GB" dirty="0" smtClean="0"/>
+              <a:t>a) Yes</a:t>
+            </a:r>
+          </a:p>
+          <a:p>
+            <a:pPr marL="0" indent="0">
+              <a:buNone/>
+            </a:pPr>
+            <a:r>
+              <a:rPr lang="en-GB" dirty="0" smtClean="0"/>
+              <a:t>b) No</a:t>
+            </a:r>
+            <a:endParaRPr lang="en-GB" dirty="0"/>
+          </a:p>
+        </p:txBody>
+      </p:sp>
+    </p:spTree>
+    <p:extLst>
+      <p:ext uri="{BB962C8B-B14F-4D97-AF65-F5344CB8AC3E}">
+        <p14:creationId xmlns:p14="http://schemas.microsoft.com/office/powerpoint/2010/main" val="1643209788"/>
+      </p:ext>
+    </p:extLst>
+  </p:cSld>
+  <p:clrMapOvr>
+    <a:masterClrMapping/>
+  </p:clrMapOvr>
+</p:sld>
+</file>
+
+<file path=ppt/slides/slide12.xml><?xml version="1.0" encoding="utf-8"?>
+<p:sld xmlns:a="http://schemas.openxmlformats.org/drawingml/2006/main" xmlns:r="http://schemas.openxmlformats.org/officeDocument/2006/relationships" xmlns:p="http://schemas.openxmlformats.org/presentationml/2006/main">
+  <p:cSld>
+    <p:spTree>
+      <p:nvGrpSpPr>
+        <p:cNvPr id="1" name=""/>
+        <p:cNvGrpSpPr/>
+        <p:nvPr/>
+      </p:nvGrpSpPr>
+      <p:grpSpPr>
+        <a:xfrm>
+          <a:off x="0" y="0"/>
+          <a:ext cx="0" cy="0"/>
+          <a:chOff x="0" y="0"/>
+          <a:chExt cx="0" cy="0"/>
+        </a:xfrm>
+      </p:grpSpPr>
+      <p:sp>
+        <p:nvSpPr>
+          <p:cNvPr id="2" name="Title 1"/>
+          <p:cNvSpPr>
+            <a:spLocks noGrp="1"/>
+          </p:cNvSpPr>
+          <p:nvPr>
+            <p:ph type="title"/>
+          </p:nvPr>
+        </p:nvSpPr>
+        <p:spPr/>
+        <p:txBody>
+          <a:bodyPr/>
+          <a:lstStyle/>
+          <a:p>
+            <a:r>
+              <a:rPr lang="en-GB" dirty="0" smtClean="0"/>
+              <a:t>Answer</a:t>
+            </a:r>
+            <a:endParaRPr lang="en-GB" dirty="0"/>
+          </a:p>
+        </p:txBody>
+      </p:sp>
+      <p:sp>
+        <p:nvSpPr>
+          <p:cNvPr id="3" name="Content Placeholder 2"/>
+          <p:cNvSpPr>
+            <a:spLocks noGrp="1"/>
+          </p:cNvSpPr>
+          <p:nvPr>
+            <p:ph idx="1"/>
+          </p:nvPr>
+        </p:nvSpPr>
+        <p:spPr/>
+        <p:txBody>
+          <a:bodyPr/>
+          <a:lstStyle/>
+          <a:p>
+            <a:r>
+              <a:rPr lang="en-GB" dirty="0" smtClean="0"/>
+              <a:t>a) Yes</a:t>
+            </a:r>
+          </a:p>
+          <a:p>
+            <a:endParaRPr lang="en-GB" dirty="0"/>
+          </a:p>
+          <a:p>
+            <a:pPr marL="0" indent="0">
+              <a:buNone/>
+            </a:pPr>
+            <a:r>
+              <a:rPr lang="en-US" altLang="en-US" dirty="0"/>
+              <a:t>JavaScript is an object oriented programming language</a:t>
+            </a:r>
+          </a:p>
+          <a:p>
+            <a:pPr marL="0" indent="0">
+              <a:buNone/>
+            </a:pPr>
+            <a:endParaRPr lang="en-GB" dirty="0"/>
+          </a:p>
+        </p:txBody>
+      </p:sp>
+    </p:spTree>
+    <p:extLst>
+      <p:ext uri="{BB962C8B-B14F-4D97-AF65-F5344CB8AC3E}">
+        <p14:creationId xmlns:p14="http://schemas.microsoft.com/office/powerpoint/2010/main" val="3603555593"/>
+      </p:ext>
+    </p:extLst>
+  </p:cSld>
+  <p:clrMapOvr>
+    <a:masterClrMapping/>
+  </p:clrMapOvr>
+</p:sld>
+</file>
+
+<file path=ppt/slides/slide13.xml><?xml version="1.0" encoding="utf-8"?>
+<p:sld xmlns:a="http://schemas.openxmlformats.org/drawingml/2006/main" xmlns:r="http://schemas.openxmlformats.org/officeDocument/2006/relationships" xmlns:p="http://schemas.openxmlformats.org/presentationml/2006/main">
+  <p:cSld>
+    <p:spTree>
+      <p:nvGrpSpPr>
+        <p:cNvPr id="1" name=""/>
+        <p:cNvGrpSpPr/>
+        <p:nvPr/>
+      </p:nvGrpSpPr>
+      <p:grpSpPr>
+        <a:xfrm>
+          <a:off x="0" y="0"/>
+          <a:ext cx="0" cy="0"/>
+          <a:chOff x="0" y="0"/>
+          <a:chExt cx="0" cy="0"/>
+        </a:xfrm>
+      </p:grpSpPr>
+      <p:sp>
+        <p:nvSpPr>
+          <p:cNvPr id="16386" name="Rectangle 1"/>
           <p:cNvSpPr>
             <a:spLocks noGrp="1" noChangeArrowheads="1"/>
           </p:cNvSpPr>
@@ -9216,8 +9364,8 @@
         </p:nvSpPr>
         <p:spPr>
           <a:xfrm>
-            <a:off x="685800" y="609600"/>
-            <a:ext cx="7770813" cy="1141413"/>
+            <a:off x="685800" y="461963"/>
+            <a:ext cx="7770813" cy="1435100"/>
           </a:xfrm>
         </p:spPr>
         <p:txBody>
@@ -9251,14 +9399,14 @@
             </a:pPr>
             <a:r>
               <a:rPr lang="en-US" altLang="en-US" smtClean="0"/>
-              <a:t>Object constructor</a:t>
+              <a:t>How to create and use objects in Javascript</a:t>
             </a:r>
           </a:p>
         </p:txBody>
       </p:sp>
       <p:sp>
         <p:nvSpPr>
-          <p:cNvPr id="18435" name="Rectangle 2"/>
+          <p:cNvPr id="16387" name="Rectangle 2"/>
           <p:cNvSpPr>
             <a:spLocks noGrp="1" noChangeArrowheads="1"/>
           </p:cNvSpPr>
@@ -9286,7 +9434,7 @@
       </p:sp>
       <p:pic>
         <p:nvPicPr>
-          <p:cNvPr id="18436" name="Picture 3"/>
+          <p:cNvPr id="16388" name="Picture 3"/>
           <p:cNvPicPr>
             <a:picLocks noChangeAspect="1" noChangeArrowheads="1"/>
           </p:cNvPicPr>
@@ -9307,382 +9455,8 @@
         </p:blipFill>
         <p:spPr bwMode="auto">
           <a:xfrm>
-            <a:off x="1314450" y="2374900"/>
-            <a:ext cx="6365875" cy="3386138"/>
-          </a:xfrm>
-          <a:prstGeom prst="rect">
-            <a:avLst/>
-          </a:prstGeom>
-          <a:noFill/>
-          <a:ln>
-            <a:noFill/>
-          </a:ln>
-          <a:extLst>
-            <a:ext uri="{909E8E84-426E-40DD-AFC4-6F175D3DCCD1}">
-              <a14:hiddenFill xmlns:a14="http://schemas.microsoft.com/office/drawing/2010/main">
-                <a:solidFill>
-                  <a:srgbClr val="FFFFFF"/>
-                </a:solidFill>
-              </a14:hiddenFill>
-            </a:ext>
-            <a:ext uri="{91240B29-F687-4F45-9708-019B960494DF}">
-              <a14:hiddenLine xmlns:a14="http://schemas.microsoft.com/office/drawing/2010/main" w="9525">
-                <a:solidFill>
-                  <a:srgbClr val="000000"/>
-                </a:solidFill>
-                <a:round/>
-                <a:headEnd/>
-                <a:tailEnd/>
-              </a14:hiddenLine>
-            </a:ext>
-          </a:extLst>
-        </p:spPr>
-      </p:pic>
-    </p:spTree>
-  </p:cSld>
-  <p:clrMapOvr>
-    <a:masterClrMapping/>
-  </p:clrMapOvr>
-  <p:transition spd="med"/>
-  <p:timing>
-    <p:tnLst>
-      <p:par>
-        <p:cTn id="1" dur="indefinite" restart="never" nodeType="tmRoot">
-          <p:childTnLst>
-            <p:seq concurrent="1" nextAc="seek">
-              <p:cTn id="2" dur="0" nodeType="mainSeq"/>
-              <p:prevCondLst>
-                <p:cond evt="onPrev" delay="0">
-                  <p:tgtEl>
-                    <p:sldTgt/>
-                  </p:tgtEl>
-                </p:cond>
-              </p:prevCondLst>
-              <p:nextCondLst>
-                <p:cond evt="onNext" delay="0">
-                  <p:tgtEl>
-                    <p:sldTgt/>
-                  </p:tgtEl>
-                </p:cond>
-              </p:nextCondLst>
-            </p:seq>
-          </p:childTnLst>
-        </p:cTn>
-      </p:par>
-    </p:tnLst>
-  </p:timing>
-</p:sld>
-</file>
-
-<file path=ppt/slides/slide12.xml><?xml version="1.0" encoding="utf-8"?>
-<p:sld xmlns:a="http://schemas.openxmlformats.org/drawingml/2006/main" xmlns:r="http://schemas.openxmlformats.org/officeDocument/2006/relationships" xmlns:p="http://schemas.openxmlformats.org/presentationml/2006/main">
-  <p:cSld>
-    <p:spTree>
-      <p:nvGrpSpPr>
-        <p:cNvPr id="1" name=""/>
-        <p:cNvGrpSpPr/>
-        <p:nvPr/>
-      </p:nvGrpSpPr>
-      <p:grpSpPr>
-        <a:xfrm>
-          <a:off x="0" y="0"/>
-          <a:ext cx="0" cy="0"/>
-          <a:chOff x="0" y="0"/>
-          <a:chExt cx="0" cy="0"/>
-        </a:xfrm>
-      </p:grpSpPr>
-      <p:sp>
-        <p:nvSpPr>
-          <p:cNvPr id="19458" name="Rectangle 1"/>
-          <p:cNvSpPr>
-            <a:spLocks noGrp="1" noChangeArrowheads="1"/>
-          </p:cNvSpPr>
-          <p:nvPr>
-            <p:ph type="title"/>
-          </p:nvPr>
-        </p:nvSpPr>
-        <p:spPr>
-          <a:xfrm>
-            <a:off x="685800" y="461963"/>
-            <a:ext cx="7770813" cy="1435100"/>
-          </a:xfrm>
-        </p:spPr>
-        <p:txBody>
-          <a:bodyPr/>
-          <a:lstStyle/>
-          <a:p>
-            <a:pPr>
-              <a:tabLst>
-                <a:tab pos="0" algn="l"/>
-                <a:tab pos="457200" algn="l"/>
-                <a:tab pos="914400" algn="l"/>
-                <a:tab pos="1371600" algn="l"/>
-                <a:tab pos="1828800" algn="l"/>
-                <a:tab pos="2286000" algn="l"/>
-                <a:tab pos="2743200" algn="l"/>
-                <a:tab pos="3200400" algn="l"/>
-                <a:tab pos="3657600" algn="l"/>
-                <a:tab pos="4114800" algn="l"/>
-                <a:tab pos="4572000" algn="l"/>
-                <a:tab pos="5029200" algn="l"/>
-                <a:tab pos="5486400" algn="l"/>
-                <a:tab pos="5943600" algn="l"/>
-                <a:tab pos="6400800" algn="l"/>
-                <a:tab pos="6858000" algn="l"/>
-                <a:tab pos="7315200" algn="l"/>
-                <a:tab pos="7772400" algn="l"/>
-                <a:tab pos="8229600" algn="l"/>
-                <a:tab pos="8686800" algn="l"/>
-                <a:tab pos="9144000" algn="l"/>
-              </a:tabLst>
-            </a:pPr>
-            <a:r>
-              <a:rPr lang="en-US" altLang="en-US" smtClean="0"/>
-              <a:t>How to create a New Instance from a Constructor</a:t>
-            </a:r>
-          </a:p>
-        </p:txBody>
-      </p:sp>
-      <p:sp>
-        <p:nvSpPr>
-          <p:cNvPr id="19459" name="Rectangle 2"/>
-          <p:cNvSpPr>
-            <a:spLocks noGrp="1" noChangeArrowheads="1"/>
-          </p:cNvSpPr>
-          <p:nvPr>
-            <p:ph idx="1"/>
-          </p:nvPr>
-        </p:nvSpPr>
-        <p:spPr>
-          <a:xfrm>
-            <a:off x="685800" y="1981200"/>
-            <a:ext cx="7770813" cy="4113213"/>
-          </a:xfrm>
-        </p:spPr>
-        <p:txBody>
-          <a:bodyPr/>
-          <a:lstStyle/>
-          <a:p>
-            <a:pPr>
-              <a:buFont typeface="Times New Roman" panose="02020603050405020304" pitchFamily="18" charset="0"/>
-              <a:buNone/>
-            </a:pPr>
-            <a:endParaRPr lang="en-US" altLang="en-US" smtClean="0"/>
-          </a:p>
-        </p:txBody>
-      </p:sp>
-      <p:pic>
-        <p:nvPicPr>
-          <p:cNvPr id="19460" name="Picture 3"/>
-          <p:cNvPicPr>
-            <a:picLocks noChangeAspect="1" noChangeArrowheads="1"/>
-          </p:cNvPicPr>
-          <p:nvPr/>
-        </p:nvPicPr>
-        <p:blipFill>
-          <a:blip r:embed="rId3">
-            <a:extLst>
-              <a:ext uri="{28A0092B-C50C-407E-A947-70E740481C1C}">
-                <a14:useLocalDpi xmlns:a14="http://schemas.microsoft.com/office/drawing/2010/main" val="0"/>
-              </a:ext>
-            </a:extLst>
-          </a:blip>
-          <a:srcRect/>
-          <a:stretch>
-            <a:fillRect/>
-          </a:stretch>
-        </p:blipFill>
-        <p:spPr bwMode="auto">
-          <a:xfrm>
-            <a:off x="457200" y="2103438"/>
-            <a:ext cx="8140700" cy="900112"/>
-          </a:xfrm>
-          <a:prstGeom prst="rect">
-            <a:avLst/>
-          </a:prstGeom>
-          <a:noFill/>
-          <a:ln>
-            <a:noFill/>
-          </a:ln>
-          <a:extLst>
-            <a:ext uri="{909E8E84-426E-40DD-AFC4-6F175D3DCCD1}">
-              <a14:hiddenFill xmlns:a14="http://schemas.microsoft.com/office/drawing/2010/main">
-                <a:solidFill>
-                  <a:srgbClr val="FFFFFF"/>
-                </a:solidFill>
-              </a14:hiddenFill>
-            </a:ext>
-            <a:ext uri="{91240B29-F687-4F45-9708-019B960494DF}">
-              <a14:hiddenLine xmlns:a14="http://schemas.microsoft.com/office/drawing/2010/main" w="9525">
-                <a:solidFill>
-                  <a:srgbClr val="000000"/>
-                </a:solidFill>
-                <a:round/>
-                <a:headEnd/>
-                <a:tailEnd/>
-              </a14:hiddenLine>
-            </a:ext>
-          </a:extLst>
-        </p:spPr>
-      </p:pic>
-    </p:spTree>
-  </p:cSld>
-  <p:clrMapOvr>
-    <a:masterClrMapping/>
-  </p:clrMapOvr>
-  <p:transition spd="med"/>
-  <p:timing>
-    <p:tnLst>
-      <p:par>
-        <p:cTn id="1" dur="indefinite" restart="never" nodeType="tmRoot">
-          <p:childTnLst>
-            <p:seq concurrent="1" nextAc="seek">
-              <p:cTn id="2" dur="0" nodeType="mainSeq"/>
-              <p:prevCondLst>
-                <p:cond evt="onPrev" delay="0">
-                  <p:tgtEl>
-                    <p:sldTgt/>
-                  </p:tgtEl>
-                </p:cond>
-              </p:prevCondLst>
-              <p:nextCondLst>
-                <p:cond evt="onNext" delay="0">
-                  <p:tgtEl>
-                    <p:sldTgt/>
-                  </p:tgtEl>
-                </p:cond>
-              </p:nextCondLst>
-            </p:seq>
-          </p:childTnLst>
-        </p:cTn>
-      </p:par>
-    </p:tnLst>
-  </p:timing>
-</p:sld>
-</file>
-
-<file path=ppt/slides/slide13.xml><?xml version="1.0" encoding="utf-8"?>
-<p:sld xmlns:a="http://schemas.openxmlformats.org/drawingml/2006/main" xmlns:r="http://schemas.openxmlformats.org/officeDocument/2006/relationships" xmlns:p="http://schemas.openxmlformats.org/presentationml/2006/main">
-  <p:cSld>
-    <p:spTree>
-      <p:nvGrpSpPr>
-        <p:cNvPr id="1" name=""/>
-        <p:cNvGrpSpPr/>
-        <p:nvPr/>
-      </p:nvGrpSpPr>
-      <p:grpSpPr>
-        <a:xfrm>
-          <a:off x="0" y="0"/>
-          <a:ext cx="0" cy="0"/>
-          <a:chOff x="0" y="0"/>
-          <a:chExt cx="0" cy="0"/>
-        </a:xfrm>
-      </p:grpSpPr>
-      <p:sp>
-        <p:nvSpPr>
-          <p:cNvPr id="20482" name="Rectangle 1"/>
-          <p:cNvSpPr>
-            <a:spLocks noGrp="1" noChangeArrowheads="1"/>
-          </p:cNvSpPr>
-          <p:nvPr>
-            <p:ph type="title"/>
-          </p:nvPr>
-        </p:nvSpPr>
-        <p:spPr>
-          <a:xfrm>
-            <a:off x="685800" y="461963"/>
-            <a:ext cx="7770813" cy="1435100"/>
-          </a:xfrm>
-        </p:spPr>
-        <p:txBody>
-          <a:bodyPr/>
-          <a:lstStyle/>
-          <a:p>
-            <a:pPr>
-              <a:tabLst>
-                <a:tab pos="0" algn="l"/>
-                <a:tab pos="457200" algn="l"/>
-                <a:tab pos="914400" algn="l"/>
-                <a:tab pos="1371600" algn="l"/>
-                <a:tab pos="1828800" algn="l"/>
-                <a:tab pos="2286000" algn="l"/>
-                <a:tab pos="2743200" algn="l"/>
-                <a:tab pos="3200400" algn="l"/>
-                <a:tab pos="3657600" algn="l"/>
-                <a:tab pos="4114800" algn="l"/>
-                <a:tab pos="4572000" algn="l"/>
-                <a:tab pos="5029200" algn="l"/>
-                <a:tab pos="5486400" algn="l"/>
-                <a:tab pos="5943600" algn="l"/>
-                <a:tab pos="6400800" algn="l"/>
-                <a:tab pos="6858000" algn="l"/>
-                <a:tab pos="7315200" algn="l"/>
-                <a:tab pos="7772400" algn="l"/>
-                <a:tab pos="8229600" algn="l"/>
-                <a:tab pos="8686800" algn="l"/>
-                <a:tab pos="9144000" algn="l"/>
-              </a:tabLst>
-            </a:pPr>
-            <a:r>
-              <a:rPr lang="en-US" altLang="en-US" smtClean="0"/>
-              <a:t>Literal notation in Javascript Object</a:t>
-            </a:r>
-          </a:p>
-        </p:txBody>
-      </p:sp>
-      <p:sp>
-        <p:nvSpPr>
-          <p:cNvPr id="20483" name="Rectangle 2"/>
-          <p:cNvSpPr>
-            <a:spLocks noGrp="1" noChangeArrowheads="1"/>
-          </p:cNvSpPr>
-          <p:nvPr>
-            <p:ph idx="1"/>
-          </p:nvPr>
-        </p:nvSpPr>
-        <p:spPr>
-          <a:xfrm>
-            <a:off x="685800" y="1981200"/>
-            <a:ext cx="7770813" cy="4113213"/>
-          </a:xfrm>
-        </p:spPr>
-        <p:txBody>
-          <a:bodyPr/>
-          <a:lstStyle/>
-          <a:p>
-            <a:pPr>
-              <a:buFont typeface="Times New Roman" panose="02020603050405020304" pitchFamily="18" charset="0"/>
-              <a:buNone/>
-            </a:pPr>
-            <a:endParaRPr lang="en-US" altLang="en-US" smtClean="0"/>
-          </a:p>
-        </p:txBody>
-      </p:sp>
-      <p:pic>
-        <p:nvPicPr>
-          <p:cNvPr id="20484" name="Picture 3"/>
-          <p:cNvPicPr>
-            <a:picLocks noChangeAspect="1" noChangeArrowheads="1"/>
-          </p:cNvPicPr>
-          <p:nvPr/>
-        </p:nvPicPr>
-        <p:blipFill>
-          <a:blip r:embed="rId3">
-            <a:extLst>
-              <a:ext uri="{28A0092B-C50C-407E-A947-70E740481C1C}">
-                <a14:useLocalDpi xmlns:a14="http://schemas.microsoft.com/office/drawing/2010/main" val="0"/>
-              </a:ext>
-            </a:extLst>
-          </a:blip>
-          <a:srcRect/>
-          <a:stretch>
-            <a:fillRect/>
-          </a:stretch>
-        </p:blipFill>
-        <p:spPr bwMode="auto">
-          <a:xfrm>
-            <a:off x="1463675" y="2378075"/>
-            <a:ext cx="5732463" cy="2998788"/>
+            <a:off x="1371600" y="2528888"/>
+            <a:ext cx="6472238" cy="3049587"/>
           </a:xfrm>
           <a:prstGeom prst="rect">
             <a:avLst/>
@@ -9767,7 +9541,7 @@
       </p:grpSpPr>
       <p:sp>
         <p:nvSpPr>
-          <p:cNvPr id="21506" name="Rectangle 1"/>
+          <p:cNvPr id="17410" name="Rectangle 1"/>
           <p:cNvSpPr>
             <a:spLocks noGrp="1" noChangeArrowheads="1"/>
           </p:cNvSpPr>
@@ -9777,8 +9551,8 @@
         </p:nvSpPr>
         <p:spPr>
           <a:xfrm>
-            <a:off x="685800" y="461963"/>
-            <a:ext cx="7770813" cy="1435100"/>
+            <a:off x="685800" y="609600"/>
+            <a:ext cx="7770813" cy="1141413"/>
           </a:xfrm>
         </p:spPr>
         <p:txBody>
@@ -9812,14 +9586,14 @@
             </a:pPr>
             <a:r>
               <a:rPr lang="en-US" altLang="en-US" smtClean="0"/>
-              <a:t>Object.create() in Javascript Object</a:t>
+              <a:t>Call Object function</a:t>
             </a:r>
           </a:p>
         </p:txBody>
       </p:sp>
       <p:sp>
         <p:nvSpPr>
-          <p:cNvPr id="21507" name="Rectangle 2"/>
+          <p:cNvPr id="17411" name="Rectangle 2"/>
           <p:cNvSpPr>
             <a:spLocks noGrp="1" noChangeArrowheads="1"/>
           </p:cNvSpPr>
@@ -9847,7 +9621,7 @@
       </p:sp>
       <p:pic>
         <p:nvPicPr>
-          <p:cNvPr id="21508" name="Picture 3"/>
+          <p:cNvPr id="17412" name="Picture 3"/>
           <p:cNvPicPr>
             <a:picLocks noChangeAspect="1" noChangeArrowheads="1"/>
           </p:cNvPicPr>
@@ -9868,8 +9642,62 @@
         </p:blipFill>
         <p:spPr bwMode="auto">
           <a:xfrm>
-            <a:off x="1736725" y="2286000"/>
-            <a:ext cx="5475288" cy="3565525"/>
+            <a:off x="3382963" y="4867164"/>
+            <a:ext cx="3475037" cy="887523"/>
+          </a:xfrm>
+          <a:prstGeom prst="rect">
+            <a:avLst/>
+          </a:prstGeom>
+          <a:noFill/>
+          <a:ln>
+            <a:noFill/>
+          </a:ln>
+          <a:extLst>
+            <a:ext uri="{909E8E84-426E-40DD-AFC4-6F175D3DCCD1}">
+              <a14:hiddenFill xmlns:a14="http://schemas.microsoft.com/office/drawing/2010/main">
+                <a:solidFill>
+                  <a:srgbClr val="FFFFFF"/>
+                </a:solidFill>
+              </a14:hiddenFill>
+            </a:ext>
+            <a:ext uri="{91240B29-F687-4F45-9708-019B960494DF}">
+              <a14:hiddenLine xmlns:a14="http://schemas.microsoft.com/office/drawing/2010/main" w="9525">
+                <a:solidFill>
+                  <a:srgbClr val="000000"/>
+                </a:solidFill>
+                <a:round/>
+                <a:headEnd/>
+                <a:tailEnd/>
+              </a14:hiddenLine>
+            </a:ext>
+          </a:extLst>
+        </p:spPr>
+      </p:pic>
+      <p:pic>
+        <p:nvPicPr>
+          <p:cNvPr id="17413" name="Picture 4"/>
+          <p:cNvPicPr>
+            <a:picLocks noChangeAspect="1" noChangeArrowheads="1"/>
+          </p:cNvPicPr>
+          <p:nvPr/>
+        </p:nvPicPr>
+        <p:blipFill>
+          <a:blip r:embed="rId4">
+            <a:extLst>
+              <a:ext uri="{28A0092B-C50C-407E-A947-70E740481C1C}">
+                <a14:useLocalDpi xmlns:a14="http://schemas.microsoft.com/office/drawing/2010/main" val="0"/>
+              </a:ext>
+            </a:extLst>
+          </a:blip>
+          <a:srcRect/>
+          <a:stretch>
+            <a:fillRect/>
+          </a:stretch>
+        </p:blipFill>
+        <p:spPr bwMode="auto">
+          <a:xfrm>
+            <a:off x="685800" y="2103438"/>
+            <a:ext cx="4278313" cy="2016125"/>
           </a:xfrm>
           <a:prstGeom prst="rect">
             <a:avLst/>
@@ -9954,7 +9782,7 @@
       </p:grpSpPr>
       <p:sp>
         <p:nvSpPr>
-          <p:cNvPr id="22530" name="Rectangle 1"/>
+          <p:cNvPr id="18434" name="Rectangle 1"/>
           <p:cNvSpPr>
             <a:spLocks noGrp="1" noChangeArrowheads="1"/>
           </p:cNvSpPr>
@@ -9964,8 +9792,8 @@
         </p:nvSpPr>
         <p:spPr>
           <a:xfrm>
-            <a:off x="685800" y="461963"/>
-            <a:ext cx="7770813" cy="1435100"/>
+            <a:off x="685800" y="609600"/>
+            <a:ext cx="7770813" cy="1141413"/>
           </a:xfrm>
         </p:spPr>
         <p:txBody>
@@ -9999,14 +9827,14 @@
             </a:pPr>
             <a:r>
               <a:rPr lang="en-US" altLang="en-US" smtClean="0"/>
-              <a:t>Accessing Object Properties in JavaScript</a:t>
+              <a:t>Object constructor</a:t>
             </a:r>
           </a:p>
         </p:txBody>
       </p:sp>
       <p:sp>
         <p:nvSpPr>
-          <p:cNvPr id="22531" name="Rectangle 2"/>
+          <p:cNvPr id="18435" name="Rectangle 2"/>
           <p:cNvSpPr>
             <a:spLocks noGrp="1" noChangeArrowheads="1"/>
           </p:cNvSpPr>
@@ -10024,43 +9852,17 @@
           <a:bodyPr/>
           <a:lstStyle/>
           <a:p>
-            <a:pPr indent="-341313">
-              <a:buFontTx/>
+            <a:pPr>
+              <a:buFont typeface="Times New Roman" panose="02020603050405020304" pitchFamily="18" charset="0"/>
               <a:buNone/>
-              <a:tabLst>
-                <a:tab pos="342900" algn="l"/>
-                <a:tab pos="455613" algn="l"/>
-                <a:tab pos="912813" algn="l"/>
-                <a:tab pos="1370013" algn="l"/>
-                <a:tab pos="1827213" algn="l"/>
-                <a:tab pos="2284413" algn="l"/>
-                <a:tab pos="2741613" algn="l"/>
-                <a:tab pos="3198813" algn="l"/>
-                <a:tab pos="3656013" algn="l"/>
-                <a:tab pos="4113213" algn="l"/>
-                <a:tab pos="4570413" algn="l"/>
-                <a:tab pos="5027613" algn="l"/>
-                <a:tab pos="5484813" algn="l"/>
-                <a:tab pos="5942013" algn="l"/>
-                <a:tab pos="6399213" algn="l"/>
-                <a:tab pos="6856413" algn="l"/>
-                <a:tab pos="7313613" algn="l"/>
-                <a:tab pos="7770813" algn="l"/>
-                <a:tab pos="8228013" algn="l"/>
-                <a:tab pos="8685213" algn="l"/>
-                <a:tab pos="9142413" algn="l"/>
-              </a:tabLst>
             </a:pPr>
-            <a:r>
-              <a:rPr lang="en-US" altLang="en-US" smtClean="0"/>
-              <a:t>We can access Object Properties in JavaScript using either the dot(.) notation or the bracket[] notation</a:t>
-            </a:r>
+            <a:endParaRPr lang="en-US" altLang="en-US" smtClean="0"/>
           </a:p>
         </p:txBody>
       </p:sp>
       <p:pic>
         <p:nvPicPr>
-          <p:cNvPr id="22532" name="Picture 3"/>
+          <p:cNvPr id="18436" name="Picture 3"/>
           <p:cNvPicPr>
             <a:picLocks noChangeAspect="1" noChangeArrowheads="1"/>
           </p:cNvPicPr>
@@ -10081,8 +9883,8 @@
         </p:blipFill>
         <p:spPr bwMode="auto">
           <a:xfrm>
-            <a:off x="1068388" y="3948113"/>
-            <a:ext cx="6521450" cy="2146300"/>
+            <a:off x="1314450" y="2374900"/>
+            <a:ext cx="6365875" cy="3386138"/>
           </a:xfrm>
           <a:prstGeom prst="rect">
             <a:avLst/>
@@ -10167,7 +9969,7 @@
       </p:grpSpPr>
       <p:sp>
         <p:nvSpPr>
-          <p:cNvPr id="23554" name="Rectangle 1"/>
+          <p:cNvPr id="19458" name="Rectangle 1"/>
           <p:cNvSpPr>
             <a:spLocks noGrp="1" noChangeArrowheads="1"/>
           </p:cNvSpPr>
@@ -10177,8 +9979,8 @@
         </p:nvSpPr>
         <p:spPr>
           <a:xfrm>
-            <a:off x="685800" y="609600"/>
-            <a:ext cx="7770813" cy="1141413"/>
+            <a:off x="685800" y="461963"/>
+            <a:ext cx="7770813" cy="1435100"/>
           </a:xfrm>
         </p:spPr>
         <p:txBody>
@@ -10212,14 +10014,14 @@
             </a:pPr>
             <a:r>
               <a:rPr lang="en-US" altLang="en-US" smtClean="0"/>
-              <a:t>Object contain another Object</a:t>
+              <a:t>How to create a New Instance from a Constructor</a:t>
             </a:r>
           </a:p>
         </p:txBody>
       </p:sp>
       <p:sp>
         <p:nvSpPr>
-          <p:cNvPr id="23555" name="Rectangle 2"/>
+          <p:cNvPr id="19459" name="Rectangle 2"/>
           <p:cNvSpPr>
             <a:spLocks noGrp="1" noChangeArrowheads="1"/>
           </p:cNvSpPr>
@@ -10247,7 +10049,7 @@
       </p:sp>
       <p:pic>
         <p:nvPicPr>
-          <p:cNvPr id="23556" name="Picture 3"/>
+          <p:cNvPr id="19460" name="Picture 3"/>
           <p:cNvPicPr>
             <a:picLocks noChangeAspect="1" noChangeArrowheads="1"/>
           </p:cNvPicPr>
@@ -10268,8 +10070,8 @@
         </p:blipFill>
         <p:spPr bwMode="auto">
           <a:xfrm>
-            <a:off x="1006475" y="2103438"/>
-            <a:ext cx="6858000" cy="3948112"/>
+            <a:off x="457200" y="2103438"/>
+            <a:ext cx="8140700" cy="900112"/>
           </a:xfrm>
           <a:prstGeom prst="rect">
             <a:avLst/>
@@ -10354,7 +10156,7 @@
       </p:grpSpPr>
       <p:sp>
         <p:nvSpPr>
-          <p:cNvPr id="24578" name="Rectangle 1"/>
+          <p:cNvPr id="20482" name="Rectangle 1"/>
           <p:cNvSpPr>
             <a:spLocks noGrp="1" noChangeArrowheads="1"/>
           </p:cNvSpPr>
@@ -10399,21 +10201,14 @@
             </a:pPr>
             <a:r>
               <a:rPr lang="en-US" altLang="en-US" smtClean="0"/>
-              <a:t>Forms </a:t>
-            </a:r>
-            <a:br>
-              <a:rPr lang="en-US" altLang="en-US" smtClean="0"/>
-            </a:br>
-            <a:r>
-              <a:rPr lang="en-US" altLang="en-US" smtClean="0"/>
-              <a:t>Trigger/Call Javascript</a:t>
+              <a:t>Literal notation in Javascript Object</a:t>
             </a:r>
           </a:p>
         </p:txBody>
       </p:sp>
       <p:sp>
         <p:nvSpPr>
-          <p:cNvPr id="24579" name="Rectangle 2"/>
+          <p:cNvPr id="20483" name="Rectangle 2"/>
           <p:cNvSpPr>
             <a:spLocks noGrp="1" noChangeArrowheads="1"/>
           </p:cNvSpPr>
@@ -10441,7 +10236,7 @@
       </p:sp>
       <p:pic>
         <p:nvPicPr>
-          <p:cNvPr id="24580" name="Picture 3"/>
+          <p:cNvPr id="20484" name="Picture 3"/>
           <p:cNvPicPr>
             <a:picLocks noChangeAspect="1" noChangeArrowheads="1"/>
           </p:cNvPicPr>
@@ -10462,8 +10257,8 @@
         </p:blipFill>
         <p:spPr bwMode="auto">
           <a:xfrm>
-            <a:off x="1341438" y="1981200"/>
-            <a:ext cx="6340475" cy="4535488"/>
+            <a:off x="1463675" y="2378075"/>
+            <a:ext cx="5732463" cy="2998788"/>
           </a:xfrm>
           <a:prstGeom prst="rect">
             <a:avLst/>
@@ -10548,48 +10343,25 @@
       </p:grpSpPr>
       <p:sp>
         <p:nvSpPr>
-          <p:cNvPr id="25602" name="Text Box 1"/>
-          <p:cNvSpPr txBox="1">
-            <a:spLocks noChangeArrowheads="1"/>
+          <p:cNvPr id="21506" name="Rectangle 1"/>
+          <p:cNvSpPr>
+            <a:spLocks noGrp="1" noChangeArrowheads="1"/>
           </p:cNvSpPr>
-          <p:nvPr/>
+          <p:nvPr>
+            <p:ph type="title"/>
+          </p:nvPr>
         </p:nvSpPr>
-        <p:spPr bwMode="auto">
+        <p:spPr>
           <a:xfrm>
-            <a:off x="685800" y="609600"/>
-            <a:ext cx="7772400" cy="1143000"/>
+            <a:off x="685800" y="461963"/>
+            <a:ext cx="7770813" cy="1435100"/>
           </a:xfrm>
-          <a:prstGeom prst="rect">
-            <a:avLst/>
-          </a:prstGeom>
-          <a:noFill/>
-          <a:ln>
-            <a:noFill/>
-          </a:ln>
-          <a:extLst>
-            <a:ext uri="{909E8E84-426E-40DD-AFC4-6F175D3DCCD1}">
-              <a14:hiddenFill xmlns:a14="http://schemas.microsoft.com/office/drawing/2010/main">
-                <a:solidFill>
-                  <a:srgbClr val="FFFFFF"/>
-                </a:solidFill>
-              </a14:hiddenFill>
-            </a:ext>
-            <a:ext uri="{91240B29-F687-4F45-9708-019B960494DF}">
-              <a14:hiddenLine xmlns:a14="http://schemas.microsoft.com/office/drawing/2010/main" w="9525">
-                <a:solidFill>
-                  <a:srgbClr val="000000"/>
-                </a:solidFill>
-                <a:round/>
-                <a:headEnd/>
-                <a:tailEnd/>
-              </a14:hiddenLine>
-            </a:ext>
-          </a:extLst>
         </p:spPr>
         <p:txBody>
-          <a:bodyPr anchor="ctr"/>
-          <a:lstStyle>
-            <a:lvl1pPr>
+          <a:bodyPr/>
+          <a:lstStyle/>
+          <a:p>
+            <a:pPr>
               <a:tabLst>
                 <a:tab pos="0" algn="l"/>
                 <a:tab pos="457200" algn="l"/>
@@ -10613,312 +10385,67 @@
                 <a:tab pos="8686800" algn="l"/>
                 <a:tab pos="9144000" algn="l"/>
               </a:tabLst>
-              <a:defRPr sz="2400">
-                <a:solidFill>
-                  <a:schemeClr val="tx1"/>
-                </a:solidFill>
-                <a:latin typeface="Times New Roman" panose="02020603050405020304" pitchFamily="18" charset="0"/>
-              </a:defRPr>
-            </a:lvl1pPr>
-            <a:lvl2pPr marL="742950" indent="-285750">
-              <a:tabLst>
-                <a:tab pos="0" algn="l"/>
-                <a:tab pos="457200" algn="l"/>
-                <a:tab pos="914400" algn="l"/>
-                <a:tab pos="1371600" algn="l"/>
-                <a:tab pos="1828800" algn="l"/>
-                <a:tab pos="2286000" algn="l"/>
-                <a:tab pos="2743200" algn="l"/>
-                <a:tab pos="3200400" algn="l"/>
-                <a:tab pos="3657600" algn="l"/>
-                <a:tab pos="4114800" algn="l"/>
-                <a:tab pos="4572000" algn="l"/>
-                <a:tab pos="5029200" algn="l"/>
-                <a:tab pos="5486400" algn="l"/>
-                <a:tab pos="5943600" algn="l"/>
-                <a:tab pos="6400800" algn="l"/>
-                <a:tab pos="6858000" algn="l"/>
-                <a:tab pos="7315200" algn="l"/>
-                <a:tab pos="7772400" algn="l"/>
-                <a:tab pos="8229600" algn="l"/>
-                <a:tab pos="8686800" algn="l"/>
-                <a:tab pos="9144000" algn="l"/>
-              </a:tabLst>
-              <a:defRPr sz="2400">
-                <a:solidFill>
-                  <a:schemeClr val="tx1"/>
-                </a:solidFill>
-                <a:latin typeface="Times New Roman" panose="02020603050405020304" pitchFamily="18" charset="0"/>
-              </a:defRPr>
-            </a:lvl2pPr>
-            <a:lvl3pPr marL="1143000" indent="-228600">
-              <a:tabLst>
-                <a:tab pos="0" algn="l"/>
-                <a:tab pos="457200" algn="l"/>
-                <a:tab pos="914400" algn="l"/>
-                <a:tab pos="1371600" algn="l"/>
-                <a:tab pos="1828800" algn="l"/>
-                <a:tab pos="2286000" algn="l"/>
-                <a:tab pos="2743200" algn="l"/>
-                <a:tab pos="3200400" algn="l"/>
-                <a:tab pos="3657600" algn="l"/>
-                <a:tab pos="4114800" algn="l"/>
-                <a:tab pos="4572000" algn="l"/>
-                <a:tab pos="5029200" algn="l"/>
-                <a:tab pos="5486400" algn="l"/>
-                <a:tab pos="5943600" algn="l"/>
-                <a:tab pos="6400800" algn="l"/>
-                <a:tab pos="6858000" algn="l"/>
-                <a:tab pos="7315200" algn="l"/>
-                <a:tab pos="7772400" algn="l"/>
-                <a:tab pos="8229600" algn="l"/>
-                <a:tab pos="8686800" algn="l"/>
-                <a:tab pos="9144000" algn="l"/>
-              </a:tabLst>
-              <a:defRPr sz="2400">
-                <a:solidFill>
-                  <a:schemeClr val="tx1"/>
-                </a:solidFill>
-                <a:latin typeface="Times New Roman" panose="02020603050405020304" pitchFamily="18" charset="0"/>
-              </a:defRPr>
-            </a:lvl3pPr>
-            <a:lvl4pPr marL="1600200" indent="-228600">
-              <a:tabLst>
-                <a:tab pos="0" algn="l"/>
-                <a:tab pos="457200" algn="l"/>
-                <a:tab pos="914400" algn="l"/>
-                <a:tab pos="1371600" algn="l"/>
-                <a:tab pos="1828800" algn="l"/>
-                <a:tab pos="2286000" algn="l"/>
-                <a:tab pos="2743200" algn="l"/>
-                <a:tab pos="3200400" algn="l"/>
-                <a:tab pos="3657600" algn="l"/>
-                <a:tab pos="4114800" algn="l"/>
-                <a:tab pos="4572000" algn="l"/>
-                <a:tab pos="5029200" algn="l"/>
-                <a:tab pos="5486400" algn="l"/>
-                <a:tab pos="5943600" algn="l"/>
-                <a:tab pos="6400800" algn="l"/>
-                <a:tab pos="6858000" algn="l"/>
-                <a:tab pos="7315200" algn="l"/>
-                <a:tab pos="7772400" algn="l"/>
-                <a:tab pos="8229600" algn="l"/>
-                <a:tab pos="8686800" algn="l"/>
-                <a:tab pos="9144000" algn="l"/>
-              </a:tabLst>
-              <a:defRPr sz="2400">
-                <a:solidFill>
-                  <a:schemeClr val="tx1"/>
-                </a:solidFill>
-                <a:latin typeface="Times New Roman" panose="02020603050405020304" pitchFamily="18" charset="0"/>
-              </a:defRPr>
-            </a:lvl4pPr>
-            <a:lvl5pPr marL="2057400" indent="-228600">
-              <a:tabLst>
-                <a:tab pos="0" algn="l"/>
-                <a:tab pos="457200" algn="l"/>
-                <a:tab pos="914400" algn="l"/>
-                <a:tab pos="1371600" algn="l"/>
-                <a:tab pos="1828800" algn="l"/>
-                <a:tab pos="2286000" algn="l"/>
-                <a:tab pos="2743200" algn="l"/>
-                <a:tab pos="3200400" algn="l"/>
-                <a:tab pos="3657600" algn="l"/>
-                <a:tab pos="4114800" algn="l"/>
-                <a:tab pos="4572000" algn="l"/>
-                <a:tab pos="5029200" algn="l"/>
-                <a:tab pos="5486400" algn="l"/>
-                <a:tab pos="5943600" algn="l"/>
-                <a:tab pos="6400800" algn="l"/>
-                <a:tab pos="6858000" algn="l"/>
-                <a:tab pos="7315200" algn="l"/>
-                <a:tab pos="7772400" algn="l"/>
-                <a:tab pos="8229600" algn="l"/>
-                <a:tab pos="8686800" algn="l"/>
-                <a:tab pos="9144000" algn="l"/>
-              </a:tabLst>
-              <a:defRPr sz="2400">
-                <a:solidFill>
-                  <a:schemeClr val="tx1"/>
-                </a:solidFill>
-                <a:latin typeface="Times New Roman" panose="02020603050405020304" pitchFamily="18" charset="0"/>
-              </a:defRPr>
-            </a:lvl5pPr>
-            <a:lvl6pPr marL="2514600" indent="-228600" eaLnBrk="0" fontAlgn="base" hangingPunct="0">
-              <a:spcBef>
-                <a:spcPct val="0"/>
-              </a:spcBef>
-              <a:spcAft>
-                <a:spcPct val="0"/>
-              </a:spcAft>
-              <a:tabLst>
-                <a:tab pos="0" algn="l"/>
-                <a:tab pos="457200" algn="l"/>
-                <a:tab pos="914400" algn="l"/>
-                <a:tab pos="1371600" algn="l"/>
-                <a:tab pos="1828800" algn="l"/>
-                <a:tab pos="2286000" algn="l"/>
-                <a:tab pos="2743200" algn="l"/>
-                <a:tab pos="3200400" algn="l"/>
-                <a:tab pos="3657600" algn="l"/>
-                <a:tab pos="4114800" algn="l"/>
-                <a:tab pos="4572000" algn="l"/>
-                <a:tab pos="5029200" algn="l"/>
-                <a:tab pos="5486400" algn="l"/>
-                <a:tab pos="5943600" algn="l"/>
-                <a:tab pos="6400800" algn="l"/>
-                <a:tab pos="6858000" algn="l"/>
-                <a:tab pos="7315200" algn="l"/>
-                <a:tab pos="7772400" algn="l"/>
-                <a:tab pos="8229600" algn="l"/>
-                <a:tab pos="8686800" algn="l"/>
-                <a:tab pos="9144000" algn="l"/>
-              </a:tabLst>
-              <a:defRPr sz="2400">
-                <a:solidFill>
-                  <a:schemeClr val="tx1"/>
-                </a:solidFill>
-                <a:latin typeface="Times New Roman" panose="02020603050405020304" pitchFamily="18" charset="0"/>
-              </a:defRPr>
-            </a:lvl6pPr>
-            <a:lvl7pPr marL="2971800" indent="-228600" eaLnBrk="0" fontAlgn="base" hangingPunct="0">
-              <a:spcBef>
-                <a:spcPct val="0"/>
-              </a:spcBef>
-              <a:spcAft>
-                <a:spcPct val="0"/>
-              </a:spcAft>
-              <a:tabLst>
-                <a:tab pos="0" algn="l"/>
-                <a:tab pos="457200" algn="l"/>
-                <a:tab pos="914400" algn="l"/>
-                <a:tab pos="1371600" algn="l"/>
-                <a:tab pos="1828800" algn="l"/>
-                <a:tab pos="2286000" algn="l"/>
-                <a:tab pos="2743200" algn="l"/>
-                <a:tab pos="3200400" algn="l"/>
-                <a:tab pos="3657600" algn="l"/>
-                <a:tab pos="4114800" algn="l"/>
-                <a:tab pos="4572000" algn="l"/>
-                <a:tab pos="5029200" algn="l"/>
-                <a:tab pos="5486400" algn="l"/>
-                <a:tab pos="5943600" algn="l"/>
-                <a:tab pos="6400800" algn="l"/>
-                <a:tab pos="6858000" algn="l"/>
-                <a:tab pos="7315200" algn="l"/>
-                <a:tab pos="7772400" algn="l"/>
-                <a:tab pos="8229600" algn="l"/>
-                <a:tab pos="8686800" algn="l"/>
-                <a:tab pos="9144000" algn="l"/>
-              </a:tabLst>
-              <a:defRPr sz="2400">
-                <a:solidFill>
-                  <a:schemeClr val="tx1"/>
-                </a:solidFill>
-                <a:latin typeface="Times New Roman" panose="02020603050405020304" pitchFamily="18" charset="0"/>
-              </a:defRPr>
-            </a:lvl7pPr>
-            <a:lvl8pPr marL="3429000" indent="-228600" eaLnBrk="0" fontAlgn="base" hangingPunct="0">
-              <a:spcBef>
-                <a:spcPct val="0"/>
-              </a:spcBef>
-              <a:spcAft>
-                <a:spcPct val="0"/>
-              </a:spcAft>
-              <a:tabLst>
-                <a:tab pos="0" algn="l"/>
-                <a:tab pos="457200" algn="l"/>
-                <a:tab pos="914400" algn="l"/>
-                <a:tab pos="1371600" algn="l"/>
-                <a:tab pos="1828800" algn="l"/>
-                <a:tab pos="2286000" algn="l"/>
-                <a:tab pos="2743200" algn="l"/>
-                <a:tab pos="3200400" algn="l"/>
-                <a:tab pos="3657600" algn="l"/>
-                <a:tab pos="4114800" algn="l"/>
-                <a:tab pos="4572000" algn="l"/>
-                <a:tab pos="5029200" algn="l"/>
-                <a:tab pos="5486400" algn="l"/>
-                <a:tab pos="5943600" algn="l"/>
-                <a:tab pos="6400800" algn="l"/>
-                <a:tab pos="6858000" algn="l"/>
-                <a:tab pos="7315200" algn="l"/>
-                <a:tab pos="7772400" algn="l"/>
-                <a:tab pos="8229600" algn="l"/>
-                <a:tab pos="8686800" algn="l"/>
-                <a:tab pos="9144000" algn="l"/>
-              </a:tabLst>
-              <a:defRPr sz="2400">
-                <a:solidFill>
-                  <a:schemeClr val="tx1"/>
-                </a:solidFill>
-                <a:latin typeface="Times New Roman" panose="02020603050405020304" pitchFamily="18" charset="0"/>
-              </a:defRPr>
-            </a:lvl8pPr>
-            <a:lvl9pPr marL="3886200" indent="-228600" eaLnBrk="0" fontAlgn="base" hangingPunct="0">
-              <a:spcBef>
-                <a:spcPct val="0"/>
-              </a:spcBef>
-              <a:spcAft>
-                <a:spcPct val="0"/>
-              </a:spcAft>
-              <a:tabLst>
-                <a:tab pos="0" algn="l"/>
-                <a:tab pos="457200" algn="l"/>
-                <a:tab pos="914400" algn="l"/>
-                <a:tab pos="1371600" algn="l"/>
-                <a:tab pos="1828800" algn="l"/>
-                <a:tab pos="2286000" algn="l"/>
-                <a:tab pos="2743200" algn="l"/>
-                <a:tab pos="3200400" algn="l"/>
-                <a:tab pos="3657600" algn="l"/>
-                <a:tab pos="4114800" algn="l"/>
-                <a:tab pos="4572000" algn="l"/>
-                <a:tab pos="5029200" algn="l"/>
-                <a:tab pos="5486400" algn="l"/>
-                <a:tab pos="5943600" algn="l"/>
-                <a:tab pos="6400800" algn="l"/>
-                <a:tab pos="6858000" algn="l"/>
-                <a:tab pos="7315200" algn="l"/>
-                <a:tab pos="7772400" algn="l"/>
-                <a:tab pos="8229600" algn="l"/>
-                <a:tab pos="8686800" algn="l"/>
-                <a:tab pos="9144000" algn="l"/>
-              </a:tabLst>
-              <a:defRPr sz="2400">
-                <a:solidFill>
-                  <a:schemeClr val="tx1"/>
-                </a:solidFill>
-                <a:latin typeface="Times New Roman" panose="02020603050405020304" pitchFamily="18" charset="0"/>
-              </a:defRPr>
-            </a:lvl9pPr>
-          </a:lstStyle>
-          <a:p>
-            <a:pPr algn="ctr"/>
+            </a:pPr>
             <a:r>
-              <a:rPr lang="en-GB" altLang="en-US" sz="4400">
-                <a:solidFill>
-                  <a:srgbClr val="000000"/>
-                </a:solidFill>
-                <a:latin typeface="Arial" panose="020B0604020202020204" pitchFamily="34" charset="0"/>
-              </a:rPr>
-              <a:t>This Week</a:t>
+              <a:rPr lang="en-US" altLang="en-US" smtClean="0"/>
+              <a:t>Object.create() in Javascript Object</a:t>
             </a:r>
           </a:p>
         </p:txBody>
       </p:sp>
       <p:sp>
         <p:nvSpPr>
-          <p:cNvPr id="25603" name="Text Box 2"/>
-          <p:cNvSpPr txBox="1">
-            <a:spLocks noChangeArrowheads="1"/>
+          <p:cNvPr id="21507" name="Rectangle 2"/>
+          <p:cNvSpPr>
+            <a:spLocks noGrp="1" noChangeArrowheads="1"/>
           </p:cNvSpPr>
+          <p:nvPr>
+            <p:ph idx="1"/>
+          </p:nvPr>
+        </p:nvSpPr>
+        <p:spPr>
+          <a:xfrm>
+            <a:off x="685800" y="1981200"/>
+            <a:ext cx="7770813" cy="4113213"/>
+          </a:xfrm>
+        </p:spPr>
+        <p:txBody>
+          <a:bodyPr/>
+          <a:lstStyle/>
+          <a:p>
+            <a:pPr>
+              <a:buFont typeface="Times New Roman" panose="02020603050405020304" pitchFamily="18" charset="0"/>
+              <a:buNone/>
+            </a:pPr>
+            <a:endParaRPr lang="en-US" altLang="en-US" smtClean="0"/>
+          </a:p>
+        </p:txBody>
+      </p:sp>
+      <p:pic>
+        <p:nvPicPr>
+          <p:cNvPr id="21508" name="Picture 3"/>
+          <p:cNvPicPr>
+            <a:picLocks noChangeAspect="1" noChangeArrowheads="1"/>
+          </p:cNvPicPr>
           <p:nvPr/>
-        </p:nvSpPr>
+        </p:nvPicPr>
+        <p:blipFill>
+          <a:blip r:embed="rId3">
+            <a:extLst>
+              <a:ext uri="{28A0092B-C50C-407E-A947-70E740481C1C}">
+                <a14:useLocalDpi xmlns:a14="http://schemas.microsoft.com/office/drawing/2010/main" val="0"/>
+              </a:ext>
+            </a:extLst>
+          </a:blip>
+          <a:srcRect/>
+          <a:stretch>
+            <a:fillRect/>
+          </a:stretch>
+        </p:blipFill>
         <p:spPr bwMode="auto">
           <a:xfrm>
-            <a:off x="685800" y="1752600"/>
-            <a:ext cx="7772400" cy="4343400"/>
+            <a:off x="1736725" y="2286000"/>
+            <a:ext cx="5475288" cy="3565525"/>
           </a:xfrm>
           <a:prstGeom prst="rect">
             <a:avLst/>
@@ -10947,539 +10474,7 @@
             </a:ext>
           </a:extLst>
         </p:spPr>
-        <p:txBody>
-          <a:bodyPr/>
-          <a:lstStyle>
-            <a:lvl1pPr marL="339725" indent="-339725">
-              <a:tabLst>
-                <a:tab pos="339725" algn="l"/>
-                <a:tab pos="796925" algn="l"/>
-                <a:tab pos="1254125" algn="l"/>
-                <a:tab pos="1711325" algn="l"/>
-                <a:tab pos="2168525" algn="l"/>
-                <a:tab pos="2625725" algn="l"/>
-                <a:tab pos="3082925" algn="l"/>
-                <a:tab pos="3540125" algn="l"/>
-                <a:tab pos="3997325" algn="l"/>
-                <a:tab pos="4454525" algn="l"/>
-                <a:tab pos="4911725" algn="l"/>
-                <a:tab pos="5368925" algn="l"/>
-                <a:tab pos="5826125" algn="l"/>
-                <a:tab pos="6283325" algn="l"/>
-                <a:tab pos="6740525" algn="l"/>
-                <a:tab pos="7197725" algn="l"/>
-                <a:tab pos="7654925" algn="l"/>
-                <a:tab pos="8112125" algn="l"/>
-                <a:tab pos="8569325" algn="l"/>
-                <a:tab pos="9026525" algn="l"/>
-                <a:tab pos="9483725" algn="l"/>
-              </a:tabLst>
-              <a:defRPr sz="2400">
-                <a:solidFill>
-                  <a:schemeClr val="tx1"/>
-                </a:solidFill>
-                <a:latin typeface="Times New Roman" panose="02020603050405020304" pitchFamily="18" charset="0"/>
-              </a:defRPr>
-            </a:lvl1pPr>
-            <a:lvl2pPr marL="739775" indent="-282575">
-              <a:tabLst>
-                <a:tab pos="339725" algn="l"/>
-                <a:tab pos="796925" algn="l"/>
-                <a:tab pos="1254125" algn="l"/>
-                <a:tab pos="1711325" algn="l"/>
-                <a:tab pos="2168525" algn="l"/>
-                <a:tab pos="2625725" algn="l"/>
-                <a:tab pos="3082925" algn="l"/>
-                <a:tab pos="3540125" algn="l"/>
-                <a:tab pos="3997325" algn="l"/>
-                <a:tab pos="4454525" algn="l"/>
-                <a:tab pos="4911725" algn="l"/>
-                <a:tab pos="5368925" algn="l"/>
-                <a:tab pos="5826125" algn="l"/>
-                <a:tab pos="6283325" algn="l"/>
-                <a:tab pos="6740525" algn="l"/>
-                <a:tab pos="7197725" algn="l"/>
-                <a:tab pos="7654925" algn="l"/>
-                <a:tab pos="8112125" algn="l"/>
-                <a:tab pos="8569325" algn="l"/>
-                <a:tab pos="9026525" algn="l"/>
-                <a:tab pos="9483725" algn="l"/>
-              </a:tabLst>
-              <a:defRPr sz="2400">
-                <a:solidFill>
-                  <a:schemeClr val="tx1"/>
-                </a:solidFill>
-                <a:latin typeface="Times New Roman" panose="02020603050405020304" pitchFamily="18" charset="0"/>
-              </a:defRPr>
-            </a:lvl2pPr>
-            <a:lvl3pPr marL="1143000" indent="-228600">
-              <a:tabLst>
-                <a:tab pos="339725" algn="l"/>
-                <a:tab pos="796925" algn="l"/>
-                <a:tab pos="1254125" algn="l"/>
-                <a:tab pos="1711325" algn="l"/>
-                <a:tab pos="2168525" algn="l"/>
-                <a:tab pos="2625725" algn="l"/>
-                <a:tab pos="3082925" algn="l"/>
-                <a:tab pos="3540125" algn="l"/>
-                <a:tab pos="3997325" algn="l"/>
-                <a:tab pos="4454525" algn="l"/>
-                <a:tab pos="4911725" algn="l"/>
-                <a:tab pos="5368925" algn="l"/>
-                <a:tab pos="5826125" algn="l"/>
-                <a:tab pos="6283325" algn="l"/>
-                <a:tab pos="6740525" algn="l"/>
-                <a:tab pos="7197725" algn="l"/>
-                <a:tab pos="7654925" algn="l"/>
-                <a:tab pos="8112125" algn="l"/>
-                <a:tab pos="8569325" algn="l"/>
-                <a:tab pos="9026525" algn="l"/>
-                <a:tab pos="9483725" algn="l"/>
-              </a:tabLst>
-              <a:defRPr sz="2400">
-                <a:solidFill>
-                  <a:schemeClr val="tx1"/>
-                </a:solidFill>
-                <a:latin typeface="Times New Roman" panose="02020603050405020304" pitchFamily="18" charset="0"/>
-              </a:defRPr>
-            </a:lvl3pPr>
-            <a:lvl4pPr marL="1600200" indent="-228600">
-              <a:tabLst>
-                <a:tab pos="339725" algn="l"/>
-                <a:tab pos="796925" algn="l"/>
-                <a:tab pos="1254125" algn="l"/>
-                <a:tab pos="1711325" algn="l"/>
-                <a:tab pos="2168525" algn="l"/>
-                <a:tab pos="2625725" algn="l"/>
-                <a:tab pos="3082925" algn="l"/>
-                <a:tab pos="3540125" algn="l"/>
-                <a:tab pos="3997325" algn="l"/>
-                <a:tab pos="4454525" algn="l"/>
-                <a:tab pos="4911725" algn="l"/>
-                <a:tab pos="5368925" algn="l"/>
-                <a:tab pos="5826125" algn="l"/>
-                <a:tab pos="6283325" algn="l"/>
-                <a:tab pos="6740525" algn="l"/>
-                <a:tab pos="7197725" algn="l"/>
-                <a:tab pos="7654925" algn="l"/>
-                <a:tab pos="8112125" algn="l"/>
-                <a:tab pos="8569325" algn="l"/>
-                <a:tab pos="9026525" algn="l"/>
-                <a:tab pos="9483725" algn="l"/>
-              </a:tabLst>
-              <a:defRPr sz="2400">
-                <a:solidFill>
-                  <a:schemeClr val="tx1"/>
-                </a:solidFill>
-                <a:latin typeface="Times New Roman" panose="02020603050405020304" pitchFamily="18" charset="0"/>
-              </a:defRPr>
-            </a:lvl4pPr>
-            <a:lvl5pPr marL="2057400" indent="-228600">
-              <a:tabLst>
-                <a:tab pos="339725" algn="l"/>
-                <a:tab pos="796925" algn="l"/>
-                <a:tab pos="1254125" algn="l"/>
-                <a:tab pos="1711325" algn="l"/>
-                <a:tab pos="2168525" algn="l"/>
-                <a:tab pos="2625725" algn="l"/>
-                <a:tab pos="3082925" algn="l"/>
-                <a:tab pos="3540125" algn="l"/>
-                <a:tab pos="3997325" algn="l"/>
-                <a:tab pos="4454525" algn="l"/>
-                <a:tab pos="4911725" algn="l"/>
-                <a:tab pos="5368925" algn="l"/>
-                <a:tab pos="5826125" algn="l"/>
-                <a:tab pos="6283325" algn="l"/>
-                <a:tab pos="6740525" algn="l"/>
-                <a:tab pos="7197725" algn="l"/>
-                <a:tab pos="7654925" algn="l"/>
-                <a:tab pos="8112125" algn="l"/>
-                <a:tab pos="8569325" algn="l"/>
-                <a:tab pos="9026525" algn="l"/>
-                <a:tab pos="9483725" algn="l"/>
-              </a:tabLst>
-              <a:defRPr sz="2400">
-                <a:solidFill>
-                  <a:schemeClr val="tx1"/>
-                </a:solidFill>
-                <a:latin typeface="Times New Roman" panose="02020603050405020304" pitchFamily="18" charset="0"/>
-              </a:defRPr>
-            </a:lvl5pPr>
-            <a:lvl6pPr marL="2514600" indent="-228600" eaLnBrk="0" fontAlgn="base" hangingPunct="0">
-              <a:spcBef>
-                <a:spcPct val="0"/>
-              </a:spcBef>
-              <a:spcAft>
-                <a:spcPct val="0"/>
-              </a:spcAft>
-              <a:tabLst>
-                <a:tab pos="339725" algn="l"/>
-                <a:tab pos="796925" algn="l"/>
-                <a:tab pos="1254125" algn="l"/>
-                <a:tab pos="1711325" algn="l"/>
-                <a:tab pos="2168525" algn="l"/>
-                <a:tab pos="2625725" algn="l"/>
-                <a:tab pos="3082925" algn="l"/>
-                <a:tab pos="3540125" algn="l"/>
-                <a:tab pos="3997325" algn="l"/>
-                <a:tab pos="4454525" algn="l"/>
-                <a:tab pos="4911725" algn="l"/>
-                <a:tab pos="5368925" algn="l"/>
-                <a:tab pos="5826125" algn="l"/>
-                <a:tab pos="6283325" algn="l"/>
-                <a:tab pos="6740525" algn="l"/>
-                <a:tab pos="7197725" algn="l"/>
-                <a:tab pos="7654925" algn="l"/>
-                <a:tab pos="8112125" algn="l"/>
-                <a:tab pos="8569325" algn="l"/>
-                <a:tab pos="9026525" algn="l"/>
-                <a:tab pos="9483725" algn="l"/>
-              </a:tabLst>
-              <a:defRPr sz="2400">
-                <a:solidFill>
-                  <a:schemeClr val="tx1"/>
-                </a:solidFill>
-                <a:latin typeface="Times New Roman" panose="02020603050405020304" pitchFamily="18" charset="0"/>
-              </a:defRPr>
-            </a:lvl6pPr>
-            <a:lvl7pPr marL="2971800" indent="-228600" eaLnBrk="0" fontAlgn="base" hangingPunct="0">
-              <a:spcBef>
-                <a:spcPct val="0"/>
-              </a:spcBef>
-              <a:spcAft>
-                <a:spcPct val="0"/>
-              </a:spcAft>
-              <a:tabLst>
-                <a:tab pos="339725" algn="l"/>
-                <a:tab pos="796925" algn="l"/>
-                <a:tab pos="1254125" algn="l"/>
-                <a:tab pos="1711325" algn="l"/>
-                <a:tab pos="2168525" algn="l"/>
-                <a:tab pos="2625725" algn="l"/>
-                <a:tab pos="3082925" algn="l"/>
-                <a:tab pos="3540125" algn="l"/>
-                <a:tab pos="3997325" algn="l"/>
-                <a:tab pos="4454525" algn="l"/>
-                <a:tab pos="4911725" algn="l"/>
-                <a:tab pos="5368925" algn="l"/>
-                <a:tab pos="5826125" algn="l"/>
-                <a:tab pos="6283325" algn="l"/>
-                <a:tab pos="6740525" algn="l"/>
-                <a:tab pos="7197725" algn="l"/>
-                <a:tab pos="7654925" algn="l"/>
-                <a:tab pos="8112125" algn="l"/>
-                <a:tab pos="8569325" algn="l"/>
-                <a:tab pos="9026525" algn="l"/>
-                <a:tab pos="9483725" algn="l"/>
-              </a:tabLst>
-              <a:defRPr sz="2400">
-                <a:solidFill>
-                  <a:schemeClr val="tx1"/>
-                </a:solidFill>
-                <a:latin typeface="Times New Roman" panose="02020603050405020304" pitchFamily="18" charset="0"/>
-              </a:defRPr>
-            </a:lvl7pPr>
-            <a:lvl8pPr marL="3429000" indent="-228600" eaLnBrk="0" fontAlgn="base" hangingPunct="0">
-              <a:spcBef>
-                <a:spcPct val="0"/>
-              </a:spcBef>
-              <a:spcAft>
-                <a:spcPct val="0"/>
-              </a:spcAft>
-              <a:tabLst>
-                <a:tab pos="339725" algn="l"/>
-                <a:tab pos="796925" algn="l"/>
-                <a:tab pos="1254125" algn="l"/>
-                <a:tab pos="1711325" algn="l"/>
-                <a:tab pos="2168525" algn="l"/>
-                <a:tab pos="2625725" algn="l"/>
-                <a:tab pos="3082925" algn="l"/>
-                <a:tab pos="3540125" algn="l"/>
-                <a:tab pos="3997325" algn="l"/>
-                <a:tab pos="4454525" algn="l"/>
-                <a:tab pos="4911725" algn="l"/>
-                <a:tab pos="5368925" algn="l"/>
-                <a:tab pos="5826125" algn="l"/>
-                <a:tab pos="6283325" algn="l"/>
-                <a:tab pos="6740525" algn="l"/>
-                <a:tab pos="7197725" algn="l"/>
-                <a:tab pos="7654925" algn="l"/>
-                <a:tab pos="8112125" algn="l"/>
-                <a:tab pos="8569325" algn="l"/>
-                <a:tab pos="9026525" algn="l"/>
-                <a:tab pos="9483725" algn="l"/>
-              </a:tabLst>
-              <a:defRPr sz="2400">
-                <a:solidFill>
-                  <a:schemeClr val="tx1"/>
-                </a:solidFill>
-                <a:latin typeface="Times New Roman" panose="02020603050405020304" pitchFamily="18" charset="0"/>
-              </a:defRPr>
-            </a:lvl8pPr>
-            <a:lvl9pPr marL="3886200" indent="-228600" eaLnBrk="0" fontAlgn="base" hangingPunct="0">
-              <a:spcBef>
-                <a:spcPct val="0"/>
-              </a:spcBef>
-              <a:spcAft>
-                <a:spcPct val="0"/>
-              </a:spcAft>
-              <a:tabLst>
-                <a:tab pos="339725" algn="l"/>
-                <a:tab pos="796925" algn="l"/>
-                <a:tab pos="1254125" algn="l"/>
-                <a:tab pos="1711325" algn="l"/>
-                <a:tab pos="2168525" algn="l"/>
-                <a:tab pos="2625725" algn="l"/>
-                <a:tab pos="3082925" algn="l"/>
-                <a:tab pos="3540125" algn="l"/>
-                <a:tab pos="3997325" algn="l"/>
-                <a:tab pos="4454525" algn="l"/>
-                <a:tab pos="4911725" algn="l"/>
-                <a:tab pos="5368925" algn="l"/>
-                <a:tab pos="5826125" algn="l"/>
-                <a:tab pos="6283325" algn="l"/>
-                <a:tab pos="6740525" algn="l"/>
-                <a:tab pos="7197725" algn="l"/>
-                <a:tab pos="7654925" algn="l"/>
-                <a:tab pos="8112125" algn="l"/>
-                <a:tab pos="8569325" algn="l"/>
-                <a:tab pos="9026525" algn="l"/>
-                <a:tab pos="9483725" algn="l"/>
-              </a:tabLst>
-              <a:defRPr sz="2400">
-                <a:solidFill>
-                  <a:schemeClr val="tx1"/>
-                </a:solidFill>
-                <a:latin typeface="Times New Roman" panose="02020603050405020304" pitchFamily="18" charset="0"/>
-              </a:defRPr>
-            </a:lvl9pPr>
-          </a:lstStyle>
-          <a:p>
-            <a:pPr>
-              <a:lnSpc>
-                <a:spcPct val="80000"/>
-              </a:lnSpc>
-              <a:spcBef>
-                <a:spcPts val="750"/>
-              </a:spcBef>
-              <a:buSzPct val="107000"/>
-              <a:buFont typeface="Times New Roman" panose="02020603050405020304" pitchFamily="18" charset="0"/>
-              <a:buBlip>
-                <a:blip r:embed="rId3"/>
-              </a:buBlip>
-            </a:pPr>
-            <a:r>
-              <a:rPr lang="en-GB" altLang="en-US" sz="3000" dirty="0">
-                <a:solidFill>
-                  <a:srgbClr val="000000"/>
-                </a:solidFill>
-                <a:latin typeface="Arial" panose="020B0604020202020204" pitchFamily="34" charset="0"/>
-              </a:rPr>
-              <a:t>Review Slides</a:t>
-            </a:r>
-          </a:p>
-          <a:p>
-            <a:pPr>
-              <a:lnSpc>
-                <a:spcPct val="80000"/>
-              </a:lnSpc>
-              <a:spcBef>
-                <a:spcPts val="750"/>
-              </a:spcBef>
-              <a:buSzPct val="107000"/>
-              <a:buFont typeface="Times New Roman" panose="02020603050405020304" pitchFamily="18" charset="0"/>
-              <a:buBlip>
-                <a:blip r:embed="rId3"/>
-              </a:buBlip>
-            </a:pPr>
-            <a:r>
-              <a:rPr lang="en-GB" altLang="en-US" sz="3000" dirty="0">
-                <a:solidFill>
-                  <a:srgbClr val="000000"/>
-                </a:solidFill>
-                <a:latin typeface="Arial" panose="020B0604020202020204" pitchFamily="34" charset="0"/>
-              </a:rPr>
-              <a:t>Read Associated Chapters</a:t>
-            </a:r>
-          </a:p>
-          <a:p>
-            <a:pPr>
-              <a:lnSpc>
-                <a:spcPct val="80000"/>
-              </a:lnSpc>
-              <a:spcBef>
-                <a:spcPts val="750"/>
-              </a:spcBef>
-              <a:buSzPct val="107000"/>
-              <a:buFont typeface="Times New Roman" panose="02020603050405020304" pitchFamily="18" charset="0"/>
-              <a:buBlip>
-                <a:blip r:embed="rId3"/>
-              </a:buBlip>
-            </a:pPr>
-            <a:r>
-              <a:rPr lang="en-GB" altLang="en-US" sz="3000" dirty="0">
-                <a:solidFill>
-                  <a:srgbClr val="000000"/>
-                </a:solidFill>
-                <a:latin typeface="Arial" panose="020B0604020202020204" pitchFamily="34" charset="0"/>
-              </a:rPr>
-              <a:t>Work through </a:t>
-            </a:r>
-            <a:r>
-              <a:rPr lang="en-GB" altLang="en-US" sz="3000" dirty="0" err="1">
-                <a:solidFill>
-                  <a:srgbClr val="000000"/>
-                </a:solidFill>
-                <a:latin typeface="Arial" panose="020B0604020202020204" pitchFamily="34" charset="0"/>
-              </a:rPr>
-              <a:t>Javascript</a:t>
-            </a:r>
-            <a:r>
-              <a:rPr lang="en-GB" altLang="en-US" sz="3000" dirty="0">
-                <a:solidFill>
-                  <a:srgbClr val="000000"/>
-                </a:solidFill>
-                <a:latin typeface="Arial" panose="020B0604020202020204" pitchFamily="34" charset="0"/>
-              </a:rPr>
-              <a:t> Examples</a:t>
-            </a:r>
-          </a:p>
-          <a:p>
-            <a:pPr lvl="1">
-              <a:lnSpc>
-                <a:spcPct val="80000"/>
-              </a:lnSpc>
-              <a:spcBef>
-                <a:spcPts val="650"/>
-              </a:spcBef>
-              <a:buFont typeface="Wingdings 3" panose="05040102010807070707" pitchFamily="18" charset="2"/>
-              <a:buChar char=""/>
-            </a:pPr>
-            <a:r>
-              <a:rPr lang="en-GB" altLang="en-US" sz="2600" dirty="0">
-                <a:solidFill>
-                  <a:srgbClr val="000000"/>
-                </a:solidFill>
-                <a:latin typeface="Arial" panose="020B0604020202020204" pitchFamily="34" charset="0"/>
-              </a:rPr>
-              <a:t>Update GitHub Account/Webpage</a:t>
-            </a:r>
-          </a:p>
-          <a:p>
-            <a:pPr>
-              <a:lnSpc>
-                <a:spcPct val="80000"/>
-              </a:lnSpc>
-              <a:spcBef>
-                <a:spcPts val="750"/>
-              </a:spcBef>
-              <a:buSzPct val="107000"/>
-              <a:buFont typeface="Arial" panose="020B0604020202020204" pitchFamily="34" charset="0"/>
-              <a:buBlip>
-                <a:blip r:embed="rId3"/>
-              </a:buBlip>
-            </a:pPr>
-            <a:r>
-              <a:rPr lang="en-GB" altLang="en-US" sz="3000" b="1" u="sng" dirty="0" smtClean="0">
-                <a:solidFill>
-                  <a:srgbClr val="000000"/>
-                </a:solidFill>
-                <a:latin typeface="Arial" panose="020B0604020202020204" pitchFamily="34" charset="0"/>
-              </a:rPr>
-              <a:t>Group Project (Christmas Theme)</a:t>
-            </a:r>
-          </a:p>
-          <a:p>
-            <a:pPr lvl="1">
-              <a:lnSpc>
-                <a:spcPct val="80000"/>
-              </a:lnSpc>
-              <a:spcBef>
-                <a:spcPts val="750"/>
-              </a:spcBef>
-              <a:buSzPct val="107000"/>
-              <a:buFont typeface="Arial" panose="020B0604020202020204" pitchFamily="34" charset="0"/>
-              <a:buBlip>
-                <a:blip r:embed="rId3"/>
-              </a:buBlip>
-            </a:pPr>
-            <a:r>
-              <a:rPr lang="en-GB" altLang="en-US" sz="3000" b="1" u="sng" dirty="0" smtClean="0">
-                <a:solidFill>
-                  <a:srgbClr val="000000"/>
-                </a:solidFill>
-                <a:latin typeface="Arial" panose="020B0604020202020204" pitchFamily="34" charset="0"/>
-              </a:rPr>
-              <a:t>Website &amp; </a:t>
-            </a:r>
-            <a:r>
-              <a:rPr lang="en-GB" altLang="en-US" sz="3000" b="1" u="sng" dirty="0" err="1" smtClean="0">
-                <a:solidFill>
-                  <a:srgbClr val="000000"/>
-                </a:solidFill>
-                <a:latin typeface="Arial" panose="020B0604020202020204" pitchFamily="34" charset="0"/>
-              </a:rPr>
-              <a:t>Javascript</a:t>
-            </a:r>
-            <a:r>
-              <a:rPr lang="en-GB" altLang="en-US" sz="3000" b="1" u="sng" dirty="0" smtClean="0">
-                <a:solidFill>
-                  <a:srgbClr val="000000"/>
-                </a:solidFill>
-                <a:latin typeface="Arial" panose="020B0604020202020204" pitchFamily="34" charset="0"/>
-              </a:rPr>
-              <a:t> Game</a:t>
-            </a:r>
-          </a:p>
-          <a:p>
-            <a:pPr marL="457200" lvl="1" indent="0">
-              <a:lnSpc>
-                <a:spcPct val="80000"/>
-              </a:lnSpc>
-              <a:spcBef>
-                <a:spcPts val="750"/>
-              </a:spcBef>
-              <a:buSzPct val="107000"/>
-            </a:pPr>
-            <a:endParaRPr lang="en-GB" altLang="en-US" sz="3000" b="1" u="sng" dirty="0" smtClean="0">
-              <a:solidFill>
-                <a:srgbClr val="000000"/>
-              </a:solidFill>
-              <a:latin typeface="Arial" panose="020B0604020202020204" pitchFamily="34" charset="0"/>
-            </a:endParaRPr>
-          </a:p>
-          <a:p>
-            <a:pPr>
-              <a:lnSpc>
-                <a:spcPct val="80000"/>
-              </a:lnSpc>
-              <a:spcBef>
-                <a:spcPts val="750"/>
-              </a:spcBef>
-              <a:buSzPct val="107000"/>
-              <a:buFont typeface="Arial" panose="020B0604020202020204" pitchFamily="34" charset="0"/>
-              <a:buBlip>
-                <a:blip r:embed="rId3"/>
-              </a:buBlip>
-            </a:pPr>
-            <a:r>
-              <a:rPr lang="en-GB" altLang="en-US" sz="3000" b="1" u="sng" dirty="0" smtClean="0">
-                <a:solidFill>
-                  <a:srgbClr val="000000"/>
-                </a:solidFill>
-                <a:latin typeface="Arial" panose="020B0604020202020204" pitchFamily="34" charset="0"/>
-              </a:rPr>
-              <a:t>Demonstrate Individual Projects</a:t>
-            </a:r>
-            <a:endParaRPr lang="en-GB" altLang="en-US" sz="3000" b="1" u="sng" dirty="0">
-              <a:solidFill>
-                <a:srgbClr val="000000"/>
-              </a:solidFill>
-              <a:latin typeface="Arial" panose="020B0604020202020204" pitchFamily="34" charset="0"/>
-            </a:endParaRPr>
-          </a:p>
-        </p:txBody>
-      </p:sp>
+      </p:pic>
     </p:spTree>
   </p:cSld>
   <p:clrMapOvr>
@@ -11492,7 +10487,7 @@
         <p:cTn id="1" dur="indefinite" restart="never" nodeType="tmRoot">
           <p:childTnLst>
             <p:seq concurrent="1" nextAc="seek">
-              <p:cTn id="2" dur="indefinite" nodeType="mainSeq"/>
+              <p:cTn id="2" dur="0" nodeType="mainSeq"/>
               <p:prevCondLst>
                 <p:cond evt="onPrev" delay="0">
                   <p:tgtEl>
@@ -11535,48 +10530,25 @@
       </p:grpSpPr>
       <p:sp>
         <p:nvSpPr>
-          <p:cNvPr id="26626" name="Text Box 1"/>
-          <p:cNvSpPr txBox="1">
-            <a:spLocks noChangeArrowheads="1"/>
+          <p:cNvPr id="22530" name="Rectangle 1"/>
+          <p:cNvSpPr>
+            <a:spLocks noGrp="1" noChangeArrowheads="1"/>
           </p:cNvSpPr>
-          <p:nvPr/>
+          <p:nvPr>
+            <p:ph type="title"/>
+          </p:nvPr>
         </p:nvSpPr>
-        <p:spPr bwMode="auto">
+        <p:spPr>
           <a:xfrm>
-            <a:off x="685800" y="609600"/>
-            <a:ext cx="7772400" cy="1143000"/>
+            <a:off x="685800" y="461963"/>
+            <a:ext cx="7770813" cy="1435100"/>
           </a:xfrm>
-          <a:prstGeom prst="rect">
-            <a:avLst/>
-          </a:prstGeom>
-          <a:noFill/>
-          <a:ln>
-            <a:noFill/>
-          </a:ln>
-          <a:extLst>
-            <a:ext uri="{909E8E84-426E-40DD-AFC4-6F175D3DCCD1}">
-              <a14:hiddenFill xmlns:a14="http://schemas.microsoft.com/office/drawing/2010/main">
-                <a:solidFill>
-                  <a:srgbClr val="FFFFFF"/>
-                </a:solidFill>
-              </a14:hiddenFill>
-            </a:ext>
-            <a:ext uri="{91240B29-F687-4F45-9708-019B960494DF}">
-              <a14:hiddenLine xmlns:a14="http://schemas.microsoft.com/office/drawing/2010/main" w="9525">
-                <a:solidFill>
-                  <a:srgbClr val="000000"/>
-                </a:solidFill>
-                <a:round/>
-                <a:headEnd/>
-                <a:tailEnd/>
-              </a14:hiddenLine>
-            </a:ext>
-          </a:extLst>
         </p:spPr>
         <p:txBody>
-          <a:bodyPr anchor="ctr"/>
-          <a:lstStyle>
-            <a:lvl1pPr>
+          <a:bodyPr/>
+          <a:lstStyle/>
+          <a:p>
+            <a:pPr>
               <a:tabLst>
                 <a:tab pos="0" algn="l"/>
                 <a:tab pos="457200" algn="l"/>
@@ -11600,312 +10572,93 @@
                 <a:tab pos="8686800" algn="l"/>
                 <a:tab pos="9144000" algn="l"/>
               </a:tabLst>
-              <a:defRPr sz="2400">
-                <a:solidFill>
-                  <a:schemeClr val="tx1"/>
-                </a:solidFill>
-                <a:latin typeface="Times New Roman" panose="02020603050405020304" pitchFamily="18" charset="0"/>
-              </a:defRPr>
-            </a:lvl1pPr>
-            <a:lvl2pPr marL="742950" indent="-285750">
-              <a:tabLst>
-                <a:tab pos="0" algn="l"/>
-                <a:tab pos="457200" algn="l"/>
-                <a:tab pos="914400" algn="l"/>
-                <a:tab pos="1371600" algn="l"/>
-                <a:tab pos="1828800" algn="l"/>
-                <a:tab pos="2286000" algn="l"/>
-                <a:tab pos="2743200" algn="l"/>
-                <a:tab pos="3200400" algn="l"/>
-                <a:tab pos="3657600" algn="l"/>
-                <a:tab pos="4114800" algn="l"/>
-                <a:tab pos="4572000" algn="l"/>
-                <a:tab pos="5029200" algn="l"/>
-                <a:tab pos="5486400" algn="l"/>
-                <a:tab pos="5943600" algn="l"/>
-                <a:tab pos="6400800" algn="l"/>
-                <a:tab pos="6858000" algn="l"/>
-                <a:tab pos="7315200" algn="l"/>
-                <a:tab pos="7772400" algn="l"/>
-                <a:tab pos="8229600" algn="l"/>
-                <a:tab pos="8686800" algn="l"/>
-                <a:tab pos="9144000" algn="l"/>
-              </a:tabLst>
-              <a:defRPr sz="2400">
-                <a:solidFill>
-                  <a:schemeClr val="tx1"/>
-                </a:solidFill>
-                <a:latin typeface="Times New Roman" panose="02020603050405020304" pitchFamily="18" charset="0"/>
-              </a:defRPr>
-            </a:lvl2pPr>
-            <a:lvl3pPr marL="1143000" indent="-228600">
-              <a:tabLst>
-                <a:tab pos="0" algn="l"/>
-                <a:tab pos="457200" algn="l"/>
-                <a:tab pos="914400" algn="l"/>
-                <a:tab pos="1371600" algn="l"/>
-                <a:tab pos="1828800" algn="l"/>
-                <a:tab pos="2286000" algn="l"/>
-                <a:tab pos="2743200" algn="l"/>
-                <a:tab pos="3200400" algn="l"/>
-                <a:tab pos="3657600" algn="l"/>
-                <a:tab pos="4114800" algn="l"/>
-                <a:tab pos="4572000" algn="l"/>
-                <a:tab pos="5029200" algn="l"/>
-                <a:tab pos="5486400" algn="l"/>
-                <a:tab pos="5943600" algn="l"/>
-                <a:tab pos="6400800" algn="l"/>
-                <a:tab pos="6858000" algn="l"/>
-                <a:tab pos="7315200" algn="l"/>
-                <a:tab pos="7772400" algn="l"/>
-                <a:tab pos="8229600" algn="l"/>
-                <a:tab pos="8686800" algn="l"/>
-                <a:tab pos="9144000" algn="l"/>
-              </a:tabLst>
-              <a:defRPr sz="2400">
-                <a:solidFill>
-                  <a:schemeClr val="tx1"/>
-                </a:solidFill>
-                <a:latin typeface="Times New Roman" panose="02020603050405020304" pitchFamily="18" charset="0"/>
-              </a:defRPr>
-            </a:lvl3pPr>
-            <a:lvl4pPr marL="1600200" indent="-228600">
-              <a:tabLst>
-                <a:tab pos="0" algn="l"/>
-                <a:tab pos="457200" algn="l"/>
-                <a:tab pos="914400" algn="l"/>
-                <a:tab pos="1371600" algn="l"/>
-                <a:tab pos="1828800" algn="l"/>
-                <a:tab pos="2286000" algn="l"/>
-                <a:tab pos="2743200" algn="l"/>
-                <a:tab pos="3200400" algn="l"/>
-                <a:tab pos="3657600" algn="l"/>
-                <a:tab pos="4114800" algn="l"/>
-                <a:tab pos="4572000" algn="l"/>
-                <a:tab pos="5029200" algn="l"/>
-                <a:tab pos="5486400" algn="l"/>
-                <a:tab pos="5943600" algn="l"/>
-                <a:tab pos="6400800" algn="l"/>
-                <a:tab pos="6858000" algn="l"/>
-                <a:tab pos="7315200" algn="l"/>
-                <a:tab pos="7772400" algn="l"/>
-                <a:tab pos="8229600" algn="l"/>
-                <a:tab pos="8686800" algn="l"/>
-                <a:tab pos="9144000" algn="l"/>
-              </a:tabLst>
-              <a:defRPr sz="2400">
-                <a:solidFill>
-                  <a:schemeClr val="tx1"/>
-                </a:solidFill>
-                <a:latin typeface="Times New Roman" panose="02020603050405020304" pitchFamily="18" charset="0"/>
-              </a:defRPr>
-            </a:lvl4pPr>
-            <a:lvl5pPr marL="2057400" indent="-228600">
-              <a:tabLst>
-                <a:tab pos="0" algn="l"/>
-                <a:tab pos="457200" algn="l"/>
-                <a:tab pos="914400" algn="l"/>
-                <a:tab pos="1371600" algn="l"/>
-                <a:tab pos="1828800" algn="l"/>
-                <a:tab pos="2286000" algn="l"/>
-                <a:tab pos="2743200" algn="l"/>
-                <a:tab pos="3200400" algn="l"/>
-                <a:tab pos="3657600" algn="l"/>
-                <a:tab pos="4114800" algn="l"/>
-                <a:tab pos="4572000" algn="l"/>
-                <a:tab pos="5029200" algn="l"/>
-                <a:tab pos="5486400" algn="l"/>
-                <a:tab pos="5943600" algn="l"/>
-                <a:tab pos="6400800" algn="l"/>
-                <a:tab pos="6858000" algn="l"/>
-                <a:tab pos="7315200" algn="l"/>
-                <a:tab pos="7772400" algn="l"/>
-                <a:tab pos="8229600" algn="l"/>
-                <a:tab pos="8686800" algn="l"/>
-                <a:tab pos="9144000" algn="l"/>
-              </a:tabLst>
-              <a:defRPr sz="2400">
-                <a:solidFill>
-                  <a:schemeClr val="tx1"/>
-                </a:solidFill>
-                <a:latin typeface="Times New Roman" panose="02020603050405020304" pitchFamily="18" charset="0"/>
-              </a:defRPr>
-            </a:lvl5pPr>
-            <a:lvl6pPr marL="2514600" indent="-228600" eaLnBrk="0" fontAlgn="base" hangingPunct="0">
-              <a:spcBef>
-                <a:spcPct val="0"/>
-              </a:spcBef>
-              <a:spcAft>
-                <a:spcPct val="0"/>
-              </a:spcAft>
-              <a:tabLst>
-                <a:tab pos="0" algn="l"/>
-                <a:tab pos="457200" algn="l"/>
-                <a:tab pos="914400" algn="l"/>
-                <a:tab pos="1371600" algn="l"/>
-                <a:tab pos="1828800" algn="l"/>
-                <a:tab pos="2286000" algn="l"/>
-                <a:tab pos="2743200" algn="l"/>
-                <a:tab pos="3200400" algn="l"/>
-                <a:tab pos="3657600" algn="l"/>
-                <a:tab pos="4114800" algn="l"/>
-                <a:tab pos="4572000" algn="l"/>
-                <a:tab pos="5029200" algn="l"/>
-                <a:tab pos="5486400" algn="l"/>
-                <a:tab pos="5943600" algn="l"/>
-                <a:tab pos="6400800" algn="l"/>
-                <a:tab pos="6858000" algn="l"/>
-                <a:tab pos="7315200" algn="l"/>
-                <a:tab pos="7772400" algn="l"/>
-                <a:tab pos="8229600" algn="l"/>
-                <a:tab pos="8686800" algn="l"/>
-                <a:tab pos="9144000" algn="l"/>
-              </a:tabLst>
-              <a:defRPr sz="2400">
-                <a:solidFill>
-                  <a:schemeClr val="tx1"/>
-                </a:solidFill>
-                <a:latin typeface="Times New Roman" panose="02020603050405020304" pitchFamily="18" charset="0"/>
-              </a:defRPr>
-            </a:lvl6pPr>
-            <a:lvl7pPr marL="2971800" indent="-228600" eaLnBrk="0" fontAlgn="base" hangingPunct="0">
-              <a:spcBef>
-                <a:spcPct val="0"/>
-              </a:spcBef>
-              <a:spcAft>
-                <a:spcPct val="0"/>
-              </a:spcAft>
-              <a:tabLst>
-                <a:tab pos="0" algn="l"/>
-                <a:tab pos="457200" algn="l"/>
-                <a:tab pos="914400" algn="l"/>
-                <a:tab pos="1371600" algn="l"/>
-                <a:tab pos="1828800" algn="l"/>
-                <a:tab pos="2286000" algn="l"/>
-                <a:tab pos="2743200" algn="l"/>
-                <a:tab pos="3200400" algn="l"/>
-                <a:tab pos="3657600" algn="l"/>
-                <a:tab pos="4114800" algn="l"/>
-                <a:tab pos="4572000" algn="l"/>
-                <a:tab pos="5029200" algn="l"/>
-                <a:tab pos="5486400" algn="l"/>
-                <a:tab pos="5943600" algn="l"/>
-                <a:tab pos="6400800" algn="l"/>
-                <a:tab pos="6858000" algn="l"/>
-                <a:tab pos="7315200" algn="l"/>
-                <a:tab pos="7772400" algn="l"/>
-                <a:tab pos="8229600" algn="l"/>
-                <a:tab pos="8686800" algn="l"/>
-                <a:tab pos="9144000" algn="l"/>
-              </a:tabLst>
-              <a:defRPr sz="2400">
-                <a:solidFill>
-                  <a:schemeClr val="tx1"/>
-                </a:solidFill>
-                <a:latin typeface="Times New Roman" panose="02020603050405020304" pitchFamily="18" charset="0"/>
-              </a:defRPr>
-            </a:lvl7pPr>
-            <a:lvl8pPr marL="3429000" indent="-228600" eaLnBrk="0" fontAlgn="base" hangingPunct="0">
-              <a:spcBef>
-                <a:spcPct val="0"/>
-              </a:spcBef>
-              <a:spcAft>
-                <a:spcPct val="0"/>
-              </a:spcAft>
-              <a:tabLst>
-                <a:tab pos="0" algn="l"/>
-                <a:tab pos="457200" algn="l"/>
-                <a:tab pos="914400" algn="l"/>
-                <a:tab pos="1371600" algn="l"/>
-                <a:tab pos="1828800" algn="l"/>
-                <a:tab pos="2286000" algn="l"/>
-                <a:tab pos="2743200" algn="l"/>
-                <a:tab pos="3200400" algn="l"/>
-                <a:tab pos="3657600" algn="l"/>
-                <a:tab pos="4114800" algn="l"/>
-                <a:tab pos="4572000" algn="l"/>
-                <a:tab pos="5029200" algn="l"/>
-                <a:tab pos="5486400" algn="l"/>
-                <a:tab pos="5943600" algn="l"/>
-                <a:tab pos="6400800" algn="l"/>
-                <a:tab pos="6858000" algn="l"/>
-                <a:tab pos="7315200" algn="l"/>
-                <a:tab pos="7772400" algn="l"/>
-                <a:tab pos="8229600" algn="l"/>
-                <a:tab pos="8686800" algn="l"/>
-                <a:tab pos="9144000" algn="l"/>
-              </a:tabLst>
-              <a:defRPr sz="2400">
-                <a:solidFill>
-                  <a:schemeClr val="tx1"/>
-                </a:solidFill>
-                <a:latin typeface="Times New Roman" panose="02020603050405020304" pitchFamily="18" charset="0"/>
-              </a:defRPr>
-            </a:lvl8pPr>
-            <a:lvl9pPr marL="3886200" indent="-228600" eaLnBrk="0" fontAlgn="base" hangingPunct="0">
-              <a:spcBef>
-                <a:spcPct val="0"/>
-              </a:spcBef>
-              <a:spcAft>
-                <a:spcPct val="0"/>
-              </a:spcAft>
-              <a:tabLst>
-                <a:tab pos="0" algn="l"/>
-                <a:tab pos="457200" algn="l"/>
-                <a:tab pos="914400" algn="l"/>
-                <a:tab pos="1371600" algn="l"/>
-                <a:tab pos="1828800" algn="l"/>
-                <a:tab pos="2286000" algn="l"/>
-                <a:tab pos="2743200" algn="l"/>
-                <a:tab pos="3200400" algn="l"/>
-                <a:tab pos="3657600" algn="l"/>
-                <a:tab pos="4114800" algn="l"/>
-                <a:tab pos="4572000" algn="l"/>
-                <a:tab pos="5029200" algn="l"/>
-                <a:tab pos="5486400" algn="l"/>
-                <a:tab pos="5943600" algn="l"/>
-                <a:tab pos="6400800" algn="l"/>
-                <a:tab pos="6858000" algn="l"/>
-                <a:tab pos="7315200" algn="l"/>
-                <a:tab pos="7772400" algn="l"/>
-                <a:tab pos="8229600" algn="l"/>
-                <a:tab pos="8686800" algn="l"/>
-                <a:tab pos="9144000" algn="l"/>
-              </a:tabLst>
-              <a:defRPr sz="2400">
-                <a:solidFill>
-                  <a:schemeClr val="tx1"/>
-                </a:solidFill>
-                <a:latin typeface="Times New Roman" panose="02020603050405020304" pitchFamily="18" charset="0"/>
-              </a:defRPr>
-            </a:lvl9pPr>
-          </a:lstStyle>
-          <a:p>
-            <a:pPr algn="ctr"/>
+            </a:pPr>
             <a:r>
-              <a:rPr lang="en-GB" altLang="en-US" sz="4400">
-                <a:solidFill>
-                  <a:srgbClr val="000000"/>
-                </a:solidFill>
-                <a:latin typeface="Arial" panose="020B0604020202020204" pitchFamily="34" charset="0"/>
-              </a:rPr>
-              <a:t>Summary</a:t>
+              <a:rPr lang="en-US" altLang="en-US" smtClean="0"/>
+              <a:t>Accessing Object Properties in JavaScript</a:t>
             </a:r>
           </a:p>
         </p:txBody>
       </p:sp>
       <p:sp>
         <p:nvSpPr>
-          <p:cNvPr id="26627" name="Text Box 2"/>
-          <p:cNvSpPr txBox="1">
-            <a:spLocks noChangeArrowheads="1"/>
+          <p:cNvPr id="22531" name="Rectangle 2"/>
+          <p:cNvSpPr>
+            <a:spLocks noGrp="1" noChangeArrowheads="1"/>
           </p:cNvSpPr>
+          <p:nvPr>
+            <p:ph idx="1"/>
+          </p:nvPr>
+        </p:nvSpPr>
+        <p:spPr>
+          <a:xfrm>
+            <a:off x="685800" y="1981200"/>
+            <a:ext cx="7770813" cy="4113213"/>
+          </a:xfrm>
+        </p:spPr>
+        <p:txBody>
+          <a:bodyPr/>
+          <a:lstStyle/>
+          <a:p>
+            <a:pPr indent="-341313">
+              <a:buFontTx/>
+              <a:buNone/>
+              <a:tabLst>
+                <a:tab pos="342900" algn="l"/>
+                <a:tab pos="455613" algn="l"/>
+                <a:tab pos="912813" algn="l"/>
+                <a:tab pos="1370013" algn="l"/>
+                <a:tab pos="1827213" algn="l"/>
+                <a:tab pos="2284413" algn="l"/>
+                <a:tab pos="2741613" algn="l"/>
+                <a:tab pos="3198813" algn="l"/>
+                <a:tab pos="3656013" algn="l"/>
+                <a:tab pos="4113213" algn="l"/>
+                <a:tab pos="4570413" algn="l"/>
+                <a:tab pos="5027613" algn="l"/>
+                <a:tab pos="5484813" algn="l"/>
+                <a:tab pos="5942013" algn="l"/>
+                <a:tab pos="6399213" algn="l"/>
+                <a:tab pos="6856413" algn="l"/>
+                <a:tab pos="7313613" algn="l"/>
+                <a:tab pos="7770813" algn="l"/>
+                <a:tab pos="8228013" algn="l"/>
+                <a:tab pos="8685213" algn="l"/>
+                <a:tab pos="9142413" algn="l"/>
+              </a:tabLst>
+            </a:pPr>
+            <a:r>
+              <a:rPr lang="en-US" altLang="en-US" smtClean="0"/>
+              <a:t>We can access Object Properties in JavaScript using either the dot(.) notation or the bracket[] notation</a:t>
+            </a:r>
+          </a:p>
+        </p:txBody>
+      </p:sp>
+      <p:pic>
+        <p:nvPicPr>
+          <p:cNvPr id="22532" name="Picture 3"/>
+          <p:cNvPicPr>
+            <a:picLocks noChangeAspect="1" noChangeArrowheads="1"/>
+          </p:cNvPicPr>
           <p:nvPr/>
-        </p:nvSpPr>
+        </p:nvPicPr>
+        <p:blipFill>
+          <a:blip r:embed="rId3">
+            <a:extLst>
+              <a:ext uri="{28A0092B-C50C-407E-A947-70E740481C1C}">
+                <a14:useLocalDpi xmlns:a14="http://schemas.microsoft.com/office/drawing/2010/main" val="0"/>
+              </a:ext>
+            </a:extLst>
+          </a:blip>
+          <a:srcRect/>
+          <a:stretch>
+            <a:fillRect/>
+          </a:stretch>
+        </p:blipFill>
         <p:spPr bwMode="auto">
           <a:xfrm>
-            <a:off x="685800" y="1981200"/>
-            <a:ext cx="7772400" cy="4114800"/>
+            <a:off x="1068388" y="3948113"/>
+            <a:ext cx="6521450" cy="2146300"/>
           </a:xfrm>
           <a:prstGeom prst="rect">
             <a:avLst/>
@@ -11934,414 +10687,7 @@
             </a:ext>
           </a:extLst>
         </p:spPr>
-        <p:txBody>
-          <a:bodyPr/>
-          <a:lstStyle>
-            <a:lvl1pPr marL="339725" indent="-339725">
-              <a:tabLst>
-                <a:tab pos="339725" algn="l"/>
-                <a:tab pos="796925" algn="l"/>
-                <a:tab pos="1254125" algn="l"/>
-                <a:tab pos="1711325" algn="l"/>
-                <a:tab pos="2168525" algn="l"/>
-                <a:tab pos="2625725" algn="l"/>
-                <a:tab pos="3082925" algn="l"/>
-                <a:tab pos="3540125" algn="l"/>
-                <a:tab pos="3997325" algn="l"/>
-                <a:tab pos="4454525" algn="l"/>
-                <a:tab pos="4911725" algn="l"/>
-                <a:tab pos="5368925" algn="l"/>
-                <a:tab pos="5826125" algn="l"/>
-                <a:tab pos="6283325" algn="l"/>
-                <a:tab pos="6740525" algn="l"/>
-                <a:tab pos="7197725" algn="l"/>
-                <a:tab pos="7654925" algn="l"/>
-                <a:tab pos="8112125" algn="l"/>
-                <a:tab pos="8569325" algn="l"/>
-                <a:tab pos="9026525" algn="l"/>
-                <a:tab pos="9483725" algn="l"/>
-              </a:tabLst>
-              <a:defRPr sz="2400">
-                <a:solidFill>
-                  <a:schemeClr val="tx1"/>
-                </a:solidFill>
-                <a:latin typeface="Times New Roman" panose="02020603050405020304" pitchFamily="18" charset="0"/>
-              </a:defRPr>
-            </a:lvl1pPr>
-            <a:lvl2pPr marL="742950" indent="-285750">
-              <a:tabLst>
-                <a:tab pos="339725" algn="l"/>
-                <a:tab pos="796925" algn="l"/>
-                <a:tab pos="1254125" algn="l"/>
-                <a:tab pos="1711325" algn="l"/>
-                <a:tab pos="2168525" algn="l"/>
-                <a:tab pos="2625725" algn="l"/>
-                <a:tab pos="3082925" algn="l"/>
-                <a:tab pos="3540125" algn="l"/>
-                <a:tab pos="3997325" algn="l"/>
-                <a:tab pos="4454525" algn="l"/>
-                <a:tab pos="4911725" algn="l"/>
-                <a:tab pos="5368925" algn="l"/>
-                <a:tab pos="5826125" algn="l"/>
-                <a:tab pos="6283325" algn="l"/>
-                <a:tab pos="6740525" algn="l"/>
-                <a:tab pos="7197725" algn="l"/>
-                <a:tab pos="7654925" algn="l"/>
-                <a:tab pos="8112125" algn="l"/>
-                <a:tab pos="8569325" algn="l"/>
-                <a:tab pos="9026525" algn="l"/>
-                <a:tab pos="9483725" algn="l"/>
-              </a:tabLst>
-              <a:defRPr sz="2400">
-                <a:solidFill>
-                  <a:schemeClr val="tx1"/>
-                </a:solidFill>
-                <a:latin typeface="Times New Roman" panose="02020603050405020304" pitchFamily="18" charset="0"/>
-              </a:defRPr>
-            </a:lvl2pPr>
-            <a:lvl3pPr marL="1143000" indent="-228600">
-              <a:tabLst>
-                <a:tab pos="339725" algn="l"/>
-                <a:tab pos="796925" algn="l"/>
-                <a:tab pos="1254125" algn="l"/>
-                <a:tab pos="1711325" algn="l"/>
-                <a:tab pos="2168525" algn="l"/>
-                <a:tab pos="2625725" algn="l"/>
-                <a:tab pos="3082925" algn="l"/>
-                <a:tab pos="3540125" algn="l"/>
-                <a:tab pos="3997325" algn="l"/>
-                <a:tab pos="4454525" algn="l"/>
-                <a:tab pos="4911725" algn="l"/>
-                <a:tab pos="5368925" algn="l"/>
-                <a:tab pos="5826125" algn="l"/>
-                <a:tab pos="6283325" algn="l"/>
-                <a:tab pos="6740525" algn="l"/>
-                <a:tab pos="7197725" algn="l"/>
-                <a:tab pos="7654925" algn="l"/>
-                <a:tab pos="8112125" algn="l"/>
-                <a:tab pos="8569325" algn="l"/>
-                <a:tab pos="9026525" algn="l"/>
-                <a:tab pos="9483725" algn="l"/>
-              </a:tabLst>
-              <a:defRPr sz="2400">
-                <a:solidFill>
-                  <a:schemeClr val="tx1"/>
-                </a:solidFill>
-                <a:latin typeface="Times New Roman" panose="02020603050405020304" pitchFamily="18" charset="0"/>
-              </a:defRPr>
-            </a:lvl3pPr>
-            <a:lvl4pPr marL="1600200" indent="-228600">
-              <a:tabLst>
-                <a:tab pos="339725" algn="l"/>
-                <a:tab pos="796925" algn="l"/>
-                <a:tab pos="1254125" algn="l"/>
-                <a:tab pos="1711325" algn="l"/>
-                <a:tab pos="2168525" algn="l"/>
-                <a:tab pos="2625725" algn="l"/>
-                <a:tab pos="3082925" algn="l"/>
-                <a:tab pos="3540125" algn="l"/>
-                <a:tab pos="3997325" algn="l"/>
-                <a:tab pos="4454525" algn="l"/>
-                <a:tab pos="4911725" algn="l"/>
-                <a:tab pos="5368925" algn="l"/>
-                <a:tab pos="5826125" algn="l"/>
-                <a:tab pos="6283325" algn="l"/>
-                <a:tab pos="6740525" algn="l"/>
-                <a:tab pos="7197725" algn="l"/>
-                <a:tab pos="7654925" algn="l"/>
-                <a:tab pos="8112125" algn="l"/>
-                <a:tab pos="8569325" algn="l"/>
-                <a:tab pos="9026525" algn="l"/>
-                <a:tab pos="9483725" algn="l"/>
-              </a:tabLst>
-              <a:defRPr sz="2400">
-                <a:solidFill>
-                  <a:schemeClr val="tx1"/>
-                </a:solidFill>
-                <a:latin typeface="Times New Roman" panose="02020603050405020304" pitchFamily="18" charset="0"/>
-              </a:defRPr>
-            </a:lvl4pPr>
-            <a:lvl5pPr marL="2057400" indent="-228600">
-              <a:tabLst>
-                <a:tab pos="339725" algn="l"/>
-                <a:tab pos="796925" algn="l"/>
-                <a:tab pos="1254125" algn="l"/>
-                <a:tab pos="1711325" algn="l"/>
-                <a:tab pos="2168525" algn="l"/>
-                <a:tab pos="2625725" algn="l"/>
-                <a:tab pos="3082925" algn="l"/>
-                <a:tab pos="3540125" algn="l"/>
-                <a:tab pos="3997325" algn="l"/>
-                <a:tab pos="4454525" algn="l"/>
-                <a:tab pos="4911725" algn="l"/>
-                <a:tab pos="5368925" algn="l"/>
-                <a:tab pos="5826125" algn="l"/>
-                <a:tab pos="6283325" algn="l"/>
-                <a:tab pos="6740525" algn="l"/>
-                <a:tab pos="7197725" algn="l"/>
-                <a:tab pos="7654925" algn="l"/>
-                <a:tab pos="8112125" algn="l"/>
-                <a:tab pos="8569325" algn="l"/>
-                <a:tab pos="9026525" algn="l"/>
-                <a:tab pos="9483725" algn="l"/>
-              </a:tabLst>
-              <a:defRPr sz="2400">
-                <a:solidFill>
-                  <a:schemeClr val="tx1"/>
-                </a:solidFill>
-                <a:latin typeface="Times New Roman" panose="02020603050405020304" pitchFamily="18" charset="0"/>
-              </a:defRPr>
-            </a:lvl5pPr>
-            <a:lvl6pPr marL="2514600" indent="-228600" eaLnBrk="0" fontAlgn="base" hangingPunct="0">
-              <a:spcBef>
-                <a:spcPct val="0"/>
-              </a:spcBef>
-              <a:spcAft>
-                <a:spcPct val="0"/>
-              </a:spcAft>
-              <a:tabLst>
-                <a:tab pos="339725" algn="l"/>
-                <a:tab pos="796925" algn="l"/>
-                <a:tab pos="1254125" algn="l"/>
-                <a:tab pos="1711325" algn="l"/>
-                <a:tab pos="2168525" algn="l"/>
-                <a:tab pos="2625725" algn="l"/>
-                <a:tab pos="3082925" algn="l"/>
-                <a:tab pos="3540125" algn="l"/>
-                <a:tab pos="3997325" algn="l"/>
-                <a:tab pos="4454525" algn="l"/>
-                <a:tab pos="4911725" algn="l"/>
-                <a:tab pos="5368925" algn="l"/>
-                <a:tab pos="5826125" algn="l"/>
-                <a:tab pos="6283325" algn="l"/>
-                <a:tab pos="6740525" algn="l"/>
-                <a:tab pos="7197725" algn="l"/>
-                <a:tab pos="7654925" algn="l"/>
-                <a:tab pos="8112125" algn="l"/>
-                <a:tab pos="8569325" algn="l"/>
-                <a:tab pos="9026525" algn="l"/>
-                <a:tab pos="9483725" algn="l"/>
-              </a:tabLst>
-              <a:defRPr sz="2400">
-                <a:solidFill>
-                  <a:schemeClr val="tx1"/>
-                </a:solidFill>
-                <a:latin typeface="Times New Roman" panose="02020603050405020304" pitchFamily="18" charset="0"/>
-              </a:defRPr>
-            </a:lvl6pPr>
-            <a:lvl7pPr marL="2971800" indent="-228600" eaLnBrk="0" fontAlgn="base" hangingPunct="0">
-              <a:spcBef>
-                <a:spcPct val="0"/>
-              </a:spcBef>
-              <a:spcAft>
-                <a:spcPct val="0"/>
-              </a:spcAft>
-              <a:tabLst>
-                <a:tab pos="339725" algn="l"/>
-                <a:tab pos="796925" algn="l"/>
-                <a:tab pos="1254125" algn="l"/>
-                <a:tab pos="1711325" algn="l"/>
-                <a:tab pos="2168525" algn="l"/>
-                <a:tab pos="2625725" algn="l"/>
-                <a:tab pos="3082925" algn="l"/>
-                <a:tab pos="3540125" algn="l"/>
-                <a:tab pos="3997325" algn="l"/>
-                <a:tab pos="4454525" algn="l"/>
-                <a:tab pos="4911725" algn="l"/>
-                <a:tab pos="5368925" algn="l"/>
-                <a:tab pos="5826125" algn="l"/>
-                <a:tab pos="6283325" algn="l"/>
-                <a:tab pos="6740525" algn="l"/>
-                <a:tab pos="7197725" algn="l"/>
-                <a:tab pos="7654925" algn="l"/>
-                <a:tab pos="8112125" algn="l"/>
-                <a:tab pos="8569325" algn="l"/>
-                <a:tab pos="9026525" algn="l"/>
-                <a:tab pos="9483725" algn="l"/>
-              </a:tabLst>
-              <a:defRPr sz="2400">
-                <a:solidFill>
-                  <a:schemeClr val="tx1"/>
-                </a:solidFill>
-                <a:latin typeface="Times New Roman" panose="02020603050405020304" pitchFamily="18" charset="0"/>
-              </a:defRPr>
-            </a:lvl7pPr>
-            <a:lvl8pPr marL="3429000" indent="-228600" eaLnBrk="0" fontAlgn="base" hangingPunct="0">
-              <a:spcBef>
-                <a:spcPct val="0"/>
-              </a:spcBef>
-              <a:spcAft>
-                <a:spcPct val="0"/>
-              </a:spcAft>
-              <a:tabLst>
-                <a:tab pos="339725" algn="l"/>
-                <a:tab pos="796925" algn="l"/>
-                <a:tab pos="1254125" algn="l"/>
-                <a:tab pos="1711325" algn="l"/>
-                <a:tab pos="2168525" algn="l"/>
-                <a:tab pos="2625725" algn="l"/>
-                <a:tab pos="3082925" algn="l"/>
-                <a:tab pos="3540125" algn="l"/>
-                <a:tab pos="3997325" algn="l"/>
-                <a:tab pos="4454525" algn="l"/>
-                <a:tab pos="4911725" algn="l"/>
-                <a:tab pos="5368925" algn="l"/>
-                <a:tab pos="5826125" algn="l"/>
-                <a:tab pos="6283325" algn="l"/>
-                <a:tab pos="6740525" algn="l"/>
-                <a:tab pos="7197725" algn="l"/>
-                <a:tab pos="7654925" algn="l"/>
-                <a:tab pos="8112125" algn="l"/>
-                <a:tab pos="8569325" algn="l"/>
-                <a:tab pos="9026525" algn="l"/>
-                <a:tab pos="9483725" algn="l"/>
-              </a:tabLst>
-              <a:defRPr sz="2400">
-                <a:solidFill>
-                  <a:schemeClr val="tx1"/>
-                </a:solidFill>
-                <a:latin typeface="Times New Roman" panose="02020603050405020304" pitchFamily="18" charset="0"/>
-              </a:defRPr>
-            </a:lvl8pPr>
-            <a:lvl9pPr marL="3886200" indent="-228600" eaLnBrk="0" fontAlgn="base" hangingPunct="0">
-              <a:spcBef>
-                <a:spcPct val="0"/>
-              </a:spcBef>
-              <a:spcAft>
-                <a:spcPct val="0"/>
-              </a:spcAft>
-              <a:tabLst>
-                <a:tab pos="339725" algn="l"/>
-                <a:tab pos="796925" algn="l"/>
-                <a:tab pos="1254125" algn="l"/>
-                <a:tab pos="1711325" algn="l"/>
-                <a:tab pos="2168525" algn="l"/>
-                <a:tab pos="2625725" algn="l"/>
-                <a:tab pos="3082925" algn="l"/>
-                <a:tab pos="3540125" algn="l"/>
-                <a:tab pos="3997325" algn="l"/>
-                <a:tab pos="4454525" algn="l"/>
-                <a:tab pos="4911725" algn="l"/>
-                <a:tab pos="5368925" algn="l"/>
-                <a:tab pos="5826125" algn="l"/>
-                <a:tab pos="6283325" algn="l"/>
-                <a:tab pos="6740525" algn="l"/>
-                <a:tab pos="7197725" algn="l"/>
-                <a:tab pos="7654925" algn="l"/>
-                <a:tab pos="8112125" algn="l"/>
-                <a:tab pos="8569325" algn="l"/>
-                <a:tab pos="9026525" algn="l"/>
-                <a:tab pos="9483725" algn="l"/>
-              </a:tabLst>
-              <a:defRPr sz="2400">
-                <a:solidFill>
-                  <a:schemeClr val="tx1"/>
-                </a:solidFill>
-                <a:latin typeface="Times New Roman" panose="02020603050405020304" pitchFamily="18" charset="0"/>
-              </a:defRPr>
-            </a:lvl9pPr>
-          </a:lstStyle>
-          <a:p>
-            <a:pPr>
-              <a:spcBef>
-                <a:spcPts val="800"/>
-              </a:spcBef>
-              <a:buFont typeface="Times New Roman" panose="02020603050405020304" pitchFamily="18" charset="0"/>
-              <a:buBlip>
-                <a:blip r:embed="rId3"/>
-              </a:buBlip>
-            </a:pPr>
-            <a:r>
-              <a:rPr lang="en-GB" altLang="en-US" sz="3200" dirty="0">
-                <a:solidFill>
-                  <a:srgbClr val="000000"/>
-                </a:solidFill>
-                <a:latin typeface="Arial" panose="020B0604020202020204" pitchFamily="34" charset="0"/>
-              </a:rPr>
-              <a:t>Overview of </a:t>
-            </a:r>
-            <a:r>
-              <a:rPr lang="en-GB" altLang="en-US" sz="3200" dirty="0" smtClean="0">
-                <a:solidFill>
-                  <a:srgbClr val="000000"/>
-                </a:solidFill>
-                <a:latin typeface="Arial" panose="020B0604020202020204" pitchFamily="34" charset="0"/>
-              </a:rPr>
-              <a:t>Objects in </a:t>
-            </a:r>
-            <a:r>
-              <a:rPr lang="en-GB" altLang="en-US" sz="3200" dirty="0" err="1" smtClean="0">
-                <a:solidFill>
-                  <a:srgbClr val="000000"/>
-                </a:solidFill>
-                <a:latin typeface="Arial" panose="020B0604020202020204" pitchFamily="34" charset="0"/>
-              </a:rPr>
-              <a:t>Javascript</a:t>
-            </a:r>
-            <a:endParaRPr lang="en-GB" altLang="en-US" sz="3200" dirty="0" smtClean="0">
-              <a:solidFill>
-                <a:srgbClr val="000000"/>
-              </a:solidFill>
-              <a:latin typeface="Arial" panose="020B0604020202020204" pitchFamily="34" charset="0"/>
-            </a:endParaRPr>
-          </a:p>
-          <a:p>
-            <a:pPr>
-              <a:spcBef>
-                <a:spcPts val="800"/>
-              </a:spcBef>
-              <a:buFont typeface="Times New Roman" panose="02020603050405020304" pitchFamily="18" charset="0"/>
-              <a:buBlip>
-                <a:blip r:embed="rId3"/>
-              </a:buBlip>
-            </a:pPr>
-            <a:r>
-              <a:rPr lang="en-GB" altLang="en-US" sz="3200" dirty="0" err="1" smtClean="0">
-                <a:solidFill>
-                  <a:srgbClr val="000000"/>
-                </a:solidFill>
-                <a:latin typeface="Arial" panose="020B0604020202020204" pitchFamily="34" charset="0"/>
-              </a:rPr>
-              <a:t>Javascript</a:t>
-            </a:r>
-            <a:r>
-              <a:rPr lang="en-GB" altLang="en-US" sz="3200" dirty="0" smtClean="0">
-                <a:solidFill>
-                  <a:srgbClr val="000000"/>
-                </a:solidFill>
-                <a:latin typeface="Arial" panose="020B0604020202020204" pitchFamily="34" charset="0"/>
-              </a:rPr>
-              <a:t> Forms</a:t>
-            </a:r>
-            <a:endParaRPr lang="en-GB" altLang="en-US" sz="3200" dirty="0">
-              <a:solidFill>
-                <a:srgbClr val="000000"/>
-              </a:solidFill>
-              <a:latin typeface="Arial" panose="020B0604020202020204" pitchFamily="34" charset="0"/>
-            </a:endParaRPr>
-          </a:p>
-          <a:p>
-            <a:pPr>
-              <a:spcBef>
-                <a:spcPts val="800"/>
-              </a:spcBef>
-              <a:buFont typeface="Times New Roman" panose="02020603050405020304" pitchFamily="18" charset="0"/>
-              <a:buBlip>
-                <a:blip r:embed="rId3"/>
-              </a:buBlip>
-            </a:pPr>
-            <a:r>
-              <a:rPr lang="en-GB" altLang="en-US" sz="3200" dirty="0">
-                <a:solidFill>
-                  <a:srgbClr val="000000"/>
-                </a:solidFill>
-                <a:latin typeface="Arial" panose="020B0604020202020204" pitchFamily="34" charset="0"/>
-              </a:rPr>
-              <a:t>Hands-On/Practical</a:t>
-            </a:r>
-          </a:p>
-        </p:txBody>
-      </p:sp>
+      </p:pic>
     </p:spTree>
   </p:cSld>
   <p:clrMapOvr>
@@ -12354,7 +10700,7 @@
         <p:cTn id="1" dur="indefinite" restart="never" nodeType="tmRoot">
           <p:childTnLst>
             <p:seq concurrent="1" nextAc="seek">
-              <p:cTn id="2" dur="indefinite" nodeType="mainSeq"/>
+              <p:cTn id="2" dur="0" nodeType="mainSeq"/>
               <p:prevCondLst>
                 <p:cond evt="onPrev" delay="0">
                   <p:tgtEl>
@@ -13128,31 +11474,12 @@
               <a:spcBef>
                 <a:spcPts val="800"/>
               </a:spcBef>
-              <a:buFont typeface="Times New Roman" panose="02020603050405020304" pitchFamily="18" charset="0"/>
               <a:buBlip>
                 <a:blip r:embed="rId3"/>
               </a:buBlip>
             </a:pPr>
             <a:r>
-              <a:rPr lang="en-US" altLang="en-US" sz="3200" dirty="0" smtClean="0">
-                <a:solidFill>
-                  <a:srgbClr val="000000"/>
-                </a:solidFill>
-                <a:latin typeface="Arial" panose="020B0604020202020204" pitchFamily="34" charset="0"/>
-              </a:rPr>
-              <a:t>What </a:t>
-            </a:r>
-            <a:r>
-              <a:rPr lang="en-US" altLang="en-US" sz="3200" dirty="0">
-                <a:solidFill>
-                  <a:srgbClr val="000000"/>
-                </a:solidFill>
-                <a:latin typeface="Arial" panose="020B0604020202020204" pitchFamily="34" charset="0"/>
-              </a:rPr>
-              <a:t>do we mean </a:t>
-            </a:r>
-            <a:r>
-              <a:rPr lang="en-US" altLang="en-US" sz="3200" dirty="0" err="1">
+              <a:rPr lang="en-US" altLang="en-US" sz="3200" dirty="0" err="1" smtClean="0">
                 <a:solidFill>
                   <a:srgbClr val="000000"/>
                 </a:solidFill>
@@ -13161,13 +11488,32 @@
               <a:t>Javascript</a:t>
             </a:r>
             <a:r>
-              <a:rPr lang="en-US" altLang="en-US" sz="3200" dirty="0">
+              <a:rPr lang="en-US" altLang="en-US" sz="3200" dirty="0" smtClean="0">
                 <a:solidFill>
                   <a:srgbClr val="000000"/>
                 </a:solidFill>
                 <a:latin typeface="Arial" panose="020B0604020202020204" pitchFamily="34" charset="0"/>
               </a:rPr>
-              <a:t> Forms</a:t>
+              <a:t> and Object Orientated Concepts</a:t>
+            </a:r>
+          </a:p>
+          <a:p>
+            <a:pPr eaLnBrk="1" hangingPunct="1">
+              <a:spcBef>
+                <a:spcPts val="800"/>
+              </a:spcBef>
+              <a:buBlip>
+                <a:blip r:embed="rId3"/>
+              </a:buBlip>
+            </a:pPr>
+            <a:r>
+              <a:rPr lang="en-US" altLang="en-US" sz="3200" dirty="0" err="1" smtClean="0">
+                <a:solidFill>
+                  <a:srgbClr val="000000"/>
+                </a:solidFill>
+                <a:latin typeface="Arial" panose="020B0604020202020204" pitchFamily="34" charset="0"/>
+              </a:rPr>
+              <a:t>Javascript</a:t>
             </a:r>
             <a:r>
               <a:rPr lang="en-US" altLang="en-US" sz="3200" dirty="0" smtClean="0">
@@ -13176,7 +11522,7 @@
                 </a:solidFill>
                 <a:latin typeface="Arial" panose="020B0604020202020204" pitchFamily="34" charset="0"/>
               </a:rPr>
-              <a:t>?</a:t>
+              <a:t> and Forms</a:t>
             </a:r>
           </a:p>
           <a:p>
@@ -13196,7 +11542,7 @@
                 </a:solidFill>
                 <a:latin typeface="Arial" panose="020B0604020202020204" pitchFamily="34" charset="0"/>
               </a:rPr>
-              <a:t>Object Orientated Concepts</a:t>
+              <a:t>Summary</a:t>
             </a:r>
             <a:endParaRPr lang="en-US" altLang="en-US" sz="3200" dirty="0">
               <a:solidFill>
@@ -13222,28 +11568,1381 @@
                 </a:solidFill>
                 <a:latin typeface="Arial" panose="020B0604020202020204" pitchFamily="34" charset="0"/>
               </a:rPr>
-              <a:t>Summary</a:t>
+              <a:t>Review/Discussion</a:t>
             </a:r>
           </a:p>
-          <a:p>
-            <a:pPr eaLnBrk="1" hangingPunct="1">
+        </p:txBody>
+      </p:sp>
+    </p:spTree>
+    <p:extLst>
+      <p:ext uri="{BB962C8B-B14F-4D97-AF65-F5344CB8AC3E}">
+        <p14:creationId xmlns:p14="http://schemas.microsoft.com/office/powerpoint/2010/main" val="1828882813"/>
+      </p:ext>
+    </p:extLst>
+  </p:cSld>
+  <p:clrMapOvr>
+    <a:masterClrMapping/>
+  </p:clrMapOvr>
+  <p:transition spd="med"/>
+  <p:timing>
+    <p:tnLst>
+      <p:par>
+        <p:cTn id="1" dur="indefinite" restart="never" nodeType="tmRoot">
+          <p:childTnLst>
+            <p:seq concurrent="1" nextAc="seek">
+              <p:cTn id="2" dur="indefinite" nodeType="mainSeq"/>
+              <p:prevCondLst>
+                <p:cond evt="onPrev" delay="0">
+                  <p:tgtEl>
+                    <p:sldTgt/>
+                  </p:tgtEl>
+                </p:cond>
+              </p:prevCondLst>
+              <p:nextCondLst>
+                <p:cond evt="onNext" delay="0">
+                  <p:tgtEl>
+                    <p:sldTgt/>
+                  </p:tgtEl>
+                </p:cond>
+              </p:nextCondLst>
+            </p:seq>
+          </p:childTnLst>
+        </p:cTn>
+      </p:par>
+    </p:tnLst>
+  </p:timing>
+</p:sld>
+</file>
+
+<file path=ppt/slides/slide20.xml><?xml version="1.0" encoding="utf-8"?>
+<p:sld xmlns:a="http://schemas.openxmlformats.org/drawingml/2006/main" xmlns:r="http://schemas.openxmlformats.org/officeDocument/2006/relationships" xmlns:p="http://schemas.openxmlformats.org/presentationml/2006/main">
+  <p:cSld>
+    <p:spTree>
+      <p:nvGrpSpPr>
+        <p:cNvPr id="1" name=""/>
+        <p:cNvGrpSpPr/>
+        <p:nvPr/>
+      </p:nvGrpSpPr>
+      <p:grpSpPr>
+        <a:xfrm>
+          <a:off x="0" y="0"/>
+          <a:ext cx="0" cy="0"/>
+          <a:chOff x="0" y="0"/>
+          <a:chExt cx="0" cy="0"/>
+        </a:xfrm>
+      </p:grpSpPr>
+      <p:sp>
+        <p:nvSpPr>
+          <p:cNvPr id="23554" name="Rectangle 1"/>
+          <p:cNvSpPr>
+            <a:spLocks noGrp="1" noChangeArrowheads="1"/>
+          </p:cNvSpPr>
+          <p:nvPr>
+            <p:ph type="title"/>
+          </p:nvPr>
+        </p:nvSpPr>
+        <p:spPr>
+          <a:xfrm>
+            <a:off x="685800" y="609600"/>
+            <a:ext cx="7770813" cy="1141413"/>
+          </a:xfrm>
+        </p:spPr>
+        <p:txBody>
+          <a:bodyPr/>
+          <a:lstStyle/>
+          <a:p>
+            <a:pPr>
+              <a:tabLst>
+                <a:tab pos="0" algn="l"/>
+                <a:tab pos="457200" algn="l"/>
+                <a:tab pos="914400" algn="l"/>
+                <a:tab pos="1371600" algn="l"/>
+                <a:tab pos="1828800" algn="l"/>
+                <a:tab pos="2286000" algn="l"/>
+                <a:tab pos="2743200" algn="l"/>
+                <a:tab pos="3200400" algn="l"/>
+                <a:tab pos="3657600" algn="l"/>
+                <a:tab pos="4114800" algn="l"/>
+                <a:tab pos="4572000" algn="l"/>
+                <a:tab pos="5029200" algn="l"/>
+                <a:tab pos="5486400" algn="l"/>
+                <a:tab pos="5943600" algn="l"/>
+                <a:tab pos="6400800" algn="l"/>
+                <a:tab pos="6858000" algn="l"/>
+                <a:tab pos="7315200" algn="l"/>
+                <a:tab pos="7772400" algn="l"/>
+                <a:tab pos="8229600" algn="l"/>
+                <a:tab pos="8686800" algn="l"/>
+                <a:tab pos="9144000" algn="l"/>
+              </a:tabLst>
+            </a:pPr>
+            <a:r>
+              <a:rPr lang="en-US" altLang="en-US" smtClean="0"/>
+              <a:t>Object contain another Object</a:t>
+            </a:r>
+          </a:p>
+        </p:txBody>
+      </p:sp>
+      <p:sp>
+        <p:nvSpPr>
+          <p:cNvPr id="23555" name="Rectangle 2"/>
+          <p:cNvSpPr>
+            <a:spLocks noGrp="1" noChangeArrowheads="1"/>
+          </p:cNvSpPr>
+          <p:nvPr>
+            <p:ph idx="1"/>
+          </p:nvPr>
+        </p:nvSpPr>
+        <p:spPr>
+          <a:xfrm>
+            <a:off x="685800" y="1981200"/>
+            <a:ext cx="7770813" cy="4113213"/>
+          </a:xfrm>
+        </p:spPr>
+        <p:txBody>
+          <a:bodyPr/>
+          <a:lstStyle/>
+          <a:p>
+            <a:pPr>
+              <a:buFont typeface="Times New Roman" panose="02020603050405020304" pitchFamily="18" charset="0"/>
+              <a:buNone/>
+            </a:pPr>
+            <a:endParaRPr lang="en-US" altLang="en-US" smtClean="0"/>
+          </a:p>
+        </p:txBody>
+      </p:sp>
+      <p:pic>
+        <p:nvPicPr>
+          <p:cNvPr id="23556" name="Picture 3"/>
+          <p:cNvPicPr>
+            <a:picLocks noChangeAspect="1" noChangeArrowheads="1"/>
+          </p:cNvPicPr>
+          <p:nvPr/>
+        </p:nvPicPr>
+        <p:blipFill>
+          <a:blip r:embed="rId3">
+            <a:extLst>
+              <a:ext uri="{28A0092B-C50C-407E-A947-70E740481C1C}">
+                <a14:useLocalDpi xmlns:a14="http://schemas.microsoft.com/office/drawing/2010/main" val="0"/>
+              </a:ext>
+            </a:extLst>
+          </a:blip>
+          <a:srcRect/>
+          <a:stretch>
+            <a:fillRect/>
+          </a:stretch>
+        </p:blipFill>
+        <p:spPr bwMode="auto">
+          <a:xfrm>
+            <a:off x="1006475" y="2103438"/>
+            <a:ext cx="6858000" cy="3948112"/>
+          </a:xfrm>
+          <a:prstGeom prst="rect">
+            <a:avLst/>
+          </a:prstGeom>
+          <a:noFill/>
+          <a:ln>
+            <a:noFill/>
+          </a:ln>
+          <a:extLst>
+            <a:ext uri="{909E8E84-426E-40DD-AFC4-6F175D3DCCD1}">
+              <a14:hiddenFill xmlns:a14="http://schemas.microsoft.com/office/drawing/2010/main">
+                <a:solidFill>
+                  <a:srgbClr val="FFFFFF"/>
+                </a:solidFill>
+              </a14:hiddenFill>
+            </a:ext>
+            <a:ext uri="{91240B29-F687-4F45-9708-019B960494DF}">
+              <a14:hiddenLine xmlns:a14="http://schemas.microsoft.com/office/drawing/2010/main" w="9525">
+                <a:solidFill>
+                  <a:srgbClr val="000000"/>
+                </a:solidFill>
+                <a:round/>
+                <a:headEnd/>
+                <a:tailEnd/>
+              </a14:hiddenLine>
+            </a:ext>
+          </a:extLst>
+        </p:spPr>
+      </p:pic>
+    </p:spTree>
+  </p:cSld>
+  <p:clrMapOvr>
+    <a:masterClrMapping/>
+  </p:clrMapOvr>
+  <p:transition spd="med"/>
+  <p:timing>
+    <p:tnLst>
+      <p:par>
+        <p:cTn id="1" dur="indefinite" restart="never" nodeType="tmRoot">
+          <p:childTnLst>
+            <p:seq concurrent="1" nextAc="seek">
+              <p:cTn id="2" dur="0" nodeType="mainSeq"/>
+              <p:prevCondLst>
+                <p:cond evt="onPrev" delay="0">
+                  <p:tgtEl>
+                    <p:sldTgt/>
+                  </p:tgtEl>
+                </p:cond>
+              </p:prevCondLst>
+              <p:nextCondLst>
+                <p:cond evt="onNext" delay="0">
+                  <p:tgtEl>
+                    <p:sldTgt/>
+                  </p:tgtEl>
+                </p:cond>
+              </p:nextCondLst>
+            </p:seq>
+          </p:childTnLst>
+        </p:cTn>
+      </p:par>
+    </p:tnLst>
+  </p:timing>
+</p:sld>
+</file>
+
+<file path=ppt/slides/slide21.xml><?xml version="1.0" encoding="utf-8"?>
+<p:sld xmlns:a="http://schemas.openxmlformats.org/drawingml/2006/main" xmlns:r="http://schemas.openxmlformats.org/officeDocument/2006/relationships" xmlns:p="http://schemas.openxmlformats.org/presentationml/2006/main">
+  <p:cSld>
+    <p:spTree>
+      <p:nvGrpSpPr>
+        <p:cNvPr id="1" name=""/>
+        <p:cNvGrpSpPr/>
+        <p:nvPr/>
+      </p:nvGrpSpPr>
+      <p:grpSpPr>
+        <a:xfrm>
+          <a:off x="0" y="0"/>
+          <a:ext cx="0" cy="0"/>
+          <a:chOff x="0" y="0"/>
+          <a:chExt cx="0" cy="0"/>
+        </a:xfrm>
+      </p:grpSpPr>
+      <p:sp>
+        <p:nvSpPr>
+          <p:cNvPr id="24578" name="Rectangle 1"/>
+          <p:cNvSpPr>
+            <a:spLocks noGrp="1" noChangeArrowheads="1"/>
+          </p:cNvSpPr>
+          <p:nvPr>
+            <p:ph type="title"/>
+          </p:nvPr>
+        </p:nvSpPr>
+        <p:spPr>
+          <a:xfrm>
+            <a:off x="685800" y="461963"/>
+            <a:ext cx="7770813" cy="1435100"/>
+          </a:xfrm>
+        </p:spPr>
+        <p:txBody>
+          <a:bodyPr/>
+          <a:lstStyle/>
+          <a:p>
+            <a:pPr>
+              <a:tabLst>
+                <a:tab pos="0" algn="l"/>
+                <a:tab pos="457200" algn="l"/>
+                <a:tab pos="914400" algn="l"/>
+                <a:tab pos="1371600" algn="l"/>
+                <a:tab pos="1828800" algn="l"/>
+                <a:tab pos="2286000" algn="l"/>
+                <a:tab pos="2743200" algn="l"/>
+                <a:tab pos="3200400" algn="l"/>
+                <a:tab pos="3657600" algn="l"/>
+                <a:tab pos="4114800" algn="l"/>
+                <a:tab pos="4572000" algn="l"/>
+                <a:tab pos="5029200" algn="l"/>
+                <a:tab pos="5486400" algn="l"/>
+                <a:tab pos="5943600" algn="l"/>
+                <a:tab pos="6400800" algn="l"/>
+                <a:tab pos="6858000" algn="l"/>
+                <a:tab pos="7315200" algn="l"/>
+                <a:tab pos="7772400" algn="l"/>
+                <a:tab pos="8229600" algn="l"/>
+                <a:tab pos="8686800" algn="l"/>
+                <a:tab pos="9144000" algn="l"/>
+              </a:tabLst>
+            </a:pPr>
+            <a:r>
+              <a:rPr lang="en-US" altLang="en-US" smtClean="0"/>
+              <a:t>Forms </a:t>
+            </a:r>
+            <a:br>
+              <a:rPr lang="en-US" altLang="en-US" smtClean="0"/>
+            </a:br>
+            <a:r>
+              <a:rPr lang="en-US" altLang="en-US" smtClean="0"/>
+              <a:t>Trigger/Call Javascript</a:t>
+            </a:r>
+          </a:p>
+        </p:txBody>
+      </p:sp>
+      <p:sp>
+        <p:nvSpPr>
+          <p:cNvPr id="24579" name="Rectangle 2"/>
+          <p:cNvSpPr>
+            <a:spLocks noGrp="1" noChangeArrowheads="1"/>
+          </p:cNvSpPr>
+          <p:nvPr>
+            <p:ph idx="1"/>
+          </p:nvPr>
+        </p:nvSpPr>
+        <p:spPr>
+          <a:xfrm>
+            <a:off x="685800" y="1981200"/>
+            <a:ext cx="7770813" cy="4113213"/>
+          </a:xfrm>
+        </p:spPr>
+        <p:txBody>
+          <a:bodyPr/>
+          <a:lstStyle/>
+          <a:p>
+            <a:pPr>
+              <a:buFont typeface="Times New Roman" panose="02020603050405020304" pitchFamily="18" charset="0"/>
+              <a:buNone/>
+            </a:pPr>
+            <a:endParaRPr lang="en-US" altLang="en-US" smtClean="0"/>
+          </a:p>
+        </p:txBody>
+      </p:sp>
+      <p:pic>
+        <p:nvPicPr>
+          <p:cNvPr id="24580" name="Picture 3"/>
+          <p:cNvPicPr>
+            <a:picLocks noChangeAspect="1" noChangeArrowheads="1"/>
+          </p:cNvPicPr>
+          <p:nvPr/>
+        </p:nvPicPr>
+        <p:blipFill>
+          <a:blip r:embed="rId3">
+            <a:extLst>
+              <a:ext uri="{28A0092B-C50C-407E-A947-70E740481C1C}">
+                <a14:useLocalDpi xmlns:a14="http://schemas.microsoft.com/office/drawing/2010/main" val="0"/>
+              </a:ext>
+            </a:extLst>
+          </a:blip>
+          <a:srcRect/>
+          <a:stretch>
+            <a:fillRect/>
+          </a:stretch>
+        </p:blipFill>
+        <p:spPr bwMode="auto">
+          <a:xfrm>
+            <a:off x="1341438" y="1981200"/>
+            <a:ext cx="6340475" cy="4535488"/>
+          </a:xfrm>
+          <a:prstGeom prst="rect">
+            <a:avLst/>
+          </a:prstGeom>
+          <a:noFill/>
+          <a:ln>
+            <a:noFill/>
+          </a:ln>
+          <a:extLst>
+            <a:ext uri="{909E8E84-426E-40DD-AFC4-6F175D3DCCD1}">
+              <a14:hiddenFill xmlns:a14="http://schemas.microsoft.com/office/drawing/2010/main">
+                <a:solidFill>
+                  <a:srgbClr val="FFFFFF"/>
+                </a:solidFill>
+              </a14:hiddenFill>
+            </a:ext>
+            <a:ext uri="{91240B29-F687-4F45-9708-019B960494DF}">
+              <a14:hiddenLine xmlns:a14="http://schemas.microsoft.com/office/drawing/2010/main" w="9525">
+                <a:solidFill>
+                  <a:srgbClr val="000000"/>
+                </a:solidFill>
+                <a:round/>
+                <a:headEnd/>
+                <a:tailEnd/>
+              </a14:hiddenLine>
+            </a:ext>
+          </a:extLst>
+        </p:spPr>
+      </p:pic>
+    </p:spTree>
+  </p:cSld>
+  <p:clrMapOvr>
+    <a:masterClrMapping/>
+  </p:clrMapOvr>
+  <p:transition spd="med"/>
+  <p:timing>
+    <p:tnLst>
+      <p:par>
+        <p:cTn id="1" dur="indefinite" restart="never" nodeType="tmRoot">
+          <p:childTnLst>
+            <p:seq concurrent="1" nextAc="seek">
+              <p:cTn id="2" dur="0" nodeType="mainSeq"/>
+              <p:prevCondLst>
+                <p:cond evt="onPrev" delay="0">
+                  <p:tgtEl>
+                    <p:sldTgt/>
+                  </p:tgtEl>
+                </p:cond>
+              </p:prevCondLst>
+              <p:nextCondLst>
+                <p:cond evt="onNext" delay="0">
+                  <p:tgtEl>
+                    <p:sldTgt/>
+                  </p:tgtEl>
+                </p:cond>
+              </p:nextCondLst>
+            </p:seq>
+          </p:childTnLst>
+        </p:cTn>
+      </p:par>
+    </p:tnLst>
+  </p:timing>
+</p:sld>
+</file>
+
+<file path=ppt/slides/slide22.xml><?xml version="1.0" encoding="utf-8"?>
+<p:sld xmlns:a="http://schemas.openxmlformats.org/drawingml/2006/main" xmlns:r="http://schemas.openxmlformats.org/officeDocument/2006/relationships" xmlns:p="http://schemas.openxmlformats.org/presentationml/2006/main">
+  <p:cSld>
+    <p:spTree>
+      <p:nvGrpSpPr>
+        <p:cNvPr id="1" name=""/>
+        <p:cNvGrpSpPr/>
+        <p:nvPr/>
+      </p:nvGrpSpPr>
+      <p:grpSpPr>
+        <a:xfrm>
+          <a:off x="0" y="0"/>
+          <a:ext cx="0" cy="0"/>
+          <a:chOff x="0" y="0"/>
+          <a:chExt cx="0" cy="0"/>
+        </a:xfrm>
+      </p:grpSpPr>
+      <p:sp>
+        <p:nvSpPr>
+          <p:cNvPr id="25602" name="Text Box 1"/>
+          <p:cNvSpPr txBox="1">
+            <a:spLocks noChangeArrowheads="1"/>
+          </p:cNvSpPr>
+          <p:nvPr/>
+        </p:nvSpPr>
+        <p:spPr bwMode="auto">
+          <a:xfrm>
+            <a:off x="685800" y="609600"/>
+            <a:ext cx="7772400" cy="1143000"/>
+          </a:xfrm>
+          <a:prstGeom prst="rect">
+            <a:avLst/>
+          </a:prstGeom>
+          <a:noFill/>
+          <a:ln>
+            <a:noFill/>
+          </a:ln>
+          <a:extLst>
+            <a:ext uri="{909E8E84-426E-40DD-AFC4-6F175D3DCCD1}">
+              <a14:hiddenFill xmlns:a14="http://schemas.microsoft.com/office/drawing/2010/main">
+                <a:solidFill>
+                  <a:srgbClr val="FFFFFF"/>
+                </a:solidFill>
+              </a14:hiddenFill>
+            </a:ext>
+            <a:ext uri="{91240B29-F687-4F45-9708-019B960494DF}">
+              <a14:hiddenLine xmlns:a14="http://schemas.microsoft.com/office/drawing/2010/main" w="9525">
+                <a:solidFill>
+                  <a:srgbClr val="000000"/>
+                </a:solidFill>
+                <a:round/>
+                <a:headEnd/>
+                <a:tailEnd/>
+              </a14:hiddenLine>
+            </a:ext>
+          </a:extLst>
+        </p:spPr>
+        <p:txBody>
+          <a:bodyPr anchor="ctr"/>
+          <a:lstStyle>
+            <a:lvl1pPr>
+              <a:tabLst>
+                <a:tab pos="0" algn="l"/>
+                <a:tab pos="457200" algn="l"/>
+                <a:tab pos="914400" algn="l"/>
+                <a:tab pos="1371600" algn="l"/>
+                <a:tab pos="1828800" algn="l"/>
+                <a:tab pos="2286000" algn="l"/>
+                <a:tab pos="2743200" algn="l"/>
+                <a:tab pos="3200400" algn="l"/>
+                <a:tab pos="3657600" algn="l"/>
+                <a:tab pos="4114800" algn="l"/>
+                <a:tab pos="4572000" algn="l"/>
+                <a:tab pos="5029200" algn="l"/>
+                <a:tab pos="5486400" algn="l"/>
+                <a:tab pos="5943600" algn="l"/>
+                <a:tab pos="6400800" algn="l"/>
+                <a:tab pos="6858000" algn="l"/>
+                <a:tab pos="7315200" algn="l"/>
+                <a:tab pos="7772400" algn="l"/>
+                <a:tab pos="8229600" algn="l"/>
+                <a:tab pos="8686800" algn="l"/>
+                <a:tab pos="9144000" algn="l"/>
+              </a:tabLst>
+              <a:defRPr sz="2400">
+                <a:solidFill>
+                  <a:schemeClr val="tx1"/>
+                </a:solidFill>
+                <a:latin typeface="Times New Roman" panose="02020603050405020304" pitchFamily="18" charset="0"/>
+              </a:defRPr>
+            </a:lvl1pPr>
+            <a:lvl2pPr marL="742950" indent="-285750">
+              <a:tabLst>
+                <a:tab pos="0" algn="l"/>
+                <a:tab pos="457200" algn="l"/>
+                <a:tab pos="914400" algn="l"/>
+                <a:tab pos="1371600" algn="l"/>
+                <a:tab pos="1828800" algn="l"/>
+                <a:tab pos="2286000" algn="l"/>
+                <a:tab pos="2743200" algn="l"/>
+                <a:tab pos="3200400" algn="l"/>
+                <a:tab pos="3657600" algn="l"/>
+                <a:tab pos="4114800" algn="l"/>
+                <a:tab pos="4572000" algn="l"/>
+                <a:tab pos="5029200" algn="l"/>
+                <a:tab pos="5486400" algn="l"/>
+                <a:tab pos="5943600" algn="l"/>
+                <a:tab pos="6400800" algn="l"/>
+                <a:tab pos="6858000" algn="l"/>
+                <a:tab pos="7315200" algn="l"/>
+                <a:tab pos="7772400" algn="l"/>
+                <a:tab pos="8229600" algn="l"/>
+                <a:tab pos="8686800" algn="l"/>
+                <a:tab pos="9144000" algn="l"/>
+              </a:tabLst>
+              <a:defRPr sz="2400">
+                <a:solidFill>
+                  <a:schemeClr val="tx1"/>
+                </a:solidFill>
+                <a:latin typeface="Times New Roman" panose="02020603050405020304" pitchFamily="18" charset="0"/>
+              </a:defRPr>
+            </a:lvl2pPr>
+            <a:lvl3pPr marL="1143000" indent="-228600">
+              <a:tabLst>
+                <a:tab pos="0" algn="l"/>
+                <a:tab pos="457200" algn="l"/>
+                <a:tab pos="914400" algn="l"/>
+                <a:tab pos="1371600" algn="l"/>
+                <a:tab pos="1828800" algn="l"/>
+                <a:tab pos="2286000" algn="l"/>
+                <a:tab pos="2743200" algn="l"/>
+                <a:tab pos="3200400" algn="l"/>
+                <a:tab pos="3657600" algn="l"/>
+                <a:tab pos="4114800" algn="l"/>
+                <a:tab pos="4572000" algn="l"/>
+                <a:tab pos="5029200" algn="l"/>
+                <a:tab pos="5486400" algn="l"/>
+                <a:tab pos="5943600" algn="l"/>
+                <a:tab pos="6400800" algn="l"/>
+                <a:tab pos="6858000" algn="l"/>
+                <a:tab pos="7315200" algn="l"/>
+                <a:tab pos="7772400" algn="l"/>
+                <a:tab pos="8229600" algn="l"/>
+                <a:tab pos="8686800" algn="l"/>
+                <a:tab pos="9144000" algn="l"/>
+              </a:tabLst>
+              <a:defRPr sz="2400">
+                <a:solidFill>
+                  <a:schemeClr val="tx1"/>
+                </a:solidFill>
+                <a:latin typeface="Times New Roman" panose="02020603050405020304" pitchFamily="18" charset="0"/>
+              </a:defRPr>
+            </a:lvl3pPr>
+            <a:lvl4pPr marL="1600200" indent="-228600">
+              <a:tabLst>
+                <a:tab pos="0" algn="l"/>
+                <a:tab pos="457200" algn="l"/>
+                <a:tab pos="914400" algn="l"/>
+                <a:tab pos="1371600" algn="l"/>
+                <a:tab pos="1828800" algn="l"/>
+                <a:tab pos="2286000" algn="l"/>
+                <a:tab pos="2743200" algn="l"/>
+                <a:tab pos="3200400" algn="l"/>
+                <a:tab pos="3657600" algn="l"/>
+                <a:tab pos="4114800" algn="l"/>
+                <a:tab pos="4572000" algn="l"/>
+                <a:tab pos="5029200" algn="l"/>
+                <a:tab pos="5486400" algn="l"/>
+                <a:tab pos="5943600" algn="l"/>
+                <a:tab pos="6400800" algn="l"/>
+                <a:tab pos="6858000" algn="l"/>
+                <a:tab pos="7315200" algn="l"/>
+                <a:tab pos="7772400" algn="l"/>
+                <a:tab pos="8229600" algn="l"/>
+                <a:tab pos="8686800" algn="l"/>
+                <a:tab pos="9144000" algn="l"/>
+              </a:tabLst>
+              <a:defRPr sz="2400">
+                <a:solidFill>
+                  <a:schemeClr val="tx1"/>
+                </a:solidFill>
+                <a:latin typeface="Times New Roman" panose="02020603050405020304" pitchFamily="18" charset="0"/>
+              </a:defRPr>
+            </a:lvl4pPr>
+            <a:lvl5pPr marL="2057400" indent="-228600">
+              <a:tabLst>
+                <a:tab pos="0" algn="l"/>
+                <a:tab pos="457200" algn="l"/>
+                <a:tab pos="914400" algn="l"/>
+                <a:tab pos="1371600" algn="l"/>
+                <a:tab pos="1828800" algn="l"/>
+                <a:tab pos="2286000" algn="l"/>
+                <a:tab pos="2743200" algn="l"/>
+                <a:tab pos="3200400" algn="l"/>
+                <a:tab pos="3657600" algn="l"/>
+                <a:tab pos="4114800" algn="l"/>
+                <a:tab pos="4572000" algn="l"/>
+                <a:tab pos="5029200" algn="l"/>
+                <a:tab pos="5486400" algn="l"/>
+                <a:tab pos="5943600" algn="l"/>
+                <a:tab pos="6400800" algn="l"/>
+                <a:tab pos="6858000" algn="l"/>
+                <a:tab pos="7315200" algn="l"/>
+                <a:tab pos="7772400" algn="l"/>
+                <a:tab pos="8229600" algn="l"/>
+                <a:tab pos="8686800" algn="l"/>
+                <a:tab pos="9144000" algn="l"/>
+              </a:tabLst>
+              <a:defRPr sz="2400">
+                <a:solidFill>
+                  <a:schemeClr val="tx1"/>
+                </a:solidFill>
+                <a:latin typeface="Times New Roman" panose="02020603050405020304" pitchFamily="18" charset="0"/>
+              </a:defRPr>
+            </a:lvl5pPr>
+            <a:lvl6pPr marL="2514600" indent="-228600" eaLnBrk="0" fontAlgn="base" hangingPunct="0">
               <a:spcBef>
-                <a:spcPts val="800"/>
+                <a:spcPct val="0"/>
               </a:spcBef>
+              <a:spcAft>
+                <a:spcPct val="0"/>
+              </a:spcAft>
+              <a:tabLst>
+                <a:tab pos="0" algn="l"/>
+                <a:tab pos="457200" algn="l"/>
+                <a:tab pos="914400" algn="l"/>
+                <a:tab pos="1371600" algn="l"/>
+                <a:tab pos="1828800" algn="l"/>
+                <a:tab pos="2286000" algn="l"/>
+                <a:tab pos="2743200" algn="l"/>
+                <a:tab pos="3200400" algn="l"/>
+                <a:tab pos="3657600" algn="l"/>
+                <a:tab pos="4114800" algn="l"/>
+                <a:tab pos="4572000" algn="l"/>
+                <a:tab pos="5029200" algn="l"/>
+                <a:tab pos="5486400" algn="l"/>
+                <a:tab pos="5943600" algn="l"/>
+                <a:tab pos="6400800" algn="l"/>
+                <a:tab pos="6858000" algn="l"/>
+                <a:tab pos="7315200" algn="l"/>
+                <a:tab pos="7772400" algn="l"/>
+                <a:tab pos="8229600" algn="l"/>
+                <a:tab pos="8686800" algn="l"/>
+                <a:tab pos="9144000" algn="l"/>
+              </a:tabLst>
+              <a:defRPr sz="2400">
+                <a:solidFill>
+                  <a:schemeClr val="tx1"/>
+                </a:solidFill>
+                <a:latin typeface="Times New Roman" panose="02020603050405020304" pitchFamily="18" charset="0"/>
+              </a:defRPr>
+            </a:lvl6pPr>
+            <a:lvl7pPr marL="2971800" indent="-228600" eaLnBrk="0" fontAlgn="base" hangingPunct="0">
+              <a:spcBef>
+                <a:spcPct val="0"/>
+              </a:spcBef>
+              <a:spcAft>
+                <a:spcPct val="0"/>
+              </a:spcAft>
+              <a:tabLst>
+                <a:tab pos="0" algn="l"/>
+                <a:tab pos="457200" algn="l"/>
+                <a:tab pos="914400" algn="l"/>
+                <a:tab pos="1371600" algn="l"/>
+                <a:tab pos="1828800" algn="l"/>
+                <a:tab pos="2286000" algn="l"/>
+                <a:tab pos="2743200" algn="l"/>
+                <a:tab pos="3200400" algn="l"/>
+                <a:tab pos="3657600" algn="l"/>
+                <a:tab pos="4114800" algn="l"/>
+                <a:tab pos="4572000" algn="l"/>
+                <a:tab pos="5029200" algn="l"/>
+                <a:tab pos="5486400" algn="l"/>
+                <a:tab pos="5943600" algn="l"/>
+                <a:tab pos="6400800" algn="l"/>
+                <a:tab pos="6858000" algn="l"/>
+                <a:tab pos="7315200" algn="l"/>
+                <a:tab pos="7772400" algn="l"/>
+                <a:tab pos="8229600" algn="l"/>
+                <a:tab pos="8686800" algn="l"/>
+                <a:tab pos="9144000" algn="l"/>
+              </a:tabLst>
+              <a:defRPr sz="2400">
+                <a:solidFill>
+                  <a:schemeClr val="tx1"/>
+                </a:solidFill>
+                <a:latin typeface="Times New Roman" panose="02020603050405020304" pitchFamily="18" charset="0"/>
+              </a:defRPr>
+            </a:lvl7pPr>
+            <a:lvl8pPr marL="3429000" indent="-228600" eaLnBrk="0" fontAlgn="base" hangingPunct="0">
+              <a:spcBef>
+                <a:spcPct val="0"/>
+              </a:spcBef>
+              <a:spcAft>
+                <a:spcPct val="0"/>
+              </a:spcAft>
+              <a:tabLst>
+                <a:tab pos="0" algn="l"/>
+                <a:tab pos="457200" algn="l"/>
+                <a:tab pos="914400" algn="l"/>
+                <a:tab pos="1371600" algn="l"/>
+                <a:tab pos="1828800" algn="l"/>
+                <a:tab pos="2286000" algn="l"/>
+                <a:tab pos="2743200" algn="l"/>
+                <a:tab pos="3200400" algn="l"/>
+                <a:tab pos="3657600" algn="l"/>
+                <a:tab pos="4114800" algn="l"/>
+                <a:tab pos="4572000" algn="l"/>
+                <a:tab pos="5029200" algn="l"/>
+                <a:tab pos="5486400" algn="l"/>
+                <a:tab pos="5943600" algn="l"/>
+                <a:tab pos="6400800" algn="l"/>
+                <a:tab pos="6858000" algn="l"/>
+                <a:tab pos="7315200" algn="l"/>
+                <a:tab pos="7772400" algn="l"/>
+                <a:tab pos="8229600" algn="l"/>
+                <a:tab pos="8686800" algn="l"/>
+                <a:tab pos="9144000" algn="l"/>
+              </a:tabLst>
+              <a:defRPr sz="2400">
+                <a:solidFill>
+                  <a:schemeClr val="tx1"/>
+                </a:solidFill>
+                <a:latin typeface="Times New Roman" panose="02020603050405020304" pitchFamily="18" charset="0"/>
+              </a:defRPr>
+            </a:lvl8pPr>
+            <a:lvl9pPr marL="3886200" indent="-228600" eaLnBrk="0" fontAlgn="base" hangingPunct="0">
+              <a:spcBef>
+                <a:spcPct val="0"/>
+              </a:spcBef>
+              <a:spcAft>
+                <a:spcPct val="0"/>
+              </a:spcAft>
+              <a:tabLst>
+                <a:tab pos="0" algn="l"/>
+                <a:tab pos="457200" algn="l"/>
+                <a:tab pos="914400" algn="l"/>
+                <a:tab pos="1371600" algn="l"/>
+                <a:tab pos="1828800" algn="l"/>
+                <a:tab pos="2286000" algn="l"/>
+                <a:tab pos="2743200" algn="l"/>
+                <a:tab pos="3200400" algn="l"/>
+                <a:tab pos="3657600" algn="l"/>
+                <a:tab pos="4114800" algn="l"/>
+                <a:tab pos="4572000" algn="l"/>
+                <a:tab pos="5029200" algn="l"/>
+                <a:tab pos="5486400" algn="l"/>
+                <a:tab pos="5943600" algn="l"/>
+                <a:tab pos="6400800" algn="l"/>
+                <a:tab pos="6858000" algn="l"/>
+                <a:tab pos="7315200" algn="l"/>
+                <a:tab pos="7772400" algn="l"/>
+                <a:tab pos="8229600" algn="l"/>
+                <a:tab pos="8686800" algn="l"/>
+                <a:tab pos="9144000" algn="l"/>
+              </a:tabLst>
+              <a:defRPr sz="2400">
+                <a:solidFill>
+                  <a:schemeClr val="tx1"/>
+                </a:solidFill>
+                <a:latin typeface="Times New Roman" panose="02020603050405020304" pitchFamily="18" charset="0"/>
+              </a:defRPr>
+            </a:lvl9pPr>
+          </a:lstStyle>
+          <a:p>
+            <a:pPr algn="ctr"/>
+            <a:r>
+              <a:rPr lang="en-GB" altLang="en-US" sz="4400">
+                <a:solidFill>
+                  <a:srgbClr val="000000"/>
+                </a:solidFill>
+                <a:latin typeface="Arial" panose="020B0604020202020204" pitchFamily="34" charset="0"/>
+              </a:rPr>
+              <a:t>This Week</a:t>
+            </a:r>
+          </a:p>
+        </p:txBody>
+      </p:sp>
+      <p:sp>
+        <p:nvSpPr>
+          <p:cNvPr id="25603" name="Text Box 2"/>
+          <p:cNvSpPr txBox="1">
+            <a:spLocks noChangeArrowheads="1"/>
+          </p:cNvSpPr>
+          <p:nvPr/>
+        </p:nvSpPr>
+        <p:spPr bwMode="auto">
+          <a:xfrm>
+            <a:off x="685800" y="1752600"/>
+            <a:ext cx="7772400" cy="4343400"/>
+          </a:xfrm>
+          <a:prstGeom prst="rect">
+            <a:avLst/>
+          </a:prstGeom>
+          <a:noFill/>
+          <a:ln>
+            <a:noFill/>
+          </a:ln>
+          <a:extLst>
+            <a:ext uri="{909E8E84-426E-40DD-AFC4-6F175D3DCCD1}">
+              <a14:hiddenFill xmlns:a14="http://schemas.microsoft.com/office/drawing/2010/main">
+                <a:solidFill>
+                  <a:srgbClr val="FFFFFF"/>
+                </a:solidFill>
+              </a14:hiddenFill>
+            </a:ext>
+            <a:ext uri="{91240B29-F687-4F45-9708-019B960494DF}">
+              <a14:hiddenLine xmlns:a14="http://schemas.microsoft.com/office/drawing/2010/main" w="9525">
+                <a:solidFill>
+                  <a:srgbClr val="000000"/>
+                </a:solidFill>
+                <a:round/>
+                <a:headEnd/>
+                <a:tailEnd/>
+              </a14:hiddenLine>
+            </a:ext>
+          </a:extLst>
+        </p:spPr>
+        <p:txBody>
+          <a:bodyPr/>
+          <a:lstStyle>
+            <a:lvl1pPr marL="339725" indent="-339725">
+              <a:tabLst>
+                <a:tab pos="339725" algn="l"/>
+                <a:tab pos="796925" algn="l"/>
+                <a:tab pos="1254125" algn="l"/>
+                <a:tab pos="1711325" algn="l"/>
+                <a:tab pos="2168525" algn="l"/>
+                <a:tab pos="2625725" algn="l"/>
+                <a:tab pos="3082925" algn="l"/>
+                <a:tab pos="3540125" algn="l"/>
+                <a:tab pos="3997325" algn="l"/>
+                <a:tab pos="4454525" algn="l"/>
+                <a:tab pos="4911725" algn="l"/>
+                <a:tab pos="5368925" algn="l"/>
+                <a:tab pos="5826125" algn="l"/>
+                <a:tab pos="6283325" algn="l"/>
+                <a:tab pos="6740525" algn="l"/>
+                <a:tab pos="7197725" algn="l"/>
+                <a:tab pos="7654925" algn="l"/>
+                <a:tab pos="8112125" algn="l"/>
+                <a:tab pos="8569325" algn="l"/>
+                <a:tab pos="9026525" algn="l"/>
+                <a:tab pos="9483725" algn="l"/>
+              </a:tabLst>
+              <a:defRPr sz="2400">
+                <a:solidFill>
+                  <a:schemeClr val="tx1"/>
+                </a:solidFill>
+                <a:latin typeface="Times New Roman" panose="02020603050405020304" pitchFamily="18" charset="0"/>
+              </a:defRPr>
+            </a:lvl1pPr>
+            <a:lvl2pPr marL="739775" indent="-282575">
+              <a:tabLst>
+                <a:tab pos="339725" algn="l"/>
+                <a:tab pos="796925" algn="l"/>
+                <a:tab pos="1254125" algn="l"/>
+                <a:tab pos="1711325" algn="l"/>
+                <a:tab pos="2168525" algn="l"/>
+                <a:tab pos="2625725" algn="l"/>
+                <a:tab pos="3082925" algn="l"/>
+                <a:tab pos="3540125" algn="l"/>
+                <a:tab pos="3997325" algn="l"/>
+                <a:tab pos="4454525" algn="l"/>
+                <a:tab pos="4911725" algn="l"/>
+                <a:tab pos="5368925" algn="l"/>
+                <a:tab pos="5826125" algn="l"/>
+                <a:tab pos="6283325" algn="l"/>
+                <a:tab pos="6740525" algn="l"/>
+                <a:tab pos="7197725" algn="l"/>
+                <a:tab pos="7654925" algn="l"/>
+                <a:tab pos="8112125" algn="l"/>
+                <a:tab pos="8569325" algn="l"/>
+                <a:tab pos="9026525" algn="l"/>
+                <a:tab pos="9483725" algn="l"/>
+              </a:tabLst>
+              <a:defRPr sz="2400">
+                <a:solidFill>
+                  <a:schemeClr val="tx1"/>
+                </a:solidFill>
+                <a:latin typeface="Times New Roman" panose="02020603050405020304" pitchFamily="18" charset="0"/>
+              </a:defRPr>
+            </a:lvl2pPr>
+            <a:lvl3pPr marL="1143000" indent="-228600">
+              <a:tabLst>
+                <a:tab pos="339725" algn="l"/>
+                <a:tab pos="796925" algn="l"/>
+                <a:tab pos="1254125" algn="l"/>
+                <a:tab pos="1711325" algn="l"/>
+                <a:tab pos="2168525" algn="l"/>
+                <a:tab pos="2625725" algn="l"/>
+                <a:tab pos="3082925" algn="l"/>
+                <a:tab pos="3540125" algn="l"/>
+                <a:tab pos="3997325" algn="l"/>
+                <a:tab pos="4454525" algn="l"/>
+                <a:tab pos="4911725" algn="l"/>
+                <a:tab pos="5368925" algn="l"/>
+                <a:tab pos="5826125" algn="l"/>
+                <a:tab pos="6283325" algn="l"/>
+                <a:tab pos="6740525" algn="l"/>
+                <a:tab pos="7197725" algn="l"/>
+                <a:tab pos="7654925" algn="l"/>
+                <a:tab pos="8112125" algn="l"/>
+                <a:tab pos="8569325" algn="l"/>
+                <a:tab pos="9026525" algn="l"/>
+                <a:tab pos="9483725" algn="l"/>
+              </a:tabLst>
+              <a:defRPr sz="2400">
+                <a:solidFill>
+                  <a:schemeClr val="tx1"/>
+                </a:solidFill>
+                <a:latin typeface="Times New Roman" panose="02020603050405020304" pitchFamily="18" charset="0"/>
+              </a:defRPr>
+            </a:lvl3pPr>
+            <a:lvl4pPr marL="1600200" indent="-228600">
+              <a:tabLst>
+                <a:tab pos="339725" algn="l"/>
+                <a:tab pos="796925" algn="l"/>
+                <a:tab pos="1254125" algn="l"/>
+                <a:tab pos="1711325" algn="l"/>
+                <a:tab pos="2168525" algn="l"/>
+                <a:tab pos="2625725" algn="l"/>
+                <a:tab pos="3082925" algn="l"/>
+                <a:tab pos="3540125" algn="l"/>
+                <a:tab pos="3997325" algn="l"/>
+                <a:tab pos="4454525" algn="l"/>
+                <a:tab pos="4911725" algn="l"/>
+                <a:tab pos="5368925" algn="l"/>
+                <a:tab pos="5826125" algn="l"/>
+                <a:tab pos="6283325" algn="l"/>
+                <a:tab pos="6740525" algn="l"/>
+                <a:tab pos="7197725" algn="l"/>
+                <a:tab pos="7654925" algn="l"/>
+                <a:tab pos="8112125" algn="l"/>
+                <a:tab pos="8569325" algn="l"/>
+                <a:tab pos="9026525" algn="l"/>
+                <a:tab pos="9483725" algn="l"/>
+              </a:tabLst>
+              <a:defRPr sz="2400">
+                <a:solidFill>
+                  <a:schemeClr val="tx1"/>
+                </a:solidFill>
+                <a:latin typeface="Times New Roman" panose="02020603050405020304" pitchFamily="18" charset="0"/>
+              </a:defRPr>
+            </a:lvl4pPr>
+            <a:lvl5pPr marL="2057400" indent="-228600">
+              <a:tabLst>
+                <a:tab pos="339725" algn="l"/>
+                <a:tab pos="796925" algn="l"/>
+                <a:tab pos="1254125" algn="l"/>
+                <a:tab pos="1711325" algn="l"/>
+                <a:tab pos="2168525" algn="l"/>
+                <a:tab pos="2625725" algn="l"/>
+                <a:tab pos="3082925" algn="l"/>
+                <a:tab pos="3540125" algn="l"/>
+                <a:tab pos="3997325" algn="l"/>
+                <a:tab pos="4454525" algn="l"/>
+                <a:tab pos="4911725" algn="l"/>
+                <a:tab pos="5368925" algn="l"/>
+                <a:tab pos="5826125" algn="l"/>
+                <a:tab pos="6283325" algn="l"/>
+                <a:tab pos="6740525" algn="l"/>
+                <a:tab pos="7197725" algn="l"/>
+                <a:tab pos="7654925" algn="l"/>
+                <a:tab pos="8112125" algn="l"/>
+                <a:tab pos="8569325" algn="l"/>
+                <a:tab pos="9026525" algn="l"/>
+                <a:tab pos="9483725" algn="l"/>
+              </a:tabLst>
+              <a:defRPr sz="2400">
+                <a:solidFill>
+                  <a:schemeClr val="tx1"/>
+                </a:solidFill>
+                <a:latin typeface="Times New Roman" panose="02020603050405020304" pitchFamily="18" charset="0"/>
+              </a:defRPr>
+            </a:lvl5pPr>
+            <a:lvl6pPr marL="2514600" indent="-228600" eaLnBrk="0" fontAlgn="base" hangingPunct="0">
+              <a:spcBef>
+                <a:spcPct val="0"/>
+              </a:spcBef>
+              <a:spcAft>
+                <a:spcPct val="0"/>
+              </a:spcAft>
+              <a:tabLst>
+                <a:tab pos="339725" algn="l"/>
+                <a:tab pos="796925" algn="l"/>
+                <a:tab pos="1254125" algn="l"/>
+                <a:tab pos="1711325" algn="l"/>
+                <a:tab pos="2168525" algn="l"/>
+                <a:tab pos="2625725" algn="l"/>
+                <a:tab pos="3082925" algn="l"/>
+                <a:tab pos="3540125" algn="l"/>
+                <a:tab pos="3997325" algn="l"/>
+                <a:tab pos="4454525" algn="l"/>
+                <a:tab pos="4911725" algn="l"/>
+                <a:tab pos="5368925" algn="l"/>
+                <a:tab pos="5826125" algn="l"/>
+                <a:tab pos="6283325" algn="l"/>
+                <a:tab pos="6740525" algn="l"/>
+                <a:tab pos="7197725" algn="l"/>
+                <a:tab pos="7654925" algn="l"/>
+                <a:tab pos="8112125" algn="l"/>
+                <a:tab pos="8569325" algn="l"/>
+                <a:tab pos="9026525" algn="l"/>
+                <a:tab pos="9483725" algn="l"/>
+              </a:tabLst>
+              <a:defRPr sz="2400">
+                <a:solidFill>
+                  <a:schemeClr val="tx1"/>
+                </a:solidFill>
+                <a:latin typeface="Times New Roman" panose="02020603050405020304" pitchFamily="18" charset="0"/>
+              </a:defRPr>
+            </a:lvl6pPr>
+            <a:lvl7pPr marL="2971800" indent="-228600" eaLnBrk="0" fontAlgn="base" hangingPunct="0">
+              <a:spcBef>
+                <a:spcPct val="0"/>
+              </a:spcBef>
+              <a:spcAft>
+                <a:spcPct val="0"/>
+              </a:spcAft>
+              <a:tabLst>
+                <a:tab pos="339725" algn="l"/>
+                <a:tab pos="796925" algn="l"/>
+                <a:tab pos="1254125" algn="l"/>
+                <a:tab pos="1711325" algn="l"/>
+                <a:tab pos="2168525" algn="l"/>
+                <a:tab pos="2625725" algn="l"/>
+                <a:tab pos="3082925" algn="l"/>
+                <a:tab pos="3540125" algn="l"/>
+                <a:tab pos="3997325" algn="l"/>
+                <a:tab pos="4454525" algn="l"/>
+                <a:tab pos="4911725" algn="l"/>
+                <a:tab pos="5368925" algn="l"/>
+                <a:tab pos="5826125" algn="l"/>
+                <a:tab pos="6283325" algn="l"/>
+                <a:tab pos="6740525" algn="l"/>
+                <a:tab pos="7197725" algn="l"/>
+                <a:tab pos="7654925" algn="l"/>
+                <a:tab pos="8112125" algn="l"/>
+                <a:tab pos="8569325" algn="l"/>
+                <a:tab pos="9026525" algn="l"/>
+                <a:tab pos="9483725" algn="l"/>
+              </a:tabLst>
+              <a:defRPr sz="2400">
+                <a:solidFill>
+                  <a:schemeClr val="tx1"/>
+                </a:solidFill>
+                <a:latin typeface="Times New Roman" panose="02020603050405020304" pitchFamily="18" charset="0"/>
+              </a:defRPr>
+            </a:lvl7pPr>
+            <a:lvl8pPr marL="3429000" indent="-228600" eaLnBrk="0" fontAlgn="base" hangingPunct="0">
+              <a:spcBef>
+                <a:spcPct val="0"/>
+              </a:spcBef>
+              <a:spcAft>
+                <a:spcPct val="0"/>
+              </a:spcAft>
+              <a:tabLst>
+                <a:tab pos="339725" algn="l"/>
+                <a:tab pos="796925" algn="l"/>
+                <a:tab pos="1254125" algn="l"/>
+                <a:tab pos="1711325" algn="l"/>
+                <a:tab pos="2168525" algn="l"/>
+                <a:tab pos="2625725" algn="l"/>
+                <a:tab pos="3082925" algn="l"/>
+                <a:tab pos="3540125" algn="l"/>
+                <a:tab pos="3997325" algn="l"/>
+                <a:tab pos="4454525" algn="l"/>
+                <a:tab pos="4911725" algn="l"/>
+                <a:tab pos="5368925" algn="l"/>
+                <a:tab pos="5826125" algn="l"/>
+                <a:tab pos="6283325" algn="l"/>
+                <a:tab pos="6740525" algn="l"/>
+                <a:tab pos="7197725" algn="l"/>
+                <a:tab pos="7654925" algn="l"/>
+                <a:tab pos="8112125" algn="l"/>
+                <a:tab pos="8569325" algn="l"/>
+                <a:tab pos="9026525" algn="l"/>
+                <a:tab pos="9483725" algn="l"/>
+              </a:tabLst>
+              <a:defRPr sz="2400">
+                <a:solidFill>
+                  <a:schemeClr val="tx1"/>
+                </a:solidFill>
+                <a:latin typeface="Times New Roman" panose="02020603050405020304" pitchFamily="18" charset="0"/>
+              </a:defRPr>
+            </a:lvl8pPr>
+            <a:lvl9pPr marL="3886200" indent="-228600" eaLnBrk="0" fontAlgn="base" hangingPunct="0">
+              <a:spcBef>
+                <a:spcPct val="0"/>
+              </a:spcBef>
+              <a:spcAft>
+                <a:spcPct val="0"/>
+              </a:spcAft>
+              <a:tabLst>
+                <a:tab pos="339725" algn="l"/>
+                <a:tab pos="796925" algn="l"/>
+                <a:tab pos="1254125" algn="l"/>
+                <a:tab pos="1711325" algn="l"/>
+                <a:tab pos="2168525" algn="l"/>
+                <a:tab pos="2625725" algn="l"/>
+                <a:tab pos="3082925" algn="l"/>
+                <a:tab pos="3540125" algn="l"/>
+                <a:tab pos="3997325" algn="l"/>
+                <a:tab pos="4454525" algn="l"/>
+                <a:tab pos="4911725" algn="l"/>
+                <a:tab pos="5368925" algn="l"/>
+                <a:tab pos="5826125" algn="l"/>
+                <a:tab pos="6283325" algn="l"/>
+                <a:tab pos="6740525" algn="l"/>
+                <a:tab pos="7197725" algn="l"/>
+                <a:tab pos="7654925" algn="l"/>
+                <a:tab pos="8112125" algn="l"/>
+                <a:tab pos="8569325" algn="l"/>
+                <a:tab pos="9026525" algn="l"/>
+                <a:tab pos="9483725" algn="l"/>
+              </a:tabLst>
+              <a:defRPr sz="2400">
+                <a:solidFill>
+                  <a:schemeClr val="tx1"/>
+                </a:solidFill>
+                <a:latin typeface="Times New Roman" panose="02020603050405020304" pitchFamily="18" charset="0"/>
+              </a:defRPr>
+            </a:lvl9pPr>
+          </a:lstStyle>
+          <a:p>
+            <a:pPr>
+              <a:lnSpc>
+                <a:spcPct val="80000"/>
+              </a:lnSpc>
+              <a:spcBef>
+                <a:spcPts val="750"/>
+              </a:spcBef>
+              <a:buSzPct val="107000"/>
               <a:buFont typeface="Times New Roman" panose="02020603050405020304" pitchFamily="18" charset="0"/>
               <a:buBlip>
                 <a:blip r:embed="rId3"/>
               </a:buBlip>
             </a:pPr>
             <a:r>
-              <a:rPr lang="en-US" altLang="en-US" sz="3200" dirty="0">
+              <a:rPr lang="en-GB" altLang="en-US" sz="3000" dirty="0">
                 <a:solidFill>
                   <a:srgbClr val="000000"/>
                 </a:solidFill>
                 <a:latin typeface="Arial" panose="020B0604020202020204" pitchFamily="34" charset="0"/>
               </a:rPr>
-              <a:t>Review/Discussion</a:t>
+              <a:t>Review Slides</a:t>
             </a:r>
+          </a:p>
+          <a:p>
+            <a:pPr>
+              <a:lnSpc>
+                <a:spcPct val="80000"/>
+              </a:lnSpc>
+              <a:spcBef>
+                <a:spcPts val="750"/>
+              </a:spcBef>
+              <a:buSzPct val="107000"/>
+              <a:buFont typeface="Times New Roman" panose="02020603050405020304" pitchFamily="18" charset="0"/>
+              <a:buBlip>
+                <a:blip r:embed="rId3"/>
+              </a:buBlip>
+            </a:pPr>
+            <a:r>
+              <a:rPr lang="en-GB" altLang="en-US" sz="3000" dirty="0">
+                <a:solidFill>
+                  <a:srgbClr val="000000"/>
+                </a:solidFill>
+                <a:latin typeface="Arial" panose="020B0604020202020204" pitchFamily="34" charset="0"/>
+              </a:rPr>
+              <a:t>Read Associated Chapters</a:t>
+            </a:r>
+          </a:p>
+          <a:p>
+            <a:pPr>
+              <a:lnSpc>
+                <a:spcPct val="80000"/>
+              </a:lnSpc>
+              <a:spcBef>
+                <a:spcPts val="750"/>
+              </a:spcBef>
+              <a:buSzPct val="107000"/>
+              <a:buFont typeface="Times New Roman" panose="02020603050405020304" pitchFamily="18" charset="0"/>
+              <a:buBlip>
+                <a:blip r:embed="rId3"/>
+              </a:buBlip>
+            </a:pPr>
+            <a:r>
+              <a:rPr lang="en-GB" altLang="en-US" sz="3000" dirty="0">
+                <a:solidFill>
+                  <a:srgbClr val="000000"/>
+                </a:solidFill>
+                <a:latin typeface="Arial" panose="020B0604020202020204" pitchFamily="34" charset="0"/>
+              </a:rPr>
+              <a:t>Work through </a:t>
+            </a:r>
+            <a:r>
+              <a:rPr lang="en-GB" altLang="en-US" sz="3000" dirty="0" err="1">
+                <a:solidFill>
+                  <a:srgbClr val="000000"/>
+                </a:solidFill>
+                <a:latin typeface="Arial" panose="020B0604020202020204" pitchFamily="34" charset="0"/>
+              </a:rPr>
+              <a:t>Javascript</a:t>
+            </a:r>
+            <a:r>
+              <a:rPr lang="en-GB" altLang="en-US" sz="3000" dirty="0">
+                <a:solidFill>
+                  <a:srgbClr val="000000"/>
+                </a:solidFill>
+                <a:latin typeface="Arial" panose="020B0604020202020204" pitchFamily="34" charset="0"/>
+              </a:rPr>
+              <a:t> Examples</a:t>
+            </a:r>
+          </a:p>
+          <a:p>
+            <a:pPr lvl="1">
+              <a:lnSpc>
+                <a:spcPct val="80000"/>
+              </a:lnSpc>
+              <a:spcBef>
+                <a:spcPts val="650"/>
+              </a:spcBef>
+              <a:buFont typeface="Wingdings 3" panose="05040102010807070707" pitchFamily="18" charset="2"/>
+              <a:buChar char=""/>
+            </a:pPr>
+            <a:r>
+              <a:rPr lang="en-GB" altLang="en-US" sz="2600" dirty="0">
+                <a:solidFill>
+                  <a:srgbClr val="000000"/>
+                </a:solidFill>
+                <a:latin typeface="Arial" panose="020B0604020202020204" pitchFamily="34" charset="0"/>
+              </a:rPr>
+              <a:t>Update GitHub Account/Webpage</a:t>
+            </a:r>
+          </a:p>
+          <a:p>
+            <a:pPr>
+              <a:lnSpc>
+                <a:spcPct val="80000"/>
+              </a:lnSpc>
+              <a:spcBef>
+                <a:spcPts val="750"/>
+              </a:spcBef>
+              <a:buSzPct val="107000"/>
+              <a:buFont typeface="Arial" panose="020B0604020202020204" pitchFamily="34" charset="0"/>
+              <a:buBlip>
+                <a:blip r:embed="rId3"/>
+              </a:buBlip>
+            </a:pPr>
+            <a:r>
+              <a:rPr lang="en-GB" altLang="en-US" sz="3000" b="1" u="sng" dirty="0" smtClean="0">
+                <a:solidFill>
+                  <a:srgbClr val="000000"/>
+                </a:solidFill>
+                <a:latin typeface="Arial" panose="020B0604020202020204" pitchFamily="34" charset="0"/>
+              </a:rPr>
+              <a:t>Group Project (Christmas Theme)</a:t>
+            </a:r>
+          </a:p>
+          <a:p>
+            <a:pPr lvl="1">
+              <a:lnSpc>
+                <a:spcPct val="80000"/>
+              </a:lnSpc>
+              <a:spcBef>
+                <a:spcPts val="750"/>
+              </a:spcBef>
+              <a:buSzPct val="107000"/>
+              <a:buFont typeface="Arial" panose="020B0604020202020204" pitchFamily="34" charset="0"/>
+              <a:buBlip>
+                <a:blip r:embed="rId3"/>
+              </a:buBlip>
+            </a:pPr>
+            <a:r>
+              <a:rPr lang="en-GB" altLang="en-US" sz="3000" b="1" u="sng" dirty="0" smtClean="0">
+                <a:solidFill>
+                  <a:srgbClr val="000000"/>
+                </a:solidFill>
+                <a:latin typeface="Arial" panose="020B0604020202020204" pitchFamily="34" charset="0"/>
+              </a:rPr>
+              <a:t>Website &amp; </a:t>
+            </a:r>
+            <a:r>
+              <a:rPr lang="en-GB" altLang="en-US" sz="3000" b="1" u="sng" dirty="0" err="1" smtClean="0">
+                <a:solidFill>
+                  <a:srgbClr val="000000"/>
+                </a:solidFill>
+                <a:latin typeface="Arial" panose="020B0604020202020204" pitchFamily="34" charset="0"/>
+              </a:rPr>
+              <a:t>Javascript</a:t>
+            </a:r>
+            <a:r>
+              <a:rPr lang="en-GB" altLang="en-US" sz="3000" b="1" u="sng" dirty="0" smtClean="0">
+                <a:solidFill>
+                  <a:srgbClr val="000000"/>
+                </a:solidFill>
+                <a:latin typeface="Arial" panose="020B0604020202020204" pitchFamily="34" charset="0"/>
+              </a:rPr>
+              <a:t> Game</a:t>
+            </a:r>
+          </a:p>
+          <a:p>
+            <a:pPr marL="457200" lvl="1" indent="0">
+              <a:lnSpc>
+                <a:spcPct val="80000"/>
+              </a:lnSpc>
+              <a:spcBef>
+                <a:spcPts val="750"/>
+              </a:spcBef>
+              <a:buSzPct val="107000"/>
+            </a:pPr>
+            <a:endParaRPr lang="en-GB" altLang="en-US" sz="3000" b="1" u="sng" dirty="0" smtClean="0">
+              <a:solidFill>
+                <a:srgbClr val="000000"/>
+              </a:solidFill>
+              <a:latin typeface="Arial" panose="020B0604020202020204" pitchFamily="34" charset="0"/>
+            </a:endParaRPr>
+          </a:p>
+          <a:p>
+            <a:pPr>
+              <a:lnSpc>
+                <a:spcPct val="80000"/>
+              </a:lnSpc>
+              <a:spcBef>
+                <a:spcPts val="750"/>
+              </a:spcBef>
+              <a:buSzPct val="107000"/>
+              <a:buFont typeface="Arial" panose="020B0604020202020204" pitchFamily="34" charset="0"/>
+              <a:buBlip>
+                <a:blip r:embed="rId3"/>
+              </a:buBlip>
+            </a:pPr>
+            <a:r>
+              <a:rPr lang="en-GB" altLang="en-US" sz="3000" b="1" u="sng" dirty="0" smtClean="0">
+                <a:solidFill>
+                  <a:srgbClr val="000000"/>
+                </a:solidFill>
+                <a:latin typeface="Arial" panose="020B0604020202020204" pitchFamily="34" charset="0"/>
+              </a:rPr>
+              <a:t>Demonstrate Individual Projects</a:t>
+            </a:r>
+            <a:endParaRPr lang="en-GB" altLang="en-US" sz="3000" b="1" u="sng" dirty="0">
+              <a:solidFill>
+                <a:srgbClr val="000000"/>
+              </a:solidFill>
+              <a:latin typeface="Arial" panose="020B0604020202020204" pitchFamily="34" charset="0"/>
+            </a:endParaRPr>
           </a:p>
         </p:txBody>
       </p:sp>
@@ -13283,7 +12982,869 @@
 </p:sld>
 </file>
 
-<file path=ppt/slides/slide20.xml><?xml version="1.0" encoding="utf-8"?>
+<file path=ppt/slides/slide23.xml><?xml version="1.0" encoding="utf-8"?>
+<p:sld xmlns:a="http://schemas.openxmlformats.org/drawingml/2006/main" xmlns:r="http://schemas.openxmlformats.org/officeDocument/2006/relationships" xmlns:p="http://schemas.openxmlformats.org/presentationml/2006/main">
+  <p:cSld>
+    <p:spTree>
+      <p:nvGrpSpPr>
+        <p:cNvPr id="1" name=""/>
+        <p:cNvGrpSpPr/>
+        <p:nvPr/>
+      </p:nvGrpSpPr>
+      <p:grpSpPr>
+        <a:xfrm>
+          <a:off x="0" y="0"/>
+          <a:ext cx="0" cy="0"/>
+          <a:chOff x="0" y="0"/>
+          <a:chExt cx="0" cy="0"/>
+        </a:xfrm>
+      </p:grpSpPr>
+      <p:sp>
+        <p:nvSpPr>
+          <p:cNvPr id="26626" name="Text Box 1"/>
+          <p:cNvSpPr txBox="1">
+            <a:spLocks noChangeArrowheads="1"/>
+          </p:cNvSpPr>
+          <p:nvPr/>
+        </p:nvSpPr>
+        <p:spPr bwMode="auto">
+          <a:xfrm>
+            <a:off x="685800" y="609600"/>
+            <a:ext cx="7772400" cy="1143000"/>
+          </a:xfrm>
+          <a:prstGeom prst="rect">
+            <a:avLst/>
+          </a:prstGeom>
+          <a:noFill/>
+          <a:ln>
+            <a:noFill/>
+          </a:ln>
+          <a:extLst>
+            <a:ext uri="{909E8E84-426E-40DD-AFC4-6F175D3DCCD1}">
+              <a14:hiddenFill xmlns:a14="http://schemas.microsoft.com/office/drawing/2010/main">
+                <a:solidFill>
+                  <a:srgbClr val="FFFFFF"/>
+                </a:solidFill>
+              </a14:hiddenFill>
+            </a:ext>
+            <a:ext uri="{91240B29-F687-4F45-9708-019B960494DF}">
+              <a14:hiddenLine xmlns:a14="http://schemas.microsoft.com/office/drawing/2010/main" w="9525">
+                <a:solidFill>
+                  <a:srgbClr val="000000"/>
+                </a:solidFill>
+                <a:round/>
+                <a:headEnd/>
+                <a:tailEnd/>
+              </a14:hiddenLine>
+            </a:ext>
+          </a:extLst>
+        </p:spPr>
+        <p:txBody>
+          <a:bodyPr anchor="ctr"/>
+          <a:lstStyle>
+            <a:lvl1pPr>
+              <a:tabLst>
+                <a:tab pos="0" algn="l"/>
+                <a:tab pos="457200" algn="l"/>
+                <a:tab pos="914400" algn="l"/>
+                <a:tab pos="1371600" algn="l"/>
+                <a:tab pos="1828800" algn="l"/>
+                <a:tab pos="2286000" algn="l"/>
+                <a:tab pos="2743200" algn="l"/>
+                <a:tab pos="3200400" algn="l"/>
+                <a:tab pos="3657600" algn="l"/>
+                <a:tab pos="4114800" algn="l"/>
+                <a:tab pos="4572000" algn="l"/>
+                <a:tab pos="5029200" algn="l"/>
+                <a:tab pos="5486400" algn="l"/>
+                <a:tab pos="5943600" algn="l"/>
+                <a:tab pos="6400800" algn="l"/>
+                <a:tab pos="6858000" algn="l"/>
+                <a:tab pos="7315200" algn="l"/>
+                <a:tab pos="7772400" algn="l"/>
+                <a:tab pos="8229600" algn="l"/>
+                <a:tab pos="8686800" algn="l"/>
+                <a:tab pos="9144000" algn="l"/>
+              </a:tabLst>
+              <a:defRPr sz="2400">
+                <a:solidFill>
+                  <a:schemeClr val="tx1"/>
+                </a:solidFill>
+                <a:latin typeface="Times New Roman" panose="02020603050405020304" pitchFamily="18" charset="0"/>
+              </a:defRPr>
+            </a:lvl1pPr>
+            <a:lvl2pPr marL="742950" indent="-285750">
+              <a:tabLst>
+                <a:tab pos="0" algn="l"/>
+                <a:tab pos="457200" algn="l"/>
+                <a:tab pos="914400" algn="l"/>
+                <a:tab pos="1371600" algn="l"/>
+                <a:tab pos="1828800" algn="l"/>
+                <a:tab pos="2286000" algn="l"/>
+                <a:tab pos="2743200" algn="l"/>
+                <a:tab pos="3200400" algn="l"/>
+                <a:tab pos="3657600" algn="l"/>
+                <a:tab pos="4114800" algn="l"/>
+                <a:tab pos="4572000" algn="l"/>
+                <a:tab pos="5029200" algn="l"/>
+                <a:tab pos="5486400" algn="l"/>
+                <a:tab pos="5943600" algn="l"/>
+                <a:tab pos="6400800" algn="l"/>
+                <a:tab pos="6858000" algn="l"/>
+                <a:tab pos="7315200" algn="l"/>
+                <a:tab pos="7772400" algn="l"/>
+                <a:tab pos="8229600" algn="l"/>
+                <a:tab pos="8686800" algn="l"/>
+                <a:tab pos="9144000" algn="l"/>
+              </a:tabLst>
+              <a:defRPr sz="2400">
+                <a:solidFill>
+                  <a:schemeClr val="tx1"/>
+                </a:solidFill>
+                <a:latin typeface="Times New Roman" panose="02020603050405020304" pitchFamily="18" charset="0"/>
+              </a:defRPr>
+            </a:lvl2pPr>
+            <a:lvl3pPr marL="1143000" indent="-228600">
+              <a:tabLst>
+                <a:tab pos="0" algn="l"/>
+                <a:tab pos="457200" algn="l"/>
+                <a:tab pos="914400" algn="l"/>
+                <a:tab pos="1371600" algn="l"/>
+                <a:tab pos="1828800" algn="l"/>
+                <a:tab pos="2286000" algn="l"/>
+                <a:tab pos="2743200" algn="l"/>
+                <a:tab pos="3200400" algn="l"/>
+                <a:tab pos="3657600" algn="l"/>
+                <a:tab pos="4114800" algn="l"/>
+                <a:tab pos="4572000" algn="l"/>
+                <a:tab pos="5029200" algn="l"/>
+                <a:tab pos="5486400" algn="l"/>
+                <a:tab pos="5943600" algn="l"/>
+                <a:tab pos="6400800" algn="l"/>
+                <a:tab pos="6858000" algn="l"/>
+                <a:tab pos="7315200" algn="l"/>
+                <a:tab pos="7772400" algn="l"/>
+                <a:tab pos="8229600" algn="l"/>
+                <a:tab pos="8686800" algn="l"/>
+                <a:tab pos="9144000" algn="l"/>
+              </a:tabLst>
+              <a:defRPr sz="2400">
+                <a:solidFill>
+                  <a:schemeClr val="tx1"/>
+                </a:solidFill>
+                <a:latin typeface="Times New Roman" panose="02020603050405020304" pitchFamily="18" charset="0"/>
+              </a:defRPr>
+            </a:lvl3pPr>
+            <a:lvl4pPr marL="1600200" indent="-228600">
+              <a:tabLst>
+                <a:tab pos="0" algn="l"/>
+                <a:tab pos="457200" algn="l"/>
+                <a:tab pos="914400" algn="l"/>
+                <a:tab pos="1371600" algn="l"/>
+                <a:tab pos="1828800" algn="l"/>
+                <a:tab pos="2286000" algn="l"/>
+                <a:tab pos="2743200" algn="l"/>
+                <a:tab pos="3200400" algn="l"/>
+                <a:tab pos="3657600" algn="l"/>
+                <a:tab pos="4114800" algn="l"/>
+                <a:tab pos="4572000" algn="l"/>
+                <a:tab pos="5029200" algn="l"/>
+                <a:tab pos="5486400" algn="l"/>
+                <a:tab pos="5943600" algn="l"/>
+                <a:tab pos="6400800" algn="l"/>
+                <a:tab pos="6858000" algn="l"/>
+                <a:tab pos="7315200" algn="l"/>
+                <a:tab pos="7772400" algn="l"/>
+                <a:tab pos="8229600" algn="l"/>
+                <a:tab pos="8686800" algn="l"/>
+                <a:tab pos="9144000" algn="l"/>
+              </a:tabLst>
+              <a:defRPr sz="2400">
+                <a:solidFill>
+                  <a:schemeClr val="tx1"/>
+                </a:solidFill>
+                <a:latin typeface="Times New Roman" panose="02020603050405020304" pitchFamily="18" charset="0"/>
+              </a:defRPr>
+            </a:lvl4pPr>
+            <a:lvl5pPr marL="2057400" indent="-228600">
+              <a:tabLst>
+                <a:tab pos="0" algn="l"/>
+                <a:tab pos="457200" algn="l"/>
+                <a:tab pos="914400" algn="l"/>
+                <a:tab pos="1371600" algn="l"/>
+                <a:tab pos="1828800" algn="l"/>
+                <a:tab pos="2286000" algn="l"/>
+                <a:tab pos="2743200" algn="l"/>
+                <a:tab pos="3200400" algn="l"/>
+                <a:tab pos="3657600" algn="l"/>
+                <a:tab pos="4114800" algn="l"/>
+                <a:tab pos="4572000" algn="l"/>
+                <a:tab pos="5029200" algn="l"/>
+                <a:tab pos="5486400" algn="l"/>
+                <a:tab pos="5943600" algn="l"/>
+                <a:tab pos="6400800" algn="l"/>
+                <a:tab pos="6858000" algn="l"/>
+                <a:tab pos="7315200" algn="l"/>
+                <a:tab pos="7772400" algn="l"/>
+                <a:tab pos="8229600" algn="l"/>
+                <a:tab pos="8686800" algn="l"/>
+                <a:tab pos="9144000" algn="l"/>
+              </a:tabLst>
+              <a:defRPr sz="2400">
+                <a:solidFill>
+                  <a:schemeClr val="tx1"/>
+                </a:solidFill>
+                <a:latin typeface="Times New Roman" panose="02020603050405020304" pitchFamily="18" charset="0"/>
+              </a:defRPr>
+            </a:lvl5pPr>
+            <a:lvl6pPr marL="2514600" indent="-228600" eaLnBrk="0" fontAlgn="base" hangingPunct="0">
+              <a:spcBef>
+                <a:spcPct val="0"/>
+              </a:spcBef>
+              <a:spcAft>
+                <a:spcPct val="0"/>
+              </a:spcAft>
+              <a:tabLst>
+                <a:tab pos="0" algn="l"/>
+                <a:tab pos="457200" algn="l"/>
+                <a:tab pos="914400" algn="l"/>
+                <a:tab pos="1371600" algn="l"/>
+                <a:tab pos="1828800" algn="l"/>
+                <a:tab pos="2286000" algn="l"/>
+                <a:tab pos="2743200" algn="l"/>
+                <a:tab pos="3200400" algn="l"/>
+                <a:tab pos="3657600" algn="l"/>
+                <a:tab pos="4114800" algn="l"/>
+                <a:tab pos="4572000" algn="l"/>
+                <a:tab pos="5029200" algn="l"/>
+                <a:tab pos="5486400" algn="l"/>
+                <a:tab pos="5943600" algn="l"/>
+                <a:tab pos="6400800" algn="l"/>
+                <a:tab pos="6858000" algn="l"/>
+                <a:tab pos="7315200" algn="l"/>
+                <a:tab pos="7772400" algn="l"/>
+                <a:tab pos="8229600" algn="l"/>
+                <a:tab pos="8686800" algn="l"/>
+                <a:tab pos="9144000" algn="l"/>
+              </a:tabLst>
+              <a:defRPr sz="2400">
+                <a:solidFill>
+                  <a:schemeClr val="tx1"/>
+                </a:solidFill>
+                <a:latin typeface="Times New Roman" panose="02020603050405020304" pitchFamily="18" charset="0"/>
+              </a:defRPr>
+            </a:lvl6pPr>
+            <a:lvl7pPr marL="2971800" indent="-228600" eaLnBrk="0" fontAlgn="base" hangingPunct="0">
+              <a:spcBef>
+                <a:spcPct val="0"/>
+              </a:spcBef>
+              <a:spcAft>
+                <a:spcPct val="0"/>
+              </a:spcAft>
+              <a:tabLst>
+                <a:tab pos="0" algn="l"/>
+                <a:tab pos="457200" algn="l"/>
+                <a:tab pos="914400" algn="l"/>
+                <a:tab pos="1371600" algn="l"/>
+                <a:tab pos="1828800" algn="l"/>
+                <a:tab pos="2286000" algn="l"/>
+                <a:tab pos="2743200" algn="l"/>
+                <a:tab pos="3200400" algn="l"/>
+                <a:tab pos="3657600" algn="l"/>
+                <a:tab pos="4114800" algn="l"/>
+                <a:tab pos="4572000" algn="l"/>
+                <a:tab pos="5029200" algn="l"/>
+                <a:tab pos="5486400" algn="l"/>
+                <a:tab pos="5943600" algn="l"/>
+                <a:tab pos="6400800" algn="l"/>
+                <a:tab pos="6858000" algn="l"/>
+                <a:tab pos="7315200" algn="l"/>
+                <a:tab pos="7772400" algn="l"/>
+                <a:tab pos="8229600" algn="l"/>
+                <a:tab pos="8686800" algn="l"/>
+                <a:tab pos="9144000" algn="l"/>
+              </a:tabLst>
+              <a:defRPr sz="2400">
+                <a:solidFill>
+                  <a:schemeClr val="tx1"/>
+                </a:solidFill>
+                <a:latin typeface="Times New Roman" panose="02020603050405020304" pitchFamily="18" charset="0"/>
+              </a:defRPr>
+            </a:lvl7pPr>
+            <a:lvl8pPr marL="3429000" indent="-228600" eaLnBrk="0" fontAlgn="base" hangingPunct="0">
+              <a:spcBef>
+                <a:spcPct val="0"/>
+              </a:spcBef>
+              <a:spcAft>
+                <a:spcPct val="0"/>
+              </a:spcAft>
+              <a:tabLst>
+                <a:tab pos="0" algn="l"/>
+                <a:tab pos="457200" algn="l"/>
+                <a:tab pos="914400" algn="l"/>
+                <a:tab pos="1371600" algn="l"/>
+                <a:tab pos="1828800" algn="l"/>
+                <a:tab pos="2286000" algn="l"/>
+                <a:tab pos="2743200" algn="l"/>
+                <a:tab pos="3200400" algn="l"/>
+                <a:tab pos="3657600" algn="l"/>
+                <a:tab pos="4114800" algn="l"/>
+                <a:tab pos="4572000" algn="l"/>
+                <a:tab pos="5029200" algn="l"/>
+                <a:tab pos="5486400" algn="l"/>
+                <a:tab pos="5943600" algn="l"/>
+                <a:tab pos="6400800" algn="l"/>
+                <a:tab pos="6858000" algn="l"/>
+                <a:tab pos="7315200" algn="l"/>
+                <a:tab pos="7772400" algn="l"/>
+                <a:tab pos="8229600" algn="l"/>
+                <a:tab pos="8686800" algn="l"/>
+                <a:tab pos="9144000" algn="l"/>
+              </a:tabLst>
+              <a:defRPr sz="2400">
+                <a:solidFill>
+                  <a:schemeClr val="tx1"/>
+                </a:solidFill>
+                <a:latin typeface="Times New Roman" panose="02020603050405020304" pitchFamily="18" charset="0"/>
+              </a:defRPr>
+            </a:lvl8pPr>
+            <a:lvl9pPr marL="3886200" indent="-228600" eaLnBrk="0" fontAlgn="base" hangingPunct="0">
+              <a:spcBef>
+                <a:spcPct val="0"/>
+              </a:spcBef>
+              <a:spcAft>
+                <a:spcPct val="0"/>
+              </a:spcAft>
+              <a:tabLst>
+                <a:tab pos="0" algn="l"/>
+                <a:tab pos="457200" algn="l"/>
+                <a:tab pos="914400" algn="l"/>
+                <a:tab pos="1371600" algn="l"/>
+                <a:tab pos="1828800" algn="l"/>
+                <a:tab pos="2286000" algn="l"/>
+                <a:tab pos="2743200" algn="l"/>
+                <a:tab pos="3200400" algn="l"/>
+                <a:tab pos="3657600" algn="l"/>
+                <a:tab pos="4114800" algn="l"/>
+                <a:tab pos="4572000" algn="l"/>
+                <a:tab pos="5029200" algn="l"/>
+                <a:tab pos="5486400" algn="l"/>
+                <a:tab pos="5943600" algn="l"/>
+                <a:tab pos="6400800" algn="l"/>
+                <a:tab pos="6858000" algn="l"/>
+                <a:tab pos="7315200" algn="l"/>
+                <a:tab pos="7772400" algn="l"/>
+                <a:tab pos="8229600" algn="l"/>
+                <a:tab pos="8686800" algn="l"/>
+                <a:tab pos="9144000" algn="l"/>
+              </a:tabLst>
+              <a:defRPr sz="2400">
+                <a:solidFill>
+                  <a:schemeClr val="tx1"/>
+                </a:solidFill>
+                <a:latin typeface="Times New Roman" panose="02020603050405020304" pitchFamily="18" charset="0"/>
+              </a:defRPr>
+            </a:lvl9pPr>
+          </a:lstStyle>
+          <a:p>
+            <a:pPr algn="ctr"/>
+            <a:r>
+              <a:rPr lang="en-GB" altLang="en-US" sz="4400">
+                <a:solidFill>
+                  <a:srgbClr val="000000"/>
+                </a:solidFill>
+                <a:latin typeface="Arial" panose="020B0604020202020204" pitchFamily="34" charset="0"/>
+              </a:rPr>
+              <a:t>Summary</a:t>
+            </a:r>
+          </a:p>
+        </p:txBody>
+      </p:sp>
+      <p:sp>
+        <p:nvSpPr>
+          <p:cNvPr id="26627" name="Text Box 2"/>
+          <p:cNvSpPr txBox="1">
+            <a:spLocks noChangeArrowheads="1"/>
+          </p:cNvSpPr>
+          <p:nvPr/>
+        </p:nvSpPr>
+        <p:spPr bwMode="auto">
+          <a:xfrm>
+            <a:off x="685800" y="1981200"/>
+            <a:ext cx="7772400" cy="4114800"/>
+          </a:xfrm>
+          <a:prstGeom prst="rect">
+            <a:avLst/>
+          </a:prstGeom>
+          <a:noFill/>
+          <a:ln>
+            <a:noFill/>
+          </a:ln>
+          <a:extLst>
+            <a:ext uri="{909E8E84-426E-40DD-AFC4-6F175D3DCCD1}">
+              <a14:hiddenFill xmlns:a14="http://schemas.microsoft.com/office/drawing/2010/main">
+                <a:solidFill>
+                  <a:srgbClr val="FFFFFF"/>
+                </a:solidFill>
+              </a14:hiddenFill>
+            </a:ext>
+            <a:ext uri="{91240B29-F687-4F45-9708-019B960494DF}">
+              <a14:hiddenLine xmlns:a14="http://schemas.microsoft.com/office/drawing/2010/main" w="9525">
+                <a:solidFill>
+                  <a:srgbClr val="000000"/>
+                </a:solidFill>
+                <a:round/>
+                <a:headEnd/>
+                <a:tailEnd/>
+              </a14:hiddenLine>
+            </a:ext>
+          </a:extLst>
+        </p:spPr>
+        <p:txBody>
+          <a:bodyPr/>
+          <a:lstStyle>
+            <a:lvl1pPr marL="339725" indent="-339725">
+              <a:tabLst>
+                <a:tab pos="339725" algn="l"/>
+                <a:tab pos="796925" algn="l"/>
+                <a:tab pos="1254125" algn="l"/>
+                <a:tab pos="1711325" algn="l"/>
+                <a:tab pos="2168525" algn="l"/>
+                <a:tab pos="2625725" algn="l"/>
+                <a:tab pos="3082925" algn="l"/>
+                <a:tab pos="3540125" algn="l"/>
+                <a:tab pos="3997325" algn="l"/>
+                <a:tab pos="4454525" algn="l"/>
+                <a:tab pos="4911725" algn="l"/>
+                <a:tab pos="5368925" algn="l"/>
+                <a:tab pos="5826125" algn="l"/>
+                <a:tab pos="6283325" algn="l"/>
+                <a:tab pos="6740525" algn="l"/>
+                <a:tab pos="7197725" algn="l"/>
+                <a:tab pos="7654925" algn="l"/>
+                <a:tab pos="8112125" algn="l"/>
+                <a:tab pos="8569325" algn="l"/>
+                <a:tab pos="9026525" algn="l"/>
+                <a:tab pos="9483725" algn="l"/>
+              </a:tabLst>
+              <a:defRPr sz="2400">
+                <a:solidFill>
+                  <a:schemeClr val="tx1"/>
+                </a:solidFill>
+                <a:latin typeface="Times New Roman" panose="02020603050405020304" pitchFamily="18" charset="0"/>
+              </a:defRPr>
+            </a:lvl1pPr>
+            <a:lvl2pPr marL="742950" indent="-285750">
+              <a:tabLst>
+                <a:tab pos="339725" algn="l"/>
+                <a:tab pos="796925" algn="l"/>
+                <a:tab pos="1254125" algn="l"/>
+                <a:tab pos="1711325" algn="l"/>
+                <a:tab pos="2168525" algn="l"/>
+                <a:tab pos="2625725" algn="l"/>
+                <a:tab pos="3082925" algn="l"/>
+                <a:tab pos="3540125" algn="l"/>
+                <a:tab pos="3997325" algn="l"/>
+                <a:tab pos="4454525" algn="l"/>
+                <a:tab pos="4911725" algn="l"/>
+                <a:tab pos="5368925" algn="l"/>
+                <a:tab pos="5826125" algn="l"/>
+                <a:tab pos="6283325" algn="l"/>
+                <a:tab pos="6740525" algn="l"/>
+                <a:tab pos="7197725" algn="l"/>
+                <a:tab pos="7654925" algn="l"/>
+                <a:tab pos="8112125" algn="l"/>
+                <a:tab pos="8569325" algn="l"/>
+                <a:tab pos="9026525" algn="l"/>
+                <a:tab pos="9483725" algn="l"/>
+              </a:tabLst>
+              <a:defRPr sz="2400">
+                <a:solidFill>
+                  <a:schemeClr val="tx1"/>
+                </a:solidFill>
+                <a:latin typeface="Times New Roman" panose="02020603050405020304" pitchFamily="18" charset="0"/>
+              </a:defRPr>
+            </a:lvl2pPr>
+            <a:lvl3pPr marL="1143000" indent="-228600">
+              <a:tabLst>
+                <a:tab pos="339725" algn="l"/>
+                <a:tab pos="796925" algn="l"/>
+                <a:tab pos="1254125" algn="l"/>
+                <a:tab pos="1711325" algn="l"/>
+                <a:tab pos="2168525" algn="l"/>
+                <a:tab pos="2625725" algn="l"/>
+                <a:tab pos="3082925" algn="l"/>
+                <a:tab pos="3540125" algn="l"/>
+                <a:tab pos="3997325" algn="l"/>
+                <a:tab pos="4454525" algn="l"/>
+                <a:tab pos="4911725" algn="l"/>
+                <a:tab pos="5368925" algn="l"/>
+                <a:tab pos="5826125" algn="l"/>
+                <a:tab pos="6283325" algn="l"/>
+                <a:tab pos="6740525" algn="l"/>
+                <a:tab pos="7197725" algn="l"/>
+                <a:tab pos="7654925" algn="l"/>
+                <a:tab pos="8112125" algn="l"/>
+                <a:tab pos="8569325" algn="l"/>
+                <a:tab pos="9026525" algn="l"/>
+                <a:tab pos="9483725" algn="l"/>
+              </a:tabLst>
+              <a:defRPr sz="2400">
+                <a:solidFill>
+                  <a:schemeClr val="tx1"/>
+                </a:solidFill>
+                <a:latin typeface="Times New Roman" panose="02020603050405020304" pitchFamily="18" charset="0"/>
+              </a:defRPr>
+            </a:lvl3pPr>
+            <a:lvl4pPr marL="1600200" indent="-228600">
+              <a:tabLst>
+                <a:tab pos="339725" algn="l"/>
+                <a:tab pos="796925" algn="l"/>
+                <a:tab pos="1254125" algn="l"/>
+                <a:tab pos="1711325" algn="l"/>
+                <a:tab pos="2168525" algn="l"/>
+                <a:tab pos="2625725" algn="l"/>
+                <a:tab pos="3082925" algn="l"/>
+                <a:tab pos="3540125" algn="l"/>
+                <a:tab pos="3997325" algn="l"/>
+                <a:tab pos="4454525" algn="l"/>
+                <a:tab pos="4911725" algn="l"/>
+                <a:tab pos="5368925" algn="l"/>
+                <a:tab pos="5826125" algn="l"/>
+                <a:tab pos="6283325" algn="l"/>
+                <a:tab pos="6740525" algn="l"/>
+                <a:tab pos="7197725" algn="l"/>
+                <a:tab pos="7654925" algn="l"/>
+                <a:tab pos="8112125" algn="l"/>
+                <a:tab pos="8569325" algn="l"/>
+                <a:tab pos="9026525" algn="l"/>
+                <a:tab pos="9483725" algn="l"/>
+              </a:tabLst>
+              <a:defRPr sz="2400">
+                <a:solidFill>
+                  <a:schemeClr val="tx1"/>
+                </a:solidFill>
+                <a:latin typeface="Times New Roman" panose="02020603050405020304" pitchFamily="18" charset="0"/>
+              </a:defRPr>
+            </a:lvl4pPr>
+            <a:lvl5pPr marL="2057400" indent="-228600">
+              <a:tabLst>
+                <a:tab pos="339725" algn="l"/>
+                <a:tab pos="796925" algn="l"/>
+                <a:tab pos="1254125" algn="l"/>
+                <a:tab pos="1711325" algn="l"/>
+                <a:tab pos="2168525" algn="l"/>
+                <a:tab pos="2625725" algn="l"/>
+                <a:tab pos="3082925" algn="l"/>
+                <a:tab pos="3540125" algn="l"/>
+                <a:tab pos="3997325" algn="l"/>
+                <a:tab pos="4454525" algn="l"/>
+                <a:tab pos="4911725" algn="l"/>
+                <a:tab pos="5368925" algn="l"/>
+                <a:tab pos="5826125" algn="l"/>
+                <a:tab pos="6283325" algn="l"/>
+                <a:tab pos="6740525" algn="l"/>
+                <a:tab pos="7197725" algn="l"/>
+                <a:tab pos="7654925" algn="l"/>
+                <a:tab pos="8112125" algn="l"/>
+                <a:tab pos="8569325" algn="l"/>
+                <a:tab pos="9026525" algn="l"/>
+                <a:tab pos="9483725" algn="l"/>
+              </a:tabLst>
+              <a:defRPr sz="2400">
+                <a:solidFill>
+                  <a:schemeClr val="tx1"/>
+                </a:solidFill>
+                <a:latin typeface="Times New Roman" panose="02020603050405020304" pitchFamily="18" charset="0"/>
+              </a:defRPr>
+            </a:lvl5pPr>
+            <a:lvl6pPr marL="2514600" indent="-228600" eaLnBrk="0" fontAlgn="base" hangingPunct="0">
+              <a:spcBef>
+                <a:spcPct val="0"/>
+              </a:spcBef>
+              <a:spcAft>
+                <a:spcPct val="0"/>
+              </a:spcAft>
+              <a:tabLst>
+                <a:tab pos="339725" algn="l"/>
+                <a:tab pos="796925" algn="l"/>
+                <a:tab pos="1254125" algn="l"/>
+                <a:tab pos="1711325" algn="l"/>
+                <a:tab pos="2168525" algn="l"/>
+                <a:tab pos="2625725" algn="l"/>
+                <a:tab pos="3082925" algn="l"/>
+                <a:tab pos="3540125" algn="l"/>
+                <a:tab pos="3997325" algn="l"/>
+                <a:tab pos="4454525" algn="l"/>
+                <a:tab pos="4911725" algn="l"/>
+                <a:tab pos="5368925" algn="l"/>
+                <a:tab pos="5826125" algn="l"/>
+                <a:tab pos="6283325" algn="l"/>
+                <a:tab pos="6740525" algn="l"/>
+                <a:tab pos="7197725" algn="l"/>
+                <a:tab pos="7654925" algn="l"/>
+                <a:tab pos="8112125" algn="l"/>
+                <a:tab pos="8569325" algn="l"/>
+                <a:tab pos="9026525" algn="l"/>
+                <a:tab pos="9483725" algn="l"/>
+              </a:tabLst>
+              <a:defRPr sz="2400">
+                <a:solidFill>
+                  <a:schemeClr val="tx1"/>
+                </a:solidFill>
+                <a:latin typeface="Times New Roman" panose="02020603050405020304" pitchFamily="18" charset="0"/>
+              </a:defRPr>
+            </a:lvl6pPr>
+            <a:lvl7pPr marL="2971800" indent="-228600" eaLnBrk="0" fontAlgn="base" hangingPunct="0">
+              <a:spcBef>
+                <a:spcPct val="0"/>
+              </a:spcBef>
+              <a:spcAft>
+                <a:spcPct val="0"/>
+              </a:spcAft>
+              <a:tabLst>
+                <a:tab pos="339725" algn="l"/>
+                <a:tab pos="796925" algn="l"/>
+                <a:tab pos="1254125" algn="l"/>
+                <a:tab pos="1711325" algn="l"/>
+                <a:tab pos="2168525" algn="l"/>
+                <a:tab pos="2625725" algn="l"/>
+                <a:tab pos="3082925" algn="l"/>
+                <a:tab pos="3540125" algn="l"/>
+                <a:tab pos="3997325" algn="l"/>
+                <a:tab pos="4454525" algn="l"/>
+                <a:tab pos="4911725" algn="l"/>
+                <a:tab pos="5368925" algn="l"/>
+                <a:tab pos="5826125" algn="l"/>
+                <a:tab pos="6283325" algn="l"/>
+                <a:tab pos="6740525" algn="l"/>
+                <a:tab pos="7197725" algn="l"/>
+                <a:tab pos="7654925" algn="l"/>
+                <a:tab pos="8112125" algn="l"/>
+                <a:tab pos="8569325" algn="l"/>
+                <a:tab pos="9026525" algn="l"/>
+                <a:tab pos="9483725" algn="l"/>
+              </a:tabLst>
+              <a:defRPr sz="2400">
+                <a:solidFill>
+                  <a:schemeClr val="tx1"/>
+                </a:solidFill>
+                <a:latin typeface="Times New Roman" panose="02020603050405020304" pitchFamily="18" charset="0"/>
+              </a:defRPr>
+            </a:lvl7pPr>
+            <a:lvl8pPr marL="3429000" indent="-228600" eaLnBrk="0" fontAlgn="base" hangingPunct="0">
+              <a:spcBef>
+                <a:spcPct val="0"/>
+              </a:spcBef>
+              <a:spcAft>
+                <a:spcPct val="0"/>
+              </a:spcAft>
+              <a:tabLst>
+                <a:tab pos="339725" algn="l"/>
+                <a:tab pos="796925" algn="l"/>
+                <a:tab pos="1254125" algn="l"/>
+                <a:tab pos="1711325" algn="l"/>
+                <a:tab pos="2168525" algn="l"/>
+                <a:tab pos="2625725" algn="l"/>
+                <a:tab pos="3082925" algn="l"/>
+                <a:tab pos="3540125" algn="l"/>
+                <a:tab pos="3997325" algn="l"/>
+                <a:tab pos="4454525" algn="l"/>
+                <a:tab pos="4911725" algn="l"/>
+                <a:tab pos="5368925" algn="l"/>
+                <a:tab pos="5826125" algn="l"/>
+                <a:tab pos="6283325" algn="l"/>
+                <a:tab pos="6740525" algn="l"/>
+                <a:tab pos="7197725" algn="l"/>
+                <a:tab pos="7654925" algn="l"/>
+                <a:tab pos="8112125" algn="l"/>
+                <a:tab pos="8569325" algn="l"/>
+                <a:tab pos="9026525" algn="l"/>
+                <a:tab pos="9483725" algn="l"/>
+              </a:tabLst>
+              <a:defRPr sz="2400">
+                <a:solidFill>
+                  <a:schemeClr val="tx1"/>
+                </a:solidFill>
+                <a:latin typeface="Times New Roman" panose="02020603050405020304" pitchFamily="18" charset="0"/>
+              </a:defRPr>
+            </a:lvl8pPr>
+            <a:lvl9pPr marL="3886200" indent="-228600" eaLnBrk="0" fontAlgn="base" hangingPunct="0">
+              <a:spcBef>
+                <a:spcPct val="0"/>
+              </a:spcBef>
+              <a:spcAft>
+                <a:spcPct val="0"/>
+              </a:spcAft>
+              <a:tabLst>
+                <a:tab pos="339725" algn="l"/>
+                <a:tab pos="796925" algn="l"/>
+                <a:tab pos="1254125" algn="l"/>
+                <a:tab pos="1711325" algn="l"/>
+                <a:tab pos="2168525" algn="l"/>
+                <a:tab pos="2625725" algn="l"/>
+                <a:tab pos="3082925" algn="l"/>
+                <a:tab pos="3540125" algn="l"/>
+                <a:tab pos="3997325" algn="l"/>
+                <a:tab pos="4454525" algn="l"/>
+                <a:tab pos="4911725" algn="l"/>
+                <a:tab pos="5368925" algn="l"/>
+                <a:tab pos="5826125" algn="l"/>
+                <a:tab pos="6283325" algn="l"/>
+                <a:tab pos="6740525" algn="l"/>
+                <a:tab pos="7197725" algn="l"/>
+                <a:tab pos="7654925" algn="l"/>
+                <a:tab pos="8112125" algn="l"/>
+                <a:tab pos="8569325" algn="l"/>
+                <a:tab pos="9026525" algn="l"/>
+                <a:tab pos="9483725" algn="l"/>
+              </a:tabLst>
+              <a:defRPr sz="2400">
+                <a:solidFill>
+                  <a:schemeClr val="tx1"/>
+                </a:solidFill>
+                <a:latin typeface="Times New Roman" panose="02020603050405020304" pitchFamily="18" charset="0"/>
+              </a:defRPr>
+            </a:lvl9pPr>
+          </a:lstStyle>
+          <a:p>
+            <a:pPr>
+              <a:spcBef>
+                <a:spcPts val="800"/>
+              </a:spcBef>
+              <a:buFont typeface="Times New Roman" panose="02020603050405020304" pitchFamily="18" charset="0"/>
+              <a:buBlip>
+                <a:blip r:embed="rId3"/>
+              </a:buBlip>
+            </a:pPr>
+            <a:r>
+              <a:rPr lang="en-GB" altLang="en-US" sz="3200" dirty="0">
+                <a:solidFill>
+                  <a:srgbClr val="000000"/>
+                </a:solidFill>
+                <a:latin typeface="Arial" panose="020B0604020202020204" pitchFamily="34" charset="0"/>
+              </a:rPr>
+              <a:t>Overview of </a:t>
+            </a:r>
+            <a:r>
+              <a:rPr lang="en-GB" altLang="en-US" sz="3200" dirty="0" smtClean="0">
+                <a:solidFill>
+                  <a:srgbClr val="000000"/>
+                </a:solidFill>
+                <a:latin typeface="Arial" panose="020B0604020202020204" pitchFamily="34" charset="0"/>
+              </a:rPr>
+              <a:t>Objects in </a:t>
+            </a:r>
+            <a:r>
+              <a:rPr lang="en-GB" altLang="en-US" sz="3200" dirty="0" err="1" smtClean="0">
+                <a:solidFill>
+                  <a:srgbClr val="000000"/>
+                </a:solidFill>
+                <a:latin typeface="Arial" panose="020B0604020202020204" pitchFamily="34" charset="0"/>
+              </a:rPr>
+              <a:t>Javascript</a:t>
+            </a:r>
+            <a:endParaRPr lang="en-GB" altLang="en-US" sz="3200" dirty="0" smtClean="0">
+              <a:solidFill>
+                <a:srgbClr val="000000"/>
+              </a:solidFill>
+              <a:latin typeface="Arial" panose="020B0604020202020204" pitchFamily="34" charset="0"/>
+            </a:endParaRPr>
+          </a:p>
+          <a:p>
+            <a:pPr>
+              <a:spcBef>
+                <a:spcPts val="800"/>
+              </a:spcBef>
+              <a:buFont typeface="Times New Roman" panose="02020603050405020304" pitchFamily="18" charset="0"/>
+              <a:buBlip>
+                <a:blip r:embed="rId3"/>
+              </a:buBlip>
+            </a:pPr>
+            <a:r>
+              <a:rPr lang="en-GB" altLang="en-US" sz="3200" dirty="0" err="1" smtClean="0">
+                <a:solidFill>
+                  <a:srgbClr val="000000"/>
+                </a:solidFill>
+                <a:latin typeface="Arial" panose="020B0604020202020204" pitchFamily="34" charset="0"/>
+              </a:rPr>
+              <a:t>Javascript</a:t>
+            </a:r>
+            <a:r>
+              <a:rPr lang="en-GB" altLang="en-US" sz="3200" dirty="0" smtClean="0">
+                <a:solidFill>
+                  <a:srgbClr val="000000"/>
+                </a:solidFill>
+                <a:latin typeface="Arial" panose="020B0604020202020204" pitchFamily="34" charset="0"/>
+              </a:rPr>
+              <a:t> Forms</a:t>
+            </a:r>
+            <a:endParaRPr lang="en-GB" altLang="en-US" sz="3200" dirty="0">
+              <a:solidFill>
+                <a:srgbClr val="000000"/>
+              </a:solidFill>
+              <a:latin typeface="Arial" panose="020B0604020202020204" pitchFamily="34" charset="0"/>
+            </a:endParaRPr>
+          </a:p>
+          <a:p>
+            <a:pPr>
+              <a:spcBef>
+                <a:spcPts val="800"/>
+              </a:spcBef>
+              <a:buFont typeface="Times New Roman" panose="02020603050405020304" pitchFamily="18" charset="0"/>
+              <a:buBlip>
+                <a:blip r:embed="rId3"/>
+              </a:buBlip>
+            </a:pPr>
+            <a:r>
+              <a:rPr lang="en-GB" altLang="en-US" sz="3200" dirty="0">
+                <a:solidFill>
+                  <a:srgbClr val="000000"/>
+                </a:solidFill>
+                <a:latin typeface="Arial" panose="020B0604020202020204" pitchFamily="34" charset="0"/>
+              </a:rPr>
+              <a:t>Hands-On/Practical</a:t>
+            </a:r>
+          </a:p>
+        </p:txBody>
+      </p:sp>
+    </p:spTree>
+  </p:cSld>
+  <p:clrMapOvr>
+    <a:masterClrMapping/>
+  </p:clrMapOvr>
+  <p:transition spd="med"/>
+  <p:timing>
+    <p:tnLst>
+      <p:par>
+        <p:cTn id="1" dur="indefinite" restart="never" nodeType="tmRoot">
+          <p:childTnLst>
+            <p:seq concurrent="1" nextAc="seek">
+              <p:cTn id="2" dur="indefinite" nodeType="mainSeq"/>
+              <p:prevCondLst>
+                <p:cond evt="onPrev" delay="0">
+                  <p:tgtEl>
+                    <p:sldTgt/>
+                  </p:tgtEl>
+                </p:cond>
+              </p:prevCondLst>
+              <p:nextCondLst>
+                <p:cond evt="onNext" delay="0">
+                  <p:tgtEl>
+                    <p:sldTgt/>
+                  </p:tgtEl>
+                </p:cond>
+              </p:nextCondLst>
+            </p:seq>
+          </p:childTnLst>
+        </p:cTn>
+      </p:par>
+    </p:tnLst>
+  </p:timing>
+</p:sld>
+</file>
+
+<file path=ppt/slides/slide24.xml><?xml version="1.0" encoding="utf-8"?>
 <p:sld xmlns:a="http://schemas.openxmlformats.org/drawingml/2006/main" xmlns:r="http://schemas.openxmlformats.org/officeDocument/2006/relationships" xmlns:p="http://schemas.openxmlformats.org/presentationml/2006/main">
   <p:cSld>
     <p:spTree>
@@ -13861,6 +14422,402 @@
       </p:grpSpPr>
       <p:sp>
         <p:nvSpPr>
+          <p:cNvPr id="2" name="Title 1"/>
+          <p:cNvSpPr>
+            <a:spLocks noGrp="1"/>
+          </p:cNvSpPr>
+          <p:nvPr>
+            <p:ph type="title"/>
+          </p:nvPr>
+        </p:nvSpPr>
+        <p:spPr>
+          <a:xfrm>
+            <a:off x="685800" y="609600"/>
+            <a:ext cx="7772400" cy="3505200"/>
+          </a:xfrm>
+        </p:spPr>
+        <p:txBody>
+          <a:bodyPr/>
+          <a:lstStyle/>
+          <a:p>
+            <a:r>
+              <a:rPr lang="en-GB" sz="16600" dirty="0" smtClean="0"/>
+              <a:t>25</a:t>
+            </a:r>
+            <a:r>
+              <a:rPr lang="en-GB" sz="16600" baseline="30000" dirty="0" smtClean="0"/>
+              <a:t>th</a:t>
+            </a:r>
+            <a:r>
+              <a:rPr lang="en-GB" sz="16600" dirty="0" smtClean="0"/>
+              <a:t> </a:t>
+            </a:r>
+            <a:br>
+              <a:rPr lang="en-GB" sz="16600" dirty="0" smtClean="0"/>
+            </a:br>
+            <a:r>
+              <a:rPr lang="en-GB" dirty="0" smtClean="0"/>
+              <a:t>December</a:t>
+            </a:r>
+            <a:endParaRPr lang="en-GB" sz="16600" dirty="0"/>
+          </a:p>
+        </p:txBody>
+      </p:sp>
+      <p:sp>
+        <p:nvSpPr>
+          <p:cNvPr id="3" name="Content Placeholder 2"/>
+          <p:cNvSpPr>
+            <a:spLocks noGrp="1"/>
+          </p:cNvSpPr>
+          <p:nvPr>
+            <p:ph idx="1"/>
+          </p:nvPr>
+        </p:nvSpPr>
+        <p:spPr>
+          <a:xfrm>
+            <a:off x="685800" y="4876800"/>
+            <a:ext cx="8001000" cy="1219200"/>
+          </a:xfrm>
+        </p:spPr>
+        <p:txBody>
+          <a:bodyPr/>
+          <a:lstStyle/>
+          <a:p>
+            <a:pPr marL="0" indent="0">
+              <a:buNone/>
+            </a:pPr>
+            <a:r>
+              <a:rPr lang="en-GB" dirty="0" smtClean="0"/>
+              <a:t>Last Day </a:t>
+            </a:r>
+            <a:r>
+              <a:rPr lang="en-GB" smtClean="0"/>
+              <a:t>– Quizzes</a:t>
+            </a:r>
+            <a:endParaRPr lang="en-GB" dirty="0" smtClean="0"/>
+          </a:p>
+          <a:p>
+            <a:pPr marL="0" indent="0">
+              <a:buNone/>
+            </a:pPr>
+            <a:r>
+              <a:rPr lang="en-GB" dirty="0" smtClean="0"/>
+              <a:t>Grade Taken</a:t>
+            </a:r>
+          </a:p>
+        </p:txBody>
+      </p:sp>
+    </p:spTree>
+    <p:extLst>
+      <p:ext uri="{BB962C8B-B14F-4D97-AF65-F5344CB8AC3E}">
+        <p14:creationId xmlns:p14="http://schemas.microsoft.com/office/powerpoint/2010/main" val="329296532"/>
+      </p:ext>
+    </p:extLst>
+  </p:cSld>
+  <p:clrMapOvr>
+    <a:masterClrMapping/>
+  </p:clrMapOvr>
+</p:sld>
+</file>
+
+<file path=ppt/slides/slide4.xml><?xml version="1.0" encoding="utf-8"?>
+<p:sld xmlns:a="http://schemas.openxmlformats.org/drawingml/2006/main" xmlns:r="http://schemas.openxmlformats.org/officeDocument/2006/relationships" xmlns:p="http://schemas.openxmlformats.org/presentationml/2006/main">
+  <p:cSld>
+    <p:spTree>
+      <p:nvGrpSpPr>
+        <p:cNvPr id="1" name=""/>
+        <p:cNvGrpSpPr/>
+        <p:nvPr/>
+      </p:nvGrpSpPr>
+      <p:grpSpPr>
+        <a:xfrm>
+          <a:off x="0" y="0"/>
+          <a:ext cx="0" cy="0"/>
+          <a:chOff x="0" y="0"/>
+          <a:chExt cx="0" cy="0"/>
+        </a:xfrm>
+      </p:grpSpPr>
+      <p:sp>
+        <p:nvSpPr>
+          <p:cNvPr id="2" name="Title 1"/>
+          <p:cNvSpPr>
+            <a:spLocks noGrp="1"/>
+          </p:cNvSpPr>
+          <p:nvPr>
+            <p:ph type="title"/>
+          </p:nvPr>
+        </p:nvSpPr>
+        <p:spPr/>
+        <p:txBody>
+          <a:bodyPr/>
+          <a:lstStyle/>
+          <a:p>
+            <a:r>
+              <a:rPr lang="en-US" dirty="0" smtClean="0"/>
+              <a:t>Presentation/Demonstration</a:t>
+            </a:r>
+            <a:br>
+              <a:rPr lang="en-US" dirty="0" smtClean="0"/>
+            </a:br>
+            <a:r>
+              <a:rPr lang="en-US" sz="3600" dirty="0" smtClean="0"/>
+              <a:t>(Individual Project)</a:t>
+            </a:r>
+            <a:endParaRPr lang="en-US" dirty="0"/>
+          </a:p>
+        </p:txBody>
+      </p:sp>
+      <p:sp>
+        <p:nvSpPr>
+          <p:cNvPr id="3" name="Content Placeholder 2"/>
+          <p:cNvSpPr>
+            <a:spLocks noGrp="1"/>
+          </p:cNvSpPr>
+          <p:nvPr>
+            <p:ph idx="1"/>
+          </p:nvPr>
+        </p:nvSpPr>
+        <p:spPr/>
+        <p:txBody>
+          <a:bodyPr/>
+          <a:lstStyle/>
+          <a:p>
+            <a:r>
+              <a:rPr lang="en-US" dirty="0" smtClean="0"/>
+              <a:t>1pm – 6pm</a:t>
+            </a:r>
+          </a:p>
+          <a:p>
+            <a:r>
+              <a:rPr lang="en-US" dirty="0" smtClean="0"/>
+              <a:t>Room 24-401</a:t>
+            </a:r>
+          </a:p>
+          <a:p>
+            <a:r>
+              <a:rPr lang="en-US" dirty="0" smtClean="0"/>
+              <a:t>Presentation (slides)</a:t>
+            </a:r>
+          </a:p>
+          <a:p>
+            <a:r>
+              <a:rPr lang="en-US" dirty="0" smtClean="0"/>
+              <a:t>Answer questions</a:t>
+            </a:r>
+          </a:p>
+        </p:txBody>
+      </p:sp>
+    </p:spTree>
+    <p:extLst>
+      <p:ext uri="{BB962C8B-B14F-4D97-AF65-F5344CB8AC3E}">
+        <p14:creationId xmlns:p14="http://schemas.microsoft.com/office/powerpoint/2010/main" val="2244612105"/>
+      </p:ext>
+    </p:extLst>
+  </p:cSld>
+  <p:clrMapOvr>
+    <a:masterClrMapping/>
+  </p:clrMapOvr>
+</p:sld>
+</file>
+
+<file path=ppt/slides/slide5.xml><?xml version="1.0" encoding="utf-8"?>
+<p:sld xmlns:a="http://schemas.openxmlformats.org/drawingml/2006/main" xmlns:r="http://schemas.openxmlformats.org/officeDocument/2006/relationships" xmlns:p="http://schemas.openxmlformats.org/presentationml/2006/main">
+  <p:cSld>
+    <p:spTree>
+      <p:nvGrpSpPr>
+        <p:cNvPr id="1" name=""/>
+        <p:cNvGrpSpPr/>
+        <p:nvPr/>
+      </p:nvGrpSpPr>
+      <p:grpSpPr>
+        <a:xfrm>
+          <a:off x="0" y="0"/>
+          <a:ext cx="0" cy="0"/>
+          <a:chOff x="0" y="0"/>
+          <a:chExt cx="0" cy="0"/>
+        </a:xfrm>
+      </p:grpSpPr>
+      <p:sp>
+        <p:nvSpPr>
+          <p:cNvPr id="2" name="Title 1"/>
+          <p:cNvSpPr>
+            <a:spLocks noGrp="1"/>
+          </p:cNvSpPr>
+          <p:nvPr>
+            <p:ph type="title"/>
+          </p:nvPr>
+        </p:nvSpPr>
+        <p:spPr/>
+        <p:txBody>
+          <a:bodyPr/>
+          <a:lstStyle/>
+          <a:p>
+            <a:r>
+              <a:rPr lang="en-GB" dirty="0" smtClean="0"/>
+              <a:t>Question</a:t>
+            </a:r>
+            <a:endParaRPr lang="en-GB" dirty="0"/>
+          </a:p>
+        </p:txBody>
+      </p:sp>
+      <p:sp>
+        <p:nvSpPr>
+          <p:cNvPr id="3" name="Content Placeholder 2"/>
+          <p:cNvSpPr>
+            <a:spLocks noGrp="1"/>
+          </p:cNvSpPr>
+          <p:nvPr>
+            <p:ph idx="1"/>
+          </p:nvPr>
+        </p:nvSpPr>
+        <p:spPr/>
+        <p:txBody>
+          <a:bodyPr/>
+          <a:lstStyle/>
+          <a:p>
+            <a:r>
+              <a:rPr lang="en-GB" dirty="0"/>
+              <a:t>How can you create an Array in JavaScript?</a:t>
+            </a:r>
+          </a:p>
+        </p:txBody>
+      </p:sp>
+    </p:spTree>
+    <p:extLst>
+      <p:ext uri="{BB962C8B-B14F-4D97-AF65-F5344CB8AC3E}">
+        <p14:creationId xmlns:p14="http://schemas.microsoft.com/office/powerpoint/2010/main" val="1554902319"/>
+      </p:ext>
+    </p:extLst>
+  </p:cSld>
+  <p:clrMapOvr>
+    <a:masterClrMapping/>
+  </p:clrMapOvr>
+</p:sld>
+</file>
+
+<file path=ppt/slides/slide6.xml><?xml version="1.0" encoding="utf-8"?>
+<p:sld xmlns:a="http://schemas.openxmlformats.org/drawingml/2006/main" xmlns:r="http://schemas.openxmlformats.org/officeDocument/2006/relationships" xmlns:p="http://schemas.openxmlformats.org/presentationml/2006/main">
+  <p:cSld>
+    <p:spTree>
+      <p:nvGrpSpPr>
+        <p:cNvPr id="1" name=""/>
+        <p:cNvGrpSpPr/>
+        <p:nvPr/>
+      </p:nvGrpSpPr>
+      <p:grpSpPr>
+        <a:xfrm>
+          <a:off x="0" y="0"/>
+          <a:ext cx="0" cy="0"/>
+          <a:chOff x="0" y="0"/>
+          <a:chExt cx="0" cy="0"/>
+        </a:xfrm>
+      </p:grpSpPr>
+      <p:sp>
+        <p:nvSpPr>
+          <p:cNvPr id="2" name="Title 1"/>
+          <p:cNvSpPr>
+            <a:spLocks noGrp="1"/>
+          </p:cNvSpPr>
+          <p:nvPr>
+            <p:ph type="title"/>
+          </p:nvPr>
+        </p:nvSpPr>
+        <p:spPr/>
+        <p:txBody>
+          <a:bodyPr/>
+          <a:lstStyle/>
+          <a:p>
+            <a:r>
+              <a:rPr lang="en-GB" dirty="0" smtClean="0"/>
+              <a:t>Answer</a:t>
+            </a:r>
+            <a:endParaRPr lang="en-GB" dirty="0"/>
+          </a:p>
+        </p:txBody>
+      </p:sp>
+      <p:sp>
+        <p:nvSpPr>
+          <p:cNvPr id="3" name="Content Placeholder 2"/>
+          <p:cNvSpPr>
+            <a:spLocks noGrp="1"/>
+          </p:cNvSpPr>
+          <p:nvPr>
+            <p:ph idx="1"/>
+          </p:nvPr>
+        </p:nvSpPr>
+        <p:spPr/>
+        <p:txBody>
+          <a:bodyPr/>
+          <a:lstStyle/>
+          <a:p>
+            <a:r>
+              <a:rPr lang="en-GB" dirty="0"/>
+              <a:t>You can define arrays using the array literal as follows −</a:t>
+            </a:r>
+          </a:p>
+          <a:p>
+            <a:endParaRPr lang="en-GB" dirty="0"/>
+          </a:p>
+          <a:p>
+            <a:pPr marL="0" indent="0">
+              <a:buNone/>
+            </a:pPr>
+            <a:r>
+              <a:rPr lang="en-GB" dirty="0" err="1"/>
+              <a:t>var</a:t>
+            </a:r>
+            <a:r>
+              <a:rPr lang="en-GB" dirty="0"/>
+              <a:t> x = [];</a:t>
+            </a:r>
+          </a:p>
+          <a:p>
+            <a:pPr marL="0" indent="0">
+              <a:buNone/>
+            </a:pPr>
+            <a:r>
+              <a:rPr lang="en-GB" dirty="0" err="1"/>
+              <a:t>var</a:t>
+            </a:r>
+            <a:r>
+              <a:rPr lang="en-GB" dirty="0"/>
+              <a:t> y = [1, 2, 3, 4, 5];</a:t>
+            </a:r>
+          </a:p>
+        </p:txBody>
+      </p:sp>
+    </p:spTree>
+    <p:extLst>
+      <p:ext uri="{BB962C8B-B14F-4D97-AF65-F5344CB8AC3E}">
+        <p14:creationId xmlns:p14="http://schemas.microsoft.com/office/powerpoint/2010/main" val="3509458119"/>
+      </p:ext>
+    </p:extLst>
+  </p:cSld>
+  <p:clrMapOvr>
+    <a:masterClrMapping/>
+  </p:clrMapOvr>
+</p:sld>
+</file>
+
+<file path=ppt/slides/slide7.xml><?xml version="1.0" encoding="utf-8"?>
+<p:sld xmlns:a="http://schemas.openxmlformats.org/drawingml/2006/main" xmlns:r="http://schemas.openxmlformats.org/officeDocument/2006/relationships" xmlns:p="http://schemas.openxmlformats.org/presentationml/2006/main">
+  <p:cSld>
+    <p:spTree>
+      <p:nvGrpSpPr>
+        <p:cNvPr id="1" name=""/>
+        <p:cNvGrpSpPr/>
+        <p:nvPr/>
+      </p:nvGrpSpPr>
+      <p:grpSpPr>
+        <a:xfrm>
+          <a:off x="0" y="0"/>
+          <a:ext cx="0" cy="0"/>
+          <a:chOff x="0" y="0"/>
+          <a:chExt cx="0" cy="0"/>
+        </a:xfrm>
+      </p:grpSpPr>
+      <p:sp>
+        <p:nvSpPr>
           <p:cNvPr id="11266" name="Rectangle 1"/>
           <p:cNvSpPr>
             <a:spLocks noGrp="1" noChangeArrowheads="1"/>
@@ -14055,7 +15012,7 @@
 </p:sld>
 </file>
 
-<file path=ppt/slides/slide4.xml><?xml version="1.0" encoding="utf-8"?>
+<file path=ppt/slides/slide8.xml><?xml version="1.0" encoding="utf-8"?>
 <p:sld xmlns:a="http://schemas.openxmlformats.org/drawingml/2006/main" xmlns:r="http://schemas.openxmlformats.org/officeDocument/2006/relationships" xmlns:p="http://schemas.openxmlformats.org/presentationml/2006/main">
   <p:cSld>
     <p:spTree>
@@ -14242,7 +15199,7 @@
 </p:sld>
 </file>
 
-<file path=ppt/slides/slide5.xml><?xml version="1.0" encoding="utf-8"?>
+<file path=ppt/slides/slide9.xml><?xml version="1.0" encoding="utf-8"?>
 <p:sld xmlns:a="http://schemas.openxmlformats.org/drawingml/2006/main" xmlns:r="http://schemas.openxmlformats.org/officeDocument/2006/relationships" xmlns:p="http://schemas.openxmlformats.org/presentationml/2006/main">
   <p:cSld>
     <p:spTree>
@@ -14390,578 +15347,6 @@
           <a:xfrm>
             <a:off x="457200" y="3565525"/>
             <a:ext cx="7681913" cy="1920875"/>
-          </a:xfrm>
-          <a:prstGeom prst="rect">
-            <a:avLst/>
-          </a:prstGeom>
-          <a:noFill/>
-          <a:ln>
-            <a:noFill/>
-          </a:ln>
-          <a:extLst>
-            <a:ext uri="{909E8E84-426E-40DD-AFC4-6F175D3DCCD1}">
-              <a14:hiddenFill xmlns:a14="http://schemas.microsoft.com/office/drawing/2010/main">
-                <a:solidFill>
-                  <a:srgbClr val="FFFFFF"/>
-                </a:solidFill>
-              </a14:hiddenFill>
-            </a:ext>
-            <a:ext uri="{91240B29-F687-4F45-9708-019B960494DF}">
-              <a14:hiddenLine xmlns:a14="http://schemas.microsoft.com/office/drawing/2010/main" w="9525">
-                <a:solidFill>
-                  <a:srgbClr val="000000"/>
-                </a:solidFill>
-                <a:round/>
-                <a:headEnd/>
-                <a:tailEnd/>
-              </a14:hiddenLine>
-            </a:ext>
-          </a:extLst>
-        </p:spPr>
-      </p:pic>
-    </p:spTree>
-  </p:cSld>
-  <p:clrMapOvr>
-    <a:masterClrMapping/>
-  </p:clrMapOvr>
-  <p:transition spd="med"/>
-  <p:timing>
-    <p:tnLst>
-      <p:par>
-        <p:cTn id="1" dur="indefinite" restart="never" nodeType="tmRoot">
-          <p:childTnLst>
-            <p:seq concurrent="1" nextAc="seek">
-              <p:cTn id="2" dur="0" nodeType="mainSeq"/>
-              <p:prevCondLst>
-                <p:cond evt="onPrev" delay="0">
-                  <p:tgtEl>
-                    <p:sldTgt/>
-                  </p:tgtEl>
-                </p:cond>
-              </p:prevCondLst>
-              <p:nextCondLst>
-                <p:cond evt="onNext" delay="0">
-                  <p:tgtEl>
-                    <p:sldTgt/>
-                  </p:tgtEl>
-                </p:cond>
-              </p:nextCondLst>
-            </p:seq>
-          </p:childTnLst>
-        </p:cTn>
-      </p:par>
-    </p:tnLst>
-  </p:timing>
-</p:sld>
-</file>
-
-<file path=ppt/slides/slide6.xml><?xml version="1.0" encoding="utf-8"?>
-<p:sld xmlns:a="http://schemas.openxmlformats.org/drawingml/2006/main" xmlns:r="http://schemas.openxmlformats.org/officeDocument/2006/relationships" xmlns:p="http://schemas.openxmlformats.org/presentationml/2006/main">
-  <p:cSld>
-    <p:spTree>
-      <p:nvGrpSpPr>
-        <p:cNvPr id="1" name=""/>
-        <p:cNvGrpSpPr/>
-        <p:nvPr/>
-      </p:nvGrpSpPr>
-      <p:grpSpPr>
-        <a:xfrm>
-          <a:off x="0" y="0"/>
-          <a:ext cx="0" cy="0"/>
-          <a:chOff x="0" y="0"/>
-          <a:chExt cx="0" cy="0"/>
-        </a:xfrm>
-      </p:grpSpPr>
-      <p:sp>
-        <p:nvSpPr>
-          <p:cNvPr id="14338" name="Rectangle 1"/>
-          <p:cNvSpPr>
-            <a:spLocks noGrp="1" noChangeArrowheads="1"/>
-          </p:cNvSpPr>
-          <p:nvPr>
-            <p:ph type="title"/>
-          </p:nvPr>
-        </p:nvSpPr>
-        <p:spPr>
-          <a:xfrm>
-            <a:off x="685800" y="609600"/>
-            <a:ext cx="7770813" cy="1141413"/>
-          </a:xfrm>
-        </p:spPr>
-        <p:txBody>
-          <a:bodyPr/>
-          <a:lstStyle/>
-          <a:p>
-            <a:pPr>
-              <a:tabLst>
-                <a:tab pos="0" algn="l"/>
-                <a:tab pos="457200" algn="l"/>
-                <a:tab pos="914400" algn="l"/>
-                <a:tab pos="1371600" algn="l"/>
-                <a:tab pos="1828800" algn="l"/>
-                <a:tab pos="2286000" algn="l"/>
-                <a:tab pos="2743200" algn="l"/>
-                <a:tab pos="3200400" algn="l"/>
-                <a:tab pos="3657600" algn="l"/>
-                <a:tab pos="4114800" algn="l"/>
-                <a:tab pos="4572000" algn="l"/>
-                <a:tab pos="5029200" algn="l"/>
-                <a:tab pos="5486400" algn="l"/>
-                <a:tab pos="5943600" algn="l"/>
-                <a:tab pos="6400800" algn="l"/>
-                <a:tab pos="6858000" algn="l"/>
-                <a:tab pos="7315200" algn="l"/>
-                <a:tab pos="7772400" algn="l"/>
-                <a:tab pos="8229600" algn="l"/>
-                <a:tab pos="8686800" algn="l"/>
-                <a:tab pos="9144000" algn="l"/>
-              </a:tabLst>
-            </a:pPr>
-            <a:r>
-              <a:rPr lang="en-US" altLang="en-US" smtClean="0"/>
-              <a:t>Return Values</a:t>
-            </a:r>
-          </a:p>
-        </p:txBody>
-      </p:sp>
-      <p:sp>
-        <p:nvSpPr>
-          <p:cNvPr id="14339" name="Rectangle 2"/>
-          <p:cNvSpPr>
-            <a:spLocks noGrp="1" noChangeArrowheads="1"/>
-          </p:cNvSpPr>
-          <p:nvPr>
-            <p:ph idx="1"/>
-          </p:nvPr>
-        </p:nvSpPr>
-        <p:spPr>
-          <a:xfrm>
-            <a:off x="685800" y="1981200"/>
-            <a:ext cx="7770813" cy="4113213"/>
-          </a:xfrm>
-        </p:spPr>
-        <p:txBody>
-          <a:bodyPr/>
-          <a:lstStyle/>
-          <a:p>
-            <a:pPr>
-              <a:buFont typeface="Times New Roman" panose="02020603050405020304" pitchFamily="18" charset="0"/>
-              <a:buNone/>
-            </a:pPr>
-            <a:endParaRPr lang="en-US" altLang="en-US" smtClean="0"/>
-          </a:p>
-        </p:txBody>
-      </p:sp>
-      <p:pic>
-        <p:nvPicPr>
-          <p:cNvPr id="14340" name="Picture 3"/>
-          <p:cNvPicPr>
-            <a:picLocks noChangeAspect="1" noChangeArrowheads="1"/>
-          </p:cNvPicPr>
-          <p:nvPr/>
-        </p:nvPicPr>
-        <p:blipFill>
-          <a:blip r:embed="rId3">
-            <a:extLst>
-              <a:ext uri="{28A0092B-C50C-407E-A947-70E740481C1C}">
-                <a14:useLocalDpi xmlns:a14="http://schemas.microsoft.com/office/drawing/2010/main" val="0"/>
-              </a:ext>
-            </a:extLst>
-          </a:blip>
-          <a:srcRect/>
-          <a:stretch>
-            <a:fillRect/>
-          </a:stretch>
-        </p:blipFill>
-        <p:spPr bwMode="auto">
-          <a:xfrm>
-            <a:off x="2103438" y="2743200"/>
-            <a:ext cx="4271962" cy="2671763"/>
-          </a:xfrm>
-          <a:prstGeom prst="rect">
-            <a:avLst/>
-          </a:prstGeom>
-          <a:noFill/>
-          <a:ln>
-            <a:noFill/>
-          </a:ln>
-          <a:extLst>
-            <a:ext uri="{909E8E84-426E-40DD-AFC4-6F175D3DCCD1}">
-              <a14:hiddenFill xmlns:a14="http://schemas.microsoft.com/office/drawing/2010/main">
-                <a:solidFill>
-                  <a:srgbClr val="FFFFFF"/>
-                </a:solidFill>
-              </a14:hiddenFill>
-            </a:ext>
-            <a:ext uri="{91240B29-F687-4F45-9708-019B960494DF}">
-              <a14:hiddenLine xmlns:a14="http://schemas.microsoft.com/office/drawing/2010/main" w="9525">
-                <a:solidFill>
-                  <a:srgbClr val="000000"/>
-                </a:solidFill>
-                <a:round/>
-                <a:headEnd/>
-                <a:tailEnd/>
-              </a14:hiddenLine>
-            </a:ext>
-          </a:extLst>
-        </p:spPr>
-      </p:pic>
-    </p:spTree>
-  </p:cSld>
-  <p:clrMapOvr>
-    <a:masterClrMapping/>
-  </p:clrMapOvr>
-  <p:transition spd="med"/>
-  <p:timing>
-    <p:tnLst>
-      <p:par>
-        <p:cTn id="1" dur="indefinite" restart="never" nodeType="tmRoot">
-          <p:childTnLst>
-            <p:seq concurrent="1" nextAc="seek">
-              <p:cTn id="2" dur="0" nodeType="mainSeq"/>
-              <p:prevCondLst>
-                <p:cond evt="onPrev" delay="0">
-                  <p:tgtEl>
-                    <p:sldTgt/>
-                  </p:tgtEl>
-                </p:cond>
-              </p:prevCondLst>
-              <p:nextCondLst>
-                <p:cond evt="onNext" delay="0">
-                  <p:tgtEl>
-                    <p:sldTgt/>
-                  </p:tgtEl>
-                </p:cond>
-              </p:nextCondLst>
-            </p:seq>
-          </p:childTnLst>
-        </p:cTn>
-      </p:par>
-    </p:tnLst>
-  </p:timing>
-</p:sld>
-</file>
-
-<file path=ppt/slides/slide7.xml><?xml version="1.0" encoding="utf-8"?>
-<p:sld xmlns:a="http://schemas.openxmlformats.org/drawingml/2006/main" xmlns:r="http://schemas.openxmlformats.org/officeDocument/2006/relationships" xmlns:p="http://schemas.openxmlformats.org/presentationml/2006/main">
-  <p:cSld>
-    <p:spTree>
-      <p:nvGrpSpPr>
-        <p:cNvPr id="1" name=""/>
-        <p:cNvGrpSpPr/>
-        <p:nvPr/>
-      </p:nvGrpSpPr>
-      <p:grpSpPr>
-        <a:xfrm>
-          <a:off x="0" y="0"/>
-          <a:ext cx="0" cy="0"/>
-          <a:chOff x="0" y="0"/>
-          <a:chExt cx="0" cy="0"/>
-        </a:xfrm>
-      </p:grpSpPr>
-      <p:sp>
-        <p:nvSpPr>
-          <p:cNvPr id="2" name="Title 1"/>
-          <p:cNvSpPr>
-            <a:spLocks noGrp="1"/>
-          </p:cNvSpPr>
-          <p:nvPr>
-            <p:ph type="title"/>
-          </p:nvPr>
-        </p:nvSpPr>
-        <p:spPr/>
-        <p:txBody>
-          <a:bodyPr/>
-          <a:lstStyle/>
-          <a:p>
-            <a:r>
-              <a:rPr lang="en-GB" dirty="0" smtClean="0"/>
-              <a:t>Question</a:t>
-            </a:r>
-            <a:endParaRPr lang="en-GB" dirty="0"/>
-          </a:p>
-        </p:txBody>
-      </p:sp>
-      <p:sp>
-        <p:nvSpPr>
-          <p:cNvPr id="3" name="Content Placeholder 2"/>
-          <p:cNvSpPr>
-            <a:spLocks noGrp="1"/>
-          </p:cNvSpPr>
-          <p:nvPr>
-            <p:ph idx="1"/>
-          </p:nvPr>
-        </p:nvSpPr>
-        <p:spPr/>
-        <p:txBody>
-          <a:bodyPr/>
-          <a:lstStyle/>
-          <a:p>
-            <a:r>
-              <a:rPr lang="en-GB" dirty="0" smtClean="0"/>
-              <a:t>Is </a:t>
-            </a:r>
-            <a:r>
-              <a:rPr lang="en-GB" dirty="0" err="1" smtClean="0"/>
-              <a:t>Javascript</a:t>
-            </a:r>
-            <a:r>
-              <a:rPr lang="en-GB" dirty="0" smtClean="0"/>
-              <a:t> an Object Orientated Language?</a:t>
-            </a:r>
-          </a:p>
-          <a:p>
-            <a:endParaRPr lang="en-GB" dirty="0"/>
-          </a:p>
-          <a:p>
-            <a:pPr marL="0" indent="0">
-              <a:buNone/>
-            </a:pPr>
-            <a:r>
-              <a:rPr lang="en-GB" dirty="0" smtClean="0"/>
-              <a:t>a) Yes</a:t>
-            </a:r>
-          </a:p>
-          <a:p>
-            <a:pPr marL="0" indent="0">
-              <a:buNone/>
-            </a:pPr>
-            <a:r>
-              <a:rPr lang="en-GB" dirty="0" smtClean="0"/>
-              <a:t>b) No</a:t>
-            </a:r>
-            <a:endParaRPr lang="en-GB" dirty="0"/>
-          </a:p>
-        </p:txBody>
-      </p:sp>
-    </p:spTree>
-    <p:extLst>
-      <p:ext uri="{BB962C8B-B14F-4D97-AF65-F5344CB8AC3E}">
-        <p14:creationId xmlns:p14="http://schemas.microsoft.com/office/powerpoint/2010/main" val="1643209788"/>
-      </p:ext>
-    </p:extLst>
-  </p:cSld>
-  <p:clrMapOvr>
-    <a:masterClrMapping/>
-  </p:clrMapOvr>
-</p:sld>
-</file>
-
-<file path=ppt/slides/slide8.xml><?xml version="1.0" encoding="utf-8"?>
-<p:sld xmlns:a="http://schemas.openxmlformats.org/drawingml/2006/main" xmlns:r="http://schemas.openxmlformats.org/officeDocument/2006/relationships" xmlns:p="http://schemas.openxmlformats.org/presentationml/2006/main">
-  <p:cSld>
-    <p:spTree>
-      <p:nvGrpSpPr>
-        <p:cNvPr id="1" name=""/>
-        <p:cNvGrpSpPr/>
-        <p:nvPr/>
-      </p:nvGrpSpPr>
-      <p:grpSpPr>
-        <a:xfrm>
-          <a:off x="0" y="0"/>
-          <a:ext cx="0" cy="0"/>
-          <a:chOff x="0" y="0"/>
-          <a:chExt cx="0" cy="0"/>
-        </a:xfrm>
-      </p:grpSpPr>
-      <p:sp>
-        <p:nvSpPr>
-          <p:cNvPr id="2" name="Title 1"/>
-          <p:cNvSpPr>
-            <a:spLocks noGrp="1"/>
-          </p:cNvSpPr>
-          <p:nvPr>
-            <p:ph type="title"/>
-          </p:nvPr>
-        </p:nvSpPr>
-        <p:spPr/>
-        <p:txBody>
-          <a:bodyPr/>
-          <a:lstStyle/>
-          <a:p>
-            <a:r>
-              <a:rPr lang="en-GB" dirty="0" smtClean="0"/>
-              <a:t>Answer</a:t>
-            </a:r>
-            <a:endParaRPr lang="en-GB" dirty="0"/>
-          </a:p>
-        </p:txBody>
-      </p:sp>
-      <p:sp>
-        <p:nvSpPr>
-          <p:cNvPr id="3" name="Content Placeholder 2"/>
-          <p:cNvSpPr>
-            <a:spLocks noGrp="1"/>
-          </p:cNvSpPr>
-          <p:nvPr>
-            <p:ph idx="1"/>
-          </p:nvPr>
-        </p:nvSpPr>
-        <p:spPr/>
-        <p:txBody>
-          <a:bodyPr/>
-          <a:lstStyle/>
-          <a:p>
-            <a:r>
-              <a:rPr lang="en-GB" dirty="0" smtClean="0"/>
-              <a:t>a) Yes</a:t>
-            </a:r>
-          </a:p>
-          <a:p>
-            <a:endParaRPr lang="en-GB" dirty="0"/>
-          </a:p>
-          <a:p>
-            <a:pPr marL="0" indent="0">
-              <a:buNone/>
-            </a:pPr>
-            <a:r>
-              <a:rPr lang="en-US" altLang="en-US" dirty="0"/>
-              <a:t>JavaScript is an object oriented programming language</a:t>
-            </a:r>
-          </a:p>
-          <a:p>
-            <a:pPr marL="0" indent="0">
-              <a:buNone/>
-            </a:pPr>
-            <a:endParaRPr lang="en-GB" dirty="0"/>
-          </a:p>
-        </p:txBody>
-      </p:sp>
-    </p:spTree>
-    <p:extLst>
-      <p:ext uri="{BB962C8B-B14F-4D97-AF65-F5344CB8AC3E}">
-        <p14:creationId xmlns:p14="http://schemas.microsoft.com/office/powerpoint/2010/main" val="3603555593"/>
-      </p:ext>
-    </p:extLst>
-  </p:cSld>
-  <p:clrMapOvr>
-    <a:masterClrMapping/>
-  </p:clrMapOvr>
-</p:sld>
-</file>
-
-<file path=ppt/slides/slide9.xml><?xml version="1.0" encoding="utf-8"?>
-<p:sld xmlns:a="http://schemas.openxmlformats.org/drawingml/2006/main" xmlns:r="http://schemas.openxmlformats.org/officeDocument/2006/relationships" xmlns:p="http://schemas.openxmlformats.org/presentationml/2006/main">
-  <p:cSld>
-    <p:spTree>
-      <p:nvGrpSpPr>
-        <p:cNvPr id="1" name=""/>
-        <p:cNvGrpSpPr/>
-        <p:nvPr/>
-      </p:nvGrpSpPr>
-      <p:grpSpPr>
-        <a:xfrm>
-          <a:off x="0" y="0"/>
-          <a:ext cx="0" cy="0"/>
-          <a:chOff x="0" y="0"/>
-          <a:chExt cx="0" cy="0"/>
-        </a:xfrm>
-      </p:grpSpPr>
-      <p:sp>
-        <p:nvSpPr>
-          <p:cNvPr id="16386" name="Rectangle 1"/>
-          <p:cNvSpPr>
-            <a:spLocks noGrp="1" noChangeArrowheads="1"/>
-          </p:cNvSpPr>
-          <p:nvPr>
-            <p:ph type="title"/>
-          </p:nvPr>
-        </p:nvSpPr>
-        <p:spPr>
-          <a:xfrm>
-            <a:off x="685800" y="461963"/>
-            <a:ext cx="7770813" cy="1435100"/>
-          </a:xfrm>
-        </p:spPr>
-        <p:txBody>
-          <a:bodyPr/>
-          <a:lstStyle/>
-          <a:p>
-            <a:pPr>
-              <a:tabLst>
-                <a:tab pos="0" algn="l"/>
-                <a:tab pos="457200" algn="l"/>
-                <a:tab pos="914400" algn="l"/>
-                <a:tab pos="1371600" algn="l"/>
-                <a:tab pos="1828800" algn="l"/>
-                <a:tab pos="2286000" algn="l"/>
-                <a:tab pos="2743200" algn="l"/>
-                <a:tab pos="3200400" algn="l"/>
-                <a:tab pos="3657600" algn="l"/>
-                <a:tab pos="4114800" algn="l"/>
-                <a:tab pos="4572000" algn="l"/>
-                <a:tab pos="5029200" algn="l"/>
-                <a:tab pos="5486400" algn="l"/>
-                <a:tab pos="5943600" algn="l"/>
-                <a:tab pos="6400800" algn="l"/>
-                <a:tab pos="6858000" algn="l"/>
-                <a:tab pos="7315200" algn="l"/>
-                <a:tab pos="7772400" algn="l"/>
-                <a:tab pos="8229600" algn="l"/>
-                <a:tab pos="8686800" algn="l"/>
-                <a:tab pos="9144000" algn="l"/>
-              </a:tabLst>
-            </a:pPr>
-            <a:r>
-              <a:rPr lang="en-US" altLang="en-US" smtClean="0"/>
-              <a:t>How to create and use objects in Javascript</a:t>
-            </a:r>
-          </a:p>
-        </p:txBody>
-      </p:sp>
-      <p:sp>
-        <p:nvSpPr>
-          <p:cNvPr id="16387" name="Rectangle 2"/>
-          <p:cNvSpPr>
-            <a:spLocks noGrp="1" noChangeArrowheads="1"/>
-          </p:cNvSpPr>
-          <p:nvPr>
-            <p:ph idx="1"/>
-          </p:nvPr>
-        </p:nvSpPr>
-        <p:spPr>
-          <a:xfrm>
-            <a:off x="685800" y="1981200"/>
-            <a:ext cx="7770813" cy="4113213"/>
-          </a:xfrm>
-        </p:spPr>
-        <p:txBody>
-          <a:bodyPr/>
-          <a:lstStyle/>
-          <a:p>
-            <a:pPr>
-              <a:buFont typeface="Times New Roman" panose="02020603050405020304" pitchFamily="18" charset="0"/>
-              <a:buNone/>
-            </a:pPr>
-            <a:endParaRPr lang="en-US" altLang="en-US" smtClean="0"/>
-          </a:p>
-        </p:txBody>
-      </p:sp>
-      <p:pic>
-        <p:nvPicPr>
-          <p:cNvPr id="16388" name="Picture 3"/>
-          <p:cNvPicPr>
-            <a:picLocks noChangeAspect="1" noChangeArrowheads="1"/>
-          </p:cNvPicPr>
-          <p:nvPr/>
-        </p:nvPicPr>
-        <p:blipFill>
-          <a:blip r:embed="rId3">
-            <a:extLst>
-              <a:ext uri="{28A0092B-C50C-407E-A947-70E740481C1C}">
-                <a14:useLocalDpi xmlns:a14="http://schemas.microsoft.com/office/drawing/2010/main" val="0"/>
-              </a:ext>
-            </a:extLst>
-          </a:blip>
-          <a:srcRect/>
-          <a:stretch>
-            <a:fillRect/>
-          </a:stretch>
-        </p:blipFill>
-        <p:spPr bwMode="auto">
-          <a:xfrm>
-            <a:off x="1371600" y="2528888"/>
-            <a:ext cx="6472238" cy="3049587"/>
           </a:xfrm>
           <a:prstGeom prst="rect">
             <a:avLst/>

--- a/WAD/lectures/110--Javascript.Forms.pptx
+++ b/WAD/lectures/110--Javascript.Forms.pptx
@@ -5,7 +5,7 @@
     <p:sldMasterId id="2147483648" r:id="rId1"/>
   </p:sldMasterIdLst>
   <p:notesMasterIdLst>
-    <p:notesMasterId r:id="rId26"/>
+    <p:notesMasterId r:id="rId32"/>
   </p:notesMasterIdLst>
   <p:sldIdLst>
     <p:sldId id="256" r:id="rId2"/>
@@ -14,24 +14,30 @@
     <p:sldId id="282" r:id="rId5"/>
     <p:sldId id="278" r:id="rId6"/>
     <p:sldId id="279" r:id="rId7"/>
-    <p:sldId id="259" r:id="rId8"/>
-    <p:sldId id="260" r:id="rId9"/>
-    <p:sldId id="261" r:id="rId10"/>
-    <p:sldId id="262" r:id="rId11"/>
-    <p:sldId id="276" r:id="rId12"/>
-    <p:sldId id="277" r:id="rId13"/>
-    <p:sldId id="264" r:id="rId14"/>
-    <p:sldId id="265" r:id="rId15"/>
-    <p:sldId id="266" r:id="rId16"/>
-    <p:sldId id="267" r:id="rId17"/>
-    <p:sldId id="268" r:id="rId18"/>
-    <p:sldId id="269" r:id="rId19"/>
-    <p:sldId id="270" r:id="rId20"/>
-    <p:sldId id="271" r:id="rId21"/>
-    <p:sldId id="272" r:id="rId22"/>
-    <p:sldId id="273" r:id="rId23"/>
-    <p:sldId id="274" r:id="rId24"/>
-    <p:sldId id="275" r:id="rId25"/>
+    <p:sldId id="283" r:id="rId8"/>
+    <p:sldId id="286" r:id="rId9"/>
+    <p:sldId id="284" r:id="rId10"/>
+    <p:sldId id="287" r:id="rId11"/>
+    <p:sldId id="285" r:id="rId12"/>
+    <p:sldId id="288" r:id="rId13"/>
+    <p:sldId id="259" r:id="rId14"/>
+    <p:sldId id="260" r:id="rId15"/>
+    <p:sldId id="261" r:id="rId16"/>
+    <p:sldId id="262" r:id="rId17"/>
+    <p:sldId id="276" r:id="rId18"/>
+    <p:sldId id="277" r:id="rId19"/>
+    <p:sldId id="264" r:id="rId20"/>
+    <p:sldId id="265" r:id="rId21"/>
+    <p:sldId id="266" r:id="rId22"/>
+    <p:sldId id="267" r:id="rId23"/>
+    <p:sldId id="268" r:id="rId24"/>
+    <p:sldId id="269" r:id="rId25"/>
+    <p:sldId id="270" r:id="rId26"/>
+    <p:sldId id="271" r:id="rId27"/>
+    <p:sldId id="272" r:id="rId28"/>
+    <p:sldId id="273" r:id="rId29"/>
+    <p:sldId id="274" r:id="rId30"/>
+    <p:sldId id="275" r:id="rId31"/>
   </p:sldIdLst>
   <p:sldSz cx="9144000" cy="6858000" type="screen4x3"/>
   <p:notesSz cx="6858000" cy="9144000"/>
@@ -1020,7 +1026,7 @@
             <a:fld id="{5D0562E2-9FC7-40FC-820D-8BD5C605833B}" type="slidenum">
               <a:rPr lang="en-US" altLang="en-US" sz="1200"/>
               <a:pPr/>
-              <a:t>16</a:t>
+              <a:t>22</a:t>
             </a:fld>
             <a:endParaRPr lang="en-US" altLang="en-US" sz="1200"/>
           </a:p>
@@ -1265,7 +1271,7 @@
             <a:fld id="{CDC55557-F247-42C3-AB8D-65DD55A47FF0}" type="slidenum">
               <a:rPr lang="en-US" altLang="en-US" sz="1200"/>
               <a:pPr/>
-              <a:t>17</a:t>
+              <a:t>23</a:t>
             </a:fld>
             <a:endParaRPr lang="en-US" altLang="en-US" sz="1200"/>
           </a:p>
@@ -1510,7 +1516,7 @@
             <a:fld id="{9E011DDE-AAD0-4CC0-86CA-D1B1B114D286}" type="slidenum">
               <a:rPr lang="en-US" altLang="en-US" sz="1200"/>
               <a:pPr/>
-              <a:t>18</a:t>
+              <a:t>24</a:t>
             </a:fld>
             <a:endParaRPr lang="en-US" altLang="en-US" sz="1200"/>
           </a:p>
@@ -1755,7 +1761,7 @@
             <a:fld id="{DB9218A6-023B-498E-9CFE-F886A2AE3EF2}" type="slidenum">
               <a:rPr lang="en-US" altLang="en-US" sz="1200"/>
               <a:pPr/>
-              <a:t>19</a:t>
+              <a:t>25</a:t>
             </a:fld>
             <a:endParaRPr lang="en-US" altLang="en-US" sz="1200"/>
           </a:p>
@@ -2000,7 +2006,7 @@
             <a:fld id="{A24BC7C6-2D96-4F1E-B8F2-CF58DD36082C}" type="slidenum">
               <a:rPr lang="en-US" altLang="en-US" sz="1200"/>
               <a:pPr/>
-              <a:t>20</a:t>
+              <a:t>26</a:t>
             </a:fld>
             <a:endParaRPr lang="en-US" altLang="en-US" sz="1200"/>
           </a:p>
@@ -2245,7 +2251,7 @@
             <a:fld id="{0ABB3174-B7E6-4809-A2CB-D026314E7EF4}" type="slidenum">
               <a:rPr lang="en-US" altLang="en-US" sz="1200"/>
               <a:pPr/>
-              <a:t>21</a:t>
+              <a:t>27</a:t>
             </a:fld>
             <a:endParaRPr lang="en-US" altLang="en-US" sz="1200"/>
           </a:p>
@@ -2490,7 +2496,7 @@
             <a:fld id="{94AD194F-FBD3-4794-A5AD-99B165C3E0C3}" type="slidenum">
               <a:rPr lang="en-US" altLang="en-US" sz="1200"/>
               <a:pPr/>
-              <a:t>22</a:t>
+              <a:t>28</a:t>
             </a:fld>
             <a:endParaRPr lang="en-US" altLang="en-US" sz="1200"/>
           </a:p>
@@ -2727,7 +2733,7 @@
             <a:fld id="{53234844-D3D5-42A1-B653-CF7B72A590E3}" type="slidenum">
               <a:rPr lang="en-US" altLang="en-US" sz="1200"/>
               <a:pPr/>
-              <a:t>23</a:t>
+              <a:t>29</a:t>
             </a:fld>
             <a:endParaRPr lang="en-US" altLang="en-US" sz="1200"/>
           </a:p>
@@ -2964,7 +2970,7 @@
             <a:fld id="{B59C545E-A3D6-4635-AE4F-5E12080A8E34}" type="slidenum">
               <a:rPr lang="en-US" altLang="en-US" sz="1200"/>
               <a:pPr/>
-              <a:t>24</a:t>
+              <a:t>30</a:t>
             </a:fld>
             <a:endParaRPr lang="en-US" altLang="en-US" sz="1200"/>
           </a:p>
@@ -3438,7 +3444,7 @@
             <a:fld id="{1AE40E44-7981-4E68-B452-DDE00CB2C8F6}" type="slidenum">
               <a:rPr lang="en-US" altLang="en-US" sz="1200"/>
               <a:pPr/>
-              <a:t>7</a:t>
+              <a:t>13</a:t>
             </a:fld>
             <a:endParaRPr lang="en-US" altLang="en-US" sz="1200"/>
           </a:p>
@@ -3683,7 +3689,7 @@
             <a:fld id="{1E3A80B5-F51D-45A7-80AE-8FD0F4B9F6D3}" type="slidenum">
               <a:rPr lang="en-US" altLang="en-US" sz="1200"/>
               <a:pPr/>
-              <a:t>8</a:t>
+              <a:t>14</a:t>
             </a:fld>
             <a:endParaRPr lang="en-US" altLang="en-US" sz="1200"/>
           </a:p>
@@ -3928,7 +3934,7 @@
             <a:fld id="{5CF838D2-C47F-4E7B-A978-26B48876121B}" type="slidenum">
               <a:rPr lang="en-US" altLang="en-US" sz="1200"/>
               <a:pPr/>
-              <a:t>9</a:t>
+              <a:t>15</a:t>
             </a:fld>
             <a:endParaRPr lang="en-US" altLang="en-US" sz="1200"/>
           </a:p>
@@ -4173,7 +4179,7 @@
             <a:fld id="{AC9916F2-A569-4C4B-A861-82660DA46FE1}" type="slidenum">
               <a:rPr lang="en-US" altLang="en-US" sz="1200"/>
               <a:pPr/>
-              <a:t>10</a:t>
+              <a:t>16</a:t>
             </a:fld>
             <a:endParaRPr lang="en-US" altLang="en-US" sz="1200"/>
           </a:p>
@@ -4418,7 +4424,7 @@
             <a:fld id="{211B5806-F746-45F5-8BFE-B93A8251D05E}" type="slidenum">
               <a:rPr lang="en-US" altLang="en-US" sz="1200"/>
               <a:pPr/>
-              <a:t>13</a:t>
+              <a:t>19</a:t>
             </a:fld>
             <a:endParaRPr lang="en-US" altLang="en-US" sz="1200"/>
           </a:p>
@@ -4663,7 +4669,7 @@
             <a:fld id="{8B51B57F-C5B0-4CFF-A6A8-DB6004DE076F}" type="slidenum">
               <a:rPr lang="en-US" altLang="en-US" sz="1200"/>
               <a:pPr/>
-              <a:t>14</a:t>
+              <a:t>20</a:t>
             </a:fld>
             <a:endParaRPr lang="en-US" altLang="en-US" sz="1200"/>
           </a:p>
@@ -4908,7 +4914,7 @@
             <a:fld id="{B8344FC7-3616-4347-954A-E236A772931D}" type="slidenum">
               <a:rPr lang="en-US" altLang="en-US" sz="1200"/>
               <a:pPr/>
-              <a:t>15</a:t>
+              <a:t>21</a:t>
             </a:fld>
             <a:endParaRPr lang="en-US" altLang="en-US" sz="1200"/>
           </a:p>
@@ -8969,61 +8975,32 @@
       </p:grpSpPr>
       <p:sp>
         <p:nvSpPr>
-          <p:cNvPr id="14338" name="Rectangle 1"/>
+          <p:cNvPr id="2" name="Title 1"/>
           <p:cNvSpPr>
-            <a:spLocks noGrp="1" noChangeArrowheads="1"/>
+            <a:spLocks noGrp="1"/>
           </p:cNvSpPr>
           <p:nvPr>
             <p:ph type="title"/>
           </p:nvPr>
         </p:nvSpPr>
-        <p:spPr>
-          <a:xfrm>
-            <a:off x="685800" y="609600"/>
-            <a:ext cx="7770813" cy="1141413"/>
-          </a:xfrm>
-        </p:spPr>
+        <p:spPr/>
         <p:txBody>
           <a:bodyPr/>
           <a:lstStyle/>
           <a:p>
-            <a:pPr>
-              <a:tabLst>
-                <a:tab pos="0" algn="l"/>
-                <a:tab pos="457200" algn="l"/>
-                <a:tab pos="914400" algn="l"/>
-                <a:tab pos="1371600" algn="l"/>
-                <a:tab pos="1828800" algn="l"/>
-                <a:tab pos="2286000" algn="l"/>
-                <a:tab pos="2743200" algn="l"/>
-                <a:tab pos="3200400" algn="l"/>
-                <a:tab pos="3657600" algn="l"/>
-                <a:tab pos="4114800" algn="l"/>
-                <a:tab pos="4572000" algn="l"/>
-                <a:tab pos="5029200" algn="l"/>
-                <a:tab pos="5486400" algn="l"/>
-                <a:tab pos="5943600" algn="l"/>
-                <a:tab pos="6400800" algn="l"/>
-                <a:tab pos="6858000" algn="l"/>
-                <a:tab pos="7315200" algn="l"/>
-                <a:tab pos="7772400" algn="l"/>
-                <a:tab pos="8229600" algn="l"/>
-                <a:tab pos="8686800" algn="l"/>
-                <a:tab pos="9144000" algn="l"/>
-              </a:tabLst>
-            </a:pPr>
-            <a:r>
-              <a:rPr lang="en-US" altLang="en-US" smtClean="0"/>
-              <a:t>Return Values</a:t>
-            </a:r>
+            <a:r>
+              <a:rPr lang="en-GB" dirty="0" smtClean="0"/>
+              <a:t>Answer</a:t>
+            </a:r>
+            <a:endParaRPr lang="en-GB" dirty="0"/>
           </a:p>
         </p:txBody>
       </p:sp>
       <p:sp>
         <p:nvSpPr>
-          <p:cNvPr id="14339" name="Rectangle 2"/>
+          <p:cNvPr id="3" name="Content Placeholder 2"/>
           <p:cNvSpPr>
-            <a:spLocks noGrp="1" noChangeArrowheads="1"/>
+            <a:spLocks noGrp="1"/>
           </p:cNvSpPr>
           <p:nvPr>
             <p:ph idx="1"/>
@@ -9032,108 +9009,67 @@
         <p:spPr>
           <a:xfrm>
             <a:off x="685800" y="1981200"/>
-            <a:ext cx="7770813" cy="4113213"/>
+            <a:ext cx="3962400" cy="4114800"/>
           </a:xfrm>
         </p:spPr>
         <p:txBody>
           <a:bodyPr/>
           <a:lstStyle/>
           <a:p>
-            <a:pPr>
-              <a:buFont typeface="Times New Roman" panose="02020603050405020304" pitchFamily="18" charset="0"/>
+            <a:pPr marL="0" indent="0">
               <a:buNone/>
             </a:pPr>
-            <a:endParaRPr lang="en-US" altLang="en-US" smtClean="0"/>
+            <a:r>
+              <a:rPr lang="en-US" dirty="0" smtClean="0"/>
+              <a:t>b) It </a:t>
+            </a:r>
+            <a:r>
+              <a:rPr lang="en-US" dirty="0"/>
+              <a:t>returns true.  The two values are converted to strings and are equal.</a:t>
+            </a:r>
+          </a:p>
+          <a:p>
+            <a:pPr marL="0" indent="0">
+              <a:buNone/>
+            </a:pPr>
+            <a:endParaRPr lang="en-GB" dirty="0"/>
           </a:p>
         </p:txBody>
       </p:sp>
       <p:pic>
         <p:nvPicPr>
-          <p:cNvPr id="14340" name="Picture 3"/>
+          <p:cNvPr id="4" name="Picture 3"/>
           <p:cNvPicPr>
-            <a:picLocks noChangeAspect="1" noChangeArrowheads="1"/>
+            <a:picLocks noChangeAspect="1"/>
           </p:cNvPicPr>
           <p:nvPr/>
         </p:nvPicPr>
         <p:blipFill>
-          <a:blip r:embed="rId3">
-            <a:extLst>
-              <a:ext uri="{28A0092B-C50C-407E-A947-70E740481C1C}">
-                <a14:useLocalDpi xmlns:a14="http://schemas.microsoft.com/office/drawing/2010/main" val="0"/>
-              </a:ext>
-            </a:extLst>
-          </a:blip>
-          <a:srcRect/>
+          <a:blip r:embed="rId2"/>
           <a:stretch>
             <a:fillRect/>
           </a:stretch>
         </p:blipFill>
-        <p:spPr bwMode="auto">
+        <p:spPr>
           <a:xfrm>
-            <a:off x="2103438" y="2743200"/>
-            <a:ext cx="4271962" cy="2671763"/>
+            <a:off x="4800600" y="2100262"/>
+            <a:ext cx="4124325" cy="3876675"/>
           </a:xfrm>
           <a:prstGeom prst="rect">
             <a:avLst/>
           </a:prstGeom>
-          <a:noFill/>
-          <a:ln>
-            <a:noFill/>
-          </a:ln>
-          <a:extLst>
-            <a:ext uri="{909E8E84-426E-40DD-AFC4-6F175D3DCCD1}">
-              <a14:hiddenFill xmlns:a14="http://schemas.microsoft.com/office/drawing/2010/main">
-                <a:solidFill>
-                  <a:srgbClr val="FFFFFF"/>
-                </a:solidFill>
-              </a14:hiddenFill>
-            </a:ext>
-            <a:ext uri="{91240B29-F687-4F45-9708-019B960494DF}">
-              <a14:hiddenLine xmlns:a14="http://schemas.microsoft.com/office/drawing/2010/main" w="9525">
-                <a:solidFill>
-                  <a:srgbClr val="000000"/>
-                </a:solidFill>
-                <a:round/>
-                <a:headEnd/>
-                <a:tailEnd/>
-              </a14:hiddenLine>
-            </a:ext>
-          </a:extLst>
         </p:spPr>
       </p:pic>
     </p:spTree>
+    <p:extLst>
+      <p:ext uri="{BB962C8B-B14F-4D97-AF65-F5344CB8AC3E}">
+        <p14:creationId xmlns:p14="http://schemas.microsoft.com/office/powerpoint/2010/main" val="1401338410"/>
+      </p:ext>
+    </p:extLst>
   </p:cSld>
   <p:clrMapOvr>
     <a:masterClrMapping/>
   </p:clrMapOvr>
-  <p:transition spd="med"/>
-  <p:timing>
-    <p:tnLst>
-      <p:par>
-        <p:cTn id="1" dur="indefinite" restart="never" nodeType="tmRoot">
-          <p:childTnLst>
-            <p:seq concurrent="1" nextAc="seek">
-              <p:cTn id="2" dur="0" nodeType="mainSeq"/>
-              <p:prevCondLst>
-                <p:cond evt="onPrev" delay="0">
-                  <p:tgtEl>
-                    <p:sldTgt/>
-                  </p:tgtEl>
-                </p:cond>
-              </p:prevCondLst>
-              <p:nextCondLst>
-                <p:cond evt="onNext" delay="0">
-                  <p:tgtEl>
-                    <p:sldTgt/>
-                  </p:tgtEl>
-                </p:cond>
-              </p:nextCondLst>
-            </p:seq>
-          </p:childTnLst>
-        </p:cTn>
-      </p:par>
-    </p:tnLst>
-  </p:timing>
 </p:sld>
 </file>
 
@@ -9170,10 +9106,10 @@
           <a:lstStyle/>
           <a:p>
             <a:r>
-              <a:rPr lang="en-GB" dirty="0" smtClean="0"/>
-              <a:t>Question</a:t>
-            </a:r>
-            <a:endParaRPr lang="en-GB" dirty="0"/>
+              <a:rPr lang="en-US" dirty="0" smtClean="0"/>
+              <a:t>What arguments will fn receive, in order?</a:t>
+            </a:r>
+            <a:endParaRPr lang="en-US" dirty="0"/>
           </a:p>
         </p:txBody>
       </p:sp>
@@ -9192,47 +9128,167 @@
           <a:bodyPr/>
           <a:lstStyle/>
           <a:p>
-            <a:r>
-              <a:rPr lang="en-GB" dirty="0" smtClean="0"/>
-              <a:t>Is </a:t>
-            </a:r>
-            <a:r>
-              <a:rPr lang="en-GB" dirty="0" err="1" smtClean="0"/>
-              <a:t>Javascript</a:t>
-            </a:r>
-            <a:r>
-              <a:rPr lang="en-GB" dirty="0" smtClean="0"/>
-              <a:t> an Object Orientated Language?</a:t>
-            </a:r>
-          </a:p>
-          <a:p>
-            <a:endParaRPr lang="en-GB" dirty="0"/>
-          </a:p>
-          <a:p>
-            <a:pPr marL="0" indent="0">
-              <a:buNone/>
-            </a:pPr>
-            <a:r>
-              <a:rPr lang="en-GB" dirty="0" smtClean="0"/>
-              <a:t>a) Yes</a:t>
-            </a:r>
-          </a:p>
-          <a:p>
-            <a:pPr marL="0" indent="0">
-              <a:buNone/>
-            </a:pPr>
-            <a:r>
-              <a:rPr lang="en-GB" dirty="0" smtClean="0"/>
-              <a:t>b) No</a:t>
-            </a:r>
-            <a:endParaRPr lang="en-GB" dirty="0"/>
+            <a:endParaRPr lang="en-US"/>
+          </a:p>
+        </p:txBody>
+      </p:sp>
+      <p:pic>
+        <p:nvPicPr>
+          <p:cNvPr id="3074" name="Picture 2"/>
+          <p:cNvPicPr>
+            <a:picLocks noChangeAspect="1" noChangeArrowheads="1"/>
+          </p:cNvPicPr>
+          <p:nvPr/>
+        </p:nvPicPr>
+        <p:blipFill>
+          <a:blip r:embed="rId2" cstate="print"/>
+          <a:srcRect/>
+          <a:stretch>
+            <a:fillRect/>
+          </a:stretch>
+        </p:blipFill>
+        <p:spPr bwMode="auto">
+          <a:xfrm>
+            <a:off x="762000" y="2133600"/>
+            <a:ext cx="4191000" cy="3621491"/>
+          </a:xfrm>
+          <a:prstGeom prst="rect">
+            <a:avLst/>
+          </a:prstGeom>
+          <a:noFill/>
+          <a:ln w="9525">
+            <a:noFill/>
+            <a:miter lim="800000"/>
+            <a:headEnd/>
+            <a:tailEnd/>
+          </a:ln>
+        </p:spPr>
+      </p:pic>
+      <p:pic>
+        <p:nvPicPr>
+          <p:cNvPr id="3075" name="Picture 3"/>
+          <p:cNvPicPr>
+            <a:picLocks noChangeAspect="1" noChangeArrowheads="1"/>
+          </p:cNvPicPr>
+          <p:nvPr/>
+        </p:nvPicPr>
+        <p:blipFill>
+          <a:blip r:embed="rId3" cstate="print"/>
+          <a:srcRect/>
+          <a:stretch>
+            <a:fillRect/>
+          </a:stretch>
+        </p:blipFill>
+        <p:spPr bwMode="auto">
+          <a:xfrm>
+            <a:off x="5638800" y="2743200"/>
+            <a:ext cx="2845955" cy="2590800"/>
+          </a:xfrm>
+          <a:prstGeom prst="rect">
+            <a:avLst/>
+          </a:prstGeom>
+          <a:noFill/>
+          <a:ln w="9525">
+            <a:noFill/>
+            <a:miter lim="800000"/>
+            <a:headEnd/>
+            <a:tailEnd/>
+          </a:ln>
+        </p:spPr>
+      </p:pic>
+      <p:sp>
+        <p:nvSpPr>
+          <p:cNvPr id="6" name="TextBox 5"/>
+          <p:cNvSpPr txBox="1"/>
+          <p:nvPr/>
+        </p:nvSpPr>
+        <p:spPr>
+          <a:xfrm>
+            <a:off x="5257800" y="2743200"/>
+            <a:ext cx="429926" cy="2569934"/>
+          </a:xfrm>
+          <a:prstGeom prst="rect">
+            <a:avLst/>
+          </a:prstGeom>
+          <a:noFill/>
+        </p:spPr>
+        <p:txBody>
+          <a:bodyPr wrap="none" rtlCol="0">
+            <a:spAutoFit/>
+          </a:bodyPr>
+          <a:lstStyle/>
+          <a:p>
+            <a:r>
+              <a:rPr lang="en-US" sz="2300" dirty="0" smtClean="0">
+                <a:solidFill>
+                  <a:schemeClr val="bg2"/>
+                </a:solidFill>
+              </a:rPr>
+              <a:t>a)</a:t>
+            </a:r>
+          </a:p>
+          <a:p>
+            <a:endParaRPr lang="en-US" sz="2300" dirty="0" smtClean="0">
+              <a:solidFill>
+                <a:schemeClr val="bg2"/>
+              </a:solidFill>
+            </a:endParaRPr>
+          </a:p>
+          <a:p>
+            <a:r>
+              <a:rPr lang="en-US" sz="2300" dirty="0" smtClean="0">
+                <a:solidFill>
+                  <a:schemeClr val="bg2"/>
+                </a:solidFill>
+              </a:rPr>
+              <a:t>b)</a:t>
+            </a:r>
+          </a:p>
+          <a:p>
+            <a:endParaRPr lang="en-US" sz="2300" dirty="0" smtClean="0">
+              <a:solidFill>
+                <a:schemeClr val="bg2"/>
+              </a:solidFill>
+            </a:endParaRPr>
+          </a:p>
+          <a:p>
+            <a:r>
+              <a:rPr lang="en-US" sz="2300" dirty="0" smtClean="0">
+                <a:solidFill>
+                  <a:schemeClr val="bg2"/>
+                </a:solidFill>
+              </a:rPr>
+              <a:t>c)</a:t>
+            </a:r>
+          </a:p>
+          <a:p>
+            <a:endParaRPr lang="en-US" sz="2300" dirty="0" smtClean="0">
+              <a:solidFill>
+                <a:schemeClr val="bg2"/>
+              </a:solidFill>
+            </a:endParaRPr>
+          </a:p>
+          <a:p>
+            <a:r>
+              <a:rPr lang="en-US" sz="2300" dirty="0" smtClean="0">
+                <a:solidFill>
+                  <a:schemeClr val="bg2"/>
+                </a:solidFill>
+              </a:rPr>
+              <a:t>d)</a:t>
+            </a:r>
+            <a:endParaRPr lang="en-US" sz="2300" dirty="0">
+              <a:solidFill>
+                <a:schemeClr val="bg2"/>
+              </a:solidFill>
+            </a:endParaRPr>
           </a:p>
         </p:txBody>
       </p:sp>
     </p:spTree>
     <p:extLst>
       <p:ext uri="{BB962C8B-B14F-4D97-AF65-F5344CB8AC3E}">
-        <p14:creationId xmlns:p14="http://schemas.microsoft.com/office/powerpoint/2010/main" val="1643209788"/>
+        <p14:creationId xmlns:p14="http://schemas.microsoft.com/office/powerpoint/2010/main" val="3574416393"/>
       </p:ext>
     </p:extLst>
   </p:cSld>
@@ -9297,12 +9353,18 @@
           <a:bodyPr/>
           <a:lstStyle/>
           <a:p>
+            <a:pPr marL="514350" indent="-514350">
+              <a:buAutoNum type="alphaLcParenR"/>
+            </a:pPr>
             <a:r>
               <a:rPr lang="en-GB" dirty="0" smtClean="0"/>
-              <a:t>a) Yes</a:t>
-            </a:r>
-          </a:p>
-          <a:p>
+              <a:t>3, 3, ….</a:t>
+            </a:r>
+          </a:p>
+          <a:p>
+            <a:pPr marL="514350" indent="-514350">
+              <a:buAutoNum type="alphaLcParenR"/>
+            </a:pPr>
             <a:endParaRPr lang="en-GB" dirty="0"/>
           </a:p>
           <a:p>
@@ -9310,22 +9372,31 @@
               <a:buNone/>
             </a:pPr>
             <a:r>
-              <a:rPr lang="en-US" altLang="en-US" dirty="0"/>
-              <a:t>JavaScript is an object oriented programming language</a:t>
+              <a:rPr lang="en-GB" smtClean="0"/>
+              <a:t>Reason:</a:t>
             </a:r>
           </a:p>
           <a:p>
             <a:pPr marL="0" indent="0">
               <a:buNone/>
             </a:pPr>
-            <a:endParaRPr lang="en-GB" dirty="0"/>
+            <a:endParaRPr lang="en-GB" dirty="0" smtClean="0"/>
+          </a:p>
+          <a:p>
+            <a:pPr marL="0" indent="0">
+              <a:buNone/>
+            </a:pPr>
+            <a:r>
+              <a:rPr lang="en-GB" dirty="0"/>
+              <a:t>https://stackoverflow.com/questions/5226285/settimeout-in-for-loop-does-not-print-consecutive-values</a:t>
+            </a:r>
           </a:p>
         </p:txBody>
       </p:sp>
     </p:spTree>
     <p:extLst>
       <p:ext uri="{BB962C8B-B14F-4D97-AF65-F5344CB8AC3E}">
-        <p14:creationId xmlns:p14="http://schemas.microsoft.com/office/powerpoint/2010/main" val="3603555593"/>
+        <p14:creationId xmlns:p14="http://schemas.microsoft.com/office/powerpoint/2010/main" val="434336251"/>
       </p:ext>
     </p:extLst>
   </p:cSld>
@@ -9354,7 +9425,7 @@
       </p:grpSpPr>
       <p:sp>
         <p:nvSpPr>
-          <p:cNvPr id="16386" name="Rectangle 1"/>
+          <p:cNvPr id="11266" name="Rectangle 1"/>
           <p:cNvSpPr>
             <a:spLocks noGrp="1" noChangeArrowheads="1"/>
           </p:cNvSpPr>
@@ -9364,8 +9435,8 @@
         </p:nvSpPr>
         <p:spPr>
           <a:xfrm>
-            <a:off x="685800" y="461963"/>
-            <a:ext cx="7770813" cy="1435100"/>
+            <a:off x="685800" y="609600"/>
+            <a:ext cx="7770813" cy="1141413"/>
           </a:xfrm>
         </p:spPr>
         <p:txBody>
@@ -9399,14 +9470,14 @@
             </a:pPr>
             <a:r>
               <a:rPr lang="en-US" altLang="en-US" smtClean="0"/>
-              <a:t>How to create and use objects in Javascript</a:t>
+              <a:t>Defining functions</a:t>
             </a:r>
           </a:p>
         </p:txBody>
       </p:sp>
       <p:sp>
         <p:nvSpPr>
-          <p:cNvPr id="16387" name="Rectangle 2"/>
+          <p:cNvPr id="11267" name="Rectangle 2"/>
           <p:cNvSpPr>
             <a:spLocks noGrp="1" noChangeArrowheads="1"/>
           </p:cNvSpPr>
@@ -9424,17 +9495,43 @@
           <a:bodyPr/>
           <a:lstStyle/>
           <a:p>
-            <a:pPr>
-              <a:buFont typeface="Times New Roman" panose="02020603050405020304" pitchFamily="18" charset="0"/>
+            <a:pPr indent="-341313">
+              <a:buFontTx/>
               <a:buNone/>
+              <a:tabLst>
+                <a:tab pos="342900" algn="l"/>
+                <a:tab pos="455613" algn="l"/>
+                <a:tab pos="912813" algn="l"/>
+                <a:tab pos="1370013" algn="l"/>
+                <a:tab pos="1827213" algn="l"/>
+                <a:tab pos="2284413" algn="l"/>
+                <a:tab pos="2741613" algn="l"/>
+                <a:tab pos="3198813" algn="l"/>
+                <a:tab pos="3656013" algn="l"/>
+                <a:tab pos="4113213" algn="l"/>
+                <a:tab pos="4570413" algn="l"/>
+                <a:tab pos="5027613" algn="l"/>
+                <a:tab pos="5484813" algn="l"/>
+                <a:tab pos="5942013" algn="l"/>
+                <a:tab pos="6399213" algn="l"/>
+                <a:tab pos="6856413" algn="l"/>
+                <a:tab pos="7313613" algn="l"/>
+                <a:tab pos="7770813" algn="l"/>
+                <a:tab pos="8228013" algn="l"/>
+                <a:tab pos="8685213" algn="l"/>
+                <a:tab pos="9142413" algn="l"/>
+              </a:tabLst>
             </a:pPr>
-            <a:endParaRPr lang="en-US" altLang="en-US" smtClean="0"/>
+            <a:r>
+              <a:rPr lang="en-US" altLang="en-US" smtClean="0"/>
+              <a:t>Function Declarations:</a:t>
+            </a:r>
           </a:p>
         </p:txBody>
       </p:sp>
       <p:pic>
         <p:nvPicPr>
-          <p:cNvPr id="16388" name="Picture 3"/>
+          <p:cNvPr id="11268" name="Picture 3"/>
           <p:cNvPicPr>
             <a:picLocks noChangeAspect="1" noChangeArrowheads="1"/>
           </p:cNvPicPr>
@@ -9455,8 +9552,8 @@
         </p:blipFill>
         <p:spPr bwMode="auto">
           <a:xfrm>
-            <a:off x="1371600" y="2528888"/>
-            <a:ext cx="6472238" cy="3049587"/>
+            <a:off x="1065213" y="3382963"/>
+            <a:ext cx="6981825" cy="1463675"/>
           </a:xfrm>
           <a:prstGeom prst="rect">
             <a:avLst/>
@@ -9541,7 +9638,7 @@
       </p:grpSpPr>
       <p:sp>
         <p:nvSpPr>
-          <p:cNvPr id="17410" name="Rectangle 1"/>
+          <p:cNvPr id="12290" name="Rectangle 1"/>
           <p:cNvSpPr>
             <a:spLocks noGrp="1" noChangeArrowheads="1"/>
           </p:cNvSpPr>
@@ -9586,14 +9683,14 @@
             </a:pPr>
             <a:r>
               <a:rPr lang="en-US" altLang="en-US" smtClean="0"/>
-              <a:t>Call Object function</a:t>
+              <a:t>Arguments</a:t>
             </a:r>
           </a:p>
         </p:txBody>
       </p:sp>
       <p:sp>
         <p:nvSpPr>
-          <p:cNvPr id="17411" name="Rectangle 2"/>
+          <p:cNvPr id="12291" name="Rectangle 2"/>
           <p:cNvSpPr>
             <a:spLocks noGrp="1" noChangeArrowheads="1"/>
           </p:cNvSpPr>
@@ -9621,7 +9718,7 @@
       </p:sp>
       <p:pic>
         <p:nvPicPr>
-          <p:cNvPr id="17412" name="Picture 3"/>
+          <p:cNvPr id="12292" name="Picture 3"/>
           <p:cNvPicPr>
             <a:picLocks noChangeAspect="1" noChangeArrowheads="1"/>
           </p:cNvPicPr>
@@ -9642,62 +9739,8 @@
         </p:blipFill>
         <p:spPr bwMode="auto">
           <a:xfrm>
-            <a:off x="3382963" y="4867164"/>
-            <a:ext cx="3475037" cy="887523"/>
-          </a:xfrm>
-          <a:prstGeom prst="rect">
-            <a:avLst/>
-          </a:prstGeom>
-          <a:noFill/>
-          <a:ln>
-            <a:noFill/>
-          </a:ln>
-          <a:extLst>
-            <a:ext uri="{909E8E84-426E-40DD-AFC4-6F175D3DCCD1}">
-              <a14:hiddenFill xmlns:a14="http://schemas.microsoft.com/office/drawing/2010/main">
-                <a:solidFill>
-                  <a:srgbClr val="FFFFFF"/>
-                </a:solidFill>
-              </a14:hiddenFill>
-            </a:ext>
-            <a:ext uri="{91240B29-F687-4F45-9708-019B960494DF}">
-              <a14:hiddenLine xmlns:a14="http://schemas.microsoft.com/office/drawing/2010/main" w="9525">
-                <a:solidFill>
-                  <a:srgbClr val="000000"/>
-                </a:solidFill>
-                <a:round/>
-                <a:headEnd/>
-                <a:tailEnd/>
-              </a14:hiddenLine>
-            </a:ext>
-          </a:extLst>
-        </p:spPr>
-      </p:pic>
-      <p:pic>
-        <p:nvPicPr>
-          <p:cNvPr id="17413" name="Picture 4"/>
-          <p:cNvPicPr>
-            <a:picLocks noChangeAspect="1" noChangeArrowheads="1"/>
-          </p:cNvPicPr>
-          <p:nvPr/>
-        </p:nvPicPr>
-        <p:blipFill>
-          <a:blip r:embed="rId4">
-            <a:extLst>
-              <a:ext uri="{28A0092B-C50C-407E-A947-70E740481C1C}">
-                <a14:useLocalDpi xmlns:a14="http://schemas.microsoft.com/office/drawing/2010/main" val="0"/>
-              </a:ext>
-            </a:extLst>
-          </a:blip>
-          <a:srcRect/>
-          <a:stretch>
-            <a:fillRect/>
-          </a:stretch>
-        </p:blipFill>
-        <p:spPr bwMode="auto">
-          <a:xfrm>
-            <a:off x="685800" y="2103438"/>
-            <a:ext cx="4278313" cy="2016125"/>
+            <a:off x="414338" y="2286000"/>
+            <a:ext cx="8362950" cy="3343275"/>
           </a:xfrm>
           <a:prstGeom prst="rect">
             <a:avLst/>
@@ -9782,7 +9825,7 @@
       </p:grpSpPr>
       <p:sp>
         <p:nvSpPr>
-          <p:cNvPr id="18434" name="Rectangle 1"/>
+          <p:cNvPr id="13314" name="Rectangle 1"/>
           <p:cNvSpPr>
             <a:spLocks noGrp="1" noChangeArrowheads="1"/>
           </p:cNvSpPr>
@@ -9827,14 +9870,14 @@
             </a:pPr>
             <a:r>
               <a:rPr lang="en-US" altLang="en-US" smtClean="0"/>
-              <a:t>Object constructor</a:t>
+              <a:t>Calling a Function</a:t>
             </a:r>
           </a:p>
         </p:txBody>
       </p:sp>
       <p:sp>
         <p:nvSpPr>
-          <p:cNvPr id="18435" name="Rectangle 2"/>
+          <p:cNvPr id="13315" name="Rectangle 2"/>
           <p:cNvSpPr>
             <a:spLocks noGrp="1" noChangeArrowheads="1"/>
           </p:cNvSpPr>
@@ -9852,17 +9895,43 @@
           <a:bodyPr/>
           <a:lstStyle/>
           <a:p>
-            <a:pPr>
-              <a:buFont typeface="Times New Roman" panose="02020603050405020304" pitchFamily="18" charset="0"/>
+            <a:pPr indent="-341313">
+              <a:buFontTx/>
               <a:buNone/>
+              <a:tabLst>
+                <a:tab pos="342900" algn="l"/>
+                <a:tab pos="455613" algn="l"/>
+                <a:tab pos="912813" algn="l"/>
+                <a:tab pos="1370013" algn="l"/>
+                <a:tab pos="1827213" algn="l"/>
+                <a:tab pos="2284413" algn="l"/>
+                <a:tab pos="2741613" algn="l"/>
+                <a:tab pos="3198813" algn="l"/>
+                <a:tab pos="3656013" algn="l"/>
+                <a:tab pos="4113213" algn="l"/>
+                <a:tab pos="4570413" algn="l"/>
+                <a:tab pos="5027613" algn="l"/>
+                <a:tab pos="5484813" algn="l"/>
+                <a:tab pos="5942013" algn="l"/>
+                <a:tab pos="6399213" algn="l"/>
+                <a:tab pos="6856413" algn="l"/>
+                <a:tab pos="7313613" algn="l"/>
+                <a:tab pos="7770813" algn="l"/>
+                <a:tab pos="8228013" algn="l"/>
+                <a:tab pos="8685213" algn="l"/>
+                <a:tab pos="9142413" algn="l"/>
+              </a:tabLst>
             </a:pPr>
-            <a:endParaRPr lang="en-US" altLang="en-US" smtClean="0"/>
+            <a:r>
+              <a:rPr lang="en-US" altLang="en-US" smtClean="0"/>
+              <a:t>You can call Javascript functions by simply call the function name</a:t>
+            </a:r>
           </a:p>
         </p:txBody>
       </p:sp>
       <p:pic>
         <p:nvPicPr>
-          <p:cNvPr id="18436" name="Picture 3"/>
+          <p:cNvPr id="13316" name="Picture 3"/>
           <p:cNvPicPr>
             <a:picLocks noChangeAspect="1" noChangeArrowheads="1"/>
           </p:cNvPicPr>
@@ -9883,8 +9952,8 @@
         </p:blipFill>
         <p:spPr bwMode="auto">
           <a:xfrm>
-            <a:off x="1314450" y="2374900"/>
-            <a:ext cx="6365875" cy="3386138"/>
+            <a:off x="457200" y="3565525"/>
+            <a:ext cx="7681913" cy="1920875"/>
           </a:xfrm>
           <a:prstGeom prst="rect">
             <a:avLst/>
@@ -9969,7 +10038,7 @@
       </p:grpSpPr>
       <p:sp>
         <p:nvSpPr>
-          <p:cNvPr id="19458" name="Rectangle 1"/>
+          <p:cNvPr id="14338" name="Rectangle 1"/>
           <p:cNvSpPr>
             <a:spLocks noGrp="1" noChangeArrowheads="1"/>
           </p:cNvSpPr>
@@ -9979,8 +10048,8 @@
         </p:nvSpPr>
         <p:spPr>
           <a:xfrm>
-            <a:off x="685800" y="461963"/>
-            <a:ext cx="7770813" cy="1435100"/>
+            <a:off x="685800" y="609600"/>
+            <a:ext cx="7770813" cy="1141413"/>
           </a:xfrm>
         </p:spPr>
         <p:txBody>
@@ -10014,14 +10083,14 @@
             </a:pPr>
             <a:r>
               <a:rPr lang="en-US" altLang="en-US" smtClean="0"/>
-              <a:t>How to create a New Instance from a Constructor</a:t>
+              <a:t>Return Values</a:t>
             </a:r>
           </a:p>
         </p:txBody>
       </p:sp>
       <p:sp>
         <p:nvSpPr>
-          <p:cNvPr id="19459" name="Rectangle 2"/>
+          <p:cNvPr id="14339" name="Rectangle 2"/>
           <p:cNvSpPr>
             <a:spLocks noGrp="1" noChangeArrowheads="1"/>
           </p:cNvSpPr>
@@ -10049,7 +10118,7 @@
       </p:sp>
       <p:pic>
         <p:nvPicPr>
-          <p:cNvPr id="19460" name="Picture 3"/>
+          <p:cNvPr id="14340" name="Picture 3"/>
           <p:cNvPicPr>
             <a:picLocks noChangeAspect="1" noChangeArrowheads="1"/>
           </p:cNvPicPr>
@@ -10070,8 +10139,8 @@
         </p:blipFill>
         <p:spPr bwMode="auto">
           <a:xfrm>
-            <a:off x="457200" y="2103438"/>
-            <a:ext cx="8140700" cy="900112"/>
+            <a:off x="2103438" y="2743200"/>
+            <a:ext cx="4271962" cy="2671763"/>
           </a:xfrm>
           <a:prstGeom prst="rect">
             <a:avLst/>
@@ -10156,7 +10225,205 @@
       </p:grpSpPr>
       <p:sp>
         <p:nvSpPr>
-          <p:cNvPr id="20482" name="Rectangle 1"/>
+          <p:cNvPr id="2" name="Title 1"/>
+          <p:cNvSpPr>
+            <a:spLocks noGrp="1"/>
+          </p:cNvSpPr>
+          <p:nvPr>
+            <p:ph type="title"/>
+          </p:nvPr>
+        </p:nvSpPr>
+        <p:spPr/>
+        <p:txBody>
+          <a:bodyPr/>
+          <a:lstStyle/>
+          <a:p>
+            <a:r>
+              <a:rPr lang="en-GB" dirty="0" smtClean="0"/>
+              <a:t>Question</a:t>
+            </a:r>
+            <a:endParaRPr lang="en-GB" dirty="0"/>
+          </a:p>
+        </p:txBody>
+      </p:sp>
+      <p:sp>
+        <p:nvSpPr>
+          <p:cNvPr id="3" name="Content Placeholder 2"/>
+          <p:cNvSpPr>
+            <a:spLocks noGrp="1"/>
+          </p:cNvSpPr>
+          <p:nvPr>
+            <p:ph idx="1"/>
+          </p:nvPr>
+        </p:nvSpPr>
+        <p:spPr/>
+        <p:txBody>
+          <a:bodyPr/>
+          <a:lstStyle/>
+          <a:p>
+            <a:r>
+              <a:rPr lang="en-GB" dirty="0" smtClean="0"/>
+              <a:t>Is </a:t>
+            </a:r>
+            <a:r>
+              <a:rPr lang="en-GB" dirty="0" err="1" smtClean="0"/>
+              <a:t>Javascript</a:t>
+            </a:r>
+            <a:r>
+              <a:rPr lang="en-GB" dirty="0" smtClean="0"/>
+              <a:t> an Object Orientated Language?</a:t>
+            </a:r>
+          </a:p>
+          <a:p>
+            <a:endParaRPr lang="en-GB" dirty="0"/>
+          </a:p>
+          <a:p>
+            <a:pPr marL="0" indent="0">
+              <a:buNone/>
+            </a:pPr>
+            <a:r>
+              <a:rPr lang="en-GB" dirty="0" smtClean="0"/>
+              <a:t>a) Yes</a:t>
+            </a:r>
+          </a:p>
+          <a:p>
+            <a:pPr marL="0" indent="0">
+              <a:buNone/>
+            </a:pPr>
+            <a:r>
+              <a:rPr lang="en-GB" dirty="0" smtClean="0"/>
+              <a:t>b) No</a:t>
+            </a:r>
+            <a:endParaRPr lang="en-GB" dirty="0"/>
+          </a:p>
+        </p:txBody>
+      </p:sp>
+    </p:spTree>
+    <p:extLst>
+      <p:ext uri="{BB962C8B-B14F-4D97-AF65-F5344CB8AC3E}">
+        <p14:creationId xmlns:p14="http://schemas.microsoft.com/office/powerpoint/2010/main" val="1643209788"/>
+      </p:ext>
+    </p:extLst>
+  </p:cSld>
+  <p:clrMapOvr>
+    <a:masterClrMapping/>
+  </p:clrMapOvr>
+</p:sld>
+</file>
+
+<file path=ppt/slides/slide18.xml><?xml version="1.0" encoding="utf-8"?>
+<p:sld xmlns:a="http://schemas.openxmlformats.org/drawingml/2006/main" xmlns:r="http://schemas.openxmlformats.org/officeDocument/2006/relationships" xmlns:p="http://schemas.openxmlformats.org/presentationml/2006/main">
+  <p:cSld>
+    <p:spTree>
+      <p:nvGrpSpPr>
+        <p:cNvPr id="1" name=""/>
+        <p:cNvGrpSpPr/>
+        <p:nvPr/>
+      </p:nvGrpSpPr>
+      <p:grpSpPr>
+        <a:xfrm>
+          <a:off x="0" y="0"/>
+          <a:ext cx="0" cy="0"/>
+          <a:chOff x="0" y="0"/>
+          <a:chExt cx="0" cy="0"/>
+        </a:xfrm>
+      </p:grpSpPr>
+      <p:sp>
+        <p:nvSpPr>
+          <p:cNvPr id="2" name="Title 1"/>
+          <p:cNvSpPr>
+            <a:spLocks noGrp="1"/>
+          </p:cNvSpPr>
+          <p:nvPr>
+            <p:ph type="title"/>
+          </p:nvPr>
+        </p:nvSpPr>
+        <p:spPr/>
+        <p:txBody>
+          <a:bodyPr/>
+          <a:lstStyle/>
+          <a:p>
+            <a:r>
+              <a:rPr lang="en-GB" dirty="0" smtClean="0"/>
+              <a:t>Answer</a:t>
+            </a:r>
+            <a:endParaRPr lang="en-GB" dirty="0"/>
+          </a:p>
+        </p:txBody>
+      </p:sp>
+      <p:sp>
+        <p:nvSpPr>
+          <p:cNvPr id="3" name="Content Placeholder 2"/>
+          <p:cNvSpPr>
+            <a:spLocks noGrp="1"/>
+          </p:cNvSpPr>
+          <p:nvPr>
+            <p:ph idx="1"/>
+          </p:nvPr>
+        </p:nvSpPr>
+        <p:spPr/>
+        <p:txBody>
+          <a:bodyPr/>
+          <a:lstStyle/>
+          <a:p>
+            <a:r>
+              <a:rPr lang="en-GB" dirty="0" smtClean="0"/>
+              <a:t>a) Yes</a:t>
+            </a:r>
+          </a:p>
+          <a:p>
+            <a:endParaRPr lang="en-GB" dirty="0"/>
+          </a:p>
+          <a:p>
+            <a:pPr marL="0" indent="0">
+              <a:buNone/>
+            </a:pPr>
+            <a:r>
+              <a:rPr lang="en-US" altLang="en-US" dirty="0"/>
+              <a:t>JavaScript is an object oriented programming language</a:t>
+            </a:r>
+          </a:p>
+          <a:p>
+            <a:pPr marL="0" indent="0">
+              <a:buNone/>
+            </a:pPr>
+            <a:endParaRPr lang="en-GB" dirty="0"/>
+          </a:p>
+        </p:txBody>
+      </p:sp>
+    </p:spTree>
+    <p:extLst>
+      <p:ext uri="{BB962C8B-B14F-4D97-AF65-F5344CB8AC3E}">
+        <p14:creationId xmlns:p14="http://schemas.microsoft.com/office/powerpoint/2010/main" val="3603555593"/>
+      </p:ext>
+    </p:extLst>
+  </p:cSld>
+  <p:clrMapOvr>
+    <a:masterClrMapping/>
+  </p:clrMapOvr>
+</p:sld>
+</file>
+
+<file path=ppt/slides/slide19.xml><?xml version="1.0" encoding="utf-8"?>
+<p:sld xmlns:a="http://schemas.openxmlformats.org/drawingml/2006/main" xmlns:r="http://schemas.openxmlformats.org/officeDocument/2006/relationships" xmlns:p="http://schemas.openxmlformats.org/presentationml/2006/main">
+  <p:cSld>
+    <p:spTree>
+      <p:nvGrpSpPr>
+        <p:cNvPr id="1" name=""/>
+        <p:cNvGrpSpPr/>
+        <p:nvPr/>
+      </p:nvGrpSpPr>
+      <p:grpSpPr>
+        <a:xfrm>
+          <a:off x="0" y="0"/>
+          <a:ext cx="0" cy="0"/>
+          <a:chOff x="0" y="0"/>
+          <a:chExt cx="0" cy="0"/>
+        </a:xfrm>
+      </p:grpSpPr>
+      <p:sp>
+        <p:nvSpPr>
+          <p:cNvPr id="16386" name="Rectangle 1"/>
           <p:cNvSpPr>
             <a:spLocks noGrp="1" noChangeArrowheads="1"/>
           </p:cNvSpPr>
@@ -10201,14 +10468,14 @@
             </a:pPr>
             <a:r>
               <a:rPr lang="en-US" altLang="en-US" smtClean="0"/>
-              <a:t>Literal notation in Javascript Object</a:t>
+              <a:t>How to create and use objects in Javascript</a:t>
             </a:r>
           </a:p>
         </p:txBody>
       </p:sp>
       <p:sp>
         <p:nvSpPr>
-          <p:cNvPr id="20483" name="Rectangle 2"/>
+          <p:cNvPr id="16387" name="Rectangle 2"/>
           <p:cNvSpPr>
             <a:spLocks noGrp="1" noChangeArrowheads="1"/>
           </p:cNvSpPr>
@@ -10236,7 +10503,7 @@
       </p:sp>
       <p:pic>
         <p:nvPicPr>
-          <p:cNvPr id="20484" name="Picture 3"/>
+          <p:cNvPr id="16388" name="Picture 3"/>
           <p:cNvPicPr>
             <a:picLocks noChangeAspect="1" noChangeArrowheads="1"/>
           </p:cNvPicPr>
@@ -10257,408 +10524,8 @@
         </p:blipFill>
         <p:spPr bwMode="auto">
           <a:xfrm>
-            <a:off x="1463675" y="2378075"/>
-            <a:ext cx="5732463" cy="2998788"/>
-          </a:xfrm>
-          <a:prstGeom prst="rect">
-            <a:avLst/>
-          </a:prstGeom>
-          <a:noFill/>
-          <a:ln>
-            <a:noFill/>
-          </a:ln>
-          <a:extLst>
-            <a:ext uri="{909E8E84-426E-40DD-AFC4-6F175D3DCCD1}">
-              <a14:hiddenFill xmlns:a14="http://schemas.microsoft.com/office/drawing/2010/main">
-                <a:solidFill>
-                  <a:srgbClr val="FFFFFF"/>
-                </a:solidFill>
-              </a14:hiddenFill>
-            </a:ext>
-            <a:ext uri="{91240B29-F687-4F45-9708-019B960494DF}">
-              <a14:hiddenLine xmlns:a14="http://schemas.microsoft.com/office/drawing/2010/main" w="9525">
-                <a:solidFill>
-                  <a:srgbClr val="000000"/>
-                </a:solidFill>
-                <a:round/>
-                <a:headEnd/>
-                <a:tailEnd/>
-              </a14:hiddenLine>
-            </a:ext>
-          </a:extLst>
-        </p:spPr>
-      </p:pic>
-    </p:spTree>
-  </p:cSld>
-  <p:clrMapOvr>
-    <a:masterClrMapping/>
-  </p:clrMapOvr>
-  <p:transition spd="med"/>
-  <p:timing>
-    <p:tnLst>
-      <p:par>
-        <p:cTn id="1" dur="indefinite" restart="never" nodeType="tmRoot">
-          <p:childTnLst>
-            <p:seq concurrent="1" nextAc="seek">
-              <p:cTn id="2" dur="0" nodeType="mainSeq"/>
-              <p:prevCondLst>
-                <p:cond evt="onPrev" delay="0">
-                  <p:tgtEl>
-                    <p:sldTgt/>
-                  </p:tgtEl>
-                </p:cond>
-              </p:prevCondLst>
-              <p:nextCondLst>
-                <p:cond evt="onNext" delay="0">
-                  <p:tgtEl>
-                    <p:sldTgt/>
-                  </p:tgtEl>
-                </p:cond>
-              </p:nextCondLst>
-            </p:seq>
-          </p:childTnLst>
-        </p:cTn>
-      </p:par>
-    </p:tnLst>
-  </p:timing>
-</p:sld>
-</file>
-
-<file path=ppt/slides/slide18.xml><?xml version="1.0" encoding="utf-8"?>
-<p:sld xmlns:a="http://schemas.openxmlformats.org/drawingml/2006/main" xmlns:r="http://schemas.openxmlformats.org/officeDocument/2006/relationships" xmlns:p="http://schemas.openxmlformats.org/presentationml/2006/main">
-  <p:cSld>
-    <p:spTree>
-      <p:nvGrpSpPr>
-        <p:cNvPr id="1" name=""/>
-        <p:cNvGrpSpPr/>
-        <p:nvPr/>
-      </p:nvGrpSpPr>
-      <p:grpSpPr>
-        <a:xfrm>
-          <a:off x="0" y="0"/>
-          <a:ext cx="0" cy="0"/>
-          <a:chOff x="0" y="0"/>
-          <a:chExt cx="0" cy="0"/>
-        </a:xfrm>
-      </p:grpSpPr>
-      <p:sp>
-        <p:nvSpPr>
-          <p:cNvPr id="21506" name="Rectangle 1"/>
-          <p:cNvSpPr>
-            <a:spLocks noGrp="1" noChangeArrowheads="1"/>
-          </p:cNvSpPr>
-          <p:nvPr>
-            <p:ph type="title"/>
-          </p:nvPr>
-        </p:nvSpPr>
-        <p:spPr>
-          <a:xfrm>
-            <a:off x="685800" y="461963"/>
-            <a:ext cx="7770813" cy="1435100"/>
-          </a:xfrm>
-        </p:spPr>
-        <p:txBody>
-          <a:bodyPr/>
-          <a:lstStyle/>
-          <a:p>
-            <a:pPr>
-              <a:tabLst>
-                <a:tab pos="0" algn="l"/>
-                <a:tab pos="457200" algn="l"/>
-                <a:tab pos="914400" algn="l"/>
-                <a:tab pos="1371600" algn="l"/>
-                <a:tab pos="1828800" algn="l"/>
-                <a:tab pos="2286000" algn="l"/>
-                <a:tab pos="2743200" algn="l"/>
-                <a:tab pos="3200400" algn="l"/>
-                <a:tab pos="3657600" algn="l"/>
-                <a:tab pos="4114800" algn="l"/>
-                <a:tab pos="4572000" algn="l"/>
-                <a:tab pos="5029200" algn="l"/>
-                <a:tab pos="5486400" algn="l"/>
-                <a:tab pos="5943600" algn="l"/>
-                <a:tab pos="6400800" algn="l"/>
-                <a:tab pos="6858000" algn="l"/>
-                <a:tab pos="7315200" algn="l"/>
-                <a:tab pos="7772400" algn="l"/>
-                <a:tab pos="8229600" algn="l"/>
-                <a:tab pos="8686800" algn="l"/>
-                <a:tab pos="9144000" algn="l"/>
-              </a:tabLst>
-            </a:pPr>
-            <a:r>
-              <a:rPr lang="en-US" altLang="en-US" smtClean="0"/>
-              <a:t>Object.create() in Javascript Object</a:t>
-            </a:r>
-          </a:p>
-        </p:txBody>
-      </p:sp>
-      <p:sp>
-        <p:nvSpPr>
-          <p:cNvPr id="21507" name="Rectangle 2"/>
-          <p:cNvSpPr>
-            <a:spLocks noGrp="1" noChangeArrowheads="1"/>
-          </p:cNvSpPr>
-          <p:nvPr>
-            <p:ph idx="1"/>
-          </p:nvPr>
-        </p:nvSpPr>
-        <p:spPr>
-          <a:xfrm>
-            <a:off x="685800" y="1981200"/>
-            <a:ext cx="7770813" cy="4113213"/>
-          </a:xfrm>
-        </p:spPr>
-        <p:txBody>
-          <a:bodyPr/>
-          <a:lstStyle/>
-          <a:p>
-            <a:pPr>
-              <a:buFont typeface="Times New Roman" panose="02020603050405020304" pitchFamily="18" charset="0"/>
-              <a:buNone/>
-            </a:pPr>
-            <a:endParaRPr lang="en-US" altLang="en-US" smtClean="0"/>
-          </a:p>
-        </p:txBody>
-      </p:sp>
-      <p:pic>
-        <p:nvPicPr>
-          <p:cNvPr id="21508" name="Picture 3"/>
-          <p:cNvPicPr>
-            <a:picLocks noChangeAspect="1" noChangeArrowheads="1"/>
-          </p:cNvPicPr>
-          <p:nvPr/>
-        </p:nvPicPr>
-        <p:blipFill>
-          <a:blip r:embed="rId3">
-            <a:extLst>
-              <a:ext uri="{28A0092B-C50C-407E-A947-70E740481C1C}">
-                <a14:useLocalDpi xmlns:a14="http://schemas.microsoft.com/office/drawing/2010/main" val="0"/>
-              </a:ext>
-            </a:extLst>
-          </a:blip>
-          <a:srcRect/>
-          <a:stretch>
-            <a:fillRect/>
-          </a:stretch>
-        </p:blipFill>
-        <p:spPr bwMode="auto">
-          <a:xfrm>
-            <a:off x="1736725" y="2286000"/>
-            <a:ext cx="5475288" cy="3565525"/>
-          </a:xfrm>
-          <a:prstGeom prst="rect">
-            <a:avLst/>
-          </a:prstGeom>
-          <a:noFill/>
-          <a:ln>
-            <a:noFill/>
-          </a:ln>
-          <a:extLst>
-            <a:ext uri="{909E8E84-426E-40DD-AFC4-6F175D3DCCD1}">
-              <a14:hiddenFill xmlns:a14="http://schemas.microsoft.com/office/drawing/2010/main">
-                <a:solidFill>
-                  <a:srgbClr val="FFFFFF"/>
-                </a:solidFill>
-              </a14:hiddenFill>
-            </a:ext>
-            <a:ext uri="{91240B29-F687-4F45-9708-019B960494DF}">
-              <a14:hiddenLine xmlns:a14="http://schemas.microsoft.com/office/drawing/2010/main" w="9525">
-                <a:solidFill>
-                  <a:srgbClr val="000000"/>
-                </a:solidFill>
-                <a:round/>
-                <a:headEnd/>
-                <a:tailEnd/>
-              </a14:hiddenLine>
-            </a:ext>
-          </a:extLst>
-        </p:spPr>
-      </p:pic>
-    </p:spTree>
-  </p:cSld>
-  <p:clrMapOvr>
-    <a:masterClrMapping/>
-  </p:clrMapOvr>
-  <p:transition spd="med"/>
-  <p:timing>
-    <p:tnLst>
-      <p:par>
-        <p:cTn id="1" dur="indefinite" restart="never" nodeType="tmRoot">
-          <p:childTnLst>
-            <p:seq concurrent="1" nextAc="seek">
-              <p:cTn id="2" dur="0" nodeType="mainSeq"/>
-              <p:prevCondLst>
-                <p:cond evt="onPrev" delay="0">
-                  <p:tgtEl>
-                    <p:sldTgt/>
-                  </p:tgtEl>
-                </p:cond>
-              </p:prevCondLst>
-              <p:nextCondLst>
-                <p:cond evt="onNext" delay="0">
-                  <p:tgtEl>
-                    <p:sldTgt/>
-                  </p:tgtEl>
-                </p:cond>
-              </p:nextCondLst>
-            </p:seq>
-          </p:childTnLst>
-        </p:cTn>
-      </p:par>
-    </p:tnLst>
-  </p:timing>
-</p:sld>
-</file>
-
-<file path=ppt/slides/slide19.xml><?xml version="1.0" encoding="utf-8"?>
-<p:sld xmlns:a="http://schemas.openxmlformats.org/drawingml/2006/main" xmlns:r="http://schemas.openxmlformats.org/officeDocument/2006/relationships" xmlns:p="http://schemas.openxmlformats.org/presentationml/2006/main">
-  <p:cSld>
-    <p:spTree>
-      <p:nvGrpSpPr>
-        <p:cNvPr id="1" name=""/>
-        <p:cNvGrpSpPr/>
-        <p:nvPr/>
-      </p:nvGrpSpPr>
-      <p:grpSpPr>
-        <a:xfrm>
-          <a:off x="0" y="0"/>
-          <a:ext cx="0" cy="0"/>
-          <a:chOff x="0" y="0"/>
-          <a:chExt cx="0" cy="0"/>
-        </a:xfrm>
-      </p:grpSpPr>
-      <p:sp>
-        <p:nvSpPr>
-          <p:cNvPr id="22530" name="Rectangle 1"/>
-          <p:cNvSpPr>
-            <a:spLocks noGrp="1" noChangeArrowheads="1"/>
-          </p:cNvSpPr>
-          <p:nvPr>
-            <p:ph type="title"/>
-          </p:nvPr>
-        </p:nvSpPr>
-        <p:spPr>
-          <a:xfrm>
-            <a:off x="685800" y="461963"/>
-            <a:ext cx="7770813" cy="1435100"/>
-          </a:xfrm>
-        </p:spPr>
-        <p:txBody>
-          <a:bodyPr/>
-          <a:lstStyle/>
-          <a:p>
-            <a:pPr>
-              <a:tabLst>
-                <a:tab pos="0" algn="l"/>
-                <a:tab pos="457200" algn="l"/>
-                <a:tab pos="914400" algn="l"/>
-                <a:tab pos="1371600" algn="l"/>
-                <a:tab pos="1828800" algn="l"/>
-                <a:tab pos="2286000" algn="l"/>
-                <a:tab pos="2743200" algn="l"/>
-                <a:tab pos="3200400" algn="l"/>
-                <a:tab pos="3657600" algn="l"/>
-                <a:tab pos="4114800" algn="l"/>
-                <a:tab pos="4572000" algn="l"/>
-                <a:tab pos="5029200" algn="l"/>
-                <a:tab pos="5486400" algn="l"/>
-                <a:tab pos="5943600" algn="l"/>
-                <a:tab pos="6400800" algn="l"/>
-                <a:tab pos="6858000" algn="l"/>
-                <a:tab pos="7315200" algn="l"/>
-                <a:tab pos="7772400" algn="l"/>
-                <a:tab pos="8229600" algn="l"/>
-                <a:tab pos="8686800" algn="l"/>
-                <a:tab pos="9144000" algn="l"/>
-              </a:tabLst>
-            </a:pPr>
-            <a:r>
-              <a:rPr lang="en-US" altLang="en-US" smtClean="0"/>
-              <a:t>Accessing Object Properties in JavaScript</a:t>
-            </a:r>
-          </a:p>
-        </p:txBody>
-      </p:sp>
-      <p:sp>
-        <p:nvSpPr>
-          <p:cNvPr id="22531" name="Rectangle 2"/>
-          <p:cNvSpPr>
-            <a:spLocks noGrp="1" noChangeArrowheads="1"/>
-          </p:cNvSpPr>
-          <p:nvPr>
-            <p:ph idx="1"/>
-          </p:nvPr>
-        </p:nvSpPr>
-        <p:spPr>
-          <a:xfrm>
-            <a:off x="685800" y="1981200"/>
-            <a:ext cx="7770813" cy="4113213"/>
-          </a:xfrm>
-        </p:spPr>
-        <p:txBody>
-          <a:bodyPr/>
-          <a:lstStyle/>
-          <a:p>
-            <a:pPr indent="-341313">
-              <a:buFontTx/>
-              <a:buNone/>
-              <a:tabLst>
-                <a:tab pos="342900" algn="l"/>
-                <a:tab pos="455613" algn="l"/>
-                <a:tab pos="912813" algn="l"/>
-                <a:tab pos="1370013" algn="l"/>
-                <a:tab pos="1827213" algn="l"/>
-                <a:tab pos="2284413" algn="l"/>
-                <a:tab pos="2741613" algn="l"/>
-                <a:tab pos="3198813" algn="l"/>
-                <a:tab pos="3656013" algn="l"/>
-                <a:tab pos="4113213" algn="l"/>
-                <a:tab pos="4570413" algn="l"/>
-                <a:tab pos="5027613" algn="l"/>
-                <a:tab pos="5484813" algn="l"/>
-                <a:tab pos="5942013" algn="l"/>
-                <a:tab pos="6399213" algn="l"/>
-                <a:tab pos="6856413" algn="l"/>
-                <a:tab pos="7313613" algn="l"/>
-                <a:tab pos="7770813" algn="l"/>
-                <a:tab pos="8228013" algn="l"/>
-                <a:tab pos="8685213" algn="l"/>
-                <a:tab pos="9142413" algn="l"/>
-              </a:tabLst>
-            </a:pPr>
-            <a:r>
-              <a:rPr lang="en-US" altLang="en-US" smtClean="0"/>
-              <a:t>We can access Object Properties in JavaScript using either the dot(.) notation or the bracket[] notation</a:t>
-            </a:r>
-          </a:p>
-        </p:txBody>
-      </p:sp>
-      <p:pic>
-        <p:nvPicPr>
-          <p:cNvPr id="22532" name="Picture 3"/>
-          <p:cNvPicPr>
-            <a:picLocks noChangeAspect="1" noChangeArrowheads="1"/>
-          </p:cNvPicPr>
-          <p:nvPr/>
-        </p:nvPicPr>
-        <p:blipFill>
-          <a:blip r:embed="rId3">
-            <a:extLst>
-              <a:ext uri="{28A0092B-C50C-407E-A947-70E740481C1C}">
-                <a14:useLocalDpi xmlns:a14="http://schemas.microsoft.com/office/drawing/2010/main" val="0"/>
-              </a:ext>
-            </a:extLst>
-          </a:blip>
-          <a:srcRect/>
-          <a:stretch>
-            <a:fillRect/>
-          </a:stretch>
-        </p:blipFill>
-        <p:spPr bwMode="auto">
-          <a:xfrm>
-            <a:off x="1068388" y="3948113"/>
-            <a:ext cx="6521450" cy="2146300"/>
+            <a:off x="1371600" y="2528888"/>
+            <a:ext cx="6472238" cy="3049587"/>
           </a:xfrm>
           <a:prstGeom prst="rect">
             <a:avLst/>
@@ -11633,7 +11500,7 @@
       </p:grpSpPr>
       <p:sp>
         <p:nvSpPr>
-          <p:cNvPr id="23554" name="Rectangle 1"/>
+          <p:cNvPr id="17410" name="Rectangle 1"/>
           <p:cNvSpPr>
             <a:spLocks noGrp="1" noChangeArrowheads="1"/>
           </p:cNvSpPr>
@@ -11678,14 +11545,14 @@
             </a:pPr>
             <a:r>
               <a:rPr lang="en-US" altLang="en-US" smtClean="0"/>
-              <a:t>Object contain another Object</a:t>
+              <a:t>Call Object function</a:t>
             </a:r>
           </a:p>
         </p:txBody>
       </p:sp>
       <p:sp>
         <p:nvSpPr>
-          <p:cNvPr id="23555" name="Rectangle 2"/>
+          <p:cNvPr id="17411" name="Rectangle 2"/>
           <p:cNvSpPr>
             <a:spLocks noGrp="1" noChangeArrowheads="1"/>
           </p:cNvSpPr>
@@ -11713,7 +11580,7 @@
       </p:sp>
       <p:pic>
         <p:nvPicPr>
-          <p:cNvPr id="23556" name="Picture 3"/>
+          <p:cNvPr id="17412" name="Picture 3"/>
           <p:cNvPicPr>
             <a:picLocks noChangeAspect="1" noChangeArrowheads="1"/>
           </p:cNvPicPr>
@@ -11734,8 +11601,62 @@
         </p:blipFill>
         <p:spPr bwMode="auto">
           <a:xfrm>
-            <a:off x="1006475" y="2103438"/>
-            <a:ext cx="6858000" cy="3948112"/>
+            <a:off x="3382963" y="4867164"/>
+            <a:ext cx="3475037" cy="887523"/>
+          </a:xfrm>
+          <a:prstGeom prst="rect">
+            <a:avLst/>
+          </a:prstGeom>
+          <a:noFill/>
+          <a:ln>
+            <a:noFill/>
+          </a:ln>
+          <a:extLst>
+            <a:ext uri="{909E8E84-426E-40DD-AFC4-6F175D3DCCD1}">
+              <a14:hiddenFill xmlns:a14="http://schemas.microsoft.com/office/drawing/2010/main">
+                <a:solidFill>
+                  <a:srgbClr val="FFFFFF"/>
+                </a:solidFill>
+              </a14:hiddenFill>
+            </a:ext>
+            <a:ext uri="{91240B29-F687-4F45-9708-019B960494DF}">
+              <a14:hiddenLine xmlns:a14="http://schemas.microsoft.com/office/drawing/2010/main" w="9525">
+                <a:solidFill>
+                  <a:srgbClr val="000000"/>
+                </a:solidFill>
+                <a:round/>
+                <a:headEnd/>
+                <a:tailEnd/>
+              </a14:hiddenLine>
+            </a:ext>
+          </a:extLst>
+        </p:spPr>
+      </p:pic>
+      <p:pic>
+        <p:nvPicPr>
+          <p:cNvPr id="17413" name="Picture 4"/>
+          <p:cNvPicPr>
+            <a:picLocks noChangeAspect="1" noChangeArrowheads="1"/>
+          </p:cNvPicPr>
+          <p:nvPr/>
+        </p:nvPicPr>
+        <p:blipFill>
+          <a:blip r:embed="rId4">
+            <a:extLst>
+              <a:ext uri="{28A0092B-C50C-407E-A947-70E740481C1C}">
+                <a14:useLocalDpi xmlns:a14="http://schemas.microsoft.com/office/drawing/2010/main" val="0"/>
+              </a:ext>
+            </a:extLst>
+          </a:blip>
+          <a:srcRect/>
+          <a:stretch>
+            <a:fillRect/>
+          </a:stretch>
+        </p:blipFill>
+        <p:spPr bwMode="auto">
+          <a:xfrm>
+            <a:off x="685800" y="2103438"/>
+            <a:ext cx="4278313" cy="2016125"/>
           </a:xfrm>
           <a:prstGeom prst="rect">
             <a:avLst/>
@@ -11820,7 +11741,7 @@
       </p:grpSpPr>
       <p:sp>
         <p:nvSpPr>
-          <p:cNvPr id="24578" name="Rectangle 1"/>
+          <p:cNvPr id="18434" name="Rectangle 1"/>
           <p:cNvSpPr>
             <a:spLocks noGrp="1" noChangeArrowheads="1"/>
           </p:cNvSpPr>
@@ -11830,8 +11751,8 @@
         </p:nvSpPr>
         <p:spPr>
           <a:xfrm>
-            <a:off x="685800" y="461963"/>
-            <a:ext cx="7770813" cy="1435100"/>
+            <a:off x="685800" y="609600"/>
+            <a:ext cx="7770813" cy="1141413"/>
           </a:xfrm>
         </p:spPr>
         <p:txBody>
@@ -11865,21 +11786,14 @@
             </a:pPr>
             <a:r>
               <a:rPr lang="en-US" altLang="en-US" smtClean="0"/>
-              <a:t>Forms </a:t>
-            </a:r>
-            <a:br>
-              <a:rPr lang="en-US" altLang="en-US" smtClean="0"/>
-            </a:br>
-            <a:r>
-              <a:rPr lang="en-US" altLang="en-US" smtClean="0"/>
-              <a:t>Trigger/Call Javascript</a:t>
+              <a:t>Object constructor</a:t>
             </a:r>
           </a:p>
         </p:txBody>
       </p:sp>
       <p:sp>
         <p:nvSpPr>
-          <p:cNvPr id="24579" name="Rectangle 2"/>
+          <p:cNvPr id="18435" name="Rectangle 2"/>
           <p:cNvSpPr>
             <a:spLocks noGrp="1" noChangeArrowheads="1"/>
           </p:cNvSpPr>
@@ -11907,7 +11821,7 @@
       </p:sp>
       <p:pic>
         <p:nvPicPr>
-          <p:cNvPr id="24580" name="Picture 3"/>
+          <p:cNvPr id="18436" name="Picture 3"/>
           <p:cNvPicPr>
             <a:picLocks noChangeAspect="1" noChangeArrowheads="1"/>
           </p:cNvPicPr>
@@ -11928,8 +11842,8 @@
         </p:blipFill>
         <p:spPr bwMode="auto">
           <a:xfrm>
-            <a:off x="1341438" y="1981200"/>
-            <a:ext cx="6340475" cy="4535488"/>
+            <a:off x="1314450" y="2374900"/>
+            <a:ext cx="6365875" cy="3386138"/>
           </a:xfrm>
           <a:prstGeom prst="rect">
             <a:avLst/>
@@ -12014,48 +11928,25 @@
       </p:grpSpPr>
       <p:sp>
         <p:nvSpPr>
-          <p:cNvPr id="25602" name="Text Box 1"/>
-          <p:cNvSpPr txBox="1">
-            <a:spLocks noChangeArrowheads="1"/>
+          <p:cNvPr id="19458" name="Rectangle 1"/>
+          <p:cNvSpPr>
+            <a:spLocks noGrp="1" noChangeArrowheads="1"/>
           </p:cNvSpPr>
-          <p:nvPr/>
+          <p:nvPr>
+            <p:ph type="title"/>
+          </p:nvPr>
         </p:nvSpPr>
-        <p:spPr bwMode="auto">
+        <p:spPr>
           <a:xfrm>
-            <a:off x="685800" y="609600"/>
-            <a:ext cx="7772400" cy="1143000"/>
+            <a:off x="685800" y="461963"/>
+            <a:ext cx="7770813" cy="1435100"/>
           </a:xfrm>
-          <a:prstGeom prst="rect">
-            <a:avLst/>
-          </a:prstGeom>
-          <a:noFill/>
-          <a:ln>
-            <a:noFill/>
-          </a:ln>
-          <a:extLst>
-            <a:ext uri="{909E8E84-426E-40DD-AFC4-6F175D3DCCD1}">
-              <a14:hiddenFill xmlns:a14="http://schemas.microsoft.com/office/drawing/2010/main">
-                <a:solidFill>
-                  <a:srgbClr val="FFFFFF"/>
-                </a:solidFill>
-              </a14:hiddenFill>
-            </a:ext>
-            <a:ext uri="{91240B29-F687-4F45-9708-019B960494DF}">
-              <a14:hiddenLine xmlns:a14="http://schemas.microsoft.com/office/drawing/2010/main" w="9525">
-                <a:solidFill>
-                  <a:srgbClr val="000000"/>
-                </a:solidFill>
-                <a:round/>
-                <a:headEnd/>
-                <a:tailEnd/>
-              </a14:hiddenLine>
-            </a:ext>
-          </a:extLst>
         </p:spPr>
         <p:txBody>
-          <a:bodyPr anchor="ctr"/>
-          <a:lstStyle>
-            <a:lvl1pPr>
+          <a:bodyPr/>
+          <a:lstStyle/>
+          <a:p>
+            <a:pPr>
               <a:tabLst>
                 <a:tab pos="0" algn="l"/>
                 <a:tab pos="457200" algn="l"/>
@@ -12079,312 +11970,67 @@
                 <a:tab pos="8686800" algn="l"/>
                 <a:tab pos="9144000" algn="l"/>
               </a:tabLst>
-              <a:defRPr sz="2400">
-                <a:solidFill>
-                  <a:schemeClr val="tx1"/>
-                </a:solidFill>
-                <a:latin typeface="Times New Roman" panose="02020603050405020304" pitchFamily="18" charset="0"/>
-              </a:defRPr>
-            </a:lvl1pPr>
-            <a:lvl2pPr marL="742950" indent="-285750">
-              <a:tabLst>
-                <a:tab pos="0" algn="l"/>
-                <a:tab pos="457200" algn="l"/>
-                <a:tab pos="914400" algn="l"/>
-                <a:tab pos="1371600" algn="l"/>
-                <a:tab pos="1828800" algn="l"/>
-                <a:tab pos="2286000" algn="l"/>
-                <a:tab pos="2743200" algn="l"/>
-                <a:tab pos="3200400" algn="l"/>
-                <a:tab pos="3657600" algn="l"/>
-                <a:tab pos="4114800" algn="l"/>
-                <a:tab pos="4572000" algn="l"/>
-                <a:tab pos="5029200" algn="l"/>
-                <a:tab pos="5486400" algn="l"/>
-                <a:tab pos="5943600" algn="l"/>
-                <a:tab pos="6400800" algn="l"/>
-                <a:tab pos="6858000" algn="l"/>
-                <a:tab pos="7315200" algn="l"/>
-                <a:tab pos="7772400" algn="l"/>
-                <a:tab pos="8229600" algn="l"/>
-                <a:tab pos="8686800" algn="l"/>
-                <a:tab pos="9144000" algn="l"/>
-              </a:tabLst>
-              <a:defRPr sz="2400">
-                <a:solidFill>
-                  <a:schemeClr val="tx1"/>
-                </a:solidFill>
-                <a:latin typeface="Times New Roman" panose="02020603050405020304" pitchFamily="18" charset="0"/>
-              </a:defRPr>
-            </a:lvl2pPr>
-            <a:lvl3pPr marL="1143000" indent="-228600">
-              <a:tabLst>
-                <a:tab pos="0" algn="l"/>
-                <a:tab pos="457200" algn="l"/>
-                <a:tab pos="914400" algn="l"/>
-                <a:tab pos="1371600" algn="l"/>
-                <a:tab pos="1828800" algn="l"/>
-                <a:tab pos="2286000" algn="l"/>
-                <a:tab pos="2743200" algn="l"/>
-                <a:tab pos="3200400" algn="l"/>
-                <a:tab pos="3657600" algn="l"/>
-                <a:tab pos="4114800" algn="l"/>
-                <a:tab pos="4572000" algn="l"/>
-                <a:tab pos="5029200" algn="l"/>
-                <a:tab pos="5486400" algn="l"/>
-                <a:tab pos="5943600" algn="l"/>
-                <a:tab pos="6400800" algn="l"/>
-                <a:tab pos="6858000" algn="l"/>
-                <a:tab pos="7315200" algn="l"/>
-                <a:tab pos="7772400" algn="l"/>
-                <a:tab pos="8229600" algn="l"/>
-                <a:tab pos="8686800" algn="l"/>
-                <a:tab pos="9144000" algn="l"/>
-              </a:tabLst>
-              <a:defRPr sz="2400">
-                <a:solidFill>
-                  <a:schemeClr val="tx1"/>
-                </a:solidFill>
-                <a:latin typeface="Times New Roman" panose="02020603050405020304" pitchFamily="18" charset="0"/>
-              </a:defRPr>
-            </a:lvl3pPr>
-            <a:lvl4pPr marL="1600200" indent="-228600">
-              <a:tabLst>
-                <a:tab pos="0" algn="l"/>
-                <a:tab pos="457200" algn="l"/>
-                <a:tab pos="914400" algn="l"/>
-                <a:tab pos="1371600" algn="l"/>
-                <a:tab pos="1828800" algn="l"/>
-                <a:tab pos="2286000" algn="l"/>
-                <a:tab pos="2743200" algn="l"/>
-                <a:tab pos="3200400" algn="l"/>
-                <a:tab pos="3657600" algn="l"/>
-                <a:tab pos="4114800" algn="l"/>
-                <a:tab pos="4572000" algn="l"/>
-                <a:tab pos="5029200" algn="l"/>
-                <a:tab pos="5486400" algn="l"/>
-                <a:tab pos="5943600" algn="l"/>
-                <a:tab pos="6400800" algn="l"/>
-                <a:tab pos="6858000" algn="l"/>
-                <a:tab pos="7315200" algn="l"/>
-                <a:tab pos="7772400" algn="l"/>
-                <a:tab pos="8229600" algn="l"/>
-                <a:tab pos="8686800" algn="l"/>
-                <a:tab pos="9144000" algn="l"/>
-              </a:tabLst>
-              <a:defRPr sz="2400">
-                <a:solidFill>
-                  <a:schemeClr val="tx1"/>
-                </a:solidFill>
-                <a:latin typeface="Times New Roman" panose="02020603050405020304" pitchFamily="18" charset="0"/>
-              </a:defRPr>
-            </a:lvl4pPr>
-            <a:lvl5pPr marL="2057400" indent="-228600">
-              <a:tabLst>
-                <a:tab pos="0" algn="l"/>
-                <a:tab pos="457200" algn="l"/>
-                <a:tab pos="914400" algn="l"/>
-                <a:tab pos="1371600" algn="l"/>
-                <a:tab pos="1828800" algn="l"/>
-                <a:tab pos="2286000" algn="l"/>
-                <a:tab pos="2743200" algn="l"/>
-                <a:tab pos="3200400" algn="l"/>
-                <a:tab pos="3657600" algn="l"/>
-                <a:tab pos="4114800" algn="l"/>
-                <a:tab pos="4572000" algn="l"/>
-                <a:tab pos="5029200" algn="l"/>
-                <a:tab pos="5486400" algn="l"/>
-                <a:tab pos="5943600" algn="l"/>
-                <a:tab pos="6400800" algn="l"/>
-                <a:tab pos="6858000" algn="l"/>
-                <a:tab pos="7315200" algn="l"/>
-                <a:tab pos="7772400" algn="l"/>
-                <a:tab pos="8229600" algn="l"/>
-                <a:tab pos="8686800" algn="l"/>
-                <a:tab pos="9144000" algn="l"/>
-              </a:tabLst>
-              <a:defRPr sz="2400">
-                <a:solidFill>
-                  <a:schemeClr val="tx1"/>
-                </a:solidFill>
-                <a:latin typeface="Times New Roman" panose="02020603050405020304" pitchFamily="18" charset="0"/>
-              </a:defRPr>
-            </a:lvl5pPr>
-            <a:lvl6pPr marL="2514600" indent="-228600" eaLnBrk="0" fontAlgn="base" hangingPunct="0">
-              <a:spcBef>
-                <a:spcPct val="0"/>
-              </a:spcBef>
-              <a:spcAft>
-                <a:spcPct val="0"/>
-              </a:spcAft>
-              <a:tabLst>
-                <a:tab pos="0" algn="l"/>
-                <a:tab pos="457200" algn="l"/>
-                <a:tab pos="914400" algn="l"/>
-                <a:tab pos="1371600" algn="l"/>
-                <a:tab pos="1828800" algn="l"/>
-                <a:tab pos="2286000" algn="l"/>
-                <a:tab pos="2743200" algn="l"/>
-                <a:tab pos="3200400" algn="l"/>
-                <a:tab pos="3657600" algn="l"/>
-                <a:tab pos="4114800" algn="l"/>
-                <a:tab pos="4572000" algn="l"/>
-                <a:tab pos="5029200" algn="l"/>
-                <a:tab pos="5486400" algn="l"/>
-                <a:tab pos="5943600" algn="l"/>
-                <a:tab pos="6400800" algn="l"/>
-                <a:tab pos="6858000" algn="l"/>
-                <a:tab pos="7315200" algn="l"/>
-                <a:tab pos="7772400" algn="l"/>
-                <a:tab pos="8229600" algn="l"/>
-                <a:tab pos="8686800" algn="l"/>
-                <a:tab pos="9144000" algn="l"/>
-              </a:tabLst>
-              <a:defRPr sz="2400">
-                <a:solidFill>
-                  <a:schemeClr val="tx1"/>
-                </a:solidFill>
-                <a:latin typeface="Times New Roman" panose="02020603050405020304" pitchFamily="18" charset="0"/>
-              </a:defRPr>
-            </a:lvl6pPr>
-            <a:lvl7pPr marL="2971800" indent="-228600" eaLnBrk="0" fontAlgn="base" hangingPunct="0">
-              <a:spcBef>
-                <a:spcPct val="0"/>
-              </a:spcBef>
-              <a:spcAft>
-                <a:spcPct val="0"/>
-              </a:spcAft>
-              <a:tabLst>
-                <a:tab pos="0" algn="l"/>
-                <a:tab pos="457200" algn="l"/>
-                <a:tab pos="914400" algn="l"/>
-                <a:tab pos="1371600" algn="l"/>
-                <a:tab pos="1828800" algn="l"/>
-                <a:tab pos="2286000" algn="l"/>
-                <a:tab pos="2743200" algn="l"/>
-                <a:tab pos="3200400" algn="l"/>
-                <a:tab pos="3657600" algn="l"/>
-                <a:tab pos="4114800" algn="l"/>
-                <a:tab pos="4572000" algn="l"/>
-                <a:tab pos="5029200" algn="l"/>
-                <a:tab pos="5486400" algn="l"/>
-                <a:tab pos="5943600" algn="l"/>
-                <a:tab pos="6400800" algn="l"/>
-                <a:tab pos="6858000" algn="l"/>
-                <a:tab pos="7315200" algn="l"/>
-                <a:tab pos="7772400" algn="l"/>
-                <a:tab pos="8229600" algn="l"/>
-                <a:tab pos="8686800" algn="l"/>
-                <a:tab pos="9144000" algn="l"/>
-              </a:tabLst>
-              <a:defRPr sz="2400">
-                <a:solidFill>
-                  <a:schemeClr val="tx1"/>
-                </a:solidFill>
-                <a:latin typeface="Times New Roman" panose="02020603050405020304" pitchFamily="18" charset="0"/>
-              </a:defRPr>
-            </a:lvl7pPr>
-            <a:lvl8pPr marL="3429000" indent="-228600" eaLnBrk="0" fontAlgn="base" hangingPunct="0">
-              <a:spcBef>
-                <a:spcPct val="0"/>
-              </a:spcBef>
-              <a:spcAft>
-                <a:spcPct val="0"/>
-              </a:spcAft>
-              <a:tabLst>
-                <a:tab pos="0" algn="l"/>
-                <a:tab pos="457200" algn="l"/>
-                <a:tab pos="914400" algn="l"/>
-                <a:tab pos="1371600" algn="l"/>
-                <a:tab pos="1828800" algn="l"/>
-                <a:tab pos="2286000" algn="l"/>
-                <a:tab pos="2743200" algn="l"/>
-                <a:tab pos="3200400" algn="l"/>
-                <a:tab pos="3657600" algn="l"/>
-                <a:tab pos="4114800" algn="l"/>
-                <a:tab pos="4572000" algn="l"/>
-                <a:tab pos="5029200" algn="l"/>
-                <a:tab pos="5486400" algn="l"/>
-                <a:tab pos="5943600" algn="l"/>
-                <a:tab pos="6400800" algn="l"/>
-                <a:tab pos="6858000" algn="l"/>
-                <a:tab pos="7315200" algn="l"/>
-                <a:tab pos="7772400" algn="l"/>
-                <a:tab pos="8229600" algn="l"/>
-                <a:tab pos="8686800" algn="l"/>
-                <a:tab pos="9144000" algn="l"/>
-              </a:tabLst>
-              <a:defRPr sz="2400">
-                <a:solidFill>
-                  <a:schemeClr val="tx1"/>
-                </a:solidFill>
-                <a:latin typeface="Times New Roman" panose="02020603050405020304" pitchFamily="18" charset="0"/>
-              </a:defRPr>
-            </a:lvl8pPr>
-            <a:lvl9pPr marL="3886200" indent="-228600" eaLnBrk="0" fontAlgn="base" hangingPunct="0">
-              <a:spcBef>
-                <a:spcPct val="0"/>
-              </a:spcBef>
-              <a:spcAft>
-                <a:spcPct val="0"/>
-              </a:spcAft>
-              <a:tabLst>
-                <a:tab pos="0" algn="l"/>
-                <a:tab pos="457200" algn="l"/>
-                <a:tab pos="914400" algn="l"/>
-                <a:tab pos="1371600" algn="l"/>
-                <a:tab pos="1828800" algn="l"/>
-                <a:tab pos="2286000" algn="l"/>
-                <a:tab pos="2743200" algn="l"/>
-                <a:tab pos="3200400" algn="l"/>
-                <a:tab pos="3657600" algn="l"/>
-                <a:tab pos="4114800" algn="l"/>
-                <a:tab pos="4572000" algn="l"/>
-                <a:tab pos="5029200" algn="l"/>
-                <a:tab pos="5486400" algn="l"/>
-                <a:tab pos="5943600" algn="l"/>
-                <a:tab pos="6400800" algn="l"/>
-                <a:tab pos="6858000" algn="l"/>
-                <a:tab pos="7315200" algn="l"/>
-                <a:tab pos="7772400" algn="l"/>
-                <a:tab pos="8229600" algn="l"/>
-                <a:tab pos="8686800" algn="l"/>
-                <a:tab pos="9144000" algn="l"/>
-              </a:tabLst>
-              <a:defRPr sz="2400">
-                <a:solidFill>
-                  <a:schemeClr val="tx1"/>
-                </a:solidFill>
-                <a:latin typeface="Times New Roman" panose="02020603050405020304" pitchFamily="18" charset="0"/>
-              </a:defRPr>
-            </a:lvl9pPr>
-          </a:lstStyle>
-          <a:p>
-            <a:pPr algn="ctr"/>
-            <a:r>
-              <a:rPr lang="en-GB" altLang="en-US" sz="4400">
-                <a:solidFill>
-                  <a:srgbClr val="000000"/>
-                </a:solidFill>
-                <a:latin typeface="Arial" panose="020B0604020202020204" pitchFamily="34" charset="0"/>
-              </a:rPr>
-              <a:t>This Week</a:t>
+            </a:pPr>
+            <a:r>
+              <a:rPr lang="en-US" altLang="en-US" smtClean="0"/>
+              <a:t>How to create a New Instance from a Constructor</a:t>
             </a:r>
           </a:p>
         </p:txBody>
       </p:sp>
       <p:sp>
         <p:nvSpPr>
-          <p:cNvPr id="25603" name="Text Box 2"/>
-          <p:cNvSpPr txBox="1">
-            <a:spLocks noChangeArrowheads="1"/>
+          <p:cNvPr id="19459" name="Rectangle 2"/>
+          <p:cNvSpPr>
+            <a:spLocks noGrp="1" noChangeArrowheads="1"/>
           </p:cNvSpPr>
+          <p:nvPr>
+            <p:ph idx="1"/>
+          </p:nvPr>
+        </p:nvSpPr>
+        <p:spPr>
+          <a:xfrm>
+            <a:off x="685800" y="1981200"/>
+            <a:ext cx="7770813" cy="4113213"/>
+          </a:xfrm>
+        </p:spPr>
+        <p:txBody>
+          <a:bodyPr/>
+          <a:lstStyle/>
+          <a:p>
+            <a:pPr>
+              <a:buFont typeface="Times New Roman" panose="02020603050405020304" pitchFamily="18" charset="0"/>
+              <a:buNone/>
+            </a:pPr>
+            <a:endParaRPr lang="en-US" altLang="en-US" smtClean="0"/>
+          </a:p>
+        </p:txBody>
+      </p:sp>
+      <p:pic>
+        <p:nvPicPr>
+          <p:cNvPr id="19460" name="Picture 3"/>
+          <p:cNvPicPr>
+            <a:picLocks noChangeAspect="1" noChangeArrowheads="1"/>
+          </p:cNvPicPr>
           <p:nvPr/>
-        </p:nvSpPr>
+        </p:nvPicPr>
+        <p:blipFill>
+          <a:blip r:embed="rId3">
+            <a:extLst>
+              <a:ext uri="{28A0092B-C50C-407E-A947-70E740481C1C}">
+                <a14:useLocalDpi xmlns:a14="http://schemas.microsoft.com/office/drawing/2010/main" val="0"/>
+              </a:ext>
+            </a:extLst>
+          </a:blip>
+          <a:srcRect/>
+          <a:stretch>
+            <a:fillRect/>
+          </a:stretch>
+        </p:blipFill>
         <p:spPr bwMode="auto">
           <a:xfrm>
-            <a:off x="685800" y="1752600"/>
-            <a:ext cx="7772400" cy="4343400"/>
+            <a:off x="457200" y="2103438"/>
+            <a:ext cx="8140700" cy="900112"/>
           </a:xfrm>
           <a:prstGeom prst="rect">
             <a:avLst/>
@@ -12413,539 +12059,7 @@
             </a:ext>
           </a:extLst>
         </p:spPr>
-        <p:txBody>
-          <a:bodyPr/>
-          <a:lstStyle>
-            <a:lvl1pPr marL="339725" indent="-339725">
-              <a:tabLst>
-                <a:tab pos="339725" algn="l"/>
-                <a:tab pos="796925" algn="l"/>
-                <a:tab pos="1254125" algn="l"/>
-                <a:tab pos="1711325" algn="l"/>
-                <a:tab pos="2168525" algn="l"/>
-                <a:tab pos="2625725" algn="l"/>
-                <a:tab pos="3082925" algn="l"/>
-                <a:tab pos="3540125" algn="l"/>
-                <a:tab pos="3997325" algn="l"/>
-                <a:tab pos="4454525" algn="l"/>
-                <a:tab pos="4911725" algn="l"/>
-                <a:tab pos="5368925" algn="l"/>
-                <a:tab pos="5826125" algn="l"/>
-                <a:tab pos="6283325" algn="l"/>
-                <a:tab pos="6740525" algn="l"/>
-                <a:tab pos="7197725" algn="l"/>
-                <a:tab pos="7654925" algn="l"/>
-                <a:tab pos="8112125" algn="l"/>
-                <a:tab pos="8569325" algn="l"/>
-                <a:tab pos="9026525" algn="l"/>
-                <a:tab pos="9483725" algn="l"/>
-              </a:tabLst>
-              <a:defRPr sz="2400">
-                <a:solidFill>
-                  <a:schemeClr val="tx1"/>
-                </a:solidFill>
-                <a:latin typeface="Times New Roman" panose="02020603050405020304" pitchFamily="18" charset="0"/>
-              </a:defRPr>
-            </a:lvl1pPr>
-            <a:lvl2pPr marL="739775" indent="-282575">
-              <a:tabLst>
-                <a:tab pos="339725" algn="l"/>
-                <a:tab pos="796925" algn="l"/>
-                <a:tab pos="1254125" algn="l"/>
-                <a:tab pos="1711325" algn="l"/>
-                <a:tab pos="2168525" algn="l"/>
-                <a:tab pos="2625725" algn="l"/>
-                <a:tab pos="3082925" algn="l"/>
-                <a:tab pos="3540125" algn="l"/>
-                <a:tab pos="3997325" algn="l"/>
-                <a:tab pos="4454525" algn="l"/>
-                <a:tab pos="4911725" algn="l"/>
-                <a:tab pos="5368925" algn="l"/>
-                <a:tab pos="5826125" algn="l"/>
-                <a:tab pos="6283325" algn="l"/>
-                <a:tab pos="6740525" algn="l"/>
-                <a:tab pos="7197725" algn="l"/>
-                <a:tab pos="7654925" algn="l"/>
-                <a:tab pos="8112125" algn="l"/>
-                <a:tab pos="8569325" algn="l"/>
-                <a:tab pos="9026525" algn="l"/>
-                <a:tab pos="9483725" algn="l"/>
-              </a:tabLst>
-              <a:defRPr sz="2400">
-                <a:solidFill>
-                  <a:schemeClr val="tx1"/>
-                </a:solidFill>
-                <a:latin typeface="Times New Roman" panose="02020603050405020304" pitchFamily="18" charset="0"/>
-              </a:defRPr>
-            </a:lvl2pPr>
-            <a:lvl3pPr marL="1143000" indent="-228600">
-              <a:tabLst>
-                <a:tab pos="339725" algn="l"/>
-                <a:tab pos="796925" algn="l"/>
-                <a:tab pos="1254125" algn="l"/>
-                <a:tab pos="1711325" algn="l"/>
-                <a:tab pos="2168525" algn="l"/>
-                <a:tab pos="2625725" algn="l"/>
-                <a:tab pos="3082925" algn="l"/>
-                <a:tab pos="3540125" algn="l"/>
-                <a:tab pos="3997325" algn="l"/>
-                <a:tab pos="4454525" algn="l"/>
-                <a:tab pos="4911725" algn="l"/>
-                <a:tab pos="5368925" algn="l"/>
-                <a:tab pos="5826125" algn="l"/>
-                <a:tab pos="6283325" algn="l"/>
-                <a:tab pos="6740525" algn="l"/>
-                <a:tab pos="7197725" algn="l"/>
-                <a:tab pos="7654925" algn="l"/>
-                <a:tab pos="8112125" algn="l"/>
-                <a:tab pos="8569325" algn="l"/>
-                <a:tab pos="9026525" algn="l"/>
-                <a:tab pos="9483725" algn="l"/>
-              </a:tabLst>
-              <a:defRPr sz="2400">
-                <a:solidFill>
-                  <a:schemeClr val="tx1"/>
-                </a:solidFill>
-                <a:latin typeface="Times New Roman" panose="02020603050405020304" pitchFamily="18" charset="0"/>
-              </a:defRPr>
-            </a:lvl3pPr>
-            <a:lvl4pPr marL="1600200" indent="-228600">
-              <a:tabLst>
-                <a:tab pos="339725" algn="l"/>
-                <a:tab pos="796925" algn="l"/>
-                <a:tab pos="1254125" algn="l"/>
-                <a:tab pos="1711325" algn="l"/>
-                <a:tab pos="2168525" algn="l"/>
-                <a:tab pos="2625725" algn="l"/>
-                <a:tab pos="3082925" algn="l"/>
-                <a:tab pos="3540125" algn="l"/>
-                <a:tab pos="3997325" algn="l"/>
-                <a:tab pos="4454525" algn="l"/>
-                <a:tab pos="4911725" algn="l"/>
-                <a:tab pos="5368925" algn="l"/>
-                <a:tab pos="5826125" algn="l"/>
-                <a:tab pos="6283325" algn="l"/>
-                <a:tab pos="6740525" algn="l"/>
-                <a:tab pos="7197725" algn="l"/>
-                <a:tab pos="7654925" algn="l"/>
-                <a:tab pos="8112125" algn="l"/>
-                <a:tab pos="8569325" algn="l"/>
-                <a:tab pos="9026525" algn="l"/>
-                <a:tab pos="9483725" algn="l"/>
-              </a:tabLst>
-              <a:defRPr sz="2400">
-                <a:solidFill>
-                  <a:schemeClr val="tx1"/>
-                </a:solidFill>
-                <a:latin typeface="Times New Roman" panose="02020603050405020304" pitchFamily="18" charset="0"/>
-              </a:defRPr>
-            </a:lvl4pPr>
-            <a:lvl5pPr marL="2057400" indent="-228600">
-              <a:tabLst>
-                <a:tab pos="339725" algn="l"/>
-                <a:tab pos="796925" algn="l"/>
-                <a:tab pos="1254125" algn="l"/>
-                <a:tab pos="1711325" algn="l"/>
-                <a:tab pos="2168525" algn="l"/>
-                <a:tab pos="2625725" algn="l"/>
-                <a:tab pos="3082925" algn="l"/>
-                <a:tab pos="3540125" algn="l"/>
-                <a:tab pos="3997325" algn="l"/>
-                <a:tab pos="4454525" algn="l"/>
-                <a:tab pos="4911725" algn="l"/>
-                <a:tab pos="5368925" algn="l"/>
-                <a:tab pos="5826125" algn="l"/>
-                <a:tab pos="6283325" algn="l"/>
-                <a:tab pos="6740525" algn="l"/>
-                <a:tab pos="7197725" algn="l"/>
-                <a:tab pos="7654925" algn="l"/>
-                <a:tab pos="8112125" algn="l"/>
-                <a:tab pos="8569325" algn="l"/>
-                <a:tab pos="9026525" algn="l"/>
-                <a:tab pos="9483725" algn="l"/>
-              </a:tabLst>
-              <a:defRPr sz="2400">
-                <a:solidFill>
-                  <a:schemeClr val="tx1"/>
-                </a:solidFill>
-                <a:latin typeface="Times New Roman" panose="02020603050405020304" pitchFamily="18" charset="0"/>
-              </a:defRPr>
-            </a:lvl5pPr>
-            <a:lvl6pPr marL="2514600" indent="-228600" eaLnBrk="0" fontAlgn="base" hangingPunct="0">
-              <a:spcBef>
-                <a:spcPct val="0"/>
-              </a:spcBef>
-              <a:spcAft>
-                <a:spcPct val="0"/>
-              </a:spcAft>
-              <a:tabLst>
-                <a:tab pos="339725" algn="l"/>
-                <a:tab pos="796925" algn="l"/>
-                <a:tab pos="1254125" algn="l"/>
-                <a:tab pos="1711325" algn="l"/>
-                <a:tab pos="2168525" algn="l"/>
-                <a:tab pos="2625725" algn="l"/>
-                <a:tab pos="3082925" algn="l"/>
-                <a:tab pos="3540125" algn="l"/>
-                <a:tab pos="3997325" algn="l"/>
-                <a:tab pos="4454525" algn="l"/>
-                <a:tab pos="4911725" algn="l"/>
-                <a:tab pos="5368925" algn="l"/>
-                <a:tab pos="5826125" algn="l"/>
-                <a:tab pos="6283325" algn="l"/>
-                <a:tab pos="6740525" algn="l"/>
-                <a:tab pos="7197725" algn="l"/>
-                <a:tab pos="7654925" algn="l"/>
-                <a:tab pos="8112125" algn="l"/>
-                <a:tab pos="8569325" algn="l"/>
-                <a:tab pos="9026525" algn="l"/>
-                <a:tab pos="9483725" algn="l"/>
-              </a:tabLst>
-              <a:defRPr sz="2400">
-                <a:solidFill>
-                  <a:schemeClr val="tx1"/>
-                </a:solidFill>
-                <a:latin typeface="Times New Roman" panose="02020603050405020304" pitchFamily="18" charset="0"/>
-              </a:defRPr>
-            </a:lvl6pPr>
-            <a:lvl7pPr marL="2971800" indent="-228600" eaLnBrk="0" fontAlgn="base" hangingPunct="0">
-              <a:spcBef>
-                <a:spcPct val="0"/>
-              </a:spcBef>
-              <a:spcAft>
-                <a:spcPct val="0"/>
-              </a:spcAft>
-              <a:tabLst>
-                <a:tab pos="339725" algn="l"/>
-                <a:tab pos="796925" algn="l"/>
-                <a:tab pos="1254125" algn="l"/>
-                <a:tab pos="1711325" algn="l"/>
-                <a:tab pos="2168525" algn="l"/>
-                <a:tab pos="2625725" algn="l"/>
-                <a:tab pos="3082925" algn="l"/>
-                <a:tab pos="3540125" algn="l"/>
-                <a:tab pos="3997325" algn="l"/>
-                <a:tab pos="4454525" algn="l"/>
-                <a:tab pos="4911725" algn="l"/>
-                <a:tab pos="5368925" algn="l"/>
-                <a:tab pos="5826125" algn="l"/>
-                <a:tab pos="6283325" algn="l"/>
-                <a:tab pos="6740525" algn="l"/>
-                <a:tab pos="7197725" algn="l"/>
-                <a:tab pos="7654925" algn="l"/>
-                <a:tab pos="8112125" algn="l"/>
-                <a:tab pos="8569325" algn="l"/>
-                <a:tab pos="9026525" algn="l"/>
-                <a:tab pos="9483725" algn="l"/>
-              </a:tabLst>
-              <a:defRPr sz="2400">
-                <a:solidFill>
-                  <a:schemeClr val="tx1"/>
-                </a:solidFill>
-                <a:latin typeface="Times New Roman" panose="02020603050405020304" pitchFamily="18" charset="0"/>
-              </a:defRPr>
-            </a:lvl7pPr>
-            <a:lvl8pPr marL="3429000" indent="-228600" eaLnBrk="0" fontAlgn="base" hangingPunct="0">
-              <a:spcBef>
-                <a:spcPct val="0"/>
-              </a:spcBef>
-              <a:spcAft>
-                <a:spcPct val="0"/>
-              </a:spcAft>
-              <a:tabLst>
-                <a:tab pos="339725" algn="l"/>
-                <a:tab pos="796925" algn="l"/>
-                <a:tab pos="1254125" algn="l"/>
-                <a:tab pos="1711325" algn="l"/>
-                <a:tab pos="2168525" algn="l"/>
-                <a:tab pos="2625725" algn="l"/>
-                <a:tab pos="3082925" algn="l"/>
-                <a:tab pos="3540125" algn="l"/>
-                <a:tab pos="3997325" algn="l"/>
-                <a:tab pos="4454525" algn="l"/>
-                <a:tab pos="4911725" algn="l"/>
-                <a:tab pos="5368925" algn="l"/>
-                <a:tab pos="5826125" algn="l"/>
-                <a:tab pos="6283325" algn="l"/>
-                <a:tab pos="6740525" algn="l"/>
-                <a:tab pos="7197725" algn="l"/>
-                <a:tab pos="7654925" algn="l"/>
-                <a:tab pos="8112125" algn="l"/>
-                <a:tab pos="8569325" algn="l"/>
-                <a:tab pos="9026525" algn="l"/>
-                <a:tab pos="9483725" algn="l"/>
-              </a:tabLst>
-              <a:defRPr sz="2400">
-                <a:solidFill>
-                  <a:schemeClr val="tx1"/>
-                </a:solidFill>
-                <a:latin typeface="Times New Roman" panose="02020603050405020304" pitchFamily="18" charset="0"/>
-              </a:defRPr>
-            </a:lvl8pPr>
-            <a:lvl9pPr marL="3886200" indent="-228600" eaLnBrk="0" fontAlgn="base" hangingPunct="0">
-              <a:spcBef>
-                <a:spcPct val="0"/>
-              </a:spcBef>
-              <a:spcAft>
-                <a:spcPct val="0"/>
-              </a:spcAft>
-              <a:tabLst>
-                <a:tab pos="339725" algn="l"/>
-                <a:tab pos="796925" algn="l"/>
-                <a:tab pos="1254125" algn="l"/>
-                <a:tab pos="1711325" algn="l"/>
-                <a:tab pos="2168525" algn="l"/>
-                <a:tab pos="2625725" algn="l"/>
-                <a:tab pos="3082925" algn="l"/>
-                <a:tab pos="3540125" algn="l"/>
-                <a:tab pos="3997325" algn="l"/>
-                <a:tab pos="4454525" algn="l"/>
-                <a:tab pos="4911725" algn="l"/>
-                <a:tab pos="5368925" algn="l"/>
-                <a:tab pos="5826125" algn="l"/>
-                <a:tab pos="6283325" algn="l"/>
-                <a:tab pos="6740525" algn="l"/>
-                <a:tab pos="7197725" algn="l"/>
-                <a:tab pos="7654925" algn="l"/>
-                <a:tab pos="8112125" algn="l"/>
-                <a:tab pos="8569325" algn="l"/>
-                <a:tab pos="9026525" algn="l"/>
-                <a:tab pos="9483725" algn="l"/>
-              </a:tabLst>
-              <a:defRPr sz="2400">
-                <a:solidFill>
-                  <a:schemeClr val="tx1"/>
-                </a:solidFill>
-                <a:latin typeface="Times New Roman" panose="02020603050405020304" pitchFamily="18" charset="0"/>
-              </a:defRPr>
-            </a:lvl9pPr>
-          </a:lstStyle>
-          <a:p>
-            <a:pPr>
-              <a:lnSpc>
-                <a:spcPct val="80000"/>
-              </a:lnSpc>
-              <a:spcBef>
-                <a:spcPts val="750"/>
-              </a:spcBef>
-              <a:buSzPct val="107000"/>
-              <a:buFont typeface="Times New Roman" panose="02020603050405020304" pitchFamily="18" charset="0"/>
-              <a:buBlip>
-                <a:blip r:embed="rId3"/>
-              </a:buBlip>
-            </a:pPr>
-            <a:r>
-              <a:rPr lang="en-GB" altLang="en-US" sz="3000" dirty="0">
-                <a:solidFill>
-                  <a:srgbClr val="000000"/>
-                </a:solidFill>
-                <a:latin typeface="Arial" panose="020B0604020202020204" pitchFamily="34" charset="0"/>
-              </a:rPr>
-              <a:t>Review Slides</a:t>
-            </a:r>
-          </a:p>
-          <a:p>
-            <a:pPr>
-              <a:lnSpc>
-                <a:spcPct val="80000"/>
-              </a:lnSpc>
-              <a:spcBef>
-                <a:spcPts val="750"/>
-              </a:spcBef>
-              <a:buSzPct val="107000"/>
-              <a:buFont typeface="Times New Roman" panose="02020603050405020304" pitchFamily="18" charset="0"/>
-              <a:buBlip>
-                <a:blip r:embed="rId3"/>
-              </a:buBlip>
-            </a:pPr>
-            <a:r>
-              <a:rPr lang="en-GB" altLang="en-US" sz="3000" dirty="0">
-                <a:solidFill>
-                  <a:srgbClr val="000000"/>
-                </a:solidFill>
-                <a:latin typeface="Arial" panose="020B0604020202020204" pitchFamily="34" charset="0"/>
-              </a:rPr>
-              <a:t>Read Associated Chapters</a:t>
-            </a:r>
-          </a:p>
-          <a:p>
-            <a:pPr>
-              <a:lnSpc>
-                <a:spcPct val="80000"/>
-              </a:lnSpc>
-              <a:spcBef>
-                <a:spcPts val="750"/>
-              </a:spcBef>
-              <a:buSzPct val="107000"/>
-              <a:buFont typeface="Times New Roman" panose="02020603050405020304" pitchFamily="18" charset="0"/>
-              <a:buBlip>
-                <a:blip r:embed="rId3"/>
-              </a:buBlip>
-            </a:pPr>
-            <a:r>
-              <a:rPr lang="en-GB" altLang="en-US" sz="3000" dirty="0">
-                <a:solidFill>
-                  <a:srgbClr val="000000"/>
-                </a:solidFill>
-                <a:latin typeface="Arial" panose="020B0604020202020204" pitchFamily="34" charset="0"/>
-              </a:rPr>
-              <a:t>Work through </a:t>
-            </a:r>
-            <a:r>
-              <a:rPr lang="en-GB" altLang="en-US" sz="3000" dirty="0" err="1">
-                <a:solidFill>
-                  <a:srgbClr val="000000"/>
-                </a:solidFill>
-                <a:latin typeface="Arial" panose="020B0604020202020204" pitchFamily="34" charset="0"/>
-              </a:rPr>
-              <a:t>Javascript</a:t>
-            </a:r>
-            <a:r>
-              <a:rPr lang="en-GB" altLang="en-US" sz="3000" dirty="0">
-                <a:solidFill>
-                  <a:srgbClr val="000000"/>
-                </a:solidFill>
-                <a:latin typeface="Arial" panose="020B0604020202020204" pitchFamily="34" charset="0"/>
-              </a:rPr>
-              <a:t> Examples</a:t>
-            </a:r>
-          </a:p>
-          <a:p>
-            <a:pPr lvl="1">
-              <a:lnSpc>
-                <a:spcPct val="80000"/>
-              </a:lnSpc>
-              <a:spcBef>
-                <a:spcPts val="650"/>
-              </a:spcBef>
-              <a:buFont typeface="Wingdings 3" panose="05040102010807070707" pitchFamily="18" charset="2"/>
-              <a:buChar char=""/>
-            </a:pPr>
-            <a:r>
-              <a:rPr lang="en-GB" altLang="en-US" sz="2600" dirty="0">
-                <a:solidFill>
-                  <a:srgbClr val="000000"/>
-                </a:solidFill>
-                <a:latin typeface="Arial" panose="020B0604020202020204" pitchFamily="34" charset="0"/>
-              </a:rPr>
-              <a:t>Update GitHub Account/Webpage</a:t>
-            </a:r>
-          </a:p>
-          <a:p>
-            <a:pPr>
-              <a:lnSpc>
-                <a:spcPct val="80000"/>
-              </a:lnSpc>
-              <a:spcBef>
-                <a:spcPts val="750"/>
-              </a:spcBef>
-              <a:buSzPct val="107000"/>
-              <a:buFont typeface="Arial" panose="020B0604020202020204" pitchFamily="34" charset="0"/>
-              <a:buBlip>
-                <a:blip r:embed="rId3"/>
-              </a:buBlip>
-            </a:pPr>
-            <a:r>
-              <a:rPr lang="en-GB" altLang="en-US" sz="3000" b="1" u="sng" dirty="0" smtClean="0">
-                <a:solidFill>
-                  <a:srgbClr val="000000"/>
-                </a:solidFill>
-                <a:latin typeface="Arial" panose="020B0604020202020204" pitchFamily="34" charset="0"/>
-              </a:rPr>
-              <a:t>Group Project (Christmas Theme)</a:t>
-            </a:r>
-          </a:p>
-          <a:p>
-            <a:pPr lvl="1">
-              <a:lnSpc>
-                <a:spcPct val="80000"/>
-              </a:lnSpc>
-              <a:spcBef>
-                <a:spcPts val="750"/>
-              </a:spcBef>
-              <a:buSzPct val="107000"/>
-              <a:buFont typeface="Arial" panose="020B0604020202020204" pitchFamily="34" charset="0"/>
-              <a:buBlip>
-                <a:blip r:embed="rId3"/>
-              </a:buBlip>
-            </a:pPr>
-            <a:r>
-              <a:rPr lang="en-GB" altLang="en-US" sz="3000" b="1" u="sng" dirty="0" smtClean="0">
-                <a:solidFill>
-                  <a:srgbClr val="000000"/>
-                </a:solidFill>
-                <a:latin typeface="Arial" panose="020B0604020202020204" pitchFamily="34" charset="0"/>
-              </a:rPr>
-              <a:t>Website &amp; </a:t>
-            </a:r>
-            <a:r>
-              <a:rPr lang="en-GB" altLang="en-US" sz="3000" b="1" u="sng" dirty="0" err="1" smtClean="0">
-                <a:solidFill>
-                  <a:srgbClr val="000000"/>
-                </a:solidFill>
-                <a:latin typeface="Arial" panose="020B0604020202020204" pitchFamily="34" charset="0"/>
-              </a:rPr>
-              <a:t>Javascript</a:t>
-            </a:r>
-            <a:r>
-              <a:rPr lang="en-GB" altLang="en-US" sz="3000" b="1" u="sng" dirty="0" smtClean="0">
-                <a:solidFill>
-                  <a:srgbClr val="000000"/>
-                </a:solidFill>
-                <a:latin typeface="Arial" panose="020B0604020202020204" pitchFamily="34" charset="0"/>
-              </a:rPr>
-              <a:t> Game</a:t>
-            </a:r>
-          </a:p>
-          <a:p>
-            <a:pPr marL="457200" lvl="1" indent="0">
-              <a:lnSpc>
-                <a:spcPct val="80000"/>
-              </a:lnSpc>
-              <a:spcBef>
-                <a:spcPts val="750"/>
-              </a:spcBef>
-              <a:buSzPct val="107000"/>
-            </a:pPr>
-            <a:endParaRPr lang="en-GB" altLang="en-US" sz="3000" b="1" u="sng" dirty="0" smtClean="0">
-              <a:solidFill>
-                <a:srgbClr val="000000"/>
-              </a:solidFill>
-              <a:latin typeface="Arial" panose="020B0604020202020204" pitchFamily="34" charset="0"/>
-            </a:endParaRPr>
-          </a:p>
-          <a:p>
-            <a:pPr>
-              <a:lnSpc>
-                <a:spcPct val="80000"/>
-              </a:lnSpc>
-              <a:spcBef>
-                <a:spcPts val="750"/>
-              </a:spcBef>
-              <a:buSzPct val="107000"/>
-              <a:buFont typeface="Arial" panose="020B0604020202020204" pitchFamily="34" charset="0"/>
-              <a:buBlip>
-                <a:blip r:embed="rId3"/>
-              </a:buBlip>
-            </a:pPr>
-            <a:r>
-              <a:rPr lang="en-GB" altLang="en-US" sz="3000" b="1" u="sng" dirty="0" smtClean="0">
-                <a:solidFill>
-                  <a:srgbClr val="000000"/>
-                </a:solidFill>
-                <a:latin typeface="Arial" panose="020B0604020202020204" pitchFamily="34" charset="0"/>
-              </a:rPr>
-              <a:t>Demonstrate Individual Projects</a:t>
-            </a:r>
-            <a:endParaRPr lang="en-GB" altLang="en-US" sz="3000" b="1" u="sng" dirty="0">
-              <a:solidFill>
-                <a:srgbClr val="000000"/>
-              </a:solidFill>
-              <a:latin typeface="Arial" panose="020B0604020202020204" pitchFamily="34" charset="0"/>
-            </a:endParaRPr>
-          </a:p>
-        </p:txBody>
-      </p:sp>
+      </p:pic>
     </p:spTree>
   </p:cSld>
   <p:clrMapOvr>
@@ -12958,7 +12072,7 @@
         <p:cTn id="1" dur="indefinite" restart="never" nodeType="tmRoot">
           <p:childTnLst>
             <p:seq concurrent="1" nextAc="seek">
-              <p:cTn id="2" dur="indefinite" nodeType="mainSeq"/>
+              <p:cTn id="2" dur="0" nodeType="mainSeq"/>
               <p:prevCondLst>
                 <p:cond evt="onPrev" delay="0">
                   <p:tgtEl>
@@ -13001,48 +12115,25 @@
       </p:grpSpPr>
       <p:sp>
         <p:nvSpPr>
-          <p:cNvPr id="26626" name="Text Box 1"/>
-          <p:cNvSpPr txBox="1">
-            <a:spLocks noChangeArrowheads="1"/>
+          <p:cNvPr id="20482" name="Rectangle 1"/>
+          <p:cNvSpPr>
+            <a:spLocks noGrp="1" noChangeArrowheads="1"/>
           </p:cNvSpPr>
-          <p:nvPr/>
+          <p:nvPr>
+            <p:ph type="title"/>
+          </p:nvPr>
         </p:nvSpPr>
-        <p:spPr bwMode="auto">
+        <p:spPr>
           <a:xfrm>
-            <a:off x="685800" y="609600"/>
-            <a:ext cx="7772400" cy="1143000"/>
+            <a:off x="685800" y="461963"/>
+            <a:ext cx="7770813" cy="1435100"/>
           </a:xfrm>
-          <a:prstGeom prst="rect">
-            <a:avLst/>
-          </a:prstGeom>
-          <a:noFill/>
-          <a:ln>
-            <a:noFill/>
-          </a:ln>
-          <a:extLst>
-            <a:ext uri="{909E8E84-426E-40DD-AFC4-6F175D3DCCD1}">
-              <a14:hiddenFill xmlns:a14="http://schemas.microsoft.com/office/drawing/2010/main">
-                <a:solidFill>
-                  <a:srgbClr val="FFFFFF"/>
-                </a:solidFill>
-              </a14:hiddenFill>
-            </a:ext>
-            <a:ext uri="{91240B29-F687-4F45-9708-019B960494DF}">
-              <a14:hiddenLine xmlns:a14="http://schemas.microsoft.com/office/drawing/2010/main" w="9525">
-                <a:solidFill>
-                  <a:srgbClr val="000000"/>
-                </a:solidFill>
-                <a:round/>
-                <a:headEnd/>
-                <a:tailEnd/>
-              </a14:hiddenLine>
-            </a:ext>
-          </a:extLst>
         </p:spPr>
         <p:txBody>
-          <a:bodyPr anchor="ctr"/>
-          <a:lstStyle>
-            <a:lvl1pPr>
+          <a:bodyPr/>
+          <a:lstStyle/>
+          <a:p>
+            <a:pPr>
               <a:tabLst>
                 <a:tab pos="0" algn="l"/>
                 <a:tab pos="457200" algn="l"/>
@@ -13066,312 +12157,67 @@
                 <a:tab pos="8686800" algn="l"/>
                 <a:tab pos="9144000" algn="l"/>
               </a:tabLst>
-              <a:defRPr sz="2400">
-                <a:solidFill>
-                  <a:schemeClr val="tx1"/>
-                </a:solidFill>
-                <a:latin typeface="Times New Roman" panose="02020603050405020304" pitchFamily="18" charset="0"/>
-              </a:defRPr>
-            </a:lvl1pPr>
-            <a:lvl2pPr marL="742950" indent="-285750">
-              <a:tabLst>
-                <a:tab pos="0" algn="l"/>
-                <a:tab pos="457200" algn="l"/>
-                <a:tab pos="914400" algn="l"/>
-                <a:tab pos="1371600" algn="l"/>
-                <a:tab pos="1828800" algn="l"/>
-                <a:tab pos="2286000" algn="l"/>
-                <a:tab pos="2743200" algn="l"/>
-                <a:tab pos="3200400" algn="l"/>
-                <a:tab pos="3657600" algn="l"/>
-                <a:tab pos="4114800" algn="l"/>
-                <a:tab pos="4572000" algn="l"/>
-                <a:tab pos="5029200" algn="l"/>
-                <a:tab pos="5486400" algn="l"/>
-                <a:tab pos="5943600" algn="l"/>
-                <a:tab pos="6400800" algn="l"/>
-                <a:tab pos="6858000" algn="l"/>
-                <a:tab pos="7315200" algn="l"/>
-                <a:tab pos="7772400" algn="l"/>
-                <a:tab pos="8229600" algn="l"/>
-                <a:tab pos="8686800" algn="l"/>
-                <a:tab pos="9144000" algn="l"/>
-              </a:tabLst>
-              <a:defRPr sz="2400">
-                <a:solidFill>
-                  <a:schemeClr val="tx1"/>
-                </a:solidFill>
-                <a:latin typeface="Times New Roman" panose="02020603050405020304" pitchFamily="18" charset="0"/>
-              </a:defRPr>
-            </a:lvl2pPr>
-            <a:lvl3pPr marL="1143000" indent="-228600">
-              <a:tabLst>
-                <a:tab pos="0" algn="l"/>
-                <a:tab pos="457200" algn="l"/>
-                <a:tab pos="914400" algn="l"/>
-                <a:tab pos="1371600" algn="l"/>
-                <a:tab pos="1828800" algn="l"/>
-                <a:tab pos="2286000" algn="l"/>
-                <a:tab pos="2743200" algn="l"/>
-                <a:tab pos="3200400" algn="l"/>
-                <a:tab pos="3657600" algn="l"/>
-                <a:tab pos="4114800" algn="l"/>
-                <a:tab pos="4572000" algn="l"/>
-                <a:tab pos="5029200" algn="l"/>
-                <a:tab pos="5486400" algn="l"/>
-                <a:tab pos="5943600" algn="l"/>
-                <a:tab pos="6400800" algn="l"/>
-                <a:tab pos="6858000" algn="l"/>
-                <a:tab pos="7315200" algn="l"/>
-                <a:tab pos="7772400" algn="l"/>
-                <a:tab pos="8229600" algn="l"/>
-                <a:tab pos="8686800" algn="l"/>
-                <a:tab pos="9144000" algn="l"/>
-              </a:tabLst>
-              <a:defRPr sz="2400">
-                <a:solidFill>
-                  <a:schemeClr val="tx1"/>
-                </a:solidFill>
-                <a:latin typeface="Times New Roman" panose="02020603050405020304" pitchFamily="18" charset="0"/>
-              </a:defRPr>
-            </a:lvl3pPr>
-            <a:lvl4pPr marL="1600200" indent="-228600">
-              <a:tabLst>
-                <a:tab pos="0" algn="l"/>
-                <a:tab pos="457200" algn="l"/>
-                <a:tab pos="914400" algn="l"/>
-                <a:tab pos="1371600" algn="l"/>
-                <a:tab pos="1828800" algn="l"/>
-                <a:tab pos="2286000" algn="l"/>
-                <a:tab pos="2743200" algn="l"/>
-                <a:tab pos="3200400" algn="l"/>
-                <a:tab pos="3657600" algn="l"/>
-                <a:tab pos="4114800" algn="l"/>
-                <a:tab pos="4572000" algn="l"/>
-                <a:tab pos="5029200" algn="l"/>
-                <a:tab pos="5486400" algn="l"/>
-                <a:tab pos="5943600" algn="l"/>
-                <a:tab pos="6400800" algn="l"/>
-                <a:tab pos="6858000" algn="l"/>
-                <a:tab pos="7315200" algn="l"/>
-                <a:tab pos="7772400" algn="l"/>
-                <a:tab pos="8229600" algn="l"/>
-                <a:tab pos="8686800" algn="l"/>
-                <a:tab pos="9144000" algn="l"/>
-              </a:tabLst>
-              <a:defRPr sz="2400">
-                <a:solidFill>
-                  <a:schemeClr val="tx1"/>
-                </a:solidFill>
-                <a:latin typeface="Times New Roman" panose="02020603050405020304" pitchFamily="18" charset="0"/>
-              </a:defRPr>
-            </a:lvl4pPr>
-            <a:lvl5pPr marL="2057400" indent="-228600">
-              <a:tabLst>
-                <a:tab pos="0" algn="l"/>
-                <a:tab pos="457200" algn="l"/>
-                <a:tab pos="914400" algn="l"/>
-                <a:tab pos="1371600" algn="l"/>
-                <a:tab pos="1828800" algn="l"/>
-                <a:tab pos="2286000" algn="l"/>
-                <a:tab pos="2743200" algn="l"/>
-                <a:tab pos="3200400" algn="l"/>
-                <a:tab pos="3657600" algn="l"/>
-                <a:tab pos="4114800" algn="l"/>
-                <a:tab pos="4572000" algn="l"/>
-                <a:tab pos="5029200" algn="l"/>
-                <a:tab pos="5486400" algn="l"/>
-                <a:tab pos="5943600" algn="l"/>
-                <a:tab pos="6400800" algn="l"/>
-                <a:tab pos="6858000" algn="l"/>
-                <a:tab pos="7315200" algn="l"/>
-                <a:tab pos="7772400" algn="l"/>
-                <a:tab pos="8229600" algn="l"/>
-                <a:tab pos="8686800" algn="l"/>
-                <a:tab pos="9144000" algn="l"/>
-              </a:tabLst>
-              <a:defRPr sz="2400">
-                <a:solidFill>
-                  <a:schemeClr val="tx1"/>
-                </a:solidFill>
-                <a:latin typeface="Times New Roman" panose="02020603050405020304" pitchFamily="18" charset="0"/>
-              </a:defRPr>
-            </a:lvl5pPr>
-            <a:lvl6pPr marL="2514600" indent="-228600" eaLnBrk="0" fontAlgn="base" hangingPunct="0">
-              <a:spcBef>
-                <a:spcPct val="0"/>
-              </a:spcBef>
-              <a:spcAft>
-                <a:spcPct val="0"/>
-              </a:spcAft>
-              <a:tabLst>
-                <a:tab pos="0" algn="l"/>
-                <a:tab pos="457200" algn="l"/>
-                <a:tab pos="914400" algn="l"/>
-                <a:tab pos="1371600" algn="l"/>
-                <a:tab pos="1828800" algn="l"/>
-                <a:tab pos="2286000" algn="l"/>
-                <a:tab pos="2743200" algn="l"/>
-                <a:tab pos="3200400" algn="l"/>
-                <a:tab pos="3657600" algn="l"/>
-                <a:tab pos="4114800" algn="l"/>
-                <a:tab pos="4572000" algn="l"/>
-                <a:tab pos="5029200" algn="l"/>
-                <a:tab pos="5486400" algn="l"/>
-                <a:tab pos="5943600" algn="l"/>
-                <a:tab pos="6400800" algn="l"/>
-                <a:tab pos="6858000" algn="l"/>
-                <a:tab pos="7315200" algn="l"/>
-                <a:tab pos="7772400" algn="l"/>
-                <a:tab pos="8229600" algn="l"/>
-                <a:tab pos="8686800" algn="l"/>
-                <a:tab pos="9144000" algn="l"/>
-              </a:tabLst>
-              <a:defRPr sz="2400">
-                <a:solidFill>
-                  <a:schemeClr val="tx1"/>
-                </a:solidFill>
-                <a:latin typeface="Times New Roman" panose="02020603050405020304" pitchFamily="18" charset="0"/>
-              </a:defRPr>
-            </a:lvl6pPr>
-            <a:lvl7pPr marL="2971800" indent="-228600" eaLnBrk="0" fontAlgn="base" hangingPunct="0">
-              <a:spcBef>
-                <a:spcPct val="0"/>
-              </a:spcBef>
-              <a:spcAft>
-                <a:spcPct val="0"/>
-              </a:spcAft>
-              <a:tabLst>
-                <a:tab pos="0" algn="l"/>
-                <a:tab pos="457200" algn="l"/>
-                <a:tab pos="914400" algn="l"/>
-                <a:tab pos="1371600" algn="l"/>
-                <a:tab pos="1828800" algn="l"/>
-                <a:tab pos="2286000" algn="l"/>
-                <a:tab pos="2743200" algn="l"/>
-                <a:tab pos="3200400" algn="l"/>
-                <a:tab pos="3657600" algn="l"/>
-                <a:tab pos="4114800" algn="l"/>
-                <a:tab pos="4572000" algn="l"/>
-                <a:tab pos="5029200" algn="l"/>
-                <a:tab pos="5486400" algn="l"/>
-                <a:tab pos="5943600" algn="l"/>
-                <a:tab pos="6400800" algn="l"/>
-                <a:tab pos="6858000" algn="l"/>
-                <a:tab pos="7315200" algn="l"/>
-                <a:tab pos="7772400" algn="l"/>
-                <a:tab pos="8229600" algn="l"/>
-                <a:tab pos="8686800" algn="l"/>
-                <a:tab pos="9144000" algn="l"/>
-              </a:tabLst>
-              <a:defRPr sz="2400">
-                <a:solidFill>
-                  <a:schemeClr val="tx1"/>
-                </a:solidFill>
-                <a:latin typeface="Times New Roman" panose="02020603050405020304" pitchFamily="18" charset="0"/>
-              </a:defRPr>
-            </a:lvl7pPr>
-            <a:lvl8pPr marL="3429000" indent="-228600" eaLnBrk="0" fontAlgn="base" hangingPunct="0">
-              <a:spcBef>
-                <a:spcPct val="0"/>
-              </a:spcBef>
-              <a:spcAft>
-                <a:spcPct val="0"/>
-              </a:spcAft>
-              <a:tabLst>
-                <a:tab pos="0" algn="l"/>
-                <a:tab pos="457200" algn="l"/>
-                <a:tab pos="914400" algn="l"/>
-                <a:tab pos="1371600" algn="l"/>
-                <a:tab pos="1828800" algn="l"/>
-                <a:tab pos="2286000" algn="l"/>
-                <a:tab pos="2743200" algn="l"/>
-                <a:tab pos="3200400" algn="l"/>
-                <a:tab pos="3657600" algn="l"/>
-                <a:tab pos="4114800" algn="l"/>
-                <a:tab pos="4572000" algn="l"/>
-                <a:tab pos="5029200" algn="l"/>
-                <a:tab pos="5486400" algn="l"/>
-                <a:tab pos="5943600" algn="l"/>
-                <a:tab pos="6400800" algn="l"/>
-                <a:tab pos="6858000" algn="l"/>
-                <a:tab pos="7315200" algn="l"/>
-                <a:tab pos="7772400" algn="l"/>
-                <a:tab pos="8229600" algn="l"/>
-                <a:tab pos="8686800" algn="l"/>
-                <a:tab pos="9144000" algn="l"/>
-              </a:tabLst>
-              <a:defRPr sz="2400">
-                <a:solidFill>
-                  <a:schemeClr val="tx1"/>
-                </a:solidFill>
-                <a:latin typeface="Times New Roman" panose="02020603050405020304" pitchFamily="18" charset="0"/>
-              </a:defRPr>
-            </a:lvl8pPr>
-            <a:lvl9pPr marL="3886200" indent="-228600" eaLnBrk="0" fontAlgn="base" hangingPunct="0">
-              <a:spcBef>
-                <a:spcPct val="0"/>
-              </a:spcBef>
-              <a:spcAft>
-                <a:spcPct val="0"/>
-              </a:spcAft>
-              <a:tabLst>
-                <a:tab pos="0" algn="l"/>
-                <a:tab pos="457200" algn="l"/>
-                <a:tab pos="914400" algn="l"/>
-                <a:tab pos="1371600" algn="l"/>
-                <a:tab pos="1828800" algn="l"/>
-                <a:tab pos="2286000" algn="l"/>
-                <a:tab pos="2743200" algn="l"/>
-                <a:tab pos="3200400" algn="l"/>
-                <a:tab pos="3657600" algn="l"/>
-                <a:tab pos="4114800" algn="l"/>
-                <a:tab pos="4572000" algn="l"/>
-                <a:tab pos="5029200" algn="l"/>
-                <a:tab pos="5486400" algn="l"/>
-                <a:tab pos="5943600" algn="l"/>
-                <a:tab pos="6400800" algn="l"/>
-                <a:tab pos="6858000" algn="l"/>
-                <a:tab pos="7315200" algn="l"/>
-                <a:tab pos="7772400" algn="l"/>
-                <a:tab pos="8229600" algn="l"/>
-                <a:tab pos="8686800" algn="l"/>
-                <a:tab pos="9144000" algn="l"/>
-              </a:tabLst>
-              <a:defRPr sz="2400">
-                <a:solidFill>
-                  <a:schemeClr val="tx1"/>
-                </a:solidFill>
-                <a:latin typeface="Times New Roman" panose="02020603050405020304" pitchFamily="18" charset="0"/>
-              </a:defRPr>
-            </a:lvl9pPr>
-          </a:lstStyle>
-          <a:p>
-            <a:pPr algn="ctr"/>
-            <a:r>
-              <a:rPr lang="en-GB" altLang="en-US" sz="4400">
-                <a:solidFill>
-                  <a:srgbClr val="000000"/>
-                </a:solidFill>
-                <a:latin typeface="Arial" panose="020B0604020202020204" pitchFamily="34" charset="0"/>
-              </a:rPr>
-              <a:t>Summary</a:t>
+            </a:pPr>
+            <a:r>
+              <a:rPr lang="en-US" altLang="en-US" smtClean="0"/>
+              <a:t>Literal notation in Javascript Object</a:t>
             </a:r>
           </a:p>
         </p:txBody>
       </p:sp>
       <p:sp>
         <p:nvSpPr>
-          <p:cNvPr id="26627" name="Text Box 2"/>
-          <p:cNvSpPr txBox="1">
-            <a:spLocks noChangeArrowheads="1"/>
+          <p:cNvPr id="20483" name="Rectangle 2"/>
+          <p:cNvSpPr>
+            <a:spLocks noGrp="1" noChangeArrowheads="1"/>
           </p:cNvSpPr>
+          <p:nvPr>
+            <p:ph idx="1"/>
+          </p:nvPr>
+        </p:nvSpPr>
+        <p:spPr>
+          <a:xfrm>
+            <a:off x="685800" y="1981200"/>
+            <a:ext cx="7770813" cy="4113213"/>
+          </a:xfrm>
+        </p:spPr>
+        <p:txBody>
+          <a:bodyPr/>
+          <a:lstStyle/>
+          <a:p>
+            <a:pPr>
+              <a:buFont typeface="Times New Roman" panose="02020603050405020304" pitchFamily="18" charset="0"/>
+              <a:buNone/>
+            </a:pPr>
+            <a:endParaRPr lang="en-US" altLang="en-US" smtClean="0"/>
+          </a:p>
+        </p:txBody>
+      </p:sp>
+      <p:pic>
+        <p:nvPicPr>
+          <p:cNvPr id="20484" name="Picture 3"/>
+          <p:cNvPicPr>
+            <a:picLocks noChangeAspect="1" noChangeArrowheads="1"/>
+          </p:cNvPicPr>
           <p:nvPr/>
-        </p:nvSpPr>
+        </p:nvPicPr>
+        <p:blipFill>
+          <a:blip r:embed="rId3">
+            <a:extLst>
+              <a:ext uri="{28A0092B-C50C-407E-A947-70E740481C1C}">
+                <a14:useLocalDpi xmlns:a14="http://schemas.microsoft.com/office/drawing/2010/main" val="0"/>
+              </a:ext>
+            </a:extLst>
+          </a:blip>
+          <a:srcRect/>
+          <a:stretch>
+            <a:fillRect/>
+          </a:stretch>
+        </p:blipFill>
         <p:spPr bwMode="auto">
           <a:xfrm>
-            <a:off x="685800" y="1981200"/>
-            <a:ext cx="7772400" cy="4114800"/>
+            <a:off x="1463675" y="2378075"/>
+            <a:ext cx="5732463" cy="2998788"/>
           </a:xfrm>
           <a:prstGeom prst="rect">
             <a:avLst/>
@@ -13400,414 +12246,7 @@
             </a:ext>
           </a:extLst>
         </p:spPr>
-        <p:txBody>
-          <a:bodyPr/>
-          <a:lstStyle>
-            <a:lvl1pPr marL="339725" indent="-339725">
-              <a:tabLst>
-                <a:tab pos="339725" algn="l"/>
-                <a:tab pos="796925" algn="l"/>
-                <a:tab pos="1254125" algn="l"/>
-                <a:tab pos="1711325" algn="l"/>
-                <a:tab pos="2168525" algn="l"/>
-                <a:tab pos="2625725" algn="l"/>
-                <a:tab pos="3082925" algn="l"/>
-                <a:tab pos="3540125" algn="l"/>
-                <a:tab pos="3997325" algn="l"/>
-                <a:tab pos="4454525" algn="l"/>
-                <a:tab pos="4911725" algn="l"/>
-                <a:tab pos="5368925" algn="l"/>
-                <a:tab pos="5826125" algn="l"/>
-                <a:tab pos="6283325" algn="l"/>
-                <a:tab pos="6740525" algn="l"/>
-                <a:tab pos="7197725" algn="l"/>
-                <a:tab pos="7654925" algn="l"/>
-                <a:tab pos="8112125" algn="l"/>
-                <a:tab pos="8569325" algn="l"/>
-                <a:tab pos="9026525" algn="l"/>
-                <a:tab pos="9483725" algn="l"/>
-              </a:tabLst>
-              <a:defRPr sz="2400">
-                <a:solidFill>
-                  <a:schemeClr val="tx1"/>
-                </a:solidFill>
-                <a:latin typeface="Times New Roman" panose="02020603050405020304" pitchFamily="18" charset="0"/>
-              </a:defRPr>
-            </a:lvl1pPr>
-            <a:lvl2pPr marL="742950" indent="-285750">
-              <a:tabLst>
-                <a:tab pos="339725" algn="l"/>
-                <a:tab pos="796925" algn="l"/>
-                <a:tab pos="1254125" algn="l"/>
-                <a:tab pos="1711325" algn="l"/>
-                <a:tab pos="2168525" algn="l"/>
-                <a:tab pos="2625725" algn="l"/>
-                <a:tab pos="3082925" algn="l"/>
-                <a:tab pos="3540125" algn="l"/>
-                <a:tab pos="3997325" algn="l"/>
-                <a:tab pos="4454525" algn="l"/>
-                <a:tab pos="4911725" algn="l"/>
-                <a:tab pos="5368925" algn="l"/>
-                <a:tab pos="5826125" algn="l"/>
-                <a:tab pos="6283325" algn="l"/>
-                <a:tab pos="6740525" algn="l"/>
-                <a:tab pos="7197725" algn="l"/>
-                <a:tab pos="7654925" algn="l"/>
-                <a:tab pos="8112125" algn="l"/>
-                <a:tab pos="8569325" algn="l"/>
-                <a:tab pos="9026525" algn="l"/>
-                <a:tab pos="9483725" algn="l"/>
-              </a:tabLst>
-              <a:defRPr sz="2400">
-                <a:solidFill>
-                  <a:schemeClr val="tx1"/>
-                </a:solidFill>
-                <a:latin typeface="Times New Roman" panose="02020603050405020304" pitchFamily="18" charset="0"/>
-              </a:defRPr>
-            </a:lvl2pPr>
-            <a:lvl3pPr marL="1143000" indent="-228600">
-              <a:tabLst>
-                <a:tab pos="339725" algn="l"/>
-                <a:tab pos="796925" algn="l"/>
-                <a:tab pos="1254125" algn="l"/>
-                <a:tab pos="1711325" algn="l"/>
-                <a:tab pos="2168525" algn="l"/>
-                <a:tab pos="2625725" algn="l"/>
-                <a:tab pos="3082925" algn="l"/>
-                <a:tab pos="3540125" algn="l"/>
-                <a:tab pos="3997325" algn="l"/>
-                <a:tab pos="4454525" algn="l"/>
-                <a:tab pos="4911725" algn="l"/>
-                <a:tab pos="5368925" algn="l"/>
-                <a:tab pos="5826125" algn="l"/>
-                <a:tab pos="6283325" algn="l"/>
-                <a:tab pos="6740525" algn="l"/>
-                <a:tab pos="7197725" algn="l"/>
-                <a:tab pos="7654925" algn="l"/>
-                <a:tab pos="8112125" algn="l"/>
-                <a:tab pos="8569325" algn="l"/>
-                <a:tab pos="9026525" algn="l"/>
-                <a:tab pos="9483725" algn="l"/>
-              </a:tabLst>
-              <a:defRPr sz="2400">
-                <a:solidFill>
-                  <a:schemeClr val="tx1"/>
-                </a:solidFill>
-                <a:latin typeface="Times New Roman" panose="02020603050405020304" pitchFamily="18" charset="0"/>
-              </a:defRPr>
-            </a:lvl3pPr>
-            <a:lvl4pPr marL="1600200" indent="-228600">
-              <a:tabLst>
-                <a:tab pos="339725" algn="l"/>
-                <a:tab pos="796925" algn="l"/>
-                <a:tab pos="1254125" algn="l"/>
-                <a:tab pos="1711325" algn="l"/>
-                <a:tab pos="2168525" algn="l"/>
-                <a:tab pos="2625725" algn="l"/>
-                <a:tab pos="3082925" algn="l"/>
-                <a:tab pos="3540125" algn="l"/>
-                <a:tab pos="3997325" algn="l"/>
-                <a:tab pos="4454525" algn="l"/>
-                <a:tab pos="4911725" algn="l"/>
-                <a:tab pos="5368925" algn="l"/>
-                <a:tab pos="5826125" algn="l"/>
-                <a:tab pos="6283325" algn="l"/>
-                <a:tab pos="6740525" algn="l"/>
-                <a:tab pos="7197725" algn="l"/>
-                <a:tab pos="7654925" algn="l"/>
-                <a:tab pos="8112125" algn="l"/>
-                <a:tab pos="8569325" algn="l"/>
-                <a:tab pos="9026525" algn="l"/>
-                <a:tab pos="9483725" algn="l"/>
-              </a:tabLst>
-              <a:defRPr sz="2400">
-                <a:solidFill>
-                  <a:schemeClr val="tx1"/>
-                </a:solidFill>
-                <a:latin typeface="Times New Roman" panose="02020603050405020304" pitchFamily="18" charset="0"/>
-              </a:defRPr>
-            </a:lvl4pPr>
-            <a:lvl5pPr marL="2057400" indent="-228600">
-              <a:tabLst>
-                <a:tab pos="339725" algn="l"/>
-                <a:tab pos="796925" algn="l"/>
-                <a:tab pos="1254125" algn="l"/>
-                <a:tab pos="1711325" algn="l"/>
-                <a:tab pos="2168525" algn="l"/>
-                <a:tab pos="2625725" algn="l"/>
-                <a:tab pos="3082925" algn="l"/>
-                <a:tab pos="3540125" algn="l"/>
-                <a:tab pos="3997325" algn="l"/>
-                <a:tab pos="4454525" algn="l"/>
-                <a:tab pos="4911725" algn="l"/>
-                <a:tab pos="5368925" algn="l"/>
-                <a:tab pos="5826125" algn="l"/>
-                <a:tab pos="6283325" algn="l"/>
-                <a:tab pos="6740525" algn="l"/>
-                <a:tab pos="7197725" algn="l"/>
-                <a:tab pos="7654925" algn="l"/>
-                <a:tab pos="8112125" algn="l"/>
-                <a:tab pos="8569325" algn="l"/>
-                <a:tab pos="9026525" algn="l"/>
-                <a:tab pos="9483725" algn="l"/>
-              </a:tabLst>
-              <a:defRPr sz="2400">
-                <a:solidFill>
-                  <a:schemeClr val="tx1"/>
-                </a:solidFill>
-                <a:latin typeface="Times New Roman" panose="02020603050405020304" pitchFamily="18" charset="0"/>
-              </a:defRPr>
-            </a:lvl5pPr>
-            <a:lvl6pPr marL="2514600" indent="-228600" eaLnBrk="0" fontAlgn="base" hangingPunct="0">
-              <a:spcBef>
-                <a:spcPct val="0"/>
-              </a:spcBef>
-              <a:spcAft>
-                <a:spcPct val="0"/>
-              </a:spcAft>
-              <a:tabLst>
-                <a:tab pos="339725" algn="l"/>
-                <a:tab pos="796925" algn="l"/>
-                <a:tab pos="1254125" algn="l"/>
-                <a:tab pos="1711325" algn="l"/>
-                <a:tab pos="2168525" algn="l"/>
-                <a:tab pos="2625725" algn="l"/>
-                <a:tab pos="3082925" algn="l"/>
-                <a:tab pos="3540125" algn="l"/>
-                <a:tab pos="3997325" algn="l"/>
-                <a:tab pos="4454525" algn="l"/>
-                <a:tab pos="4911725" algn="l"/>
-                <a:tab pos="5368925" algn="l"/>
-                <a:tab pos="5826125" algn="l"/>
-                <a:tab pos="6283325" algn="l"/>
-                <a:tab pos="6740525" algn="l"/>
-                <a:tab pos="7197725" algn="l"/>
-                <a:tab pos="7654925" algn="l"/>
-                <a:tab pos="8112125" algn="l"/>
-                <a:tab pos="8569325" algn="l"/>
-                <a:tab pos="9026525" algn="l"/>
-                <a:tab pos="9483725" algn="l"/>
-              </a:tabLst>
-              <a:defRPr sz="2400">
-                <a:solidFill>
-                  <a:schemeClr val="tx1"/>
-                </a:solidFill>
-                <a:latin typeface="Times New Roman" panose="02020603050405020304" pitchFamily="18" charset="0"/>
-              </a:defRPr>
-            </a:lvl6pPr>
-            <a:lvl7pPr marL="2971800" indent="-228600" eaLnBrk="0" fontAlgn="base" hangingPunct="0">
-              <a:spcBef>
-                <a:spcPct val="0"/>
-              </a:spcBef>
-              <a:spcAft>
-                <a:spcPct val="0"/>
-              </a:spcAft>
-              <a:tabLst>
-                <a:tab pos="339725" algn="l"/>
-                <a:tab pos="796925" algn="l"/>
-                <a:tab pos="1254125" algn="l"/>
-                <a:tab pos="1711325" algn="l"/>
-                <a:tab pos="2168525" algn="l"/>
-                <a:tab pos="2625725" algn="l"/>
-                <a:tab pos="3082925" algn="l"/>
-                <a:tab pos="3540125" algn="l"/>
-                <a:tab pos="3997325" algn="l"/>
-                <a:tab pos="4454525" algn="l"/>
-                <a:tab pos="4911725" algn="l"/>
-                <a:tab pos="5368925" algn="l"/>
-                <a:tab pos="5826125" algn="l"/>
-                <a:tab pos="6283325" algn="l"/>
-                <a:tab pos="6740525" algn="l"/>
-                <a:tab pos="7197725" algn="l"/>
-                <a:tab pos="7654925" algn="l"/>
-                <a:tab pos="8112125" algn="l"/>
-                <a:tab pos="8569325" algn="l"/>
-                <a:tab pos="9026525" algn="l"/>
-                <a:tab pos="9483725" algn="l"/>
-              </a:tabLst>
-              <a:defRPr sz="2400">
-                <a:solidFill>
-                  <a:schemeClr val="tx1"/>
-                </a:solidFill>
-                <a:latin typeface="Times New Roman" panose="02020603050405020304" pitchFamily="18" charset="0"/>
-              </a:defRPr>
-            </a:lvl7pPr>
-            <a:lvl8pPr marL="3429000" indent="-228600" eaLnBrk="0" fontAlgn="base" hangingPunct="0">
-              <a:spcBef>
-                <a:spcPct val="0"/>
-              </a:spcBef>
-              <a:spcAft>
-                <a:spcPct val="0"/>
-              </a:spcAft>
-              <a:tabLst>
-                <a:tab pos="339725" algn="l"/>
-                <a:tab pos="796925" algn="l"/>
-                <a:tab pos="1254125" algn="l"/>
-                <a:tab pos="1711325" algn="l"/>
-                <a:tab pos="2168525" algn="l"/>
-                <a:tab pos="2625725" algn="l"/>
-                <a:tab pos="3082925" algn="l"/>
-                <a:tab pos="3540125" algn="l"/>
-                <a:tab pos="3997325" algn="l"/>
-                <a:tab pos="4454525" algn="l"/>
-                <a:tab pos="4911725" algn="l"/>
-                <a:tab pos="5368925" algn="l"/>
-                <a:tab pos="5826125" algn="l"/>
-                <a:tab pos="6283325" algn="l"/>
-                <a:tab pos="6740525" algn="l"/>
-                <a:tab pos="7197725" algn="l"/>
-                <a:tab pos="7654925" algn="l"/>
-                <a:tab pos="8112125" algn="l"/>
-                <a:tab pos="8569325" algn="l"/>
-                <a:tab pos="9026525" algn="l"/>
-                <a:tab pos="9483725" algn="l"/>
-              </a:tabLst>
-              <a:defRPr sz="2400">
-                <a:solidFill>
-                  <a:schemeClr val="tx1"/>
-                </a:solidFill>
-                <a:latin typeface="Times New Roman" panose="02020603050405020304" pitchFamily="18" charset="0"/>
-              </a:defRPr>
-            </a:lvl8pPr>
-            <a:lvl9pPr marL="3886200" indent="-228600" eaLnBrk="0" fontAlgn="base" hangingPunct="0">
-              <a:spcBef>
-                <a:spcPct val="0"/>
-              </a:spcBef>
-              <a:spcAft>
-                <a:spcPct val="0"/>
-              </a:spcAft>
-              <a:tabLst>
-                <a:tab pos="339725" algn="l"/>
-                <a:tab pos="796925" algn="l"/>
-                <a:tab pos="1254125" algn="l"/>
-                <a:tab pos="1711325" algn="l"/>
-                <a:tab pos="2168525" algn="l"/>
-                <a:tab pos="2625725" algn="l"/>
-                <a:tab pos="3082925" algn="l"/>
-                <a:tab pos="3540125" algn="l"/>
-                <a:tab pos="3997325" algn="l"/>
-                <a:tab pos="4454525" algn="l"/>
-                <a:tab pos="4911725" algn="l"/>
-                <a:tab pos="5368925" algn="l"/>
-                <a:tab pos="5826125" algn="l"/>
-                <a:tab pos="6283325" algn="l"/>
-                <a:tab pos="6740525" algn="l"/>
-                <a:tab pos="7197725" algn="l"/>
-                <a:tab pos="7654925" algn="l"/>
-                <a:tab pos="8112125" algn="l"/>
-                <a:tab pos="8569325" algn="l"/>
-                <a:tab pos="9026525" algn="l"/>
-                <a:tab pos="9483725" algn="l"/>
-              </a:tabLst>
-              <a:defRPr sz="2400">
-                <a:solidFill>
-                  <a:schemeClr val="tx1"/>
-                </a:solidFill>
-                <a:latin typeface="Times New Roman" panose="02020603050405020304" pitchFamily="18" charset="0"/>
-              </a:defRPr>
-            </a:lvl9pPr>
-          </a:lstStyle>
-          <a:p>
-            <a:pPr>
-              <a:spcBef>
-                <a:spcPts val="800"/>
-              </a:spcBef>
-              <a:buFont typeface="Times New Roman" panose="02020603050405020304" pitchFamily="18" charset="0"/>
-              <a:buBlip>
-                <a:blip r:embed="rId3"/>
-              </a:buBlip>
-            </a:pPr>
-            <a:r>
-              <a:rPr lang="en-GB" altLang="en-US" sz="3200" dirty="0">
-                <a:solidFill>
-                  <a:srgbClr val="000000"/>
-                </a:solidFill>
-                <a:latin typeface="Arial" panose="020B0604020202020204" pitchFamily="34" charset="0"/>
-              </a:rPr>
-              <a:t>Overview of </a:t>
-            </a:r>
-            <a:r>
-              <a:rPr lang="en-GB" altLang="en-US" sz="3200" dirty="0" smtClean="0">
-                <a:solidFill>
-                  <a:srgbClr val="000000"/>
-                </a:solidFill>
-                <a:latin typeface="Arial" panose="020B0604020202020204" pitchFamily="34" charset="0"/>
-              </a:rPr>
-              <a:t>Objects in </a:t>
-            </a:r>
-            <a:r>
-              <a:rPr lang="en-GB" altLang="en-US" sz="3200" dirty="0" err="1" smtClean="0">
-                <a:solidFill>
-                  <a:srgbClr val="000000"/>
-                </a:solidFill>
-                <a:latin typeface="Arial" panose="020B0604020202020204" pitchFamily="34" charset="0"/>
-              </a:rPr>
-              <a:t>Javascript</a:t>
-            </a:r>
-            <a:endParaRPr lang="en-GB" altLang="en-US" sz="3200" dirty="0" smtClean="0">
-              <a:solidFill>
-                <a:srgbClr val="000000"/>
-              </a:solidFill>
-              <a:latin typeface="Arial" panose="020B0604020202020204" pitchFamily="34" charset="0"/>
-            </a:endParaRPr>
-          </a:p>
-          <a:p>
-            <a:pPr>
-              <a:spcBef>
-                <a:spcPts val="800"/>
-              </a:spcBef>
-              <a:buFont typeface="Times New Roman" panose="02020603050405020304" pitchFamily="18" charset="0"/>
-              <a:buBlip>
-                <a:blip r:embed="rId3"/>
-              </a:buBlip>
-            </a:pPr>
-            <a:r>
-              <a:rPr lang="en-GB" altLang="en-US" sz="3200" dirty="0" err="1" smtClean="0">
-                <a:solidFill>
-                  <a:srgbClr val="000000"/>
-                </a:solidFill>
-                <a:latin typeface="Arial" panose="020B0604020202020204" pitchFamily="34" charset="0"/>
-              </a:rPr>
-              <a:t>Javascript</a:t>
-            </a:r>
-            <a:r>
-              <a:rPr lang="en-GB" altLang="en-US" sz="3200" dirty="0" smtClean="0">
-                <a:solidFill>
-                  <a:srgbClr val="000000"/>
-                </a:solidFill>
-                <a:latin typeface="Arial" panose="020B0604020202020204" pitchFamily="34" charset="0"/>
-              </a:rPr>
-              <a:t> Forms</a:t>
-            </a:r>
-            <a:endParaRPr lang="en-GB" altLang="en-US" sz="3200" dirty="0">
-              <a:solidFill>
-                <a:srgbClr val="000000"/>
-              </a:solidFill>
-              <a:latin typeface="Arial" panose="020B0604020202020204" pitchFamily="34" charset="0"/>
-            </a:endParaRPr>
-          </a:p>
-          <a:p>
-            <a:pPr>
-              <a:spcBef>
-                <a:spcPts val="800"/>
-              </a:spcBef>
-              <a:buFont typeface="Times New Roman" panose="02020603050405020304" pitchFamily="18" charset="0"/>
-              <a:buBlip>
-                <a:blip r:embed="rId3"/>
-              </a:buBlip>
-            </a:pPr>
-            <a:r>
-              <a:rPr lang="en-GB" altLang="en-US" sz="3200" dirty="0">
-                <a:solidFill>
-                  <a:srgbClr val="000000"/>
-                </a:solidFill>
-                <a:latin typeface="Arial" panose="020B0604020202020204" pitchFamily="34" charset="0"/>
-              </a:rPr>
-              <a:t>Hands-On/Practical</a:t>
-            </a:r>
-          </a:p>
-        </p:txBody>
-      </p:sp>
+      </p:pic>
     </p:spTree>
   </p:cSld>
   <p:clrMapOvr>
@@ -13820,7 +12259,7 @@
         <p:cTn id="1" dur="indefinite" restart="never" nodeType="tmRoot">
           <p:childTnLst>
             <p:seq concurrent="1" nextAc="seek">
-              <p:cTn id="2" dur="indefinite" nodeType="mainSeq"/>
+              <p:cTn id="2" dur="0" nodeType="mainSeq"/>
               <p:prevCondLst>
                 <p:cond evt="onPrev" delay="0">
                   <p:tgtEl>
@@ -13863,7 +12302,788 @@
       </p:grpSpPr>
       <p:sp>
         <p:nvSpPr>
-          <p:cNvPr id="27650" name="Text Box 1"/>
+          <p:cNvPr id="21506" name="Rectangle 1"/>
+          <p:cNvSpPr>
+            <a:spLocks noGrp="1" noChangeArrowheads="1"/>
+          </p:cNvSpPr>
+          <p:nvPr>
+            <p:ph type="title"/>
+          </p:nvPr>
+        </p:nvSpPr>
+        <p:spPr>
+          <a:xfrm>
+            <a:off x="685800" y="461963"/>
+            <a:ext cx="7770813" cy="1435100"/>
+          </a:xfrm>
+        </p:spPr>
+        <p:txBody>
+          <a:bodyPr/>
+          <a:lstStyle/>
+          <a:p>
+            <a:pPr>
+              <a:tabLst>
+                <a:tab pos="0" algn="l"/>
+                <a:tab pos="457200" algn="l"/>
+                <a:tab pos="914400" algn="l"/>
+                <a:tab pos="1371600" algn="l"/>
+                <a:tab pos="1828800" algn="l"/>
+                <a:tab pos="2286000" algn="l"/>
+                <a:tab pos="2743200" algn="l"/>
+                <a:tab pos="3200400" algn="l"/>
+                <a:tab pos="3657600" algn="l"/>
+                <a:tab pos="4114800" algn="l"/>
+                <a:tab pos="4572000" algn="l"/>
+                <a:tab pos="5029200" algn="l"/>
+                <a:tab pos="5486400" algn="l"/>
+                <a:tab pos="5943600" algn="l"/>
+                <a:tab pos="6400800" algn="l"/>
+                <a:tab pos="6858000" algn="l"/>
+                <a:tab pos="7315200" algn="l"/>
+                <a:tab pos="7772400" algn="l"/>
+                <a:tab pos="8229600" algn="l"/>
+                <a:tab pos="8686800" algn="l"/>
+                <a:tab pos="9144000" algn="l"/>
+              </a:tabLst>
+            </a:pPr>
+            <a:r>
+              <a:rPr lang="en-US" altLang="en-US" smtClean="0"/>
+              <a:t>Object.create() in Javascript Object</a:t>
+            </a:r>
+          </a:p>
+        </p:txBody>
+      </p:sp>
+      <p:sp>
+        <p:nvSpPr>
+          <p:cNvPr id="21507" name="Rectangle 2"/>
+          <p:cNvSpPr>
+            <a:spLocks noGrp="1" noChangeArrowheads="1"/>
+          </p:cNvSpPr>
+          <p:nvPr>
+            <p:ph idx="1"/>
+          </p:nvPr>
+        </p:nvSpPr>
+        <p:spPr>
+          <a:xfrm>
+            <a:off x="685800" y="1981200"/>
+            <a:ext cx="7770813" cy="4113213"/>
+          </a:xfrm>
+        </p:spPr>
+        <p:txBody>
+          <a:bodyPr/>
+          <a:lstStyle/>
+          <a:p>
+            <a:pPr>
+              <a:buFont typeface="Times New Roman" panose="02020603050405020304" pitchFamily="18" charset="0"/>
+              <a:buNone/>
+            </a:pPr>
+            <a:endParaRPr lang="en-US" altLang="en-US" smtClean="0"/>
+          </a:p>
+        </p:txBody>
+      </p:sp>
+      <p:pic>
+        <p:nvPicPr>
+          <p:cNvPr id="21508" name="Picture 3"/>
+          <p:cNvPicPr>
+            <a:picLocks noChangeAspect="1" noChangeArrowheads="1"/>
+          </p:cNvPicPr>
+          <p:nvPr/>
+        </p:nvPicPr>
+        <p:blipFill>
+          <a:blip r:embed="rId3">
+            <a:extLst>
+              <a:ext uri="{28A0092B-C50C-407E-A947-70E740481C1C}">
+                <a14:useLocalDpi xmlns:a14="http://schemas.microsoft.com/office/drawing/2010/main" val="0"/>
+              </a:ext>
+            </a:extLst>
+          </a:blip>
+          <a:srcRect/>
+          <a:stretch>
+            <a:fillRect/>
+          </a:stretch>
+        </p:blipFill>
+        <p:spPr bwMode="auto">
+          <a:xfrm>
+            <a:off x="1736725" y="2286000"/>
+            <a:ext cx="5475288" cy="3565525"/>
+          </a:xfrm>
+          <a:prstGeom prst="rect">
+            <a:avLst/>
+          </a:prstGeom>
+          <a:noFill/>
+          <a:ln>
+            <a:noFill/>
+          </a:ln>
+          <a:extLst>
+            <a:ext uri="{909E8E84-426E-40DD-AFC4-6F175D3DCCD1}">
+              <a14:hiddenFill xmlns:a14="http://schemas.microsoft.com/office/drawing/2010/main">
+                <a:solidFill>
+                  <a:srgbClr val="FFFFFF"/>
+                </a:solidFill>
+              </a14:hiddenFill>
+            </a:ext>
+            <a:ext uri="{91240B29-F687-4F45-9708-019B960494DF}">
+              <a14:hiddenLine xmlns:a14="http://schemas.microsoft.com/office/drawing/2010/main" w="9525">
+                <a:solidFill>
+                  <a:srgbClr val="000000"/>
+                </a:solidFill>
+                <a:round/>
+                <a:headEnd/>
+                <a:tailEnd/>
+              </a14:hiddenLine>
+            </a:ext>
+          </a:extLst>
+        </p:spPr>
+      </p:pic>
+    </p:spTree>
+  </p:cSld>
+  <p:clrMapOvr>
+    <a:masterClrMapping/>
+  </p:clrMapOvr>
+  <p:transition spd="med"/>
+  <p:timing>
+    <p:tnLst>
+      <p:par>
+        <p:cTn id="1" dur="indefinite" restart="never" nodeType="tmRoot">
+          <p:childTnLst>
+            <p:seq concurrent="1" nextAc="seek">
+              <p:cTn id="2" dur="0" nodeType="mainSeq"/>
+              <p:prevCondLst>
+                <p:cond evt="onPrev" delay="0">
+                  <p:tgtEl>
+                    <p:sldTgt/>
+                  </p:tgtEl>
+                </p:cond>
+              </p:prevCondLst>
+              <p:nextCondLst>
+                <p:cond evt="onNext" delay="0">
+                  <p:tgtEl>
+                    <p:sldTgt/>
+                  </p:tgtEl>
+                </p:cond>
+              </p:nextCondLst>
+            </p:seq>
+          </p:childTnLst>
+        </p:cTn>
+      </p:par>
+    </p:tnLst>
+  </p:timing>
+</p:sld>
+</file>
+
+<file path=ppt/slides/slide25.xml><?xml version="1.0" encoding="utf-8"?>
+<p:sld xmlns:a="http://schemas.openxmlformats.org/drawingml/2006/main" xmlns:r="http://schemas.openxmlformats.org/officeDocument/2006/relationships" xmlns:p="http://schemas.openxmlformats.org/presentationml/2006/main">
+  <p:cSld>
+    <p:spTree>
+      <p:nvGrpSpPr>
+        <p:cNvPr id="1" name=""/>
+        <p:cNvGrpSpPr/>
+        <p:nvPr/>
+      </p:nvGrpSpPr>
+      <p:grpSpPr>
+        <a:xfrm>
+          <a:off x="0" y="0"/>
+          <a:ext cx="0" cy="0"/>
+          <a:chOff x="0" y="0"/>
+          <a:chExt cx="0" cy="0"/>
+        </a:xfrm>
+      </p:grpSpPr>
+      <p:sp>
+        <p:nvSpPr>
+          <p:cNvPr id="22530" name="Rectangle 1"/>
+          <p:cNvSpPr>
+            <a:spLocks noGrp="1" noChangeArrowheads="1"/>
+          </p:cNvSpPr>
+          <p:nvPr>
+            <p:ph type="title"/>
+          </p:nvPr>
+        </p:nvSpPr>
+        <p:spPr>
+          <a:xfrm>
+            <a:off x="685800" y="461963"/>
+            <a:ext cx="7770813" cy="1435100"/>
+          </a:xfrm>
+        </p:spPr>
+        <p:txBody>
+          <a:bodyPr/>
+          <a:lstStyle/>
+          <a:p>
+            <a:pPr>
+              <a:tabLst>
+                <a:tab pos="0" algn="l"/>
+                <a:tab pos="457200" algn="l"/>
+                <a:tab pos="914400" algn="l"/>
+                <a:tab pos="1371600" algn="l"/>
+                <a:tab pos="1828800" algn="l"/>
+                <a:tab pos="2286000" algn="l"/>
+                <a:tab pos="2743200" algn="l"/>
+                <a:tab pos="3200400" algn="l"/>
+                <a:tab pos="3657600" algn="l"/>
+                <a:tab pos="4114800" algn="l"/>
+                <a:tab pos="4572000" algn="l"/>
+                <a:tab pos="5029200" algn="l"/>
+                <a:tab pos="5486400" algn="l"/>
+                <a:tab pos="5943600" algn="l"/>
+                <a:tab pos="6400800" algn="l"/>
+                <a:tab pos="6858000" algn="l"/>
+                <a:tab pos="7315200" algn="l"/>
+                <a:tab pos="7772400" algn="l"/>
+                <a:tab pos="8229600" algn="l"/>
+                <a:tab pos="8686800" algn="l"/>
+                <a:tab pos="9144000" algn="l"/>
+              </a:tabLst>
+            </a:pPr>
+            <a:r>
+              <a:rPr lang="en-US" altLang="en-US" smtClean="0"/>
+              <a:t>Accessing Object Properties in JavaScript</a:t>
+            </a:r>
+          </a:p>
+        </p:txBody>
+      </p:sp>
+      <p:sp>
+        <p:nvSpPr>
+          <p:cNvPr id="22531" name="Rectangle 2"/>
+          <p:cNvSpPr>
+            <a:spLocks noGrp="1" noChangeArrowheads="1"/>
+          </p:cNvSpPr>
+          <p:nvPr>
+            <p:ph idx="1"/>
+          </p:nvPr>
+        </p:nvSpPr>
+        <p:spPr>
+          <a:xfrm>
+            <a:off x="685800" y="1981200"/>
+            <a:ext cx="7770813" cy="4113213"/>
+          </a:xfrm>
+        </p:spPr>
+        <p:txBody>
+          <a:bodyPr/>
+          <a:lstStyle/>
+          <a:p>
+            <a:pPr indent="-341313">
+              <a:buFontTx/>
+              <a:buNone/>
+              <a:tabLst>
+                <a:tab pos="342900" algn="l"/>
+                <a:tab pos="455613" algn="l"/>
+                <a:tab pos="912813" algn="l"/>
+                <a:tab pos="1370013" algn="l"/>
+                <a:tab pos="1827213" algn="l"/>
+                <a:tab pos="2284413" algn="l"/>
+                <a:tab pos="2741613" algn="l"/>
+                <a:tab pos="3198813" algn="l"/>
+                <a:tab pos="3656013" algn="l"/>
+                <a:tab pos="4113213" algn="l"/>
+                <a:tab pos="4570413" algn="l"/>
+                <a:tab pos="5027613" algn="l"/>
+                <a:tab pos="5484813" algn="l"/>
+                <a:tab pos="5942013" algn="l"/>
+                <a:tab pos="6399213" algn="l"/>
+                <a:tab pos="6856413" algn="l"/>
+                <a:tab pos="7313613" algn="l"/>
+                <a:tab pos="7770813" algn="l"/>
+                <a:tab pos="8228013" algn="l"/>
+                <a:tab pos="8685213" algn="l"/>
+                <a:tab pos="9142413" algn="l"/>
+              </a:tabLst>
+            </a:pPr>
+            <a:r>
+              <a:rPr lang="en-US" altLang="en-US" smtClean="0"/>
+              <a:t>We can access Object Properties in JavaScript using either the dot(.) notation or the bracket[] notation</a:t>
+            </a:r>
+          </a:p>
+        </p:txBody>
+      </p:sp>
+      <p:pic>
+        <p:nvPicPr>
+          <p:cNvPr id="22532" name="Picture 3"/>
+          <p:cNvPicPr>
+            <a:picLocks noChangeAspect="1" noChangeArrowheads="1"/>
+          </p:cNvPicPr>
+          <p:nvPr/>
+        </p:nvPicPr>
+        <p:blipFill>
+          <a:blip r:embed="rId3">
+            <a:extLst>
+              <a:ext uri="{28A0092B-C50C-407E-A947-70E740481C1C}">
+                <a14:useLocalDpi xmlns:a14="http://schemas.microsoft.com/office/drawing/2010/main" val="0"/>
+              </a:ext>
+            </a:extLst>
+          </a:blip>
+          <a:srcRect/>
+          <a:stretch>
+            <a:fillRect/>
+          </a:stretch>
+        </p:blipFill>
+        <p:spPr bwMode="auto">
+          <a:xfrm>
+            <a:off x="1068388" y="3948113"/>
+            <a:ext cx="6521450" cy="2146300"/>
+          </a:xfrm>
+          <a:prstGeom prst="rect">
+            <a:avLst/>
+          </a:prstGeom>
+          <a:noFill/>
+          <a:ln>
+            <a:noFill/>
+          </a:ln>
+          <a:extLst>
+            <a:ext uri="{909E8E84-426E-40DD-AFC4-6F175D3DCCD1}">
+              <a14:hiddenFill xmlns:a14="http://schemas.microsoft.com/office/drawing/2010/main">
+                <a:solidFill>
+                  <a:srgbClr val="FFFFFF"/>
+                </a:solidFill>
+              </a14:hiddenFill>
+            </a:ext>
+            <a:ext uri="{91240B29-F687-4F45-9708-019B960494DF}">
+              <a14:hiddenLine xmlns:a14="http://schemas.microsoft.com/office/drawing/2010/main" w="9525">
+                <a:solidFill>
+                  <a:srgbClr val="000000"/>
+                </a:solidFill>
+                <a:round/>
+                <a:headEnd/>
+                <a:tailEnd/>
+              </a14:hiddenLine>
+            </a:ext>
+          </a:extLst>
+        </p:spPr>
+      </p:pic>
+    </p:spTree>
+  </p:cSld>
+  <p:clrMapOvr>
+    <a:masterClrMapping/>
+  </p:clrMapOvr>
+  <p:transition spd="med"/>
+  <p:timing>
+    <p:tnLst>
+      <p:par>
+        <p:cTn id="1" dur="indefinite" restart="never" nodeType="tmRoot">
+          <p:childTnLst>
+            <p:seq concurrent="1" nextAc="seek">
+              <p:cTn id="2" dur="0" nodeType="mainSeq"/>
+              <p:prevCondLst>
+                <p:cond evt="onPrev" delay="0">
+                  <p:tgtEl>
+                    <p:sldTgt/>
+                  </p:tgtEl>
+                </p:cond>
+              </p:prevCondLst>
+              <p:nextCondLst>
+                <p:cond evt="onNext" delay="0">
+                  <p:tgtEl>
+                    <p:sldTgt/>
+                  </p:tgtEl>
+                </p:cond>
+              </p:nextCondLst>
+            </p:seq>
+          </p:childTnLst>
+        </p:cTn>
+      </p:par>
+    </p:tnLst>
+  </p:timing>
+</p:sld>
+</file>
+
+<file path=ppt/slides/slide26.xml><?xml version="1.0" encoding="utf-8"?>
+<p:sld xmlns:a="http://schemas.openxmlformats.org/drawingml/2006/main" xmlns:r="http://schemas.openxmlformats.org/officeDocument/2006/relationships" xmlns:p="http://schemas.openxmlformats.org/presentationml/2006/main">
+  <p:cSld>
+    <p:spTree>
+      <p:nvGrpSpPr>
+        <p:cNvPr id="1" name=""/>
+        <p:cNvGrpSpPr/>
+        <p:nvPr/>
+      </p:nvGrpSpPr>
+      <p:grpSpPr>
+        <a:xfrm>
+          <a:off x="0" y="0"/>
+          <a:ext cx="0" cy="0"/>
+          <a:chOff x="0" y="0"/>
+          <a:chExt cx="0" cy="0"/>
+        </a:xfrm>
+      </p:grpSpPr>
+      <p:sp>
+        <p:nvSpPr>
+          <p:cNvPr id="23554" name="Rectangle 1"/>
+          <p:cNvSpPr>
+            <a:spLocks noGrp="1" noChangeArrowheads="1"/>
+          </p:cNvSpPr>
+          <p:nvPr>
+            <p:ph type="title"/>
+          </p:nvPr>
+        </p:nvSpPr>
+        <p:spPr>
+          <a:xfrm>
+            <a:off x="685800" y="609600"/>
+            <a:ext cx="7770813" cy="1141413"/>
+          </a:xfrm>
+        </p:spPr>
+        <p:txBody>
+          <a:bodyPr/>
+          <a:lstStyle/>
+          <a:p>
+            <a:pPr>
+              <a:tabLst>
+                <a:tab pos="0" algn="l"/>
+                <a:tab pos="457200" algn="l"/>
+                <a:tab pos="914400" algn="l"/>
+                <a:tab pos="1371600" algn="l"/>
+                <a:tab pos="1828800" algn="l"/>
+                <a:tab pos="2286000" algn="l"/>
+                <a:tab pos="2743200" algn="l"/>
+                <a:tab pos="3200400" algn="l"/>
+                <a:tab pos="3657600" algn="l"/>
+                <a:tab pos="4114800" algn="l"/>
+                <a:tab pos="4572000" algn="l"/>
+                <a:tab pos="5029200" algn="l"/>
+                <a:tab pos="5486400" algn="l"/>
+                <a:tab pos="5943600" algn="l"/>
+                <a:tab pos="6400800" algn="l"/>
+                <a:tab pos="6858000" algn="l"/>
+                <a:tab pos="7315200" algn="l"/>
+                <a:tab pos="7772400" algn="l"/>
+                <a:tab pos="8229600" algn="l"/>
+                <a:tab pos="8686800" algn="l"/>
+                <a:tab pos="9144000" algn="l"/>
+              </a:tabLst>
+            </a:pPr>
+            <a:r>
+              <a:rPr lang="en-US" altLang="en-US" smtClean="0"/>
+              <a:t>Object contain another Object</a:t>
+            </a:r>
+          </a:p>
+        </p:txBody>
+      </p:sp>
+      <p:sp>
+        <p:nvSpPr>
+          <p:cNvPr id="23555" name="Rectangle 2"/>
+          <p:cNvSpPr>
+            <a:spLocks noGrp="1" noChangeArrowheads="1"/>
+          </p:cNvSpPr>
+          <p:nvPr>
+            <p:ph idx="1"/>
+          </p:nvPr>
+        </p:nvSpPr>
+        <p:spPr>
+          <a:xfrm>
+            <a:off x="685800" y="1981200"/>
+            <a:ext cx="7770813" cy="4113213"/>
+          </a:xfrm>
+        </p:spPr>
+        <p:txBody>
+          <a:bodyPr/>
+          <a:lstStyle/>
+          <a:p>
+            <a:pPr>
+              <a:buFont typeface="Times New Roman" panose="02020603050405020304" pitchFamily="18" charset="0"/>
+              <a:buNone/>
+            </a:pPr>
+            <a:endParaRPr lang="en-US" altLang="en-US" smtClean="0"/>
+          </a:p>
+        </p:txBody>
+      </p:sp>
+      <p:pic>
+        <p:nvPicPr>
+          <p:cNvPr id="23556" name="Picture 3"/>
+          <p:cNvPicPr>
+            <a:picLocks noChangeAspect="1" noChangeArrowheads="1"/>
+          </p:cNvPicPr>
+          <p:nvPr/>
+        </p:nvPicPr>
+        <p:blipFill>
+          <a:blip r:embed="rId3">
+            <a:extLst>
+              <a:ext uri="{28A0092B-C50C-407E-A947-70E740481C1C}">
+                <a14:useLocalDpi xmlns:a14="http://schemas.microsoft.com/office/drawing/2010/main" val="0"/>
+              </a:ext>
+            </a:extLst>
+          </a:blip>
+          <a:srcRect/>
+          <a:stretch>
+            <a:fillRect/>
+          </a:stretch>
+        </p:blipFill>
+        <p:spPr bwMode="auto">
+          <a:xfrm>
+            <a:off x="1006475" y="2103438"/>
+            <a:ext cx="6858000" cy="3948112"/>
+          </a:xfrm>
+          <a:prstGeom prst="rect">
+            <a:avLst/>
+          </a:prstGeom>
+          <a:noFill/>
+          <a:ln>
+            <a:noFill/>
+          </a:ln>
+          <a:extLst>
+            <a:ext uri="{909E8E84-426E-40DD-AFC4-6F175D3DCCD1}">
+              <a14:hiddenFill xmlns:a14="http://schemas.microsoft.com/office/drawing/2010/main">
+                <a:solidFill>
+                  <a:srgbClr val="FFFFFF"/>
+                </a:solidFill>
+              </a14:hiddenFill>
+            </a:ext>
+            <a:ext uri="{91240B29-F687-4F45-9708-019B960494DF}">
+              <a14:hiddenLine xmlns:a14="http://schemas.microsoft.com/office/drawing/2010/main" w="9525">
+                <a:solidFill>
+                  <a:srgbClr val="000000"/>
+                </a:solidFill>
+                <a:round/>
+                <a:headEnd/>
+                <a:tailEnd/>
+              </a14:hiddenLine>
+            </a:ext>
+          </a:extLst>
+        </p:spPr>
+      </p:pic>
+    </p:spTree>
+  </p:cSld>
+  <p:clrMapOvr>
+    <a:masterClrMapping/>
+  </p:clrMapOvr>
+  <p:transition spd="med"/>
+  <p:timing>
+    <p:tnLst>
+      <p:par>
+        <p:cTn id="1" dur="indefinite" restart="never" nodeType="tmRoot">
+          <p:childTnLst>
+            <p:seq concurrent="1" nextAc="seek">
+              <p:cTn id="2" dur="0" nodeType="mainSeq"/>
+              <p:prevCondLst>
+                <p:cond evt="onPrev" delay="0">
+                  <p:tgtEl>
+                    <p:sldTgt/>
+                  </p:tgtEl>
+                </p:cond>
+              </p:prevCondLst>
+              <p:nextCondLst>
+                <p:cond evt="onNext" delay="0">
+                  <p:tgtEl>
+                    <p:sldTgt/>
+                  </p:tgtEl>
+                </p:cond>
+              </p:nextCondLst>
+            </p:seq>
+          </p:childTnLst>
+        </p:cTn>
+      </p:par>
+    </p:tnLst>
+  </p:timing>
+</p:sld>
+</file>
+
+<file path=ppt/slides/slide27.xml><?xml version="1.0" encoding="utf-8"?>
+<p:sld xmlns:a="http://schemas.openxmlformats.org/drawingml/2006/main" xmlns:r="http://schemas.openxmlformats.org/officeDocument/2006/relationships" xmlns:p="http://schemas.openxmlformats.org/presentationml/2006/main">
+  <p:cSld>
+    <p:spTree>
+      <p:nvGrpSpPr>
+        <p:cNvPr id="1" name=""/>
+        <p:cNvGrpSpPr/>
+        <p:nvPr/>
+      </p:nvGrpSpPr>
+      <p:grpSpPr>
+        <a:xfrm>
+          <a:off x="0" y="0"/>
+          <a:ext cx="0" cy="0"/>
+          <a:chOff x="0" y="0"/>
+          <a:chExt cx="0" cy="0"/>
+        </a:xfrm>
+      </p:grpSpPr>
+      <p:sp>
+        <p:nvSpPr>
+          <p:cNvPr id="24578" name="Rectangle 1"/>
+          <p:cNvSpPr>
+            <a:spLocks noGrp="1" noChangeArrowheads="1"/>
+          </p:cNvSpPr>
+          <p:nvPr>
+            <p:ph type="title"/>
+          </p:nvPr>
+        </p:nvSpPr>
+        <p:spPr>
+          <a:xfrm>
+            <a:off x="685800" y="461963"/>
+            <a:ext cx="7770813" cy="1435100"/>
+          </a:xfrm>
+        </p:spPr>
+        <p:txBody>
+          <a:bodyPr/>
+          <a:lstStyle/>
+          <a:p>
+            <a:pPr>
+              <a:tabLst>
+                <a:tab pos="0" algn="l"/>
+                <a:tab pos="457200" algn="l"/>
+                <a:tab pos="914400" algn="l"/>
+                <a:tab pos="1371600" algn="l"/>
+                <a:tab pos="1828800" algn="l"/>
+                <a:tab pos="2286000" algn="l"/>
+                <a:tab pos="2743200" algn="l"/>
+                <a:tab pos="3200400" algn="l"/>
+                <a:tab pos="3657600" algn="l"/>
+                <a:tab pos="4114800" algn="l"/>
+                <a:tab pos="4572000" algn="l"/>
+                <a:tab pos="5029200" algn="l"/>
+                <a:tab pos="5486400" algn="l"/>
+                <a:tab pos="5943600" algn="l"/>
+                <a:tab pos="6400800" algn="l"/>
+                <a:tab pos="6858000" algn="l"/>
+                <a:tab pos="7315200" algn="l"/>
+                <a:tab pos="7772400" algn="l"/>
+                <a:tab pos="8229600" algn="l"/>
+                <a:tab pos="8686800" algn="l"/>
+                <a:tab pos="9144000" algn="l"/>
+              </a:tabLst>
+            </a:pPr>
+            <a:r>
+              <a:rPr lang="en-US" altLang="en-US" smtClean="0"/>
+              <a:t>Forms </a:t>
+            </a:r>
+            <a:br>
+              <a:rPr lang="en-US" altLang="en-US" smtClean="0"/>
+            </a:br>
+            <a:r>
+              <a:rPr lang="en-US" altLang="en-US" smtClean="0"/>
+              <a:t>Trigger/Call Javascript</a:t>
+            </a:r>
+          </a:p>
+        </p:txBody>
+      </p:sp>
+      <p:sp>
+        <p:nvSpPr>
+          <p:cNvPr id="24579" name="Rectangle 2"/>
+          <p:cNvSpPr>
+            <a:spLocks noGrp="1" noChangeArrowheads="1"/>
+          </p:cNvSpPr>
+          <p:nvPr>
+            <p:ph idx="1"/>
+          </p:nvPr>
+        </p:nvSpPr>
+        <p:spPr>
+          <a:xfrm>
+            <a:off x="685800" y="1981200"/>
+            <a:ext cx="7770813" cy="4113213"/>
+          </a:xfrm>
+        </p:spPr>
+        <p:txBody>
+          <a:bodyPr/>
+          <a:lstStyle/>
+          <a:p>
+            <a:pPr>
+              <a:buFont typeface="Times New Roman" panose="02020603050405020304" pitchFamily="18" charset="0"/>
+              <a:buNone/>
+            </a:pPr>
+            <a:endParaRPr lang="en-US" altLang="en-US" smtClean="0"/>
+          </a:p>
+        </p:txBody>
+      </p:sp>
+      <p:pic>
+        <p:nvPicPr>
+          <p:cNvPr id="24580" name="Picture 3"/>
+          <p:cNvPicPr>
+            <a:picLocks noChangeAspect="1" noChangeArrowheads="1"/>
+          </p:cNvPicPr>
+          <p:nvPr/>
+        </p:nvPicPr>
+        <p:blipFill>
+          <a:blip r:embed="rId3">
+            <a:extLst>
+              <a:ext uri="{28A0092B-C50C-407E-A947-70E740481C1C}">
+                <a14:useLocalDpi xmlns:a14="http://schemas.microsoft.com/office/drawing/2010/main" val="0"/>
+              </a:ext>
+            </a:extLst>
+          </a:blip>
+          <a:srcRect/>
+          <a:stretch>
+            <a:fillRect/>
+          </a:stretch>
+        </p:blipFill>
+        <p:spPr bwMode="auto">
+          <a:xfrm>
+            <a:off x="1341438" y="1981200"/>
+            <a:ext cx="6340475" cy="4535488"/>
+          </a:xfrm>
+          <a:prstGeom prst="rect">
+            <a:avLst/>
+          </a:prstGeom>
+          <a:noFill/>
+          <a:ln>
+            <a:noFill/>
+          </a:ln>
+          <a:extLst>
+            <a:ext uri="{909E8E84-426E-40DD-AFC4-6F175D3DCCD1}">
+              <a14:hiddenFill xmlns:a14="http://schemas.microsoft.com/office/drawing/2010/main">
+                <a:solidFill>
+                  <a:srgbClr val="FFFFFF"/>
+                </a:solidFill>
+              </a14:hiddenFill>
+            </a:ext>
+            <a:ext uri="{91240B29-F687-4F45-9708-019B960494DF}">
+              <a14:hiddenLine xmlns:a14="http://schemas.microsoft.com/office/drawing/2010/main" w="9525">
+                <a:solidFill>
+                  <a:srgbClr val="000000"/>
+                </a:solidFill>
+                <a:round/>
+                <a:headEnd/>
+                <a:tailEnd/>
+              </a14:hiddenLine>
+            </a:ext>
+          </a:extLst>
+        </p:spPr>
+      </p:pic>
+    </p:spTree>
+  </p:cSld>
+  <p:clrMapOvr>
+    <a:masterClrMapping/>
+  </p:clrMapOvr>
+  <p:transition spd="med"/>
+  <p:timing>
+    <p:tnLst>
+      <p:par>
+        <p:cTn id="1" dur="indefinite" restart="never" nodeType="tmRoot">
+          <p:childTnLst>
+            <p:seq concurrent="1" nextAc="seek">
+              <p:cTn id="2" dur="0" nodeType="mainSeq"/>
+              <p:prevCondLst>
+                <p:cond evt="onPrev" delay="0">
+                  <p:tgtEl>
+                    <p:sldTgt/>
+                  </p:tgtEl>
+                </p:cond>
+              </p:prevCondLst>
+              <p:nextCondLst>
+                <p:cond evt="onNext" delay="0">
+                  <p:tgtEl>
+                    <p:sldTgt/>
+                  </p:tgtEl>
+                </p:cond>
+              </p:nextCondLst>
+            </p:seq>
+          </p:childTnLst>
+        </p:cTn>
+      </p:par>
+    </p:tnLst>
+  </p:timing>
+</p:sld>
+</file>
+
+<file path=ppt/slides/slide28.xml><?xml version="1.0" encoding="utf-8"?>
+<p:sld xmlns:a="http://schemas.openxmlformats.org/drawingml/2006/main" xmlns:r="http://schemas.openxmlformats.org/officeDocument/2006/relationships" xmlns:p="http://schemas.openxmlformats.org/presentationml/2006/main">
+  <p:cSld>
+    <p:spTree>
+      <p:nvGrpSpPr>
+        <p:cNvPr id="1" name=""/>
+        <p:cNvGrpSpPr/>
+        <p:nvPr/>
+      </p:nvGrpSpPr>
+      <p:grpSpPr>
+        <a:xfrm>
+          <a:off x="0" y="0"/>
+          <a:ext cx="0" cy="0"/>
+          <a:chOff x="0" y="0"/>
+          <a:chExt cx="0" cy="0"/>
+        </a:xfrm>
+      </p:grpSpPr>
+      <p:sp>
+        <p:nvSpPr>
+          <p:cNvPr id="25602" name="Text Box 1"/>
           <p:cNvSpPr txBox="1">
             <a:spLocks noChangeArrowheads="1"/>
           </p:cNvSpPr>
@@ -14209,7 +13429,7 @@
             </a:lvl9pPr>
           </a:lstStyle>
           <a:p>
-            <a:pPr algn="ctr" eaLnBrk="1" hangingPunct="1"/>
+            <a:pPr algn="ctr"/>
             <a:r>
               <a:rPr lang="en-GB" altLang="en-US" sz="4400">
                 <a:solidFill>
@@ -14217,14 +13437,1001 @@
                 </a:solidFill>
                 <a:latin typeface="Arial" panose="020B0604020202020204" pitchFamily="34" charset="0"/>
               </a:rPr>
-              <a:t>Questions/Discussion</a:t>
+              <a:t>This Week</a:t>
             </a:r>
           </a:p>
         </p:txBody>
       </p:sp>
       <p:sp>
         <p:nvSpPr>
-          <p:cNvPr id="27651" name="Text Box 2"/>
+          <p:cNvPr id="25603" name="Text Box 2"/>
+          <p:cNvSpPr txBox="1">
+            <a:spLocks noChangeArrowheads="1"/>
+          </p:cNvSpPr>
+          <p:nvPr/>
+        </p:nvSpPr>
+        <p:spPr bwMode="auto">
+          <a:xfrm>
+            <a:off x="685800" y="1752600"/>
+            <a:ext cx="7772400" cy="4343400"/>
+          </a:xfrm>
+          <a:prstGeom prst="rect">
+            <a:avLst/>
+          </a:prstGeom>
+          <a:noFill/>
+          <a:ln>
+            <a:noFill/>
+          </a:ln>
+          <a:extLst>
+            <a:ext uri="{909E8E84-426E-40DD-AFC4-6F175D3DCCD1}">
+              <a14:hiddenFill xmlns:a14="http://schemas.microsoft.com/office/drawing/2010/main">
+                <a:solidFill>
+                  <a:srgbClr val="FFFFFF"/>
+                </a:solidFill>
+              </a14:hiddenFill>
+            </a:ext>
+            <a:ext uri="{91240B29-F687-4F45-9708-019B960494DF}">
+              <a14:hiddenLine xmlns:a14="http://schemas.microsoft.com/office/drawing/2010/main" w="9525">
+                <a:solidFill>
+                  <a:srgbClr val="000000"/>
+                </a:solidFill>
+                <a:round/>
+                <a:headEnd/>
+                <a:tailEnd/>
+              </a14:hiddenLine>
+            </a:ext>
+          </a:extLst>
+        </p:spPr>
+        <p:txBody>
+          <a:bodyPr/>
+          <a:lstStyle>
+            <a:lvl1pPr marL="339725" indent="-339725">
+              <a:tabLst>
+                <a:tab pos="339725" algn="l"/>
+                <a:tab pos="796925" algn="l"/>
+                <a:tab pos="1254125" algn="l"/>
+                <a:tab pos="1711325" algn="l"/>
+                <a:tab pos="2168525" algn="l"/>
+                <a:tab pos="2625725" algn="l"/>
+                <a:tab pos="3082925" algn="l"/>
+                <a:tab pos="3540125" algn="l"/>
+                <a:tab pos="3997325" algn="l"/>
+                <a:tab pos="4454525" algn="l"/>
+                <a:tab pos="4911725" algn="l"/>
+                <a:tab pos="5368925" algn="l"/>
+                <a:tab pos="5826125" algn="l"/>
+                <a:tab pos="6283325" algn="l"/>
+                <a:tab pos="6740525" algn="l"/>
+                <a:tab pos="7197725" algn="l"/>
+                <a:tab pos="7654925" algn="l"/>
+                <a:tab pos="8112125" algn="l"/>
+                <a:tab pos="8569325" algn="l"/>
+                <a:tab pos="9026525" algn="l"/>
+                <a:tab pos="9483725" algn="l"/>
+              </a:tabLst>
+              <a:defRPr sz="2400">
+                <a:solidFill>
+                  <a:schemeClr val="tx1"/>
+                </a:solidFill>
+                <a:latin typeface="Times New Roman" panose="02020603050405020304" pitchFamily="18" charset="0"/>
+              </a:defRPr>
+            </a:lvl1pPr>
+            <a:lvl2pPr marL="739775" indent="-282575">
+              <a:tabLst>
+                <a:tab pos="339725" algn="l"/>
+                <a:tab pos="796925" algn="l"/>
+                <a:tab pos="1254125" algn="l"/>
+                <a:tab pos="1711325" algn="l"/>
+                <a:tab pos="2168525" algn="l"/>
+                <a:tab pos="2625725" algn="l"/>
+                <a:tab pos="3082925" algn="l"/>
+                <a:tab pos="3540125" algn="l"/>
+                <a:tab pos="3997325" algn="l"/>
+                <a:tab pos="4454525" algn="l"/>
+                <a:tab pos="4911725" algn="l"/>
+                <a:tab pos="5368925" algn="l"/>
+                <a:tab pos="5826125" algn="l"/>
+                <a:tab pos="6283325" algn="l"/>
+                <a:tab pos="6740525" algn="l"/>
+                <a:tab pos="7197725" algn="l"/>
+                <a:tab pos="7654925" algn="l"/>
+                <a:tab pos="8112125" algn="l"/>
+                <a:tab pos="8569325" algn="l"/>
+                <a:tab pos="9026525" algn="l"/>
+                <a:tab pos="9483725" algn="l"/>
+              </a:tabLst>
+              <a:defRPr sz="2400">
+                <a:solidFill>
+                  <a:schemeClr val="tx1"/>
+                </a:solidFill>
+                <a:latin typeface="Times New Roman" panose="02020603050405020304" pitchFamily="18" charset="0"/>
+              </a:defRPr>
+            </a:lvl2pPr>
+            <a:lvl3pPr marL="1143000" indent="-228600">
+              <a:tabLst>
+                <a:tab pos="339725" algn="l"/>
+                <a:tab pos="796925" algn="l"/>
+                <a:tab pos="1254125" algn="l"/>
+                <a:tab pos="1711325" algn="l"/>
+                <a:tab pos="2168525" algn="l"/>
+                <a:tab pos="2625725" algn="l"/>
+                <a:tab pos="3082925" algn="l"/>
+                <a:tab pos="3540125" algn="l"/>
+                <a:tab pos="3997325" algn="l"/>
+                <a:tab pos="4454525" algn="l"/>
+                <a:tab pos="4911725" algn="l"/>
+                <a:tab pos="5368925" algn="l"/>
+                <a:tab pos="5826125" algn="l"/>
+                <a:tab pos="6283325" algn="l"/>
+                <a:tab pos="6740525" algn="l"/>
+                <a:tab pos="7197725" algn="l"/>
+                <a:tab pos="7654925" algn="l"/>
+                <a:tab pos="8112125" algn="l"/>
+                <a:tab pos="8569325" algn="l"/>
+                <a:tab pos="9026525" algn="l"/>
+                <a:tab pos="9483725" algn="l"/>
+              </a:tabLst>
+              <a:defRPr sz="2400">
+                <a:solidFill>
+                  <a:schemeClr val="tx1"/>
+                </a:solidFill>
+                <a:latin typeface="Times New Roman" panose="02020603050405020304" pitchFamily="18" charset="0"/>
+              </a:defRPr>
+            </a:lvl3pPr>
+            <a:lvl4pPr marL="1600200" indent="-228600">
+              <a:tabLst>
+                <a:tab pos="339725" algn="l"/>
+                <a:tab pos="796925" algn="l"/>
+                <a:tab pos="1254125" algn="l"/>
+                <a:tab pos="1711325" algn="l"/>
+                <a:tab pos="2168525" algn="l"/>
+                <a:tab pos="2625725" algn="l"/>
+                <a:tab pos="3082925" algn="l"/>
+                <a:tab pos="3540125" algn="l"/>
+                <a:tab pos="3997325" algn="l"/>
+                <a:tab pos="4454525" algn="l"/>
+                <a:tab pos="4911725" algn="l"/>
+                <a:tab pos="5368925" algn="l"/>
+                <a:tab pos="5826125" algn="l"/>
+                <a:tab pos="6283325" algn="l"/>
+                <a:tab pos="6740525" algn="l"/>
+                <a:tab pos="7197725" algn="l"/>
+                <a:tab pos="7654925" algn="l"/>
+                <a:tab pos="8112125" algn="l"/>
+                <a:tab pos="8569325" algn="l"/>
+                <a:tab pos="9026525" algn="l"/>
+                <a:tab pos="9483725" algn="l"/>
+              </a:tabLst>
+              <a:defRPr sz="2400">
+                <a:solidFill>
+                  <a:schemeClr val="tx1"/>
+                </a:solidFill>
+                <a:latin typeface="Times New Roman" panose="02020603050405020304" pitchFamily="18" charset="0"/>
+              </a:defRPr>
+            </a:lvl4pPr>
+            <a:lvl5pPr marL="2057400" indent="-228600">
+              <a:tabLst>
+                <a:tab pos="339725" algn="l"/>
+                <a:tab pos="796925" algn="l"/>
+                <a:tab pos="1254125" algn="l"/>
+                <a:tab pos="1711325" algn="l"/>
+                <a:tab pos="2168525" algn="l"/>
+                <a:tab pos="2625725" algn="l"/>
+                <a:tab pos="3082925" algn="l"/>
+                <a:tab pos="3540125" algn="l"/>
+                <a:tab pos="3997325" algn="l"/>
+                <a:tab pos="4454525" algn="l"/>
+                <a:tab pos="4911725" algn="l"/>
+                <a:tab pos="5368925" algn="l"/>
+                <a:tab pos="5826125" algn="l"/>
+                <a:tab pos="6283325" algn="l"/>
+                <a:tab pos="6740525" algn="l"/>
+                <a:tab pos="7197725" algn="l"/>
+                <a:tab pos="7654925" algn="l"/>
+                <a:tab pos="8112125" algn="l"/>
+                <a:tab pos="8569325" algn="l"/>
+                <a:tab pos="9026525" algn="l"/>
+                <a:tab pos="9483725" algn="l"/>
+              </a:tabLst>
+              <a:defRPr sz="2400">
+                <a:solidFill>
+                  <a:schemeClr val="tx1"/>
+                </a:solidFill>
+                <a:latin typeface="Times New Roman" panose="02020603050405020304" pitchFamily="18" charset="0"/>
+              </a:defRPr>
+            </a:lvl5pPr>
+            <a:lvl6pPr marL="2514600" indent="-228600" eaLnBrk="0" fontAlgn="base" hangingPunct="0">
+              <a:spcBef>
+                <a:spcPct val="0"/>
+              </a:spcBef>
+              <a:spcAft>
+                <a:spcPct val="0"/>
+              </a:spcAft>
+              <a:tabLst>
+                <a:tab pos="339725" algn="l"/>
+                <a:tab pos="796925" algn="l"/>
+                <a:tab pos="1254125" algn="l"/>
+                <a:tab pos="1711325" algn="l"/>
+                <a:tab pos="2168525" algn="l"/>
+                <a:tab pos="2625725" algn="l"/>
+                <a:tab pos="3082925" algn="l"/>
+                <a:tab pos="3540125" algn="l"/>
+                <a:tab pos="3997325" algn="l"/>
+                <a:tab pos="4454525" algn="l"/>
+                <a:tab pos="4911725" algn="l"/>
+                <a:tab pos="5368925" algn="l"/>
+                <a:tab pos="5826125" algn="l"/>
+                <a:tab pos="6283325" algn="l"/>
+                <a:tab pos="6740525" algn="l"/>
+                <a:tab pos="7197725" algn="l"/>
+                <a:tab pos="7654925" algn="l"/>
+                <a:tab pos="8112125" algn="l"/>
+                <a:tab pos="8569325" algn="l"/>
+                <a:tab pos="9026525" algn="l"/>
+                <a:tab pos="9483725" algn="l"/>
+              </a:tabLst>
+              <a:defRPr sz="2400">
+                <a:solidFill>
+                  <a:schemeClr val="tx1"/>
+                </a:solidFill>
+                <a:latin typeface="Times New Roman" panose="02020603050405020304" pitchFamily="18" charset="0"/>
+              </a:defRPr>
+            </a:lvl6pPr>
+            <a:lvl7pPr marL="2971800" indent="-228600" eaLnBrk="0" fontAlgn="base" hangingPunct="0">
+              <a:spcBef>
+                <a:spcPct val="0"/>
+              </a:spcBef>
+              <a:spcAft>
+                <a:spcPct val="0"/>
+              </a:spcAft>
+              <a:tabLst>
+                <a:tab pos="339725" algn="l"/>
+                <a:tab pos="796925" algn="l"/>
+                <a:tab pos="1254125" algn="l"/>
+                <a:tab pos="1711325" algn="l"/>
+                <a:tab pos="2168525" algn="l"/>
+                <a:tab pos="2625725" algn="l"/>
+                <a:tab pos="3082925" algn="l"/>
+                <a:tab pos="3540125" algn="l"/>
+                <a:tab pos="3997325" algn="l"/>
+                <a:tab pos="4454525" algn="l"/>
+                <a:tab pos="4911725" algn="l"/>
+                <a:tab pos="5368925" algn="l"/>
+                <a:tab pos="5826125" algn="l"/>
+                <a:tab pos="6283325" algn="l"/>
+                <a:tab pos="6740525" algn="l"/>
+                <a:tab pos="7197725" algn="l"/>
+                <a:tab pos="7654925" algn="l"/>
+                <a:tab pos="8112125" algn="l"/>
+                <a:tab pos="8569325" algn="l"/>
+                <a:tab pos="9026525" algn="l"/>
+                <a:tab pos="9483725" algn="l"/>
+              </a:tabLst>
+              <a:defRPr sz="2400">
+                <a:solidFill>
+                  <a:schemeClr val="tx1"/>
+                </a:solidFill>
+                <a:latin typeface="Times New Roman" panose="02020603050405020304" pitchFamily="18" charset="0"/>
+              </a:defRPr>
+            </a:lvl7pPr>
+            <a:lvl8pPr marL="3429000" indent="-228600" eaLnBrk="0" fontAlgn="base" hangingPunct="0">
+              <a:spcBef>
+                <a:spcPct val="0"/>
+              </a:spcBef>
+              <a:spcAft>
+                <a:spcPct val="0"/>
+              </a:spcAft>
+              <a:tabLst>
+                <a:tab pos="339725" algn="l"/>
+                <a:tab pos="796925" algn="l"/>
+                <a:tab pos="1254125" algn="l"/>
+                <a:tab pos="1711325" algn="l"/>
+                <a:tab pos="2168525" algn="l"/>
+                <a:tab pos="2625725" algn="l"/>
+                <a:tab pos="3082925" algn="l"/>
+                <a:tab pos="3540125" algn="l"/>
+                <a:tab pos="3997325" algn="l"/>
+                <a:tab pos="4454525" algn="l"/>
+                <a:tab pos="4911725" algn="l"/>
+                <a:tab pos="5368925" algn="l"/>
+                <a:tab pos="5826125" algn="l"/>
+                <a:tab pos="6283325" algn="l"/>
+                <a:tab pos="6740525" algn="l"/>
+                <a:tab pos="7197725" algn="l"/>
+                <a:tab pos="7654925" algn="l"/>
+                <a:tab pos="8112125" algn="l"/>
+                <a:tab pos="8569325" algn="l"/>
+                <a:tab pos="9026525" algn="l"/>
+                <a:tab pos="9483725" algn="l"/>
+              </a:tabLst>
+              <a:defRPr sz="2400">
+                <a:solidFill>
+                  <a:schemeClr val="tx1"/>
+                </a:solidFill>
+                <a:latin typeface="Times New Roman" panose="02020603050405020304" pitchFamily="18" charset="0"/>
+              </a:defRPr>
+            </a:lvl8pPr>
+            <a:lvl9pPr marL="3886200" indent="-228600" eaLnBrk="0" fontAlgn="base" hangingPunct="0">
+              <a:spcBef>
+                <a:spcPct val="0"/>
+              </a:spcBef>
+              <a:spcAft>
+                <a:spcPct val="0"/>
+              </a:spcAft>
+              <a:tabLst>
+                <a:tab pos="339725" algn="l"/>
+                <a:tab pos="796925" algn="l"/>
+                <a:tab pos="1254125" algn="l"/>
+                <a:tab pos="1711325" algn="l"/>
+                <a:tab pos="2168525" algn="l"/>
+                <a:tab pos="2625725" algn="l"/>
+                <a:tab pos="3082925" algn="l"/>
+                <a:tab pos="3540125" algn="l"/>
+                <a:tab pos="3997325" algn="l"/>
+                <a:tab pos="4454525" algn="l"/>
+                <a:tab pos="4911725" algn="l"/>
+                <a:tab pos="5368925" algn="l"/>
+                <a:tab pos="5826125" algn="l"/>
+                <a:tab pos="6283325" algn="l"/>
+                <a:tab pos="6740525" algn="l"/>
+                <a:tab pos="7197725" algn="l"/>
+                <a:tab pos="7654925" algn="l"/>
+                <a:tab pos="8112125" algn="l"/>
+                <a:tab pos="8569325" algn="l"/>
+                <a:tab pos="9026525" algn="l"/>
+                <a:tab pos="9483725" algn="l"/>
+              </a:tabLst>
+              <a:defRPr sz="2400">
+                <a:solidFill>
+                  <a:schemeClr val="tx1"/>
+                </a:solidFill>
+                <a:latin typeface="Times New Roman" panose="02020603050405020304" pitchFamily="18" charset="0"/>
+              </a:defRPr>
+            </a:lvl9pPr>
+          </a:lstStyle>
+          <a:p>
+            <a:pPr>
+              <a:lnSpc>
+                <a:spcPct val="80000"/>
+              </a:lnSpc>
+              <a:spcBef>
+                <a:spcPts val="750"/>
+              </a:spcBef>
+              <a:buSzPct val="107000"/>
+              <a:buFont typeface="Times New Roman" panose="02020603050405020304" pitchFamily="18" charset="0"/>
+              <a:buBlip>
+                <a:blip r:embed="rId3"/>
+              </a:buBlip>
+            </a:pPr>
+            <a:r>
+              <a:rPr lang="en-GB" altLang="en-US" sz="3000" dirty="0">
+                <a:solidFill>
+                  <a:srgbClr val="000000"/>
+                </a:solidFill>
+                <a:latin typeface="Arial" panose="020B0604020202020204" pitchFamily="34" charset="0"/>
+              </a:rPr>
+              <a:t>Review Slides</a:t>
+            </a:r>
+          </a:p>
+          <a:p>
+            <a:pPr>
+              <a:lnSpc>
+                <a:spcPct val="80000"/>
+              </a:lnSpc>
+              <a:spcBef>
+                <a:spcPts val="750"/>
+              </a:spcBef>
+              <a:buSzPct val="107000"/>
+              <a:buFont typeface="Times New Roman" panose="02020603050405020304" pitchFamily="18" charset="0"/>
+              <a:buBlip>
+                <a:blip r:embed="rId3"/>
+              </a:buBlip>
+            </a:pPr>
+            <a:r>
+              <a:rPr lang="en-GB" altLang="en-US" sz="3000" dirty="0">
+                <a:solidFill>
+                  <a:srgbClr val="000000"/>
+                </a:solidFill>
+                <a:latin typeface="Arial" panose="020B0604020202020204" pitchFamily="34" charset="0"/>
+              </a:rPr>
+              <a:t>Read Associated Chapters</a:t>
+            </a:r>
+          </a:p>
+          <a:p>
+            <a:pPr>
+              <a:lnSpc>
+                <a:spcPct val="80000"/>
+              </a:lnSpc>
+              <a:spcBef>
+                <a:spcPts val="750"/>
+              </a:spcBef>
+              <a:buSzPct val="107000"/>
+              <a:buFont typeface="Times New Roman" panose="02020603050405020304" pitchFamily="18" charset="0"/>
+              <a:buBlip>
+                <a:blip r:embed="rId3"/>
+              </a:buBlip>
+            </a:pPr>
+            <a:r>
+              <a:rPr lang="en-GB" altLang="en-US" sz="3000" dirty="0">
+                <a:solidFill>
+                  <a:srgbClr val="000000"/>
+                </a:solidFill>
+                <a:latin typeface="Arial" panose="020B0604020202020204" pitchFamily="34" charset="0"/>
+              </a:rPr>
+              <a:t>Work through </a:t>
+            </a:r>
+            <a:r>
+              <a:rPr lang="en-GB" altLang="en-US" sz="3000" dirty="0" err="1">
+                <a:solidFill>
+                  <a:srgbClr val="000000"/>
+                </a:solidFill>
+                <a:latin typeface="Arial" panose="020B0604020202020204" pitchFamily="34" charset="0"/>
+              </a:rPr>
+              <a:t>Javascript</a:t>
+            </a:r>
+            <a:r>
+              <a:rPr lang="en-GB" altLang="en-US" sz="3000" dirty="0">
+                <a:solidFill>
+                  <a:srgbClr val="000000"/>
+                </a:solidFill>
+                <a:latin typeface="Arial" panose="020B0604020202020204" pitchFamily="34" charset="0"/>
+              </a:rPr>
+              <a:t> Examples</a:t>
+            </a:r>
+          </a:p>
+          <a:p>
+            <a:pPr lvl="1">
+              <a:lnSpc>
+                <a:spcPct val="80000"/>
+              </a:lnSpc>
+              <a:spcBef>
+                <a:spcPts val="650"/>
+              </a:spcBef>
+              <a:buFont typeface="Wingdings 3" panose="05040102010807070707" pitchFamily="18" charset="2"/>
+              <a:buChar char=""/>
+            </a:pPr>
+            <a:r>
+              <a:rPr lang="en-GB" altLang="en-US" sz="2600" dirty="0">
+                <a:solidFill>
+                  <a:srgbClr val="000000"/>
+                </a:solidFill>
+                <a:latin typeface="Arial" panose="020B0604020202020204" pitchFamily="34" charset="0"/>
+              </a:rPr>
+              <a:t>Update GitHub Account/Webpage</a:t>
+            </a:r>
+          </a:p>
+          <a:p>
+            <a:pPr>
+              <a:lnSpc>
+                <a:spcPct val="80000"/>
+              </a:lnSpc>
+              <a:spcBef>
+                <a:spcPts val="750"/>
+              </a:spcBef>
+              <a:buSzPct val="107000"/>
+              <a:buFont typeface="Arial" panose="020B0604020202020204" pitchFamily="34" charset="0"/>
+              <a:buBlip>
+                <a:blip r:embed="rId3"/>
+              </a:buBlip>
+            </a:pPr>
+            <a:r>
+              <a:rPr lang="en-GB" altLang="en-US" sz="3000" b="1" u="sng" dirty="0" smtClean="0">
+                <a:solidFill>
+                  <a:srgbClr val="000000"/>
+                </a:solidFill>
+                <a:latin typeface="Arial" panose="020B0604020202020204" pitchFamily="34" charset="0"/>
+              </a:rPr>
+              <a:t>Group Project (Christmas Theme)</a:t>
+            </a:r>
+          </a:p>
+          <a:p>
+            <a:pPr>
+              <a:lnSpc>
+                <a:spcPct val="80000"/>
+              </a:lnSpc>
+              <a:spcBef>
+                <a:spcPts val="750"/>
+              </a:spcBef>
+              <a:buSzPct val="107000"/>
+              <a:buFont typeface="Arial" panose="020B0604020202020204" pitchFamily="34" charset="0"/>
+              <a:buBlip>
+                <a:blip r:embed="rId3"/>
+              </a:buBlip>
+            </a:pPr>
+            <a:r>
+              <a:rPr lang="en-GB" altLang="en-US" sz="3000" b="1" u="sng" dirty="0" smtClean="0">
+                <a:solidFill>
+                  <a:srgbClr val="000000"/>
+                </a:solidFill>
+                <a:latin typeface="Arial" panose="020B0604020202020204" pitchFamily="34" charset="0"/>
+              </a:rPr>
+              <a:t>Website &amp; </a:t>
+            </a:r>
+            <a:r>
+              <a:rPr lang="en-GB" altLang="en-US" sz="3000" b="1" u="sng" dirty="0" err="1" smtClean="0">
+                <a:solidFill>
+                  <a:srgbClr val="000000"/>
+                </a:solidFill>
+                <a:latin typeface="Arial" panose="020B0604020202020204" pitchFamily="34" charset="0"/>
+              </a:rPr>
+              <a:t>Javascript</a:t>
+            </a:r>
+            <a:r>
+              <a:rPr lang="en-GB" altLang="en-US" sz="3000" b="1" u="sng" dirty="0" smtClean="0">
+                <a:solidFill>
+                  <a:srgbClr val="000000"/>
+                </a:solidFill>
+                <a:latin typeface="Arial" panose="020B0604020202020204" pitchFamily="34" charset="0"/>
+              </a:rPr>
+              <a:t> Game</a:t>
+            </a:r>
+          </a:p>
+          <a:p>
+            <a:pPr marL="457200" lvl="1" indent="0">
+              <a:lnSpc>
+                <a:spcPct val="80000"/>
+              </a:lnSpc>
+              <a:spcBef>
+                <a:spcPts val="750"/>
+              </a:spcBef>
+              <a:buSzPct val="107000"/>
+            </a:pPr>
+            <a:endParaRPr lang="en-GB" altLang="en-US" sz="3000" b="1" u="sng" dirty="0" smtClean="0">
+              <a:solidFill>
+                <a:srgbClr val="000000"/>
+              </a:solidFill>
+              <a:latin typeface="Arial" panose="020B0604020202020204" pitchFamily="34" charset="0"/>
+            </a:endParaRPr>
+          </a:p>
+          <a:p>
+            <a:pPr>
+              <a:lnSpc>
+                <a:spcPct val="80000"/>
+              </a:lnSpc>
+              <a:spcBef>
+                <a:spcPts val="750"/>
+              </a:spcBef>
+              <a:buSzPct val="107000"/>
+              <a:buFont typeface="Arial" panose="020B0604020202020204" pitchFamily="34" charset="0"/>
+              <a:buBlip>
+                <a:blip r:embed="rId3"/>
+              </a:buBlip>
+            </a:pPr>
+            <a:r>
+              <a:rPr lang="en-GB" altLang="en-US" sz="3000" b="1" u="sng" dirty="0" smtClean="0">
+                <a:solidFill>
+                  <a:srgbClr val="000000"/>
+                </a:solidFill>
+                <a:latin typeface="Arial" panose="020B0604020202020204" pitchFamily="34" charset="0"/>
+              </a:rPr>
+              <a:t>Demonstrate Individual Projects</a:t>
+            </a:r>
+            <a:endParaRPr lang="en-GB" altLang="en-US" sz="3000" b="1" u="sng" dirty="0">
+              <a:solidFill>
+                <a:srgbClr val="000000"/>
+              </a:solidFill>
+              <a:latin typeface="Arial" panose="020B0604020202020204" pitchFamily="34" charset="0"/>
+            </a:endParaRPr>
+          </a:p>
+        </p:txBody>
+      </p:sp>
+    </p:spTree>
+  </p:cSld>
+  <p:clrMapOvr>
+    <a:masterClrMapping/>
+  </p:clrMapOvr>
+  <p:transition spd="med"/>
+  <p:timing>
+    <p:tnLst>
+      <p:par>
+        <p:cTn id="1" dur="indefinite" restart="never" nodeType="tmRoot">
+          <p:childTnLst>
+            <p:seq concurrent="1" nextAc="seek">
+              <p:cTn id="2" dur="indefinite" nodeType="mainSeq"/>
+              <p:prevCondLst>
+                <p:cond evt="onPrev" delay="0">
+                  <p:tgtEl>
+                    <p:sldTgt/>
+                  </p:tgtEl>
+                </p:cond>
+              </p:prevCondLst>
+              <p:nextCondLst>
+                <p:cond evt="onNext" delay="0">
+                  <p:tgtEl>
+                    <p:sldTgt/>
+                  </p:tgtEl>
+                </p:cond>
+              </p:nextCondLst>
+            </p:seq>
+          </p:childTnLst>
+        </p:cTn>
+      </p:par>
+    </p:tnLst>
+  </p:timing>
+</p:sld>
+</file>
+
+<file path=ppt/slides/slide29.xml><?xml version="1.0" encoding="utf-8"?>
+<p:sld xmlns:a="http://schemas.openxmlformats.org/drawingml/2006/main" xmlns:r="http://schemas.openxmlformats.org/officeDocument/2006/relationships" xmlns:p="http://schemas.openxmlformats.org/presentationml/2006/main">
+  <p:cSld>
+    <p:spTree>
+      <p:nvGrpSpPr>
+        <p:cNvPr id="1" name=""/>
+        <p:cNvGrpSpPr/>
+        <p:nvPr/>
+      </p:nvGrpSpPr>
+      <p:grpSpPr>
+        <a:xfrm>
+          <a:off x="0" y="0"/>
+          <a:ext cx="0" cy="0"/>
+          <a:chOff x="0" y="0"/>
+          <a:chExt cx="0" cy="0"/>
+        </a:xfrm>
+      </p:grpSpPr>
+      <p:sp>
+        <p:nvSpPr>
+          <p:cNvPr id="26626" name="Text Box 1"/>
+          <p:cNvSpPr txBox="1">
+            <a:spLocks noChangeArrowheads="1"/>
+          </p:cNvSpPr>
+          <p:nvPr/>
+        </p:nvSpPr>
+        <p:spPr bwMode="auto">
+          <a:xfrm>
+            <a:off x="685800" y="609600"/>
+            <a:ext cx="7772400" cy="1143000"/>
+          </a:xfrm>
+          <a:prstGeom prst="rect">
+            <a:avLst/>
+          </a:prstGeom>
+          <a:noFill/>
+          <a:ln>
+            <a:noFill/>
+          </a:ln>
+          <a:extLst>
+            <a:ext uri="{909E8E84-426E-40DD-AFC4-6F175D3DCCD1}">
+              <a14:hiddenFill xmlns:a14="http://schemas.microsoft.com/office/drawing/2010/main">
+                <a:solidFill>
+                  <a:srgbClr val="FFFFFF"/>
+                </a:solidFill>
+              </a14:hiddenFill>
+            </a:ext>
+            <a:ext uri="{91240B29-F687-4F45-9708-019B960494DF}">
+              <a14:hiddenLine xmlns:a14="http://schemas.microsoft.com/office/drawing/2010/main" w="9525">
+                <a:solidFill>
+                  <a:srgbClr val="000000"/>
+                </a:solidFill>
+                <a:round/>
+                <a:headEnd/>
+                <a:tailEnd/>
+              </a14:hiddenLine>
+            </a:ext>
+          </a:extLst>
+        </p:spPr>
+        <p:txBody>
+          <a:bodyPr anchor="ctr"/>
+          <a:lstStyle>
+            <a:lvl1pPr>
+              <a:tabLst>
+                <a:tab pos="0" algn="l"/>
+                <a:tab pos="457200" algn="l"/>
+                <a:tab pos="914400" algn="l"/>
+                <a:tab pos="1371600" algn="l"/>
+                <a:tab pos="1828800" algn="l"/>
+                <a:tab pos="2286000" algn="l"/>
+                <a:tab pos="2743200" algn="l"/>
+                <a:tab pos="3200400" algn="l"/>
+                <a:tab pos="3657600" algn="l"/>
+                <a:tab pos="4114800" algn="l"/>
+                <a:tab pos="4572000" algn="l"/>
+                <a:tab pos="5029200" algn="l"/>
+                <a:tab pos="5486400" algn="l"/>
+                <a:tab pos="5943600" algn="l"/>
+                <a:tab pos="6400800" algn="l"/>
+                <a:tab pos="6858000" algn="l"/>
+                <a:tab pos="7315200" algn="l"/>
+                <a:tab pos="7772400" algn="l"/>
+                <a:tab pos="8229600" algn="l"/>
+                <a:tab pos="8686800" algn="l"/>
+                <a:tab pos="9144000" algn="l"/>
+              </a:tabLst>
+              <a:defRPr sz="2400">
+                <a:solidFill>
+                  <a:schemeClr val="tx1"/>
+                </a:solidFill>
+                <a:latin typeface="Times New Roman" panose="02020603050405020304" pitchFamily="18" charset="0"/>
+              </a:defRPr>
+            </a:lvl1pPr>
+            <a:lvl2pPr marL="742950" indent="-285750">
+              <a:tabLst>
+                <a:tab pos="0" algn="l"/>
+                <a:tab pos="457200" algn="l"/>
+                <a:tab pos="914400" algn="l"/>
+                <a:tab pos="1371600" algn="l"/>
+                <a:tab pos="1828800" algn="l"/>
+                <a:tab pos="2286000" algn="l"/>
+                <a:tab pos="2743200" algn="l"/>
+                <a:tab pos="3200400" algn="l"/>
+                <a:tab pos="3657600" algn="l"/>
+                <a:tab pos="4114800" algn="l"/>
+                <a:tab pos="4572000" algn="l"/>
+                <a:tab pos="5029200" algn="l"/>
+                <a:tab pos="5486400" algn="l"/>
+                <a:tab pos="5943600" algn="l"/>
+                <a:tab pos="6400800" algn="l"/>
+                <a:tab pos="6858000" algn="l"/>
+                <a:tab pos="7315200" algn="l"/>
+                <a:tab pos="7772400" algn="l"/>
+                <a:tab pos="8229600" algn="l"/>
+                <a:tab pos="8686800" algn="l"/>
+                <a:tab pos="9144000" algn="l"/>
+              </a:tabLst>
+              <a:defRPr sz="2400">
+                <a:solidFill>
+                  <a:schemeClr val="tx1"/>
+                </a:solidFill>
+                <a:latin typeface="Times New Roman" panose="02020603050405020304" pitchFamily="18" charset="0"/>
+              </a:defRPr>
+            </a:lvl2pPr>
+            <a:lvl3pPr marL="1143000" indent="-228600">
+              <a:tabLst>
+                <a:tab pos="0" algn="l"/>
+                <a:tab pos="457200" algn="l"/>
+                <a:tab pos="914400" algn="l"/>
+                <a:tab pos="1371600" algn="l"/>
+                <a:tab pos="1828800" algn="l"/>
+                <a:tab pos="2286000" algn="l"/>
+                <a:tab pos="2743200" algn="l"/>
+                <a:tab pos="3200400" algn="l"/>
+                <a:tab pos="3657600" algn="l"/>
+                <a:tab pos="4114800" algn="l"/>
+                <a:tab pos="4572000" algn="l"/>
+                <a:tab pos="5029200" algn="l"/>
+                <a:tab pos="5486400" algn="l"/>
+                <a:tab pos="5943600" algn="l"/>
+                <a:tab pos="6400800" algn="l"/>
+                <a:tab pos="6858000" algn="l"/>
+                <a:tab pos="7315200" algn="l"/>
+                <a:tab pos="7772400" algn="l"/>
+                <a:tab pos="8229600" algn="l"/>
+                <a:tab pos="8686800" algn="l"/>
+                <a:tab pos="9144000" algn="l"/>
+              </a:tabLst>
+              <a:defRPr sz="2400">
+                <a:solidFill>
+                  <a:schemeClr val="tx1"/>
+                </a:solidFill>
+                <a:latin typeface="Times New Roman" panose="02020603050405020304" pitchFamily="18" charset="0"/>
+              </a:defRPr>
+            </a:lvl3pPr>
+            <a:lvl4pPr marL="1600200" indent="-228600">
+              <a:tabLst>
+                <a:tab pos="0" algn="l"/>
+                <a:tab pos="457200" algn="l"/>
+                <a:tab pos="914400" algn="l"/>
+                <a:tab pos="1371600" algn="l"/>
+                <a:tab pos="1828800" algn="l"/>
+                <a:tab pos="2286000" algn="l"/>
+                <a:tab pos="2743200" algn="l"/>
+                <a:tab pos="3200400" algn="l"/>
+                <a:tab pos="3657600" algn="l"/>
+                <a:tab pos="4114800" algn="l"/>
+                <a:tab pos="4572000" algn="l"/>
+                <a:tab pos="5029200" algn="l"/>
+                <a:tab pos="5486400" algn="l"/>
+                <a:tab pos="5943600" algn="l"/>
+                <a:tab pos="6400800" algn="l"/>
+                <a:tab pos="6858000" algn="l"/>
+                <a:tab pos="7315200" algn="l"/>
+                <a:tab pos="7772400" algn="l"/>
+                <a:tab pos="8229600" algn="l"/>
+                <a:tab pos="8686800" algn="l"/>
+                <a:tab pos="9144000" algn="l"/>
+              </a:tabLst>
+              <a:defRPr sz="2400">
+                <a:solidFill>
+                  <a:schemeClr val="tx1"/>
+                </a:solidFill>
+                <a:latin typeface="Times New Roman" panose="02020603050405020304" pitchFamily="18" charset="0"/>
+              </a:defRPr>
+            </a:lvl4pPr>
+            <a:lvl5pPr marL="2057400" indent="-228600">
+              <a:tabLst>
+                <a:tab pos="0" algn="l"/>
+                <a:tab pos="457200" algn="l"/>
+                <a:tab pos="914400" algn="l"/>
+                <a:tab pos="1371600" algn="l"/>
+                <a:tab pos="1828800" algn="l"/>
+                <a:tab pos="2286000" algn="l"/>
+                <a:tab pos="2743200" algn="l"/>
+                <a:tab pos="3200400" algn="l"/>
+                <a:tab pos="3657600" algn="l"/>
+                <a:tab pos="4114800" algn="l"/>
+                <a:tab pos="4572000" algn="l"/>
+                <a:tab pos="5029200" algn="l"/>
+                <a:tab pos="5486400" algn="l"/>
+                <a:tab pos="5943600" algn="l"/>
+                <a:tab pos="6400800" algn="l"/>
+                <a:tab pos="6858000" algn="l"/>
+                <a:tab pos="7315200" algn="l"/>
+                <a:tab pos="7772400" algn="l"/>
+                <a:tab pos="8229600" algn="l"/>
+                <a:tab pos="8686800" algn="l"/>
+                <a:tab pos="9144000" algn="l"/>
+              </a:tabLst>
+              <a:defRPr sz="2400">
+                <a:solidFill>
+                  <a:schemeClr val="tx1"/>
+                </a:solidFill>
+                <a:latin typeface="Times New Roman" panose="02020603050405020304" pitchFamily="18" charset="0"/>
+              </a:defRPr>
+            </a:lvl5pPr>
+            <a:lvl6pPr marL="2514600" indent="-228600" eaLnBrk="0" fontAlgn="base" hangingPunct="0">
+              <a:spcBef>
+                <a:spcPct val="0"/>
+              </a:spcBef>
+              <a:spcAft>
+                <a:spcPct val="0"/>
+              </a:spcAft>
+              <a:tabLst>
+                <a:tab pos="0" algn="l"/>
+                <a:tab pos="457200" algn="l"/>
+                <a:tab pos="914400" algn="l"/>
+                <a:tab pos="1371600" algn="l"/>
+                <a:tab pos="1828800" algn="l"/>
+                <a:tab pos="2286000" algn="l"/>
+                <a:tab pos="2743200" algn="l"/>
+                <a:tab pos="3200400" algn="l"/>
+                <a:tab pos="3657600" algn="l"/>
+                <a:tab pos="4114800" algn="l"/>
+                <a:tab pos="4572000" algn="l"/>
+                <a:tab pos="5029200" algn="l"/>
+                <a:tab pos="5486400" algn="l"/>
+                <a:tab pos="5943600" algn="l"/>
+                <a:tab pos="6400800" algn="l"/>
+                <a:tab pos="6858000" algn="l"/>
+                <a:tab pos="7315200" algn="l"/>
+                <a:tab pos="7772400" algn="l"/>
+                <a:tab pos="8229600" algn="l"/>
+                <a:tab pos="8686800" algn="l"/>
+                <a:tab pos="9144000" algn="l"/>
+              </a:tabLst>
+              <a:defRPr sz="2400">
+                <a:solidFill>
+                  <a:schemeClr val="tx1"/>
+                </a:solidFill>
+                <a:latin typeface="Times New Roman" panose="02020603050405020304" pitchFamily="18" charset="0"/>
+              </a:defRPr>
+            </a:lvl6pPr>
+            <a:lvl7pPr marL="2971800" indent="-228600" eaLnBrk="0" fontAlgn="base" hangingPunct="0">
+              <a:spcBef>
+                <a:spcPct val="0"/>
+              </a:spcBef>
+              <a:spcAft>
+                <a:spcPct val="0"/>
+              </a:spcAft>
+              <a:tabLst>
+                <a:tab pos="0" algn="l"/>
+                <a:tab pos="457200" algn="l"/>
+                <a:tab pos="914400" algn="l"/>
+                <a:tab pos="1371600" algn="l"/>
+                <a:tab pos="1828800" algn="l"/>
+                <a:tab pos="2286000" algn="l"/>
+                <a:tab pos="2743200" algn="l"/>
+                <a:tab pos="3200400" algn="l"/>
+                <a:tab pos="3657600" algn="l"/>
+                <a:tab pos="4114800" algn="l"/>
+                <a:tab pos="4572000" algn="l"/>
+                <a:tab pos="5029200" algn="l"/>
+                <a:tab pos="5486400" algn="l"/>
+                <a:tab pos="5943600" algn="l"/>
+                <a:tab pos="6400800" algn="l"/>
+                <a:tab pos="6858000" algn="l"/>
+                <a:tab pos="7315200" algn="l"/>
+                <a:tab pos="7772400" algn="l"/>
+                <a:tab pos="8229600" algn="l"/>
+                <a:tab pos="8686800" algn="l"/>
+                <a:tab pos="9144000" algn="l"/>
+              </a:tabLst>
+              <a:defRPr sz="2400">
+                <a:solidFill>
+                  <a:schemeClr val="tx1"/>
+                </a:solidFill>
+                <a:latin typeface="Times New Roman" panose="02020603050405020304" pitchFamily="18" charset="0"/>
+              </a:defRPr>
+            </a:lvl7pPr>
+            <a:lvl8pPr marL="3429000" indent="-228600" eaLnBrk="0" fontAlgn="base" hangingPunct="0">
+              <a:spcBef>
+                <a:spcPct val="0"/>
+              </a:spcBef>
+              <a:spcAft>
+                <a:spcPct val="0"/>
+              </a:spcAft>
+              <a:tabLst>
+                <a:tab pos="0" algn="l"/>
+                <a:tab pos="457200" algn="l"/>
+                <a:tab pos="914400" algn="l"/>
+                <a:tab pos="1371600" algn="l"/>
+                <a:tab pos="1828800" algn="l"/>
+                <a:tab pos="2286000" algn="l"/>
+                <a:tab pos="2743200" algn="l"/>
+                <a:tab pos="3200400" algn="l"/>
+                <a:tab pos="3657600" algn="l"/>
+                <a:tab pos="4114800" algn="l"/>
+                <a:tab pos="4572000" algn="l"/>
+                <a:tab pos="5029200" algn="l"/>
+                <a:tab pos="5486400" algn="l"/>
+                <a:tab pos="5943600" algn="l"/>
+                <a:tab pos="6400800" algn="l"/>
+                <a:tab pos="6858000" algn="l"/>
+                <a:tab pos="7315200" algn="l"/>
+                <a:tab pos="7772400" algn="l"/>
+                <a:tab pos="8229600" algn="l"/>
+                <a:tab pos="8686800" algn="l"/>
+                <a:tab pos="9144000" algn="l"/>
+              </a:tabLst>
+              <a:defRPr sz="2400">
+                <a:solidFill>
+                  <a:schemeClr val="tx1"/>
+                </a:solidFill>
+                <a:latin typeface="Times New Roman" panose="02020603050405020304" pitchFamily="18" charset="0"/>
+              </a:defRPr>
+            </a:lvl8pPr>
+            <a:lvl9pPr marL="3886200" indent="-228600" eaLnBrk="0" fontAlgn="base" hangingPunct="0">
+              <a:spcBef>
+                <a:spcPct val="0"/>
+              </a:spcBef>
+              <a:spcAft>
+                <a:spcPct val="0"/>
+              </a:spcAft>
+              <a:tabLst>
+                <a:tab pos="0" algn="l"/>
+                <a:tab pos="457200" algn="l"/>
+                <a:tab pos="914400" algn="l"/>
+                <a:tab pos="1371600" algn="l"/>
+                <a:tab pos="1828800" algn="l"/>
+                <a:tab pos="2286000" algn="l"/>
+                <a:tab pos="2743200" algn="l"/>
+                <a:tab pos="3200400" algn="l"/>
+                <a:tab pos="3657600" algn="l"/>
+                <a:tab pos="4114800" algn="l"/>
+                <a:tab pos="4572000" algn="l"/>
+                <a:tab pos="5029200" algn="l"/>
+                <a:tab pos="5486400" algn="l"/>
+                <a:tab pos="5943600" algn="l"/>
+                <a:tab pos="6400800" algn="l"/>
+                <a:tab pos="6858000" algn="l"/>
+                <a:tab pos="7315200" algn="l"/>
+                <a:tab pos="7772400" algn="l"/>
+                <a:tab pos="8229600" algn="l"/>
+                <a:tab pos="8686800" algn="l"/>
+                <a:tab pos="9144000" algn="l"/>
+              </a:tabLst>
+              <a:defRPr sz="2400">
+                <a:solidFill>
+                  <a:schemeClr val="tx1"/>
+                </a:solidFill>
+                <a:latin typeface="Times New Roman" panose="02020603050405020304" pitchFamily="18" charset="0"/>
+              </a:defRPr>
+            </a:lvl9pPr>
+          </a:lstStyle>
+          <a:p>
+            <a:pPr algn="ctr"/>
+            <a:r>
+              <a:rPr lang="en-GB" altLang="en-US" sz="4400">
+                <a:solidFill>
+                  <a:srgbClr val="000000"/>
+                </a:solidFill>
+                <a:latin typeface="Arial" panose="020B0604020202020204" pitchFamily="34" charset="0"/>
+              </a:rPr>
+              <a:t>Summary</a:t>
+            </a:r>
+          </a:p>
+        </p:txBody>
+      </p:sp>
+      <p:sp>
+        <p:nvSpPr>
+          <p:cNvPr id="26627" name="Text Box 2"/>
           <p:cNvSpPr txBox="1">
             <a:spLocks noChangeArrowheads="1"/>
           </p:cNvSpPr>
@@ -14263,9 +14470,32 @@
           </a:extLst>
         </p:spPr>
         <p:txBody>
-          <a:bodyPr wrap="none" anchor="ctr"/>
+          <a:bodyPr/>
           <a:lstStyle>
-            <a:lvl1pPr>
+            <a:lvl1pPr marL="339725" indent="-339725">
+              <a:tabLst>
+                <a:tab pos="339725" algn="l"/>
+                <a:tab pos="796925" algn="l"/>
+                <a:tab pos="1254125" algn="l"/>
+                <a:tab pos="1711325" algn="l"/>
+                <a:tab pos="2168525" algn="l"/>
+                <a:tab pos="2625725" algn="l"/>
+                <a:tab pos="3082925" algn="l"/>
+                <a:tab pos="3540125" algn="l"/>
+                <a:tab pos="3997325" algn="l"/>
+                <a:tab pos="4454525" algn="l"/>
+                <a:tab pos="4911725" algn="l"/>
+                <a:tab pos="5368925" algn="l"/>
+                <a:tab pos="5826125" algn="l"/>
+                <a:tab pos="6283325" algn="l"/>
+                <a:tab pos="6740525" algn="l"/>
+                <a:tab pos="7197725" algn="l"/>
+                <a:tab pos="7654925" algn="l"/>
+                <a:tab pos="8112125" algn="l"/>
+                <a:tab pos="8569325" algn="l"/>
+                <a:tab pos="9026525" algn="l"/>
+                <a:tab pos="9483725" algn="l"/>
+              </a:tabLst>
               <a:defRPr sz="2400">
                 <a:solidFill>
                   <a:schemeClr val="tx1"/>
@@ -14274,6 +14504,29 @@
               </a:defRPr>
             </a:lvl1pPr>
             <a:lvl2pPr marL="742950" indent="-285750">
+              <a:tabLst>
+                <a:tab pos="339725" algn="l"/>
+                <a:tab pos="796925" algn="l"/>
+                <a:tab pos="1254125" algn="l"/>
+                <a:tab pos="1711325" algn="l"/>
+                <a:tab pos="2168525" algn="l"/>
+                <a:tab pos="2625725" algn="l"/>
+                <a:tab pos="3082925" algn="l"/>
+                <a:tab pos="3540125" algn="l"/>
+                <a:tab pos="3997325" algn="l"/>
+                <a:tab pos="4454525" algn="l"/>
+                <a:tab pos="4911725" algn="l"/>
+                <a:tab pos="5368925" algn="l"/>
+                <a:tab pos="5826125" algn="l"/>
+                <a:tab pos="6283325" algn="l"/>
+                <a:tab pos="6740525" algn="l"/>
+                <a:tab pos="7197725" algn="l"/>
+                <a:tab pos="7654925" algn="l"/>
+                <a:tab pos="8112125" algn="l"/>
+                <a:tab pos="8569325" algn="l"/>
+                <a:tab pos="9026525" algn="l"/>
+                <a:tab pos="9483725" algn="l"/>
+              </a:tabLst>
               <a:defRPr sz="2400">
                 <a:solidFill>
                   <a:schemeClr val="tx1"/>
@@ -14282,6 +14535,29 @@
               </a:defRPr>
             </a:lvl2pPr>
             <a:lvl3pPr marL="1143000" indent="-228600">
+              <a:tabLst>
+                <a:tab pos="339725" algn="l"/>
+                <a:tab pos="796925" algn="l"/>
+                <a:tab pos="1254125" algn="l"/>
+                <a:tab pos="1711325" algn="l"/>
+                <a:tab pos="2168525" algn="l"/>
+                <a:tab pos="2625725" algn="l"/>
+                <a:tab pos="3082925" algn="l"/>
+                <a:tab pos="3540125" algn="l"/>
+                <a:tab pos="3997325" algn="l"/>
+                <a:tab pos="4454525" algn="l"/>
+                <a:tab pos="4911725" algn="l"/>
+                <a:tab pos="5368925" algn="l"/>
+                <a:tab pos="5826125" algn="l"/>
+                <a:tab pos="6283325" algn="l"/>
+                <a:tab pos="6740525" algn="l"/>
+                <a:tab pos="7197725" algn="l"/>
+                <a:tab pos="7654925" algn="l"/>
+                <a:tab pos="8112125" algn="l"/>
+                <a:tab pos="8569325" algn="l"/>
+                <a:tab pos="9026525" algn="l"/>
+                <a:tab pos="9483725" algn="l"/>
+              </a:tabLst>
               <a:defRPr sz="2400">
                 <a:solidFill>
                   <a:schemeClr val="tx1"/>
@@ -14290,6 +14566,29 @@
               </a:defRPr>
             </a:lvl3pPr>
             <a:lvl4pPr marL="1600200" indent="-228600">
+              <a:tabLst>
+                <a:tab pos="339725" algn="l"/>
+                <a:tab pos="796925" algn="l"/>
+                <a:tab pos="1254125" algn="l"/>
+                <a:tab pos="1711325" algn="l"/>
+                <a:tab pos="2168525" algn="l"/>
+                <a:tab pos="2625725" algn="l"/>
+                <a:tab pos="3082925" algn="l"/>
+                <a:tab pos="3540125" algn="l"/>
+                <a:tab pos="3997325" algn="l"/>
+                <a:tab pos="4454525" algn="l"/>
+                <a:tab pos="4911725" algn="l"/>
+                <a:tab pos="5368925" algn="l"/>
+                <a:tab pos="5826125" algn="l"/>
+                <a:tab pos="6283325" algn="l"/>
+                <a:tab pos="6740525" algn="l"/>
+                <a:tab pos="7197725" algn="l"/>
+                <a:tab pos="7654925" algn="l"/>
+                <a:tab pos="8112125" algn="l"/>
+                <a:tab pos="8569325" algn="l"/>
+                <a:tab pos="9026525" algn="l"/>
+                <a:tab pos="9483725" algn="l"/>
+              </a:tabLst>
               <a:defRPr sz="2400">
                 <a:solidFill>
                   <a:schemeClr val="tx1"/>
@@ -14298,6 +14597,29 @@
               </a:defRPr>
             </a:lvl4pPr>
             <a:lvl5pPr marL="2057400" indent="-228600">
+              <a:tabLst>
+                <a:tab pos="339725" algn="l"/>
+                <a:tab pos="796925" algn="l"/>
+                <a:tab pos="1254125" algn="l"/>
+                <a:tab pos="1711325" algn="l"/>
+                <a:tab pos="2168525" algn="l"/>
+                <a:tab pos="2625725" algn="l"/>
+                <a:tab pos="3082925" algn="l"/>
+                <a:tab pos="3540125" algn="l"/>
+                <a:tab pos="3997325" algn="l"/>
+                <a:tab pos="4454525" algn="l"/>
+                <a:tab pos="4911725" algn="l"/>
+                <a:tab pos="5368925" algn="l"/>
+                <a:tab pos="5826125" algn="l"/>
+                <a:tab pos="6283325" algn="l"/>
+                <a:tab pos="6740525" algn="l"/>
+                <a:tab pos="7197725" algn="l"/>
+                <a:tab pos="7654925" algn="l"/>
+                <a:tab pos="8112125" algn="l"/>
+                <a:tab pos="8569325" algn="l"/>
+                <a:tab pos="9026525" algn="l"/>
+                <a:tab pos="9483725" algn="l"/>
+              </a:tabLst>
               <a:defRPr sz="2400">
                 <a:solidFill>
                   <a:schemeClr val="tx1"/>
@@ -14312,6 +14634,29 @@
               <a:spcAft>
                 <a:spcPct val="0"/>
               </a:spcAft>
+              <a:tabLst>
+                <a:tab pos="339725" algn="l"/>
+                <a:tab pos="796925" algn="l"/>
+                <a:tab pos="1254125" algn="l"/>
+                <a:tab pos="1711325" algn="l"/>
+                <a:tab pos="2168525" algn="l"/>
+                <a:tab pos="2625725" algn="l"/>
+                <a:tab pos="3082925" algn="l"/>
+                <a:tab pos="3540125" algn="l"/>
+                <a:tab pos="3997325" algn="l"/>
+                <a:tab pos="4454525" algn="l"/>
+                <a:tab pos="4911725" algn="l"/>
+                <a:tab pos="5368925" algn="l"/>
+                <a:tab pos="5826125" algn="l"/>
+                <a:tab pos="6283325" algn="l"/>
+                <a:tab pos="6740525" algn="l"/>
+                <a:tab pos="7197725" algn="l"/>
+                <a:tab pos="7654925" algn="l"/>
+                <a:tab pos="8112125" algn="l"/>
+                <a:tab pos="8569325" algn="l"/>
+                <a:tab pos="9026525" algn="l"/>
+                <a:tab pos="9483725" algn="l"/>
+              </a:tabLst>
               <a:defRPr sz="2400">
                 <a:solidFill>
                   <a:schemeClr val="tx1"/>
@@ -14326,6 +14671,29 @@
               <a:spcAft>
                 <a:spcPct val="0"/>
               </a:spcAft>
+              <a:tabLst>
+                <a:tab pos="339725" algn="l"/>
+                <a:tab pos="796925" algn="l"/>
+                <a:tab pos="1254125" algn="l"/>
+                <a:tab pos="1711325" algn="l"/>
+                <a:tab pos="2168525" algn="l"/>
+                <a:tab pos="2625725" algn="l"/>
+                <a:tab pos="3082925" algn="l"/>
+                <a:tab pos="3540125" algn="l"/>
+                <a:tab pos="3997325" algn="l"/>
+                <a:tab pos="4454525" algn="l"/>
+                <a:tab pos="4911725" algn="l"/>
+                <a:tab pos="5368925" algn="l"/>
+                <a:tab pos="5826125" algn="l"/>
+                <a:tab pos="6283325" algn="l"/>
+                <a:tab pos="6740525" algn="l"/>
+                <a:tab pos="7197725" algn="l"/>
+                <a:tab pos="7654925" algn="l"/>
+                <a:tab pos="8112125" algn="l"/>
+                <a:tab pos="8569325" algn="l"/>
+                <a:tab pos="9026525" algn="l"/>
+                <a:tab pos="9483725" algn="l"/>
+              </a:tabLst>
               <a:defRPr sz="2400">
                 <a:solidFill>
                   <a:schemeClr val="tx1"/>
@@ -14340,6 +14708,29 @@
               <a:spcAft>
                 <a:spcPct val="0"/>
               </a:spcAft>
+              <a:tabLst>
+                <a:tab pos="339725" algn="l"/>
+                <a:tab pos="796925" algn="l"/>
+                <a:tab pos="1254125" algn="l"/>
+                <a:tab pos="1711325" algn="l"/>
+                <a:tab pos="2168525" algn="l"/>
+                <a:tab pos="2625725" algn="l"/>
+                <a:tab pos="3082925" algn="l"/>
+                <a:tab pos="3540125" algn="l"/>
+                <a:tab pos="3997325" algn="l"/>
+                <a:tab pos="4454525" algn="l"/>
+                <a:tab pos="4911725" algn="l"/>
+                <a:tab pos="5368925" algn="l"/>
+                <a:tab pos="5826125" algn="l"/>
+                <a:tab pos="6283325" algn="l"/>
+                <a:tab pos="6740525" algn="l"/>
+                <a:tab pos="7197725" algn="l"/>
+                <a:tab pos="7654925" algn="l"/>
+                <a:tab pos="8112125" algn="l"/>
+                <a:tab pos="8569325" algn="l"/>
+                <a:tab pos="9026525" algn="l"/>
+                <a:tab pos="9483725" algn="l"/>
+              </a:tabLst>
               <a:defRPr sz="2400">
                 <a:solidFill>
                   <a:schemeClr val="tx1"/>
@@ -14354,6 +14745,29 @@
               <a:spcAft>
                 <a:spcPct val="0"/>
               </a:spcAft>
+              <a:tabLst>
+                <a:tab pos="339725" algn="l"/>
+                <a:tab pos="796925" algn="l"/>
+                <a:tab pos="1254125" algn="l"/>
+                <a:tab pos="1711325" algn="l"/>
+                <a:tab pos="2168525" algn="l"/>
+                <a:tab pos="2625725" algn="l"/>
+                <a:tab pos="3082925" algn="l"/>
+                <a:tab pos="3540125" algn="l"/>
+                <a:tab pos="3997325" algn="l"/>
+                <a:tab pos="4454525" algn="l"/>
+                <a:tab pos="4911725" algn="l"/>
+                <a:tab pos="5368925" algn="l"/>
+                <a:tab pos="5826125" algn="l"/>
+                <a:tab pos="6283325" algn="l"/>
+                <a:tab pos="6740525" algn="l"/>
+                <a:tab pos="7197725" algn="l"/>
+                <a:tab pos="7654925" algn="l"/>
+                <a:tab pos="8112125" algn="l"/>
+                <a:tab pos="8569325" algn="l"/>
+                <a:tab pos="9026525" algn="l"/>
+                <a:tab pos="9483725" algn="l"/>
+              </a:tabLst>
               <a:defRPr sz="2400">
                 <a:solidFill>
                   <a:schemeClr val="tx1"/>
@@ -14363,7 +14777,103 @@
             </a:lvl9pPr>
           </a:lstStyle>
           <a:p>
-            <a:endParaRPr lang="en-US" altLang="en-US"/>
+            <a:pPr>
+              <a:spcBef>
+                <a:spcPts val="800"/>
+              </a:spcBef>
+              <a:buFont typeface="Times New Roman" panose="02020603050405020304" pitchFamily="18" charset="0"/>
+              <a:buBlip>
+                <a:blip r:embed="rId3"/>
+              </a:buBlip>
+            </a:pPr>
+            <a:r>
+              <a:rPr lang="en-GB" altLang="en-US" sz="3200" dirty="0">
+                <a:solidFill>
+                  <a:srgbClr val="000000"/>
+                </a:solidFill>
+                <a:latin typeface="Arial" panose="020B0604020202020204" pitchFamily="34" charset="0"/>
+              </a:rPr>
+              <a:t>Overview of </a:t>
+            </a:r>
+            <a:r>
+              <a:rPr lang="en-GB" altLang="en-US" sz="3200" dirty="0" smtClean="0">
+                <a:solidFill>
+                  <a:srgbClr val="000000"/>
+                </a:solidFill>
+                <a:latin typeface="Arial" panose="020B0604020202020204" pitchFamily="34" charset="0"/>
+              </a:rPr>
+              <a:t>Objects in </a:t>
+            </a:r>
+            <a:r>
+              <a:rPr lang="en-GB" altLang="en-US" sz="3200" dirty="0" err="1" smtClean="0">
+                <a:solidFill>
+                  <a:srgbClr val="000000"/>
+                </a:solidFill>
+                <a:latin typeface="Arial" panose="020B0604020202020204" pitchFamily="34" charset="0"/>
+              </a:rPr>
+              <a:t>Javascript</a:t>
+            </a:r>
+            <a:endParaRPr lang="en-GB" altLang="en-US" sz="3200" dirty="0" smtClean="0">
+              <a:solidFill>
+                <a:srgbClr val="000000"/>
+              </a:solidFill>
+              <a:latin typeface="Arial" panose="020B0604020202020204" pitchFamily="34" charset="0"/>
+            </a:endParaRPr>
+          </a:p>
+          <a:p>
+            <a:pPr>
+              <a:spcBef>
+                <a:spcPts val="800"/>
+              </a:spcBef>
+              <a:buFont typeface="Times New Roman" panose="02020603050405020304" pitchFamily="18" charset="0"/>
+              <a:buBlip>
+                <a:blip r:embed="rId3"/>
+              </a:buBlip>
+            </a:pPr>
+            <a:r>
+              <a:rPr lang="en-GB" altLang="en-US" sz="3200" dirty="0" err="1" smtClean="0">
+                <a:solidFill>
+                  <a:srgbClr val="000000"/>
+                </a:solidFill>
+                <a:latin typeface="Arial" panose="020B0604020202020204" pitchFamily="34" charset="0"/>
+              </a:rPr>
+              <a:t>Javascript</a:t>
+            </a:r>
+            <a:r>
+              <a:rPr lang="en-GB" altLang="en-US" sz="3200" dirty="0" smtClean="0">
+                <a:solidFill>
+                  <a:srgbClr val="000000"/>
+                </a:solidFill>
+                <a:latin typeface="Arial" panose="020B0604020202020204" pitchFamily="34" charset="0"/>
+              </a:rPr>
+              <a:t> Forms</a:t>
+            </a:r>
+            <a:endParaRPr lang="en-GB" altLang="en-US" sz="3200" dirty="0">
+              <a:solidFill>
+                <a:srgbClr val="000000"/>
+              </a:solidFill>
+              <a:latin typeface="Arial" panose="020B0604020202020204" pitchFamily="34" charset="0"/>
+            </a:endParaRPr>
+          </a:p>
+          <a:p>
+            <a:pPr>
+              <a:spcBef>
+                <a:spcPts val="800"/>
+              </a:spcBef>
+              <a:buFont typeface="Times New Roman" panose="02020603050405020304" pitchFamily="18" charset="0"/>
+              <a:buBlip>
+                <a:blip r:embed="rId3"/>
+              </a:buBlip>
+            </a:pPr>
+            <a:r>
+              <a:rPr lang="en-GB" altLang="en-US" sz="3200" dirty="0">
+                <a:solidFill>
+                  <a:srgbClr val="000000"/>
+                </a:solidFill>
+                <a:latin typeface="Arial" panose="020B0604020202020204" pitchFamily="34" charset="0"/>
+              </a:rPr>
+              <a:t>Hands-On/Practical</a:t>
+            </a:r>
           </a:p>
         </p:txBody>
       </p:sp>
@@ -14520,6 +15030,644 @@
 </p:sld>
 </file>
 
+<file path=ppt/slides/slide30.xml><?xml version="1.0" encoding="utf-8"?>
+<p:sld xmlns:a="http://schemas.openxmlformats.org/drawingml/2006/main" xmlns:r="http://schemas.openxmlformats.org/officeDocument/2006/relationships" xmlns:p="http://schemas.openxmlformats.org/presentationml/2006/main">
+  <p:cSld>
+    <p:spTree>
+      <p:nvGrpSpPr>
+        <p:cNvPr id="1" name=""/>
+        <p:cNvGrpSpPr/>
+        <p:nvPr/>
+      </p:nvGrpSpPr>
+      <p:grpSpPr>
+        <a:xfrm>
+          <a:off x="0" y="0"/>
+          <a:ext cx="0" cy="0"/>
+          <a:chOff x="0" y="0"/>
+          <a:chExt cx="0" cy="0"/>
+        </a:xfrm>
+      </p:grpSpPr>
+      <p:sp>
+        <p:nvSpPr>
+          <p:cNvPr id="27650" name="Text Box 1"/>
+          <p:cNvSpPr txBox="1">
+            <a:spLocks noChangeArrowheads="1"/>
+          </p:cNvSpPr>
+          <p:nvPr/>
+        </p:nvSpPr>
+        <p:spPr bwMode="auto">
+          <a:xfrm>
+            <a:off x="685800" y="609600"/>
+            <a:ext cx="7772400" cy="1143000"/>
+          </a:xfrm>
+          <a:prstGeom prst="rect">
+            <a:avLst/>
+          </a:prstGeom>
+          <a:noFill/>
+          <a:ln>
+            <a:noFill/>
+          </a:ln>
+          <a:extLst>
+            <a:ext uri="{909E8E84-426E-40DD-AFC4-6F175D3DCCD1}">
+              <a14:hiddenFill xmlns:a14="http://schemas.microsoft.com/office/drawing/2010/main">
+                <a:solidFill>
+                  <a:srgbClr val="FFFFFF"/>
+                </a:solidFill>
+              </a14:hiddenFill>
+            </a:ext>
+            <a:ext uri="{91240B29-F687-4F45-9708-019B960494DF}">
+              <a14:hiddenLine xmlns:a14="http://schemas.microsoft.com/office/drawing/2010/main" w="9525">
+                <a:solidFill>
+                  <a:srgbClr val="000000"/>
+                </a:solidFill>
+                <a:round/>
+                <a:headEnd/>
+                <a:tailEnd/>
+              </a14:hiddenLine>
+            </a:ext>
+          </a:extLst>
+        </p:spPr>
+        <p:txBody>
+          <a:bodyPr anchor="ctr"/>
+          <a:lstStyle>
+            <a:lvl1pPr>
+              <a:tabLst>
+                <a:tab pos="0" algn="l"/>
+                <a:tab pos="457200" algn="l"/>
+                <a:tab pos="914400" algn="l"/>
+                <a:tab pos="1371600" algn="l"/>
+                <a:tab pos="1828800" algn="l"/>
+                <a:tab pos="2286000" algn="l"/>
+                <a:tab pos="2743200" algn="l"/>
+                <a:tab pos="3200400" algn="l"/>
+                <a:tab pos="3657600" algn="l"/>
+                <a:tab pos="4114800" algn="l"/>
+                <a:tab pos="4572000" algn="l"/>
+                <a:tab pos="5029200" algn="l"/>
+                <a:tab pos="5486400" algn="l"/>
+                <a:tab pos="5943600" algn="l"/>
+                <a:tab pos="6400800" algn="l"/>
+                <a:tab pos="6858000" algn="l"/>
+                <a:tab pos="7315200" algn="l"/>
+                <a:tab pos="7772400" algn="l"/>
+                <a:tab pos="8229600" algn="l"/>
+                <a:tab pos="8686800" algn="l"/>
+                <a:tab pos="9144000" algn="l"/>
+              </a:tabLst>
+              <a:defRPr sz="2400">
+                <a:solidFill>
+                  <a:schemeClr val="tx1"/>
+                </a:solidFill>
+                <a:latin typeface="Times New Roman" panose="02020603050405020304" pitchFamily="18" charset="0"/>
+              </a:defRPr>
+            </a:lvl1pPr>
+            <a:lvl2pPr marL="742950" indent="-285750">
+              <a:tabLst>
+                <a:tab pos="0" algn="l"/>
+                <a:tab pos="457200" algn="l"/>
+                <a:tab pos="914400" algn="l"/>
+                <a:tab pos="1371600" algn="l"/>
+                <a:tab pos="1828800" algn="l"/>
+                <a:tab pos="2286000" algn="l"/>
+                <a:tab pos="2743200" algn="l"/>
+                <a:tab pos="3200400" algn="l"/>
+                <a:tab pos="3657600" algn="l"/>
+                <a:tab pos="4114800" algn="l"/>
+                <a:tab pos="4572000" algn="l"/>
+                <a:tab pos="5029200" algn="l"/>
+                <a:tab pos="5486400" algn="l"/>
+                <a:tab pos="5943600" algn="l"/>
+                <a:tab pos="6400800" algn="l"/>
+                <a:tab pos="6858000" algn="l"/>
+                <a:tab pos="7315200" algn="l"/>
+                <a:tab pos="7772400" algn="l"/>
+                <a:tab pos="8229600" algn="l"/>
+                <a:tab pos="8686800" algn="l"/>
+                <a:tab pos="9144000" algn="l"/>
+              </a:tabLst>
+              <a:defRPr sz="2400">
+                <a:solidFill>
+                  <a:schemeClr val="tx1"/>
+                </a:solidFill>
+                <a:latin typeface="Times New Roman" panose="02020603050405020304" pitchFamily="18" charset="0"/>
+              </a:defRPr>
+            </a:lvl2pPr>
+            <a:lvl3pPr marL="1143000" indent="-228600">
+              <a:tabLst>
+                <a:tab pos="0" algn="l"/>
+                <a:tab pos="457200" algn="l"/>
+                <a:tab pos="914400" algn="l"/>
+                <a:tab pos="1371600" algn="l"/>
+                <a:tab pos="1828800" algn="l"/>
+                <a:tab pos="2286000" algn="l"/>
+                <a:tab pos="2743200" algn="l"/>
+                <a:tab pos="3200400" algn="l"/>
+                <a:tab pos="3657600" algn="l"/>
+                <a:tab pos="4114800" algn="l"/>
+                <a:tab pos="4572000" algn="l"/>
+                <a:tab pos="5029200" algn="l"/>
+                <a:tab pos="5486400" algn="l"/>
+                <a:tab pos="5943600" algn="l"/>
+                <a:tab pos="6400800" algn="l"/>
+                <a:tab pos="6858000" algn="l"/>
+                <a:tab pos="7315200" algn="l"/>
+                <a:tab pos="7772400" algn="l"/>
+                <a:tab pos="8229600" algn="l"/>
+                <a:tab pos="8686800" algn="l"/>
+                <a:tab pos="9144000" algn="l"/>
+              </a:tabLst>
+              <a:defRPr sz="2400">
+                <a:solidFill>
+                  <a:schemeClr val="tx1"/>
+                </a:solidFill>
+                <a:latin typeface="Times New Roman" panose="02020603050405020304" pitchFamily="18" charset="0"/>
+              </a:defRPr>
+            </a:lvl3pPr>
+            <a:lvl4pPr marL="1600200" indent="-228600">
+              <a:tabLst>
+                <a:tab pos="0" algn="l"/>
+                <a:tab pos="457200" algn="l"/>
+                <a:tab pos="914400" algn="l"/>
+                <a:tab pos="1371600" algn="l"/>
+                <a:tab pos="1828800" algn="l"/>
+                <a:tab pos="2286000" algn="l"/>
+                <a:tab pos="2743200" algn="l"/>
+                <a:tab pos="3200400" algn="l"/>
+                <a:tab pos="3657600" algn="l"/>
+                <a:tab pos="4114800" algn="l"/>
+                <a:tab pos="4572000" algn="l"/>
+                <a:tab pos="5029200" algn="l"/>
+                <a:tab pos="5486400" algn="l"/>
+                <a:tab pos="5943600" algn="l"/>
+                <a:tab pos="6400800" algn="l"/>
+                <a:tab pos="6858000" algn="l"/>
+                <a:tab pos="7315200" algn="l"/>
+                <a:tab pos="7772400" algn="l"/>
+                <a:tab pos="8229600" algn="l"/>
+                <a:tab pos="8686800" algn="l"/>
+                <a:tab pos="9144000" algn="l"/>
+              </a:tabLst>
+              <a:defRPr sz="2400">
+                <a:solidFill>
+                  <a:schemeClr val="tx1"/>
+                </a:solidFill>
+                <a:latin typeface="Times New Roman" panose="02020603050405020304" pitchFamily="18" charset="0"/>
+              </a:defRPr>
+            </a:lvl4pPr>
+            <a:lvl5pPr marL="2057400" indent="-228600">
+              <a:tabLst>
+                <a:tab pos="0" algn="l"/>
+                <a:tab pos="457200" algn="l"/>
+                <a:tab pos="914400" algn="l"/>
+                <a:tab pos="1371600" algn="l"/>
+                <a:tab pos="1828800" algn="l"/>
+                <a:tab pos="2286000" algn="l"/>
+                <a:tab pos="2743200" algn="l"/>
+                <a:tab pos="3200400" algn="l"/>
+                <a:tab pos="3657600" algn="l"/>
+                <a:tab pos="4114800" algn="l"/>
+                <a:tab pos="4572000" algn="l"/>
+                <a:tab pos="5029200" algn="l"/>
+                <a:tab pos="5486400" algn="l"/>
+                <a:tab pos="5943600" algn="l"/>
+                <a:tab pos="6400800" algn="l"/>
+                <a:tab pos="6858000" algn="l"/>
+                <a:tab pos="7315200" algn="l"/>
+                <a:tab pos="7772400" algn="l"/>
+                <a:tab pos="8229600" algn="l"/>
+                <a:tab pos="8686800" algn="l"/>
+                <a:tab pos="9144000" algn="l"/>
+              </a:tabLst>
+              <a:defRPr sz="2400">
+                <a:solidFill>
+                  <a:schemeClr val="tx1"/>
+                </a:solidFill>
+                <a:latin typeface="Times New Roman" panose="02020603050405020304" pitchFamily="18" charset="0"/>
+              </a:defRPr>
+            </a:lvl5pPr>
+            <a:lvl6pPr marL="2514600" indent="-228600" eaLnBrk="0" fontAlgn="base" hangingPunct="0">
+              <a:spcBef>
+                <a:spcPct val="0"/>
+              </a:spcBef>
+              <a:spcAft>
+                <a:spcPct val="0"/>
+              </a:spcAft>
+              <a:tabLst>
+                <a:tab pos="0" algn="l"/>
+                <a:tab pos="457200" algn="l"/>
+                <a:tab pos="914400" algn="l"/>
+                <a:tab pos="1371600" algn="l"/>
+                <a:tab pos="1828800" algn="l"/>
+                <a:tab pos="2286000" algn="l"/>
+                <a:tab pos="2743200" algn="l"/>
+                <a:tab pos="3200400" algn="l"/>
+                <a:tab pos="3657600" algn="l"/>
+                <a:tab pos="4114800" algn="l"/>
+                <a:tab pos="4572000" algn="l"/>
+                <a:tab pos="5029200" algn="l"/>
+                <a:tab pos="5486400" algn="l"/>
+                <a:tab pos="5943600" algn="l"/>
+                <a:tab pos="6400800" algn="l"/>
+                <a:tab pos="6858000" algn="l"/>
+                <a:tab pos="7315200" algn="l"/>
+                <a:tab pos="7772400" algn="l"/>
+                <a:tab pos="8229600" algn="l"/>
+                <a:tab pos="8686800" algn="l"/>
+                <a:tab pos="9144000" algn="l"/>
+              </a:tabLst>
+              <a:defRPr sz="2400">
+                <a:solidFill>
+                  <a:schemeClr val="tx1"/>
+                </a:solidFill>
+                <a:latin typeface="Times New Roman" panose="02020603050405020304" pitchFamily="18" charset="0"/>
+              </a:defRPr>
+            </a:lvl6pPr>
+            <a:lvl7pPr marL="2971800" indent="-228600" eaLnBrk="0" fontAlgn="base" hangingPunct="0">
+              <a:spcBef>
+                <a:spcPct val="0"/>
+              </a:spcBef>
+              <a:spcAft>
+                <a:spcPct val="0"/>
+              </a:spcAft>
+              <a:tabLst>
+                <a:tab pos="0" algn="l"/>
+                <a:tab pos="457200" algn="l"/>
+                <a:tab pos="914400" algn="l"/>
+                <a:tab pos="1371600" algn="l"/>
+                <a:tab pos="1828800" algn="l"/>
+                <a:tab pos="2286000" algn="l"/>
+                <a:tab pos="2743200" algn="l"/>
+                <a:tab pos="3200400" algn="l"/>
+                <a:tab pos="3657600" algn="l"/>
+                <a:tab pos="4114800" algn="l"/>
+                <a:tab pos="4572000" algn="l"/>
+                <a:tab pos="5029200" algn="l"/>
+                <a:tab pos="5486400" algn="l"/>
+                <a:tab pos="5943600" algn="l"/>
+                <a:tab pos="6400800" algn="l"/>
+                <a:tab pos="6858000" algn="l"/>
+                <a:tab pos="7315200" algn="l"/>
+                <a:tab pos="7772400" algn="l"/>
+                <a:tab pos="8229600" algn="l"/>
+                <a:tab pos="8686800" algn="l"/>
+                <a:tab pos="9144000" algn="l"/>
+              </a:tabLst>
+              <a:defRPr sz="2400">
+                <a:solidFill>
+                  <a:schemeClr val="tx1"/>
+                </a:solidFill>
+                <a:latin typeface="Times New Roman" panose="02020603050405020304" pitchFamily="18" charset="0"/>
+              </a:defRPr>
+            </a:lvl7pPr>
+            <a:lvl8pPr marL="3429000" indent="-228600" eaLnBrk="0" fontAlgn="base" hangingPunct="0">
+              <a:spcBef>
+                <a:spcPct val="0"/>
+              </a:spcBef>
+              <a:spcAft>
+                <a:spcPct val="0"/>
+              </a:spcAft>
+              <a:tabLst>
+                <a:tab pos="0" algn="l"/>
+                <a:tab pos="457200" algn="l"/>
+                <a:tab pos="914400" algn="l"/>
+                <a:tab pos="1371600" algn="l"/>
+                <a:tab pos="1828800" algn="l"/>
+                <a:tab pos="2286000" algn="l"/>
+                <a:tab pos="2743200" algn="l"/>
+                <a:tab pos="3200400" algn="l"/>
+                <a:tab pos="3657600" algn="l"/>
+                <a:tab pos="4114800" algn="l"/>
+                <a:tab pos="4572000" algn="l"/>
+                <a:tab pos="5029200" algn="l"/>
+                <a:tab pos="5486400" algn="l"/>
+                <a:tab pos="5943600" algn="l"/>
+                <a:tab pos="6400800" algn="l"/>
+                <a:tab pos="6858000" algn="l"/>
+                <a:tab pos="7315200" algn="l"/>
+                <a:tab pos="7772400" algn="l"/>
+                <a:tab pos="8229600" algn="l"/>
+                <a:tab pos="8686800" algn="l"/>
+                <a:tab pos="9144000" algn="l"/>
+              </a:tabLst>
+              <a:defRPr sz="2400">
+                <a:solidFill>
+                  <a:schemeClr val="tx1"/>
+                </a:solidFill>
+                <a:latin typeface="Times New Roman" panose="02020603050405020304" pitchFamily="18" charset="0"/>
+              </a:defRPr>
+            </a:lvl8pPr>
+            <a:lvl9pPr marL="3886200" indent="-228600" eaLnBrk="0" fontAlgn="base" hangingPunct="0">
+              <a:spcBef>
+                <a:spcPct val="0"/>
+              </a:spcBef>
+              <a:spcAft>
+                <a:spcPct val="0"/>
+              </a:spcAft>
+              <a:tabLst>
+                <a:tab pos="0" algn="l"/>
+                <a:tab pos="457200" algn="l"/>
+                <a:tab pos="914400" algn="l"/>
+                <a:tab pos="1371600" algn="l"/>
+                <a:tab pos="1828800" algn="l"/>
+                <a:tab pos="2286000" algn="l"/>
+                <a:tab pos="2743200" algn="l"/>
+                <a:tab pos="3200400" algn="l"/>
+                <a:tab pos="3657600" algn="l"/>
+                <a:tab pos="4114800" algn="l"/>
+                <a:tab pos="4572000" algn="l"/>
+                <a:tab pos="5029200" algn="l"/>
+                <a:tab pos="5486400" algn="l"/>
+                <a:tab pos="5943600" algn="l"/>
+                <a:tab pos="6400800" algn="l"/>
+                <a:tab pos="6858000" algn="l"/>
+                <a:tab pos="7315200" algn="l"/>
+                <a:tab pos="7772400" algn="l"/>
+                <a:tab pos="8229600" algn="l"/>
+                <a:tab pos="8686800" algn="l"/>
+                <a:tab pos="9144000" algn="l"/>
+              </a:tabLst>
+              <a:defRPr sz="2400">
+                <a:solidFill>
+                  <a:schemeClr val="tx1"/>
+                </a:solidFill>
+                <a:latin typeface="Times New Roman" panose="02020603050405020304" pitchFamily="18" charset="0"/>
+              </a:defRPr>
+            </a:lvl9pPr>
+          </a:lstStyle>
+          <a:p>
+            <a:pPr algn="ctr" eaLnBrk="1" hangingPunct="1"/>
+            <a:r>
+              <a:rPr lang="en-GB" altLang="en-US" sz="4400">
+                <a:solidFill>
+                  <a:srgbClr val="000000"/>
+                </a:solidFill>
+                <a:latin typeface="Arial" panose="020B0604020202020204" pitchFamily="34" charset="0"/>
+              </a:rPr>
+              <a:t>Questions/Discussion</a:t>
+            </a:r>
+          </a:p>
+        </p:txBody>
+      </p:sp>
+      <p:sp>
+        <p:nvSpPr>
+          <p:cNvPr id="27651" name="Text Box 2"/>
+          <p:cNvSpPr txBox="1">
+            <a:spLocks noChangeArrowheads="1"/>
+          </p:cNvSpPr>
+          <p:nvPr/>
+        </p:nvSpPr>
+        <p:spPr bwMode="auto">
+          <a:xfrm>
+            <a:off x="685800" y="1981200"/>
+            <a:ext cx="7772400" cy="4114800"/>
+          </a:xfrm>
+          <a:prstGeom prst="rect">
+            <a:avLst/>
+          </a:prstGeom>
+          <a:noFill/>
+          <a:ln>
+            <a:noFill/>
+          </a:ln>
+          <a:extLst>
+            <a:ext uri="{909E8E84-426E-40DD-AFC4-6F175D3DCCD1}">
+              <a14:hiddenFill xmlns:a14="http://schemas.microsoft.com/office/drawing/2010/main">
+                <a:solidFill>
+                  <a:srgbClr val="FFFFFF"/>
+                </a:solidFill>
+              </a14:hiddenFill>
+            </a:ext>
+            <a:ext uri="{91240B29-F687-4F45-9708-019B960494DF}">
+              <a14:hiddenLine xmlns:a14="http://schemas.microsoft.com/office/drawing/2010/main" w="9525">
+                <a:solidFill>
+                  <a:srgbClr val="000000"/>
+                </a:solidFill>
+                <a:round/>
+                <a:headEnd/>
+                <a:tailEnd/>
+              </a14:hiddenLine>
+            </a:ext>
+          </a:extLst>
+        </p:spPr>
+        <p:txBody>
+          <a:bodyPr wrap="none" anchor="ctr"/>
+          <a:lstStyle>
+            <a:lvl1pPr>
+              <a:defRPr sz="2400">
+                <a:solidFill>
+                  <a:schemeClr val="tx1"/>
+                </a:solidFill>
+                <a:latin typeface="Times New Roman" panose="02020603050405020304" pitchFamily="18" charset="0"/>
+              </a:defRPr>
+            </a:lvl1pPr>
+            <a:lvl2pPr marL="742950" indent="-285750">
+              <a:defRPr sz="2400">
+                <a:solidFill>
+                  <a:schemeClr val="tx1"/>
+                </a:solidFill>
+                <a:latin typeface="Times New Roman" panose="02020603050405020304" pitchFamily="18" charset="0"/>
+              </a:defRPr>
+            </a:lvl2pPr>
+            <a:lvl3pPr marL="1143000" indent="-228600">
+              <a:defRPr sz="2400">
+                <a:solidFill>
+                  <a:schemeClr val="tx1"/>
+                </a:solidFill>
+                <a:latin typeface="Times New Roman" panose="02020603050405020304" pitchFamily="18" charset="0"/>
+              </a:defRPr>
+            </a:lvl3pPr>
+            <a:lvl4pPr marL="1600200" indent="-228600">
+              <a:defRPr sz="2400">
+                <a:solidFill>
+                  <a:schemeClr val="tx1"/>
+                </a:solidFill>
+                <a:latin typeface="Times New Roman" panose="02020603050405020304" pitchFamily="18" charset="0"/>
+              </a:defRPr>
+            </a:lvl4pPr>
+            <a:lvl5pPr marL="2057400" indent="-228600">
+              <a:defRPr sz="2400">
+                <a:solidFill>
+                  <a:schemeClr val="tx1"/>
+                </a:solidFill>
+                <a:latin typeface="Times New Roman" panose="02020603050405020304" pitchFamily="18" charset="0"/>
+              </a:defRPr>
+            </a:lvl5pPr>
+            <a:lvl6pPr marL="2514600" indent="-228600" eaLnBrk="0" fontAlgn="base" hangingPunct="0">
+              <a:spcBef>
+                <a:spcPct val="0"/>
+              </a:spcBef>
+              <a:spcAft>
+                <a:spcPct val="0"/>
+              </a:spcAft>
+              <a:defRPr sz="2400">
+                <a:solidFill>
+                  <a:schemeClr val="tx1"/>
+                </a:solidFill>
+                <a:latin typeface="Times New Roman" panose="02020603050405020304" pitchFamily="18" charset="0"/>
+              </a:defRPr>
+            </a:lvl6pPr>
+            <a:lvl7pPr marL="2971800" indent="-228600" eaLnBrk="0" fontAlgn="base" hangingPunct="0">
+              <a:spcBef>
+                <a:spcPct val="0"/>
+              </a:spcBef>
+              <a:spcAft>
+                <a:spcPct val="0"/>
+              </a:spcAft>
+              <a:defRPr sz="2400">
+                <a:solidFill>
+                  <a:schemeClr val="tx1"/>
+                </a:solidFill>
+                <a:latin typeface="Times New Roman" panose="02020603050405020304" pitchFamily="18" charset="0"/>
+              </a:defRPr>
+            </a:lvl7pPr>
+            <a:lvl8pPr marL="3429000" indent="-228600" eaLnBrk="0" fontAlgn="base" hangingPunct="0">
+              <a:spcBef>
+                <a:spcPct val="0"/>
+              </a:spcBef>
+              <a:spcAft>
+                <a:spcPct val="0"/>
+              </a:spcAft>
+              <a:defRPr sz="2400">
+                <a:solidFill>
+                  <a:schemeClr val="tx1"/>
+                </a:solidFill>
+                <a:latin typeface="Times New Roman" panose="02020603050405020304" pitchFamily="18" charset="0"/>
+              </a:defRPr>
+            </a:lvl8pPr>
+            <a:lvl9pPr marL="3886200" indent="-228600" eaLnBrk="0" fontAlgn="base" hangingPunct="0">
+              <a:spcBef>
+                <a:spcPct val="0"/>
+              </a:spcBef>
+              <a:spcAft>
+                <a:spcPct val="0"/>
+              </a:spcAft>
+              <a:defRPr sz="2400">
+                <a:solidFill>
+                  <a:schemeClr val="tx1"/>
+                </a:solidFill>
+                <a:latin typeface="Times New Roman" panose="02020603050405020304" pitchFamily="18" charset="0"/>
+              </a:defRPr>
+            </a:lvl9pPr>
+          </a:lstStyle>
+          <a:p>
+            <a:endParaRPr lang="en-US" altLang="en-US"/>
+          </a:p>
+        </p:txBody>
+      </p:sp>
+      <p:sp>
+        <p:nvSpPr>
+          <p:cNvPr id="2" name="TextBox 1"/>
+          <p:cNvSpPr txBox="1"/>
+          <p:nvPr/>
+        </p:nvSpPr>
+        <p:spPr>
+          <a:xfrm>
+            <a:off x="838200" y="2057400"/>
+            <a:ext cx="7620000" cy="1200329"/>
+          </a:xfrm>
+          <a:prstGeom prst="rect">
+            <a:avLst/>
+          </a:prstGeom>
+          <a:noFill/>
+        </p:spPr>
+        <p:txBody>
+          <a:bodyPr wrap="square" rtlCol="0">
+            <a:spAutoFit/>
+          </a:bodyPr>
+          <a:lstStyle/>
+          <a:p>
+            <a:r>
+              <a:rPr lang="en-GB" dirty="0" smtClean="0">
+                <a:solidFill>
+                  <a:schemeClr val="bg2"/>
+                </a:solidFill>
+              </a:rPr>
+              <a:t>Research (</a:t>
+            </a:r>
+            <a:r>
+              <a:rPr lang="en-GB" smtClean="0">
+                <a:solidFill>
+                  <a:schemeClr val="bg2"/>
+                </a:solidFill>
+              </a:rPr>
+              <a:t>Game Mechanics)</a:t>
+            </a:r>
+            <a:endParaRPr lang="en-GB" dirty="0" smtClean="0">
+              <a:solidFill>
+                <a:schemeClr val="bg2"/>
+              </a:solidFill>
+            </a:endParaRPr>
+          </a:p>
+          <a:p>
+            <a:r>
+              <a:rPr lang="en-GB" dirty="0" err="1" smtClean="0">
+                <a:solidFill>
+                  <a:schemeClr val="bg2"/>
+                </a:solidFill>
+              </a:rPr>
+              <a:t>Javascript</a:t>
+            </a:r>
+            <a:r>
+              <a:rPr lang="en-GB" dirty="0" smtClean="0">
+                <a:solidFill>
+                  <a:schemeClr val="bg2"/>
+                </a:solidFill>
+              </a:rPr>
+              <a:t> Key Event Triggers</a:t>
+            </a:r>
+          </a:p>
+          <a:p>
+            <a:r>
+              <a:rPr lang="en-GB" dirty="0" smtClean="0">
+                <a:solidFill>
+                  <a:schemeClr val="bg2"/>
+                </a:solidFill>
+              </a:rPr>
+              <a:t>(e.g., Moving shape left and right when key is pressed)</a:t>
+            </a:r>
+            <a:endParaRPr lang="en-GB" dirty="0">
+              <a:solidFill>
+                <a:schemeClr val="bg2"/>
+              </a:solidFill>
+            </a:endParaRPr>
+          </a:p>
+        </p:txBody>
+      </p:sp>
+    </p:spTree>
+  </p:cSld>
+  <p:clrMapOvr>
+    <a:masterClrMapping/>
+  </p:clrMapOvr>
+  <p:transition spd="med"/>
+  <p:timing>
+    <p:tnLst>
+      <p:par>
+        <p:cTn id="1" dur="indefinite" restart="never" nodeType="tmRoot">
+          <p:childTnLst>
+            <p:seq concurrent="1" nextAc="seek">
+              <p:cTn id="2" dur="indefinite" nodeType="mainSeq"/>
+              <p:prevCondLst>
+                <p:cond evt="onPrev" delay="0">
+                  <p:tgtEl>
+                    <p:sldTgt/>
+                  </p:tgtEl>
+                </p:cond>
+              </p:prevCondLst>
+              <p:nextCondLst>
+                <p:cond evt="onNext" delay="0">
+                  <p:tgtEl>
+                    <p:sldTgt/>
+                  </p:tgtEl>
+                </p:cond>
+              </p:nextCondLst>
+            </p:seq>
+          </p:childTnLst>
+        </p:cTn>
+      </p:par>
+    </p:tnLst>
+  </p:timing>
+</p:sld>
+</file>
+
 <file path=ppt/slides/slide4.xml><?xml version="1.0" encoding="utf-8"?>
 <p:sld xmlns:a="http://schemas.openxmlformats.org/drawingml/2006/main" xmlns:r="http://schemas.openxmlformats.org/officeDocument/2006/relationships" xmlns:p="http://schemas.openxmlformats.org/presentationml/2006/main">
   <p:cSld>
@@ -14818,9 +15966,9 @@
       </p:grpSpPr>
       <p:sp>
         <p:nvSpPr>
-          <p:cNvPr id="11266" name="Rectangle 1"/>
+          <p:cNvPr id="2" name="Title 1"/>
           <p:cNvSpPr>
-            <a:spLocks noGrp="1" noChangeArrowheads="1"/>
+            <a:spLocks noGrp="1"/>
           </p:cNvSpPr>
           <p:nvPr>
             <p:ph type="title"/>
@@ -14828,116 +15976,150 @@
         </p:nvSpPr>
         <p:spPr>
           <a:xfrm>
-            <a:off x="685800" y="609600"/>
-            <a:ext cx="7770813" cy="1141413"/>
+            <a:off x="762000" y="0"/>
+            <a:ext cx="7772400" cy="1143000"/>
           </a:xfrm>
         </p:spPr>
         <p:txBody>
           <a:bodyPr/>
           <a:lstStyle/>
           <a:p>
-            <a:pPr>
-              <a:tabLst>
-                <a:tab pos="0" algn="l"/>
-                <a:tab pos="457200" algn="l"/>
-                <a:tab pos="914400" algn="l"/>
-                <a:tab pos="1371600" algn="l"/>
-                <a:tab pos="1828800" algn="l"/>
-                <a:tab pos="2286000" algn="l"/>
-                <a:tab pos="2743200" algn="l"/>
-                <a:tab pos="3200400" algn="l"/>
-                <a:tab pos="3657600" algn="l"/>
-                <a:tab pos="4114800" algn="l"/>
-                <a:tab pos="4572000" algn="l"/>
-                <a:tab pos="5029200" algn="l"/>
-                <a:tab pos="5486400" algn="l"/>
-                <a:tab pos="5943600" algn="l"/>
-                <a:tab pos="6400800" algn="l"/>
-                <a:tab pos="6858000" algn="l"/>
-                <a:tab pos="7315200" algn="l"/>
-                <a:tab pos="7772400" algn="l"/>
-                <a:tab pos="8229600" algn="l"/>
-                <a:tab pos="8686800" algn="l"/>
-                <a:tab pos="9144000" algn="l"/>
-              </a:tabLst>
-            </a:pPr>
-            <a:r>
-              <a:rPr lang="en-US" altLang="en-US" smtClean="0"/>
-              <a:t>Defining functions</a:t>
-            </a:r>
+            <a:r>
+              <a:rPr lang="en-US" dirty="0" smtClean="0"/>
+              <a:t>Question</a:t>
+            </a:r>
+            <a:endParaRPr lang="en-US" dirty="0"/>
           </a:p>
         </p:txBody>
       </p:sp>
       <p:sp>
         <p:nvSpPr>
-          <p:cNvPr id="11267" name="Rectangle 2"/>
+          <p:cNvPr id="3" name="Content Placeholder 2"/>
           <p:cNvSpPr>
-            <a:spLocks noGrp="1" noChangeArrowheads="1"/>
+            <a:spLocks noGrp="1"/>
           </p:cNvSpPr>
           <p:nvPr>
             <p:ph idx="1"/>
           </p:nvPr>
         </p:nvSpPr>
-        <p:spPr>
-          <a:xfrm>
-            <a:off x="685800" y="1981200"/>
-            <a:ext cx="7770813" cy="4113213"/>
-          </a:xfrm>
-        </p:spPr>
+        <p:spPr/>
         <p:txBody>
-          <a:bodyPr/>
+          <a:bodyPr>
+            <a:normAutofit fontScale="92500" lnSpcReduction="20000"/>
+          </a:bodyPr>
           <a:lstStyle/>
           <a:p>
-            <a:pPr indent="-341313">
-              <a:buFontTx/>
-              <a:buNone/>
-              <a:tabLst>
-                <a:tab pos="342900" algn="l"/>
-                <a:tab pos="455613" algn="l"/>
-                <a:tab pos="912813" algn="l"/>
-                <a:tab pos="1370013" algn="l"/>
-                <a:tab pos="1827213" algn="l"/>
-                <a:tab pos="2284413" algn="l"/>
-                <a:tab pos="2741613" algn="l"/>
-                <a:tab pos="3198813" algn="l"/>
-                <a:tab pos="3656013" algn="l"/>
-                <a:tab pos="4113213" algn="l"/>
-                <a:tab pos="4570413" algn="l"/>
-                <a:tab pos="5027613" algn="l"/>
-                <a:tab pos="5484813" algn="l"/>
-                <a:tab pos="5942013" algn="l"/>
-                <a:tab pos="6399213" algn="l"/>
-                <a:tab pos="6856413" algn="l"/>
-                <a:tab pos="7313613" algn="l"/>
-                <a:tab pos="7770813" algn="l"/>
-                <a:tab pos="8228013" algn="l"/>
-                <a:tab pos="8685213" algn="l"/>
-                <a:tab pos="9142413" algn="l"/>
-              </a:tabLst>
+            <a:r>
+              <a:rPr lang="en-US" dirty="0" smtClean="0"/>
+              <a:t>What order does f receive its arguments?</a:t>
+            </a:r>
+          </a:p>
+          <a:p>
+            <a:endParaRPr lang="en-US" dirty="0" smtClean="0"/>
+          </a:p>
+          <a:p>
+            <a:endParaRPr lang="en-US" dirty="0" smtClean="0"/>
+          </a:p>
+          <a:p>
+            <a:endParaRPr lang="en-US" dirty="0" smtClean="0"/>
+          </a:p>
+          <a:p>
+            <a:endParaRPr lang="en-US" dirty="0" smtClean="0"/>
+          </a:p>
+          <a:p>
+            <a:pPr marL="514350" indent="-514350">
+              <a:buAutoNum type="alphaLcParenR"/>
             </a:pPr>
             <a:r>
-              <a:rPr lang="en-US" altLang="en-US" smtClean="0"/>
-              <a:t>Function Declarations:</a:t>
-            </a:r>
+              <a:rPr lang="en-US" dirty="0" err="1" smtClean="0"/>
+              <a:t>foo</a:t>
+            </a:r>
+            <a:r>
+              <a:rPr lang="en-US" dirty="0" smtClean="0"/>
+              <a:t> bar </a:t>
+            </a:r>
+            <a:r>
+              <a:rPr lang="en-US" dirty="0" err="1" smtClean="0"/>
+              <a:t>baz</a:t>
+            </a:r>
+            <a:endParaRPr lang="en-US" dirty="0" smtClean="0"/>
+          </a:p>
+          <a:p>
+            <a:pPr marL="514350" indent="-514350">
+              <a:buAutoNum type="alphaLcParenR"/>
+            </a:pPr>
+            <a:r>
+              <a:rPr lang="en-US" dirty="0" err="1" smtClean="0"/>
+              <a:t>foo</a:t>
+            </a:r>
+            <a:r>
+              <a:rPr lang="en-US" dirty="0" smtClean="0"/>
+              <a:t> </a:t>
+            </a:r>
+            <a:r>
+              <a:rPr lang="en-US" dirty="0" err="1" smtClean="0"/>
+              <a:t>baz</a:t>
+            </a:r>
+            <a:r>
+              <a:rPr lang="en-US" dirty="0" smtClean="0"/>
+              <a:t> bar</a:t>
+            </a:r>
+          </a:p>
+          <a:p>
+            <a:pPr marL="514350" indent="-514350">
+              <a:buAutoNum type="alphaLcParenR"/>
+            </a:pPr>
+            <a:r>
+              <a:rPr lang="en-US" dirty="0" smtClean="0"/>
+              <a:t>bar </a:t>
+            </a:r>
+            <a:r>
+              <a:rPr lang="en-US" dirty="0" err="1" smtClean="0"/>
+              <a:t>foo</a:t>
+            </a:r>
+            <a:r>
+              <a:rPr lang="en-US" dirty="0" smtClean="0"/>
+              <a:t> </a:t>
+            </a:r>
+            <a:r>
+              <a:rPr lang="en-US" dirty="0" err="1" smtClean="0"/>
+              <a:t>baz</a:t>
+            </a:r>
+            <a:endParaRPr lang="en-US" dirty="0" smtClean="0"/>
+          </a:p>
+          <a:p>
+            <a:pPr marL="514350" indent="-514350">
+              <a:buAutoNum type="alphaLcParenR"/>
+            </a:pPr>
+            <a:r>
+              <a:rPr lang="en-US" dirty="0" err="1" smtClean="0"/>
+              <a:t>foo</a:t>
+            </a:r>
+            <a:r>
+              <a:rPr lang="en-US" dirty="0" smtClean="0"/>
+              <a:t> </a:t>
+            </a:r>
+            <a:r>
+              <a:rPr lang="en-US" dirty="0" err="1" smtClean="0"/>
+              <a:t>baz</a:t>
+            </a:r>
+            <a:endParaRPr lang="en-US" dirty="0" smtClean="0"/>
+          </a:p>
+          <a:p>
+            <a:endParaRPr lang="en-US" dirty="0"/>
           </a:p>
         </p:txBody>
       </p:sp>
       <p:pic>
         <p:nvPicPr>
-          <p:cNvPr id="11268" name="Picture 3"/>
+          <p:cNvPr id="2050" name="Picture 2"/>
           <p:cNvPicPr>
             <a:picLocks noChangeAspect="1" noChangeArrowheads="1"/>
           </p:cNvPicPr>
           <p:nvPr/>
         </p:nvPicPr>
         <p:blipFill>
-          <a:blip r:embed="rId3">
-            <a:extLst>
-              <a:ext uri="{28A0092B-C50C-407E-A947-70E740481C1C}">
-                <a14:useLocalDpi xmlns:a14="http://schemas.microsoft.com/office/drawing/2010/main" val="0"/>
-              </a:ext>
-            </a:extLst>
-          </a:blip>
+          <a:blip r:embed="rId2" cstate="print"/>
           <a:srcRect/>
           <a:stretch>
             <a:fillRect/>
@@ -14945,70 +16127,31 @@
         </p:blipFill>
         <p:spPr bwMode="auto">
           <a:xfrm>
-            <a:off x="1065213" y="3382963"/>
-            <a:ext cx="6981825" cy="1463675"/>
+            <a:off x="1981200" y="2514600"/>
+            <a:ext cx="5388990" cy="1524000"/>
           </a:xfrm>
           <a:prstGeom prst="rect">
             <a:avLst/>
           </a:prstGeom>
           <a:noFill/>
-          <a:ln>
+          <a:ln w="9525">
             <a:noFill/>
+            <a:miter lim="800000"/>
+            <a:headEnd/>
+            <a:tailEnd/>
           </a:ln>
-          <a:extLst>
-            <a:ext uri="{909E8E84-426E-40DD-AFC4-6F175D3DCCD1}">
-              <a14:hiddenFill xmlns:a14="http://schemas.microsoft.com/office/drawing/2010/main">
-                <a:solidFill>
-                  <a:srgbClr val="FFFFFF"/>
-                </a:solidFill>
-              </a14:hiddenFill>
-            </a:ext>
-            <a:ext uri="{91240B29-F687-4F45-9708-019B960494DF}">
-              <a14:hiddenLine xmlns:a14="http://schemas.microsoft.com/office/drawing/2010/main" w="9525">
-                <a:solidFill>
-                  <a:srgbClr val="000000"/>
-                </a:solidFill>
-                <a:round/>
-                <a:headEnd/>
-                <a:tailEnd/>
-              </a14:hiddenLine>
-            </a:ext>
-          </a:extLst>
         </p:spPr>
       </p:pic>
     </p:spTree>
+    <p:extLst>
+      <p:ext uri="{BB962C8B-B14F-4D97-AF65-F5344CB8AC3E}">
+        <p14:creationId xmlns:p14="http://schemas.microsoft.com/office/powerpoint/2010/main" val="813661869"/>
+      </p:ext>
+    </p:extLst>
   </p:cSld>
   <p:clrMapOvr>
     <a:masterClrMapping/>
   </p:clrMapOvr>
-  <p:transition spd="med"/>
-  <p:timing>
-    <p:tnLst>
-      <p:par>
-        <p:cTn id="1" dur="indefinite" restart="never" nodeType="tmRoot">
-          <p:childTnLst>
-            <p:seq concurrent="1" nextAc="seek">
-              <p:cTn id="2" dur="0" nodeType="mainSeq"/>
-              <p:prevCondLst>
-                <p:cond evt="onPrev" delay="0">
-                  <p:tgtEl>
-                    <p:sldTgt/>
-                  </p:tgtEl>
-                </p:cond>
-              </p:prevCondLst>
-              <p:nextCondLst>
-                <p:cond evt="onNext" delay="0">
-                  <p:tgtEl>
-                    <p:sldTgt/>
-                  </p:tgtEl>
-                </p:cond>
-              </p:nextCondLst>
-            </p:seq>
-          </p:childTnLst>
-        </p:cTn>
-      </p:par>
-    </p:tnLst>
-  </p:timing>
 </p:sld>
 </file>
 
@@ -15031,9 +16174,9 @@
       </p:grpSpPr>
       <p:sp>
         <p:nvSpPr>
-          <p:cNvPr id="12290" name="Rectangle 1"/>
+          <p:cNvPr id="2" name="Title 1"/>
           <p:cNvSpPr>
-            <a:spLocks noGrp="1" noChangeArrowheads="1"/>
+            <a:spLocks noGrp="1"/>
           </p:cNvSpPr>
           <p:nvPr>
             <p:ph type="title"/>
@@ -15041,161 +16184,92 @@
         </p:nvSpPr>
         <p:spPr>
           <a:xfrm>
-            <a:off x="685800" y="609600"/>
-            <a:ext cx="7770813" cy="1141413"/>
+            <a:off x="685800" y="295275"/>
+            <a:ext cx="7772400" cy="1143000"/>
           </a:xfrm>
         </p:spPr>
         <p:txBody>
           <a:bodyPr/>
           <a:lstStyle/>
           <a:p>
-            <a:pPr>
-              <a:tabLst>
-                <a:tab pos="0" algn="l"/>
-                <a:tab pos="457200" algn="l"/>
-                <a:tab pos="914400" algn="l"/>
-                <a:tab pos="1371600" algn="l"/>
-                <a:tab pos="1828800" algn="l"/>
-                <a:tab pos="2286000" algn="l"/>
-                <a:tab pos="2743200" algn="l"/>
-                <a:tab pos="3200400" algn="l"/>
-                <a:tab pos="3657600" algn="l"/>
-                <a:tab pos="4114800" algn="l"/>
-                <a:tab pos="4572000" algn="l"/>
-                <a:tab pos="5029200" algn="l"/>
-                <a:tab pos="5486400" algn="l"/>
-                <a:tab pos="5943600" algn="l"/>
-                <a:tab pos="6400800" algn="l"/>
-                <a:tab pos="6858000" algn="l"/>
-                <a:tab pos="7315200" algn="l"/>
-                <a:tab pos="7772400" algn="l"/>
-                <a:tab pos="8229600" algn="l"/>
-                <a:tab pos="8686800" algn="l"/>
-                <a:tab pos="9144000" algn="l"/>
-              </a:tabLst>
-            </a:pPr>
-            <a:r>
-              <a:rPr lang="en-US" altLang="en-US" smtClean="0"/>
-              <a:t>Arguments</a:t>
-            </a:r>
+            <a:r>
+              <a:rPr lang="en-GB" dirty="0" smtClean="0"/>
+              <a:t>Answer</a:t>
+            </a:r>
+            <a:endParaRPr lang="en-GB" dirty="0"/>
           </a:p>
         </p:txBody>
       </p:sp>
       <p:sp>
         <p:nvSpPr>
-          <p:cNvPr id="12291" name="Rectangle 2"/>
+          <p:cNvPr id="3" name="Content Placeholder 2"/>
           <p:cNvSpPr>
-            <a:spLocks noGrp="1" noChangeArrowheads="1"/>
+            <a:spLocks noGrp="1"/>
           </p:cNvSpPr>
           <p:nvPr>
             <p:ph idx="1"/>
           </p:nvPr>
         </p:nvSpPr>
-        <p:spPr>
-          <a:xfrm>
-            <a:off x="685800" y="1981200"/>
-            <a:ext cx="7770813" cy="4113213"/>
-          </a:xfrm>
-        </p:spPr>
+        <p:spPr/>
         <p:txBody>
           <a:bodyPr/>
           <a:lstStyle/>
           <a:p>
-            <a:pPr>
-              <a:buFont typeface="Times New Roman" panose="02020603050405020304" pitchFamily="18" charset="0"/>
+            <a:pPr marL="0" indent="0">
               <a:buNone/>
             </a:pPr>
-            <a:endParaRPr lang="en-US" altLang="en-US" smtClean="0"/>
+            <a:r>
+              <a:rPr lang="en-GB" dirty="0" smtClean="0"/>
+              <a:t>b) foo </a:t>
+            </a:r>
+            <a:r>
+              <a:rPr lang="en-GB" dirty="0" err="1"/>
+              <a:t>baz</a:t>
+            </a:r>
+            <a:r>
+              <a:rPr lang="en-GB" dirty="0"/>
+              <a:t> bar</a:t>
+            </a:r>
+          </a:p>
+          <a:p>
+            <a:endParaRPr lang="en-GB" dirty="0"/>
           </a:p>
         </p:txBody>
       </p:sp>
       <p:pic>
         <p:nvPicPr>
-          <p:cNvPr id="12292" name="Picture 3"/>
+          <p:cNvPr id="4" name="Picture 3"/>
           <p:cNvPicPr>
-            <a:picLocks noChangeAspect="1" noChangeArrowheads="1"/>
+            <a:picLocks noChangeAspect="1"/>
           </p:cNvPicPr>
           <p:nvPr/>
         </p:nvPicPr>
         <p:blipFill>
-          <a:blip r:embed="rId3">
-            <a:extLst>
-              <a:ext uri="{28A0092B-C50C-407E-A947-70E740481C1C}">
-                <a14:useLocalDpi xmlns:a14="http://schemas.microsoft.com/office/drawing/2010/main" val="0"/>
-              </a:ext>
-            </a:extLst>
-          </a:blip>
-          <a:srcRect/>
+          <a:blip r:embed="rId2"/>
           <a:stretch>
             <a:fillRect/>
           </a:stretch>
         </p:blipFill>
-        <p:spPr bwMode="auto">
+        <p:spPr>
           <a:xfrm>
-            <a:off x="414338" y="2286000"/>
-            <a:ext cx="8362950" cy="3343275"/>
+            <a:off x="3733800" y="1752600"/>
+            <a:ext cx="4980059" cy="4657725"/>
           </a:xfrm>
           <a:prstGeom prst="rect">
             <a:avLst/>
           </a:prstGeom>
-          <a:noFill/>
-          <a:ln>
-            <a:noFill/>
-          </a:ln>
-          <a:extLst>
-            <a:ext uri="{909E8E84-426E-40DD-AFC4-6F175D3DCCD1}">
-              <a14:hiddenFill xmlns:a14="http://schemas.microsoft.com/office/drawing/2010/main">
-                <a:solidFill>
-                  <a:srgbClr val="FFFFFF"/>
-                </a:solidFill>
-              </a14:hiddenFill>
-            </a:ext>
-            <a:ext uri="{91240B29-F687-4F45-9708-019B960494DF}">
-              <a14:hiddenLine xmlns:a14="http://schemas.microsoft.com/office/drawing/2010/main" w="9525">
-                <a:solidFill>
-                  <a:srgbClr val="000000"/>
-                </a:solidFill>
-                <a:round/>
-                <a:headEnd/>
-                <a:tailEnd/>
-              </a14:hiddenLine>
-            </a:ext>
-          </a:extLst>
         </p:spPr>
       </p:pic>
     </p:spTree>
+    <p:extLst>
+      <p:ext uri="{BB962C8B-B14F-4D97-AF65-F5344CB8AC3E}">
+        <p14:creationId xmlns:p14="http://schemas.microsoft.com/office/powerpoint/2010/main" val="496122446"/>
+      </p:ext>
+    </p:extLst>
   </p:cSld>
   <p:clrMapOvr>
     <a:masterClrMapping/>
   </p:clrMapOvr>
-  <p:transition spd="med"/>
-  <p:timing>
-    <p:tnLst>
-      <p:par>
-        <p:cTn id="1" dur="indefinite" restart="never" nodeType="tmRoot">
-          <p:childTnLst>
-            <p:seq concurrent="1" nextAc="seek">
-              <p:cTn id="2" dur="0" nodeType="mainSeq"/>
-              <p:prevCondLst>
-                <p:cond evt="onPrev" delay="0">
-                  <p:tgtEl>
-                    <p:sldTgt/>
-                  </p:tgtEl>
-                </p:cond>
-              </p:prevCondLst>
-              <p:nextCondLst>
-                <p:cond evt="onNext" delay="0">
-                  <p:tgtEl>
-                    <p:sldTgt/>
-                  </p:tgtEl>
-                </p:cond>
-              </p:nextCondLst>
-            </p:seq>
-          </p:childTnLst>
-        </p:cTn>
-      </p:par>
-    </p:tnLst>
-  </p:timing>
 </p:sld>
 </file>
 
@@ -15218,61 +16292,32 @@
       </p:grpSpPr>
       <p:sp>
         <p:nvSpPr>
-          <p:cNvPr id="13314" name="Rectangle 1"/>
+          <p:cNvPr id="2" name="Title 1"/>
           <p:cNvSpPr>
-            <a:spLocks noGrp="1" noChangeArrowheads="1"/>
+            <a:spLocks noGrp="1"/>
           </p:cNvSpPr>
           <p:nvPr>
             <p:ph type="title"/>
           </p:nvPr>
         </p:nvSpPr>
-        <p:spPr>
-          <a:xfrm>
-            <a:off x="685800" y="609600"/>
-            <a:ext cx="7770813" cy="1141413"/>
-          </a:xfrm>
-        </p:spPr>
+        <p:spPr/>
         <p:txBody>
           <a:bodyPr/>
           <a:lstStyle/>
           <a:p>
-            <a:pPr>
-              <a:tabLst>
-                <a:tab pos="0" algn="l"/>
-                <a:tab pos="457200" algn="l"/>
-                <a:tab pos="914400" algn="l"/>
-                <a:tab pos="1371600" algn="l"/>
-                <a:tab pos="1828800" algn="l"/>
-                <a:tab pos="2286000" algn="l"/>
-                <a:tab pos="2743200" algn="l"/>
-                <a:tab pos="3200400" algn="l"/>
-                <a:tab pos="3657600" algn="l"/>
-                <a:tab pos="4114800" algn="l"/>
-                <a:tab pos="4572000" algn="l"/>
-                <a:tab pos="5029200" algn="l"/>
-                <a:tab pos="5486400" algn="l"/>
-                <a:tab pos="5943600" algn="l"/>
-                <a:tab pos="6400800" algn="l"/>
-                <a:tab pos="6858000" algn="l"/>
-                <a:tab pos="7315200" algn="l"/>
-                <a:tab pos="7772400" algn="l"/>
-                <a:tab pos="8229600" algn="l"/>
-                <a:tab pos="8686800" algn="l"/>
-                <a:tab pos="9144000" algn="l"/>
-              </a:tabLst>
-            </a:pPr>
-            <a:r>
-              <a:rPr lang="en-US" altLang="en-US" smtClean="0"/>
-              <a:t>Calling a Function</a:t>
-            </a:r>
+            <a:r>
+              <a:rPr lang="en-US" dirty="0" smtClean="0"/>
+              <a:t>Question</a:t>
+            </a:r>
+            <a:endParaRPr lang="en-US" dirty="0"/>
           </a:p>
         </p:txBody>
       </p:sp>
       <p:sp>
         <p:nvSpPr>
-          <p:cNvPr id="13315" name="Rectangle 2"/>
+          <p:cNvPr id="3" name="Content Placeholder 2"/>
           <p:cNvSpPr>
-            <a:spLocks noGrp="1" noChangeArrowheads="1"/>
+            <a:spLocks noGrp="1"/>
           </p:cNvSpPr>
           <p:nvPr>
             <p:ph idx="1"/>
@@ -15281,134 +16326,80 @@
         <p:spPr>
           <a:xfrm>
             <a:off x="685800" y="1981200"/>
-            <a:ext cx="7770813" cy="4113213"/>
+            <a:ext cx="7772400" cy="4495800"/>
           </a:xfrm>
         </p:spPr>
         <p:txBody>
-          <a:bodyPr/>
+          <a:bodyPr>
+            <a:normAutofit fontScale="85000" lnSpcReduction="20000"/>
+          </a:bodyPr>
           <a:lstStyle/>
           <a:p>
-            <a:pPr indent="-341313">
-              <a:buFontTx/>
-              <a:buNone/>
-              <a:tabLst>
-                <a:tab pos="342900" algn="l"/>
-                <a:tab pos="455613" algn="l"/>
-                <a:tab pos="912813" algn="l"/>
-                <a:tab pos="1370013" algn="l"/>
-                <a:tab pos="1827213" algn="l"/>
-                <a:tab pos="2284413" algn="l"/>
-                <a:tab pos="2741613" algn="l"/>
-                <a:tab pos="3198813" algn="l"/>
-                <a:tab pos="3656013" algn="l"/>
-                <a:tab pos="4113213" algn="l"/>
-                <a:tab pos="4570413" algn="l"/>
-                <a:tab pos="5027613" algn="l"/>
-                <a:tab pos="5484813" algn="l"/>
-                <a:tab pos="5942013" algn="l"/>
-                <a:tab pos="6399213" algn="l"/>
-                <a:tab pos="6856413" algn="l"/>
-                <a:tab pos="7313613" algn="l"/>
-                <a:tab pos="7770813" algn="l"/>
-                <a:tab pos="8228013" algn="l"/>
-                <a:tab pos="8685213" algn="l"/>
-                <a:tab pos="9142413" algn="l"/>
-              </a:tabLst>
+            <a:r>
+              <a:rPr lang="en-US" dirty="0" smtClean="0"/>
+              <a:t>Which of the following is correct about the expression 1==“1.0” in </a:t>
+            </a:r>
+            <a:r>
+              <a:rPr lang="en-US" dirty="0" err="1" smtClean="0"/>
+              <a:t>Javascript</a:t>
+            </a:r>
+            <a:r>
+              <a:rPr lang="en-US" dirty="0" smtClean="0"/>
+              <a:t>?</a:t>
+            </a:r>
+          </a:p>
+          <a:p>
+            <a:endParaRPr lang="en-US" dirty="0" smtClean="0"/>
+          </a:p>
+          <a:p>
+            <a:pPr marL="514350" indent="-514350">
+              <a:buAutoNum type="alphaLcParenR"/>
             </a:pPr>
             <a:r>
-              <a:rPr lang="en-US" altLang="en-US" smtClean="0"/>
-              <a:t>You can call Javascript functions by simply call the function name</a:t>
-            </a:r>
+              <a:rPr lang="en-US" dirty="0" smtClean="0"/>
+              <a:t>It returns false. The two values have different types.</a:t>
+            </a:r>
+          </a:p>
+          <a:p>
+            <a:pPr marL="514350" indent="-514350">
+              <a:buAutoNum type="alphaLcParenR"/>
+            </a:pPr>
+            <a:r>
+              <a:rPr lang="en-US" dirty="0" smtClean="0"/>
+              <a:t>It returns true.  The two values are converted to strings and are equal.</a:t>
+            </a:r>
+          </a:p>
+          <a:p>
+            <a:pPr marL="514350" indent="-514350">
+              <a:buAutoNum type="alphaLcParenR"/>
+            </a:pPr>
+            <a:r>
+              <a:rPr lang="en-US" dirty="0" smtClean="0"/>
+              <a:t>It returns false.  The two values are converted to strings and are not equal.</a:t>
+            </a:r>
+          </a:p>
+          <a:p>
+            <a:pPr marL="514350" indent="-514350">
+              <a:buAutoNum type="alphaLcParenR"/>
+            </a:pPr>
+            <a:r>
+              <a:rPr lang="en-US" dirty="0" smtClean="0"/>
+              <a:t>It returns true. The two values are converted to numbers and are equal.</a:t>
+            </a:r>
+            <a:endParaRPr lang="en-US" dirty="0"/>
           </a:p>
         </p:txBody>
       </p:sp>
-      <p:pic>
-        <p:nvPicPr>
-          <p:cNvPr id="13316" name="Picture 3"/>
-          <p:cNvPicPr>
-            <a:picLocks noChangeAspect="1" noChangeArrowheads="1"/>
-          </p:cNvPicPr>
-          <p:nvPr/>
-        </p:nvPicPr>
-        <p:blipFill>
-          <a:blip r:embed="rId3">
-            <a:extLst>
-              <a:ext uri="{28A0092B-C50C-407E-A947-70E740481C1C}">
-                <a14:useLocalDpi xmlns:a14="http://schemas.microsoft.com/office/drawing/2010/main" val="0"/>
-              </a:ext>
-            </a:extLst>
-          </a:blip>
-          <a:srcRect/>
-          <a:stretch>
-            <a:fillRect/>
-          </a:stretch>
-        </p:blipFill>
-        <p:spPr bwMode="auto">
-          <a:xfrm>
-            <a:off x="457200" y="3565525"/>
-            <a:ext cx="7681913" cy="1920875"/>
-          </a:xfrm>
-          <a:prstGeom prst="rect">
-            <a:avLst/>
-          </a:prstGeom>
-          <a:noFill/>
-          <a:ln>
-            <a:noFill/>
-          </a:ln>
-          <a:extLst>
-            <a:ext uri="{909E8E84-426E-40DD-AFC4-6F175D3DCCD1}">
-              <a14:hiddenFill xmlns:a14="http://schemas.microsoft.com/office/drawing/2010/main">
-                <a:solidFill>
-                  <a:srgbClr val="FFFFFF"/>
-                </a:solidFill>
-              </a14:hiddenFill>
-            </a:ext>
-            <a:ext uri="{91240B29-F687-4F45-9708-019B960494DF}">
-              <a14:hiddenLine xmlns:a14="http://schemas.microsoft.com/office/drawing/2010/main" w="9525">
-                <a:solidFill>
-                  <a:srgbClr val="000000"/>
-                </a:solidFill>
-                <a:round/>
-                <a:headEnd/>
-                <a:tailEnd/>
-              </a14:hiddenLine>
-            </a:ext>
-          </a:extLst>
-        </p:spPr>
-      </p:pic>
     </p:spTree>
+    <p:extLst>
+      <p:ext uri="{BB962C8B-B14F-4D97-AF65-F5344CB8AC3E}">
+        <p14:creationId xmlns:p14="http://schemas.microsoft.com/office/powerpoint/2010/main" val="1380963765"/>
+      </p:ext>
+    </p:extLst>
   </p:cSld>
   <p:clrMapOvr>
     <a:masterClrMapping/>
   </p:clrMapOvr>
-  <p:transition spd="med"/>
-  <p:timing>
-    <p:tnLst>
-      <p:par>
-        <p:cTn id="1" dur="indefinite" restart="never" nodeType="tmRoot">
-          <p:childTnLst>
-            <p:seq concurrent="1" nextAc="seek">
-              <p:cTn id="2" dur="0" nodeType="mainSeq"/>
-              <p:prevCondLst>
-                <p:cond evt="onPrev" delay="0">
-                  <p:tgtEl>
-                    <p:sldTgt/>
-                  </p:tgtEl>
-                </p:cond>
-              </p:prevCondLst>
-              <p:nextCondLst>
-                <p:cond evt="onNext" delay="0">
-                  <p:tgtEl>
-                    <p:sldTgt/>
-                  </p:tgtEl>
-                </p:cond>
-              </p:nextCondLst>
-            </p:seq>
-          </p:childTnLst>
-        </p:cTn>
-      </p:par>
-    </p:tnLst>
-  </p:timing>
 </p:sld>
 </file>
 
